--- a/Praesentation_medienverarbeitung.pptx
+++ b/Praesentation_medienverarbeitung.pptx
@@ -10,20 +10,21 @@
     <p:sldId id="258" r:id="rId4"/>
     <p:sldId id="266" r:id="rId5"/>
     <p:sldId id="265" r:id="rId6"/>
-    <p:sldId id="267" r:id="rId7"/>
-    <p:sldId id="275" r:id="rId8"/>
-    <p:sldId id="269" r:id="rId9"/>
-    <p:sldId id="273" r:id="rId10"/>
-    <p:sldId id="271" r:id="rId11"/>
-    <p:sldId id="270" r:id="rId12"/>
-    <p:sldId id="274" r:id="rId13"/>
-    <p:sldId id="264" r:id="rId14"/>
-    <p:sldId id="259" r:id="rId15"/>
-    <p:sldId id="260" r:id="rId16"/>
-    <p:sldId id="261" r:id="rId17"/>
-    <p:sldId id="262" r:id="rId18"/>
-    <p:sldId id="263" r:id="rId19"/>
-    <p:sldId id="272" r:id="rId20"/>
+    <p:sldId id="276" r:id="rId7"/>
+    <p:sldId id="267" r:id="rId8"/>
+    <p:sldId id="275" r:id="rId9"/>
+    <p:sldId id="269" r:id="rId10"/>
+    <p:sldId id="273" r:id="rId11"/>
+    <p:sldId id="271" r:id="rId12"/>
+    <p:sldId id="270" r:id="rId13"/>
+    <p:sldId id="274" r:id="rId14"/>
+    <p:sldId id="264" r:id="rId15"/>
+    <p:sldId id="259" r:id="rId16"/>
+    <p:sldId id="260" r:id="rId17"/>
+    <p:sldId id="261" r:id="rId18"/>
+    <p:sldId id="262" r:id="rId19"/>
+    <p:sldId id="263" r:id="rId20"/>
+    <p:sldId id="272" r:id="rId21"/>
   </p:sldIdLst>
   <p:sldSz cx="12192000" cy="6858000"/>
   <p:notesSz cx="6858000" cy="9144000"/>
@@ -122,7 +123,3864 @@
       </a:defRPr>
     </a:lvl9pPr>
   </p:defaultTextStyle>
+  <p:extLst>
+    <p:ext uri="{EFAFB233-063F-42B5-8137-9DF3F51BA10A}">
+      <p15:sldGuideLst xmlns:p15="http://schemas.microsoft.com/office/powerpoint/2012/main"/>
+    </p:ext>
+  </p:extLst>
 </p:presentation>
+</file>
+
+<file path=ppt/charts/chart1.xml><?xml version="1.0" encoding="utf-8"?>
+<c:chartSpace xmlns:c="http://schemas.openxmlformats.org/drawingml/2006/chart" xmlns:a="http://schemas.openxmlformats.org/drawingml/2006/main" xmlns:r="http://schemas.openxmlformats.org/officeDocument/2006/relationships" xmlns:c16r2="http://schemas.microsoft.com/office/drawing/2015/06/chart">
+  <c:date1904 val="0"/>
+  <c:lang val="de-DE"/>
+  <c:roundedCorners val="0"/>
+  <mc:AlternateContent xmlns:mc="http://schemas.openxmlformats.org/markup-compatibility/2006">
+    <mc:Choice xmlns:c14="http://schemas.microsoft.com/office/drawing/2007/8/2/chart" Requires="c14">
+      <c14:style val="102"/>
+    </mc:Choice>
+    <mc:Fallback>
+      <c:style val="2"/>
+    </mc:Fallback>
+  </mc:AlternateContent>
+  <c:chart>
+    <c:title>
+      <c:tx>
+        <c:rich>
+          <a:bodyPr rot="0" spcFirstLastPara="1" vertOverflow="ellipsis" vert="horz" wrap="square" anchor="ctr" anchorCtr="1"/>
+          <a:lstStyle/>
+          <a:p>
+            <a:pPr>
+              <a:defRPr sz="2128" b="0" i="0" u="none" strike="noStrike" kern="1200" cap="none" spc="50" normalizeH="0" baseline="0">
+                <a:solidFill>
+                  <a:schemeClr val="tx1">
+                    <a:lumMod val="65000"/>
+                    <a:lumOff val="35000"/>
+                  </a:schemeClr>
+                </a:solidFill>
+                <a:latin typeface="+mj-lt"/>
+                <a:ea typeface="+mj-ea"/>
+                <a:cs typeface="+mj-cs"/>
+              </a:defRPr>
+            </a:pPr>
+            <a:r>
+              <a:rPr lang="de-DE" noProof="0" dirty="0"/>
+              <a:t>Prozentualer</a:t>
+            </a:r>
+            <a:r>
+              <a:rPr lang="de-DE" baseline="0" noProof="0" dirty="0"/>
+              <a:t> </a:t>
+            </a:r>
+            <a:r>
+              <a:rPr lang="de-DE" baseline="0" noProof="0" dirty="0" err="1"/>
+              <a:t>Smartphonebesitz</a:t>
+            </a:r>
+            <a:r>
+              <a:rPr lang="de-DE" baseline="0" noProof="0" dirty="0"/>
+              <a:t> bei Kindern</a:t>
+            </a:r>
+            <a:endParaRPr lang="de-DE" noProof="0" dirty="0"/>
+          </a:p>
+        </c:rich>
+      </c:tx>
+      <c:layout>
+        <c:manualLayout>
+          <c:xMode val="edge"/>
+          <c:yMode val="edge"/>
+          <c:x val="0.16434803238044834"/>
+          <c:y val="1.6952180390776679E-2"/>
+        </c:manualLayout>
+      </c:layout>
+      <c:overlay val="0"/>
+      <c:spPr>
+        <a:noFill/>
+        <a:ln>
+          <a:noFill/>
+        </a:ln>
+        <a:effectLst/>
+      </c:spPr>
+      <c:txPr>
+        <a:bodyPr rot="0" spcFirstLastPara="1" vertOverflow="ellipsis" vert="horz" wrap="square" anchor="ctr" anchorCtr="1"/>
+        <a:lstStyle/>
+        <a:p>
+          <a:pPr>
+            <a:defRPr sz="2128" b="0" i="0" u="none" strike="noStrike" kern="1200" cap="none" spc="50" normalizeH="0" baseline="0">
+              <a:solidFill>
+                <a:schemeClr val="tx1">
+                  <a:lumMod val="65000"/>
+                  <a:lumOff val="35000"/>
+                </a:schemeClr>
+              </a:solidFill>
+              <a:latin typeface="+mj-lt"/>
+              <a:ea typeface="+mj-ea"/>
+              <a:cs typeface="+mj-cs"/>
+            </a:defRPr>
+          </a:pPr>
+          <a:endParaRPr lang="de-DE"/>
+        </a:p>
+      </c:txPr>
+    </c:title>
+    <c:autoTitleDeleted val="0"/>
+    <c:plotArea>
+      <c:layout/>
+      <c:barChart>
+        <c:barDir val="col"/>
+        <c:grouping val="clustered"/>
+        <c:varyColors val="0"/>
+        <c:ser>
+          <c:idx val="0"/>
+          <c:order val="0"/>
+          <c:tx>
+            <c:strRef>
+              <c:f>Tabelle1!$B$1</c:f>
+              <c:strCache>
+                <c:ptCount val="1"/>
+                <c:pt idx="0">
+                  <c:v>Alter der Kinder</c:v>
+                </c:pt>
+              </c:strCache>
+            </c:strRef>
+          </c:tx>
+          <c:spPr>
+            <a:solidFill>
+              <a:schemeClr val="accent1">
+                <a:alpha val="70000"/>
+              </a:schemeClr>
+            </a:solidFill>
+            <a:ln>
+              <a:noFill/>
+            </a:ln>
+            <a:effectLst/>
+          </c:spPr>
+          <c:invertIfNegative val="0"/>
+          <c:cat>
+            <c:strRef>
+              <c:f>Tabelle1!$A$2:$A$6</c:f>
+              <c:strCache>
+                <c:ptCount val="5"/>
+                <c:pt idx="0">
+                  <c:v>06 - 07 Jahre</c:v>
+                </c:pt>
+                <c:pt idx="1">
+                  <c:v>08 - 09 Jahre</c:v>
+                </c:pt>
+                <c:pt idx="2">
+                  <c:v>10 - 11 Jahre</c:v>
+                </c:pt>
+                <c:pt idx="3">
+                  <c:v>12 - 13 Jahre</c:v>
+                </c:pt>
+                <c:pt idx="4">
+                  <c:v>14 - 15 Jahre</c:v>
+                </c:pt>
+              </c:strCache>
+            </c:strRef>
+          </c:cat>
+          <c:val>
+            <c:numRef>
+              <c:f>Tabelle1!$B$2:$B$6</c:f>
+              <c:numCache>
+                <c:formatCode>General</c:formatCode>
+                <c:ptCount val="5"/>
+                <c:pt idx="0">
+                  <c:v>6</c:v>
+                </c:pt>
+                <c:pt idx="1">
+                  <c:v>33</c:v>
+                </c:pt>
+                <c:pt idx="2">
+                  <c:v>75</c:v>
+                </c:pt>
+                <c:pt idx="3">
+                  <c:v>95</c:v>
+                </c:pt>
+                <c:pt idx="4">
+                  <c:v>95</c:v>
+                </c:pt>
+              </c:numCache>
+            </c:numRef>
+          </c:val>
+          <c:extLst>
+            <c:ext xmlns:c16="http://schemas.microsoft.com/office/drawing/2014/chart" uri="{C3380CC4-5D6E-409C-BE32-E72D297353CC}">
+              <c16:uniqueId val="{00000000-DC8F-486D-A2D6-3107917BBA32}"/>
+            </c:ext>
+          </c:extLst>
+        </c:ser>
+        <c:dLbls>
+          <c:showLegendKey val="0"/>
+          <c:showVal val="0"/>
+          <c:showCatName val="0"/>
+          <c:showSerName val="0"/>
+          <c:showPercent val="0"/>
+          <c:showBubbleSize val="0"/>
+        </c:dLbls>
+        <c:gapWidth val="80"/>
+        <c:overlap val="25"/>
+        <c:axId val="701311424"/>
+        <c:axId val="701316672"/>
+        <c:extLst>
+          <c:ext xmlns:c15="http://schemas.microsoft.com/office/drawing/2012/chart" uri="{02D57815-91ED-43cb-92C2-25804820EDAC}">
+            <c15:filteredBarSeries>
+              <c15:ser>
+                <c:idx val="1"/>
+                <c:order val="1"/>
+                <c:spPr>
+                  <a:solidFill>
+                    <a:schemeClr val="accent2">
+                      <a:alpha val="70000"/>
+                    </a:schemeClr>
+                  </a:solidFill>
+                  <a:ln>
+                    <a:noFill/>
+                  </a:ln>
+                  <a:effectLst/>
+                </c:spPr>
+                <c:invertIfNegative val="0"/>
+                <c:cat>
+                  <c:strRef>
+                    <c:extLst>
+                      <c:ext uri="{02D57815-91ED-43cb-92C2-25804820EDAC}">
+                        <c15:formulaRef>
+                          <c15:sqref>Tabelle1!$A$2:$A$6</c15:sqref>
+                        </c15:formulaRef>
+                      </c:ext>
+                    </c:extLst>
+                    <c:strCache>
+                      <c:ptCount val="5"/>
+                      <c:pt idx="0">
+                        <c:v>06 - 07 Jahre</c:v>
+                      </c:pt>
+                      <c:pt idx="1">
+                        <c:v>08 - 09 Jahre</c:v>
+                      </c:pt>
+                      <c:pt idx="2">
+                        <c:v>10 - 11 Jahre</c:v>
+                      </c:pt>
+                      <c:pt idx="3">
+                        <c:v>12 - 13 Jahre</c:v>
+                      </c:pt>
+                      <c:pt idx="4">
+                        <c:v>14 - 15 Jahre</c:v>
+                      </c:pt>
+                    </c:strCache>
+                  </c:strRef>
+                </c:cat>
+                <c:val>
+                  <c:numRef>
+                    <c:extLst>
+                      <c:ext uri="{02D57815-91ED-43cb-92C2-25804820EDAC}">
+                        <c15:formulaRef>
+                          <c15:sqref>Tabelle1!$B$2:$B$6</c15:sqref>
+                        </c15:formulaRef>
+                      </c:ext>
+                    </c:extLst>
+                    <c:numCache>
+                      <c:formatCode>General</c:formatCode>
+                      <c:ptCount val="5"/>
+                      <c:pt idx="0">
+                        <c:v>6</c:v>
+                      </c:pt>
+                      <c:pt idx="1">
+                        <c:v>33</c:v>
+                      </c:pt>
+                      <c:pt idx="2">
+                        <c:v>75</c:v>
+                      </c:pt>
+                      <c:pt idx="3">
+                        <c:v>95</c:v>
+                      </c:pt>
+                      <c:pt idx="4">
+                        <c:v>95</c:v>
+                      </c:pt>
+                    </c:numCache>
+                  </c:numRef>
+                </c:val>
+                <c:extLst>
+                  <c:ext xmlns:c16="http://schemas.microsoft.com/office/drawing/2014/chart" uri="{C3380CC4-5D6E-409C-BE32-E72D297353CC}">
+                    <c16:uniqueId val="{00000001-DC8F-486D-A2D6-3107917BBA32}"/>
+                  </c:ext>
+                </c:extLst>
+              </c15:ser>
+            </c15:filteredBarSeries>
+          </c:ext>
+        </c:extLst>
+      </c:barChart>
+      <c:catAx>
+        <c:axId val="701311424"/>
+        <c:scaling>
+          <c:orientation val="minMax"/>
+        </c:scaling>
+        <c:delete val="0"/>
+        <c:axPos val="b"/>
+        <c:numFmt formatCode="General" sourceLinked="1"/>
+        <c:majorTickMark val="none"/>
+        <c:minorTickMark val="none"/>
+        <c:tickLblPos val="nextTo"/>
+        <c:spPr>
+          <a:noFill/>
+          <a:ln w="15875" cap="flat" cmpd="sng" algn="ctr">
+            <a:solidFill>
+              <a:schemeClr val="tx1">
+                <a:lumMod val="25000"/>
+                <a:lumOff val="75000"/>
+              </a:schemeClr>
+            </a:solidFill>
+            <a:round/>
+          </a:ln>
+          <a:effectLst/>
+        </c:spPr>
+        <c:txPr>
+          <a:bodyPr rot="-60000000" spcFirstLastPara="1" vertOverflow="ellipsis" vert="horz" wrap="square" anchor="ctr" anchorCtr="1"/>
+          <a:lstStyle/>
+          <a:p>
+            <a:pPr>
+              <a:defRPr sz="1197" b="0" i="0" u="none" strike="noStrike" kern="1200" cap="none" spc="20" normalizeH="0" baseline="0">
+                <a:solidFill>
+                  <a:schemeClr val="tx1">
+                    <a:lumMod val="65000"/>
+                    <a:lumOff val="35000"/>
+                  </a:schemeClr>
+                </a:solidFill>
+                <a:latin typeface="+mn-lt"/>
+                <a:ea typeface="+mn-ea"/>
+                <a:cs typeface="+mn-cs"/>
+              </a:defRPr>
+            </a:pPr>
+            <a:endParaRPr lang="de-DE"/>
+          </a:p>
+        </c:txPr>
+        <c:crossAx val="701316672"/>
+        <c:crosses val="autoZero"/>
+        <c:auto val="1"/>
+        <c:lblAlgn val="ctr"/>
+        <c:lblOffset val="100"/>
+        <c:noMultiLvlLbl val="0"/>
+      </c:catAx>
+      <c:valAx>
+        <c:axId val="701316672"/>
+        <c:scaling>
+          <c:orientation val="minMax"/>
+        </c:scaling>
+        <c:delete val="0"/>
+        <c:axPos val="l"/>
+        <c:majorGridlines>
+          <c:spPr>
+            <a:ln w="9525" cap="flat" cmpd="sng" algn="ctr">
+              <a:solidFill>
+                <a:schemeClr val="tx1">
+                  <a:lumMod val="5000"/>
+                  <a:lumOff val="95000"/>
+                </a:schemeClr>
+              </a:solidFill>
+              <a:round/>
+            </a:ln>
+            <a:effectLst/>
+          </c:spPr>
+        </c:majorGridlines>
+        <c:numFmt formatCode="General" sourceLinked="1"/>
+        <c:majorTickMark val="none"/>
+        <c:minorTickMark val="none"/>
+        <c:tickLblPos val="nextTo"/>
+        <c:spPr>
+          <a:noFill/>
+          <a:ln>
+            <a:noFill/>
+          </a:ln>
+          <a:effectLst/>
+        </c:spPr>
+        <c:txPr>
+          <a:bodyPr rot="-60000000" spcFirstLastPara="1" vertOverflow="ellipsis" vert="horz" wrap="square" anchor="ctr" anchorCtr="1"/>
+          <a:lstStyle/>
+          <a:p>
+            <a:pPr>
+              <a:defRPr sz="1197" b="0" i="0" u="none" strike="noStrike" kern="1200" spc="20" baseline="0">
+                <a:solidFill>
+                  <a:schemeClr val="tx1">
+                    <a:lumMod val="65000"/>
+                    <a:lumOff val="35000"/>
+                  </a:schemeClr>
+                </a:solidFill>
+                <a:latin typeface="+mn-lt"/>
+                <a:ea typeface="+mn-ea"/>
+                <a:cs typeface="+mn-cs"/>
+              </a:defRPr>
+            </a:pPr>
+            <a:endParaRPr lang="de-DE"/>
+          </a:p>
+        </c:txPr>
+        <c:crossAx val="701311424"/>
+        <c:crosses val="autoZero"/>
+        <c:crossBetween val="between"/>
+      </c:valAx>
+      <c:spPr>
+        <a:solidFill>
+          <a:schemeClr val="bg2"/>
+        </a:solidFill>
+        <a:ln w="3175">
+          <a:solidFill>
+            <a:schemeClr val="tx2"/>
+          </a:solidFill>
+        </a:ln>
+        <a:effectLst/>
+      </c:spPr>
+    </c:plotArea>
+    <c:legend>
+      <c:legendPos val="b"/>
+      <c:overlay val="0"/>
+      <c:spPr>
+        <a:noFill/>
+        <a:ln>
+          <a:noFill/>
+        </a:ln>
+        <a:effectLst/>
+      </c:spPr>
+      <c:txPr>
+        <a:bodyPr rot="0" spcFirstLastPara="1" vertOverflow="ellipsis" vert="horz" wrap="square" anchor="ctr" anchorCtr="1"/>
+        <a:lstStyle/>
+        <a:p>
+          <a:pPr>
+            <a:defRPr sz="1197" b="0" i="0" u="none" strike="noStrike" kern="1200" baseline="0">
+              <a:solidFill>
+                <a:schemeClr val="tx1">
+                  <a:lumMod val="65000"/>
+                  <a:lumOff val="35000"/>
+                </a:schemeClr>
+              </a:solidFill>
+              <a:latin typeface="+mn-lt"/>
+              <a:ea typeface="+mn-ea"/>
+              <a:cs typeface="+mn-cs"/>
+            </a:defRPr>
+          </a:pPr>
+          <a:endParaRPr lang="de-DE"/>
+        </a:p>
+      </c:txPr>
+    </c:legend>
+    <c:plotVisOnly val="1"/>
+    <c:dispBlanksAs val="gap"/>
+    <c:extLst>
+      <c:ext xmlns:c16r3="http://schemas.microsoft.com/office/drawing/2017/03/chart" uri="{56B9EC1D-385E-4148-901F-78D8002777C0}">
+        <c16r3:dataDisplayOptions16>
+          <c16r3:dispNaAsBlank val="1"/>
+        </c16r3:dataDisplayOptions16>
+      </c:ext>
+    </c:extLst>
+    <c:showDLblsOverMax val="0"/>
+  </c:chart>
+  <c:spPr>
+    <a:noFill/>
+    <a:ln>
+      <a:noFill/>
+    </a:ln>
+    <a:effectLst/>
+  </c:spPr>
+  <c:txPr>
+    <a:bodyPr/>
+    <a:lstStyle/>
+    <a:p>
+      <a:pPr>
+        <a:defRPr/>
+      </a:pPr>
+      <a:endParaRPr lang="de-DE"/>
+    </a:p>
+  </c:txPr>
+  <c:externalData r:id="rId3">
+    <c:autoUpdate val="0"/>
+  </c:externalData>
+</c:chartSpace>
+</file>
+
+<file path=ppt/charts/colors1.xml><?xml version="1.0" encoding="utf-8"?>
+<cs:colorStyle xmlns:cs="http://schemas.microsoft.com/office/drawing/2012/chartStyle" xmlns:a="http://schemas.openxmlformats.org/drawingml/2006/main" meth="cycle" id="10">
+  <a:schemeClr val="accent1"/>
+  <a:schemeClr val="accent2"/>
+  <a:schemeClr val="accent3"/>
+  <a:schemeClr val="accent4"/>
+  <a:schemeClr val="accent5"/>
+  <a:schemeClr val="accent6"/>
+  <cs:variation/>
+  <cs:variation>
+    <a:lumMod val="60000"/>
+  </cs:variation>
+  <cs:variation>
+    <a:lumMod val="80000"/>
+    <a:lumOff val="20000"/>
+  </cs:variation>
+  <cs:variation>
+    <a:lumMod val="80000"/>
+  </cs:variation>
+  <cs:variation>
+    <a:lumMod val="60000"/>
+    <a:lumOff val="40000"/>
+  </cs:variation>
+  <cs:variation>
+    <a:lumMod val="50000"/>
+  </cs:variation>
+  <cs:variation>
+    <a:lumMod val="70000"/>
+    <a:lumOff val="30000"/>
+  </cs:variation>
+  <cs:variation>
+    <a:lumMod val="70000"/>
+  </cs:variation>
+  <cs:variation>
+    <a:lumMod val="50000"/>
+    <a:lumOff val="50000"/>
+  </cs:variation>
+</cs:colorStyle>
+</file>
+
+<file path=ppt/charts/style1.xml><?xml version="1.0" encoding="utf-8"?>
+<cs:chartStyle xmlns:cs="http://schemas.microsoft.com/office/drawing/2012/chartStyle" xmlns:a="http://schemas.openxmlformats.org/drawingml/2006/main" id="215">
+  <cs:axisTitle>
+    <cs:lnRef idx="0"/>
+    <cs:fillRef idx="0"/>
+    <cs:effectRef idx="0"/>
+    <cs:fontRef idx="minor">
+      <a:schemeClr val="tx1">
+        <a:lumMod val="65000"/>
+        <a:lumOff val="35000"/>
+      </a:schemeClr>
+    </cs:fontRef>
+    <cs:defRPr sz="1197" kern="1200" cap="all"/>
+  </cs:axisTitle>
+  <cs:categoryAxis>
+    <cs:lnRef idx="0"/>
+    <cs:fillRef idx="0"/>
+    <cs:effectRef idx="0"/>
+    <cs:fontRef idx="minor">
+      <a:schemeClr val="tx1">
+        <a:lumMod val="65000"/>
+        <a:lumOff val="35000"/>
+      </a:schemeClr>
+    </cs:fontRef>
+    <cs:spPr>
+      <a:ln w="15875" cap="flat" cmpd="sng" algn="ctr">
+        <a:solidFill>
+          <a:schemeClr val="tx1">
+            <a:lumMod val="25000"/>
+            <a:lumOff val="75000"/>
+          </a:schemeClr>
+        </a:solidFill>
+        <a:round/>
+      </a:ln>
+    </cs:spPr>
+    <cs:defRPr sz="1197" kern="1200" cap="none" spc="20" normalizeH="0" baseline="0"/>
+  </cs:categoryAxis>
+  <cs:chartArea mods="allowNoFillOverride allowNoLineOverride">
+    <cs:lnRef idx="0"/>
+    <cs:fillRef idx="0"/>
+    <cs:effectRef idx="0"/>
+    <cs:fontRef idx="minor">
+      <a:schemeClr val="dk1"/>
+    </cs:fontRef>
+    <cs:spPr>
+      <a:solidFill>
+        <a:schemeClr val="lt1"/>
+      </a:solidFill>
+      <a:ln w="9525" cap="flat" cmpd="sng" algn="ctr">
+        <a:solidFill>
+          <a:schemeClr val="tx1">
+            <a:lumMod val="15000"/>
+            <a:lumOff val="85000"/>
+          </a:schemeClr>
+        </a:solidFill>
+        <a:round/>
+      </a:ln>
+    </cs:spPr>
+    <cs:defRPr sz="1197" kern="1200"/>
+  </cs:chartArea>
+  <cs:dataLabel>
+    <cs:lnRef idx="0"/>
+    <cs:fillRef idx="0"/>
+    <cs:effectRef idx="0"/>
+    <cs:fontRef idx="minor">
+      <a:schemeClr val="tx1">
+        <a:lumMod val="75000"/>
+        <a:lumOff val="25000"/>
+      </a:schemeClr>
+    </cs:fontRef>
+    <cs:defRPr sz="1197" kern="1200"/>
+  </cs:dataLabel>
+  <cs:dataLabelCallout>
+    <cs:lnRef idx="0"/>
+    <cs:fillRef idx="0"/>
+    <cs:effectRef idx="0"/>
+    <cs:fontRef idx="minor">
+      <a:schemeClr val="bg1"/>
+    </cs:fontRef>
+    <cs:spPr>
+      <a:solidFill>
+        <a:schemeClr val="tx1">
+          <a:lumMod val="50000"/>
+          <a:lumOff val="50000"/>
+        </a:schemeClr>
+      </a:solidFill>
+    </cs:spPr>
+    <cs:defRPr sz="1197" kern="1200"/>
+    <cs:bodyPr rot="0" spcFirstLastPara="1" vertOverflow="clip" horzOverflow="clip" vert="horz" wrap="square" lIns="36576" tIns="18288" rIns="36576" bIns="18288" anchor="ctr" anchorCtr="1">
+      <a:spAutoFit/>
+    </cs:bodyPr>
+  </cs:dataLabelCallout>
+  <cs:dataPoint>
+    <cs:lnRef idx="0"/>
+    <cs:fillRef idx="0">
+      <cs:styleClr val="auto"/>
+    </cs:fillRef>
+    <cs:effectRef idx="0"/>
+    <cs:fontRef idx="minor">
+      <a:schemeClr val="dk1"/>
+    </cs:fontRef>
+    <cs:spPr>
+      <a:solidFill>
+        <a:schemeClr val="phClr">
+          <a:alpha val="70000"/>
+        </a:schemeClr>
+      </a:solidFill>
+    </cs:spPr>
+  </cs:dataPoint>
+  <cs:dataPoint3D>
+    <cs:lnRef idx="0"/>
+    <cs:fillRef idx="0">
+      <cs:styleClr val="auto"/>
+    </cs:fillRef>
+    <cs:effectRef idx="0"/>
+    <cs:fontRef idx="minor">
+      <a:schemeClr val="dk1"/>
+    </cs:fontRef>
+    <cs:spPr>
+      <a:solidFill>
+        <a:schemeClr val="phClr">
+          <a:alpha val="70000"/>
+        </a:schemeClr>
+      </a:solidFill>
+    </cs:spPr>
+  </cs:dataPoint3D>
+  <cs:dataPointLine>
+    <cs:lnRef idx="0">
+      <cs:styleClr val="auto"/>
+    </cs:lnRef>
+    <cs:fillRef idx="0"/>
+    <cs:effectRef idx="0"/>
+    <cs:fontRef idx="minor">
+      <a:schemeClr val="dk1"/>
+    </cs:fontRef>
+    <cs:spPr>
+      <a:ln w="28575" cap="rnd">
+        <a:solidFill>
+          <a:schemeClr val="phClr">
+            <a:alpha val="70000"/>
+          </a:schemeClr>
+        </a:solidFill>
+        <a:round/>
+      </a:ln>
+    </cs:spPr>
+  </cs:dataPointLine>
+  <cs:dataPointMarker>
+    <cs:lnRef idx="0"/>
+    <cs:fillRef idx="0">
+      <cs:styleClr val="auto"/>
+    </cs:fillRef>
+    <cs:effectRef idx="0"/>
+    <cs:fontRef idx="minor">
+      <a:schemeClr val="dk1"/>
+    </cs:fontRef>
+    <cs:spPr>
+      <a:solidFill>
+        <a:schemeClr val="phClr">
+          <a:alpha val="70000"/>
+        </a:schemeClr>
+      </a:solidFill>
+    </cs:spPr>
+  </cs:dataPointMarker>
+  <cs:dataPointMarkerLayout symbol="circle" size="6"/>
+  <cs:dataPointWireframe>
+    <cs:lnRef idx="0">
+      <cs:styleClr val="auto"/>
+    </cs:lnRef>
+    <cs:fillRef idx="0"/>
+    <cs:effectRef idx="0"/>
+    <cs:fontRef idx="minor">
+      <a:schemeClr val="dk1"/>
+    </cs:fontRef>
+    <cs:spPr>
+      <a:ln w="9525" cap="rnd">
+        <a:solidFill>
+          <a:schemeClr val="phClr"/>
+        </a:solidFill>
+        <a:round/>
+      </a:ln>
+    </cs:spPr>
+  </cs:dataPointWireframe>
+  <cs:dataTable>
+    <cs:lnRef idx="0"/>
+    <cs:fillRef idx="0"/>
+    <cs:effectRef idx="0"/>
+    <cs:fontRef idx="minor">
+      <a:schemeClr val="tx1">
+        <a:lumMod val="65000"/>
+        <a:lumOff val="35000"/>
+      </a:schemeClr>
+    </cs:fontRef>
+    <cs:spPr>
+      <a:ln w="9525">
+        <a:solidFill>
+          <a:schemeClr val="tx1">
+            <a:lumMod val="15000"/>
+            <a:lumOff val="85000"/>
+          </a:schemeClr>
+        </a:solidFill>
+      </a:ln>
+    </cs:spPr>
+    <cs:defRPr sz="1197" kern="1200"/>
+  </cs:dataTable>
+  <cs:downBar>
+    <cs:lnRef idx="0"/>
+    <cs:fillRef idx="0"/>
+    <cs:effectRef idx="0"/>
+    <cs:fontRef idx="minor">
+      <a:schemeClr val="dk1"/>
+    </cs:fontRef>
+    <cs:spPr>
+      <a:solidFill>
+        <a:schemeClr val="dk1">
+          <a:lumMod val="75000"/>
+          <a:lumOff val="25000"/>
+        </a:schemeClr>
+      </a:solidFill>
+      <a:ln w="9525">
+        <a:solidFill>
+          <a:schemeClr val="tx1">
+            <a:lumMod val="65000"/>
+            <a:lumOff val="35000"/>
+          </a:schemeClr>
+        </a:solidFill>
+      </a:ln>
+    </cs:spPr>
+  </cs:downBar>
+  <cs:dropLine>
+    <cs:lnRef idx="0"/>
+    <cs:fillRef idx="0"/>
+    <cs:effectRef idx="0"/>
+    <cs:fontRef idx="minor">
+      <a:schemeClr val="dk1"/>
+    </cs:fontRef>
+    <cs:spPr>
+      <a:ln w="9525">
+        <a:solidFill>
+          <a:schemeClr val="tx1">
+            <a:lumMod val="35000"/>
+            <a:lumOff val="65000"/>
+          </a:schemeClr>
+        </a:solidFill>
+        <a:round/>
+      </a:ln>
+    </cs:spPr>
+  </cs:dropLine>
+  <cs:errorBar>
+    <cs:lnRef idx="0"/>
+    <cs:fillRef idx="0"/>
+    <cs:effectRef idx="0"/>
+    <cs:fontRef idx="minor">
+      <a:schemeClr val="dk1"/>
+    </cs:fontRef>
+    <cs:spPr>
+      <a:ln w="9525">
+        <a:solidFill>
+          <a:schemeClr val="tx1">
+            <a:lumMod val="65000"/>
+            <a:lumOff val="35000"/>
+          </a:schemeClr>
+        </a:solidFill>
+        <a:round/>
+      </a:ln>
+    </cs:spPr>
+  </cs:errorBar>
+  <cs:floor>
+    <cs:lnRef idx="0"/>
+    <cs:fillRef idx="0"/>
+    <cs:effectRef idx="0"/>
+    <cs:fontRef idx="minor">
+      <a:schemeClr val="dk1"/>
+    </cs:fontRef>
+  </cs:floor>
+  <cs:gridlineMajor>
+    <cs:lnRef idx="0"/>
+    <cs:fillRef idx="0"/>
+    <cs:effectRef idx="0"/>
+    <cs:fontRef idx="minor">
+      <a:schemeClr val="dk1"/>
+    </cs:fontRef>
+    <cs:spPr>
+      <a:ln w="9525" cap="flat" cmpd="sng" algn="ctr">
+        <a:solidFill>
+          <a:schemeClr val="tx1">
+            <a:lumMod val="5000"/>
+            <a:lumOff val="95000"/>
+          </a:schemeClr>
+        </a:solidFill>
+        <a:round/>
+      </a:ln>
+    </cs:spPr>
+  </cs:gridlineMajor>
+  <cs:gridlineMinor>
+    <cs:lnRef idx="0"/>
+    <cs:fillRef idx="0"/>
+    <cs:effectRef idx="0"/>
+    <cs:fontRef idx="minor">
+      <a:schemeClr val="dk1"/>
+    </cs:fontRef>
+    <cs:spPr>
+      <a:ln>
+        <a:solidFill>
+          <a:schemeClr val="tx1">
+            <a:lumMod val="5000"/>
+            <a:lumOff val="95000"/>
+          </a:schemeClr>
+        </a:solidFill>
+      </a:ln>
+    </cs:spPr>
+  </cs:gridlineMinor>
+  <cs:hiLoLine>
+    <cs:lnRef idx="0"/>
+    <cs:fillRef idx="0"/>
+    <cs:effectRef idx="0"/>
+    <cs:fontRef idx="minor">
+      <a:schemeClr val="dk1"/>
+    </cs:fontRef>
+    <cs:spPr>
+      <a:ln w="9525">
+        <a:solidFill>
+          <a:schemeClr val="tx1">
+            <a:lumMod val="35000"/>
+            <a:lumOff val="65000"/>
+          </a:schemeClr>
+        </a:solidFill>
+        <a:round/>
+      </a:ln>
+    </cs:spPr>
+  </cs:hiLoLine>
+  <cs:leaderLine>
+    <cs:lnRef idx="0"/>
+    <cs:fillRef idx="0"/>
+    <cs:effectRef idx="0"/>
+    <cs:fontRef idx="minor">
+      <a:schemeClr val="dk1"/>
+    </cs:fontRef>
+    <cs:spPr>
+      <a:ln w="9525">
+        <a:solidFill>
+          <a:schemeClr val="tx1">
+            <a:lumMod val="35000"/>
+            <a:lumOff val="65000"/>
+          </a:schemeClr>
+        </a:solidFill>
+      </a:ln>
+    </cs:spPr>
+  </cs:leaderLine>
+  <cs:legend>
+    <cs:lnRef idx="0"/>
+    <cs:fillRef idx="0"/>
+    <cs:effectRef idx="0"/>
+    <cs:fontRef idx="minor">
+      <a:schemeClr val="tx1">
+        <a:lumMod val="65000"/>
+        <a:lumOff val="35000"/>
+      </a:schemeClr>
+    </cs:fontRef>
+    <cs:defRPr sz="1197" kern="1200" baseline="0"/>
+  </cs:legend>
+  <cs:plotArea mods="allowNoFillOverride allowNoLineOverride">
+    <cs:lnRef idx="0"/>
+    <cs:fillRef idx="0"/>
+    <cs:effectRef idx="0"/>
+    <cs:fontRef idx="minor">
+      <a:schemeClr val="dk1"/>
+    </cs:fontRef>
+  </cs:plotArea>
+  <cs:plotArea3D mods="allowNoFillOverride allowNoLineOverride">
+    <cs:lnRef idx="0"/>
+    <cs:fillRef idx="0"/>
+    <cs:effectRef idx="0"/>
+    <cs:fontRef idx="minor">
+      <a:schemeClr val="dk1"/>
+    </cs:fontRef>
+  </cs:plotArea3D>
+  <cs:seriesAxis>
+    <cs:lnRef idx="0"/>
+    <cs:fillRef idx="0"/>
+    <cs:effectRef idx="0"/>
+    <cs:fontRef idx="minor">
+      <a:schemeClr val="tx1">
+        <a:lumMod val="65000"/>
+        <a:lumOff val="35000"/>
+      </a:schemeClr>
+    </cs:fontRef>
+    <cs:defRPr sz="1197" kern="1200"/>
+  </cs:seriesAxis>
+  <cs:seriesLine>
+    <cs:lnRef idx="0"/>
+    <cs:fillRef idx="0"/>
+    <cs:effectRef idx="0"/>
+    <cs:fontRef idx="minor">
+      <a:schemeClr val="dk1"/>
+    </cs:fontRef>
+    <cs:spPr>
+      <a:ln w="9525">
+        <a:solidFill>
+          <a:schemeClr val="tx1">
+            <a:lumMod val="35000"/>
+            <a:lumOff val="65000"/>
+          </a:schemeClr>
+        </a:solidFill>
+        <a:round/>
+      </a:ln>
+    </cs:spPr>
+  </cs:seriesLine>
+  <cs:title>
+    <cs:lnRef idx="0"/>
+    <cs:fillRef idx="0"/>
+    <cs:effectRef idx="0"/>
+    <cs:fontRef idx="major">
+      <a:schemeClr val="tx1">
+        <a:lumMod val="65000"/>
+        <a:lumOff val="35000"/>
+      </a:schemeClr>
+    </cs:fontRef>
+    <cs:defRPr sz="2128" b="0" i="0" kern="1200" cap="none" spc="50" normalizeH="0" baseline="0"/>
+  </cs:title>
+  <cs:trendline>
+    <cs:lnRef idx="0">
+      <cs:styleClr val="auto"/>
+    </cs:lnRef>
+    <cs:fillRef idx="0"/>
+    <cs:effectRef idx="0"/>
+    <cs:fontRef idx="minor">
+      <a:schemeClr val="dk1"/>
+    </cs:fontRef>
+    <cs:spPr>
+      <a:ln w="15875" cap="rnd">
+        <a:solidFill>
+          <a:schemeClr val="phClr"/>
+        </a:solidFill>
+      </a:ln>
+    </cs:spPr>
+  </cs:trendline>
+  <cs:trendlineLabel>
+    <cs:lnRef idx="0"/>
+    <cs:fillRef idx="0"/>
+    <cs:effectRef idx="0"/>
+    <cs:fontRef idx="minor">
+      <a:schemeClr val="tx1">
+        <a:lumMod val="65000"/>
+        <a:lumOff val="35000"/>
+      </a:schemeClr>
+    </cs:fontRef>
+    <cs:defRPr sz="1197" kern="1200"/>
+  </cs:trendlineLabel>
+  <cs:upBar>
+    <cs:lnRef idx="0"/>
+    <cs:fillRef idx="0"/>
+    <cs:effectRef idx="0"/>
+    <cs:fontRef idx="minor">
+      <a:schemeClr val="dk1"/>
+    </cs:fontRef>
+    <cs:spPr>
+      <a:solidFill>
+        <a:schemeClr val="lt1"/>
+      </a:solidFill>
+      <a:ln w="9525">
+        <a:solidFill>
+          <a:schemeClr val="tx1">
+            <a:lumMod val="65000"/>
+            <a:lumOff val="35000"/>
+          </a:schemeClr>
+        </a:solidFill>
+      </a:ln>
+    </cs:spPr>
+  </cs:upBar>
+  <cs:valueAxis>
+    <cs:lnRef idx="0"/>
+    <cs:fillRef idx="0"/>
+    <cs:effectRef idx="0"/>
+    <cs:fontRef idx="minor">
+      <a:schemeClr val="tx1">
+        <a:lumMod val="65000"/>
+        <a:lumOff val="35000"/>
+      </a:schemeClr>
+    </cs:fontRef>
+    <cs:defRPr sz="1197" kern="1200" spc="20" baseline="0"/>
+  </cs:valueAxis>
+  <cs:wall>
+    <cs:lnRef idx="0"/>
+    <cs:fillRef idx="0"/>
+    <cs:effectRef idx="0"/>
+    <cs:fontRef idx="minor">
+      <a:schemeClr val="dk1"/>
+    </cs:fontRef>
+  </cs:wall>
+</cs:chartStyle>
+</file>
+
+<file path=ppt/diagrams/colors1.xml><?xml version="1.0" encoding="utf-8"?>
+<dgm:colorsDef xmlns:dgm="http://schemas.openxmlformats.org/drawingml/2006/diagram" xmlns:a="http://schemas.openxmlformats.org/drawingml/2006/main" uniqueId="urn:microsoft.com/office/officeart/2018/5/colors/Iconchunking_neutralbg_accent1_2">
+  <dgm:title val=""/>
+  <dgm:desc val=""/>
+  <dgm:catLst>
+    <dgm:cat type="accent1" pri="11200"/>
+  </dgm:catLst>
+  <dgm:styleLbl name="node0">
+    <dgm:fillClrLst meth="repeat">
+      <a:schemeClr val="accent1"/>
+    </dgm:fillClrLst>
+    <dgm:linClrLst meth="repeat">
+      <a:schemeClr val="lt1"/>
+    </dgm:linClrLst>
+    <dgm:effectClrLst/>
+    <dgm:txLinClrLst/>
+    <dgm:txFillClrLst/>
+    <dgm:txEffectClrLst/>
+  </dgm:styleLbl>
+  <dgm:styleLbl name="alignNode1">
+    <dgm:fillClrLst meth="repeat">
+      <a:schemeClr val="accent1"/>
+    </dgm:fillClrLst>
+    <dgm:linClrLst meth="repeat">
+      <a:schemeClr val="accent1"/>
+    </dgm:linClrLst>
+    <dgm:effectClrLst/>
+    <dgm:txLinClrLst/>
+    <dgm:txFillClrLst/>
+    <dgm:txEffectClrLst/>
+  </dgm:styleLbl>
+  <dgm:styleLbl name="node1">
+    <dgm:fillClrLst meth="repeat">
+      <a:schemeClr val="accent1"/>
+    </dgm:fillClrLst>
+    <dgm:linClrLst meth="repeat">
+      <a:schemeClr val="lt1">
+        <a:alpha val="0"/>
+      </a:schemeClr>
+    </dgm:linClrLst>
+    <dgm:effectClrLst/>
+    <dgm:txLinClrLst/>
+    <dgm:txFillClrLst/>
+    <dgm:txEffectClrLst/>
+  </dgm:styleLbl>
+  <dgm:styleLbl name="lnNode1">
+    <dgm:fillClrLst meth="repeat">
+      <a:schemeClr val="accent1"/>
+    </dgm:fillClrLst>
+    <dgm:linClrLst meth="repeat">
+      <a:schemeClr val="lt1"/>
+    </dgm:linClrLst>
+    <dgm:effectClrLst/>
+    <dgm:txLinClrLst/>
+    <dgm:txFillClrLst/>
+    <dgm:txEffectClrLst/>
+  </dgm:styleLbl>
+  <dgm:styleLbl name="vennNode1">
+    <dgm:fillClrLst meth="repeat">
+      <a:schemeClr val="accent1">
+        <a:alpha val="50000"/>
+      </a:schemeClr>
+    </dgm:fillClrLst>
+    <dgm:linClrLst meth="repeat">
+      <a:schemeClr val="lt1"/>
+    </dgm:linClrLst>
+    <dgm:effectClrLst/>
+    <dgm:txLinClrLst/>
+    <dgm:txFillClrLst/>
+    <dgm:txEffectClrLst/>
+  </dgm:styleLbl>
+  <dgm:styleLbl name="node2">
+    <dgm:fillClrLst meth="repeat">
+      <a:schemeClr val="accent1"/>
+    </dgm:fillClrLst>
+    <dgm:linClrLst meth="repeat">
+      <a:schemeClr val="lt1"/>
+    </dgm:linClrLst>
+    <dgm:effectClrLst/>
+    <dgm:txLinClrLst/>
+    <dgm:txFillClrLst/>
+    <dgm:txEffectClrLst/>
+  </dgm:styleLbl>
+  <dgm:styleLbl name="node3">
+    <dgm:fillClrLst meth="repeat">
+      <a:schemeClr val="accent1"/>
+    </dgm:fillClrLst>
+    <dgm:linClrLst meth="repeat">
+      <a:schemeClr val="lt1"/>
+    </dgm:linClrLst>
+    <dgm:effectClrLst/>
+    <dgm:txLinClrLst/>
+    <dgm:txFillClrLst/>
+    <dgm:txEffectClrLst/>
+  </dgm:styleLbl>
+  <dgm:styleLbl name="node4">
+    <dgm:fillClrLst meth="repeat">
+      <a:schemeClr val="accent1"/>
+    </dgm:fillClrLst>
+    <dgm:linClrLst meth="repeat">
+      <a:schemeClr val="lt1"/>
+    </dgm:linClrLst>
+    <dgm:effectClrLst/>
+    <dgm:txLinClrLst/>
+    <dgm:txFillClrLst/>
+    <dgm:txEffectClrLst/>
+  </dgm:styleLbl>
+  <dgm:styleLbl name="fgImgPlace1">
+    <dgm:fillClrLst meth="repeat">
+      <a:schemeClr val="accent1">
+        <a:tint val="50000"/>
+      </a:schemeClr>
+    </dgm:fillClrLst>
+    <dgm:linClrLst meth="repeat">
+      <a:schemeClr val="lt1"/>
+    </dgm:linClrLst>
+    <dgm:effectClrLst/>
+    <dgm:txLinClrLst/>
+    <dgm:txFillClrLst meth="repeat">
+      <a:schemeClr val="lt1"/>
+    </dgm:txFillClrLst>
+    <dgm:txEffectClrLst/>
+  </dgm:styleLbl>
+  <dgm:styleLbl name="alignImgPlace1">
+    <dgm:fillClrLst meth="repeat">
+      <a:schemeClr val="accent1">
+        <a:tint val="50000"/>
+      </a:schemeClr>
+    </dgm:fillClrLst>
+    <dgm:linClrLst meth="repeat">
+      <a:schemeClr val="lt1"/>
+    </dgm:linClrLst>
+    <dgm:effectClrLst/>
+    <dgm:txLinClrLst/>
+    <dgm:txFillClrLst meth="repeat">
+      <a:schemeClr val="lt1"/>
+    </dgm:txFillClrLst>
+    <dgm:txEffectClrLst/>
+  </dgm:styleLbl>
+  <dgm:styleLbl name="bgImgPlace1">
+    <dgm:fillClrLst meth="repeat">
+      <a:schemeClr val="accent1">
+        <a:tint val="50000"/>
+      </a:schemeClr>
+    </dgm:fillClrLst>
+    <dgm:linClrLst meth="repeat">
+      <a:schemeClr val="lt1"/>
+    </dgm:linClrLst>
+    <dgm:effectClrLst/>
+    <dgm:txLinClrLst/>
+    <dgm:txFillClrLst meth="repeat">
+      <a:schemeClr val="lt1"/>
+    </dgm:txFillClrLst>
+    <dgm:txEffectClrLst/>
+  </dgm:styleLbl>
+  <dgm:styleLbl name="sibTrans2D1">
+    <dgm:fillClrLst meth="repeat">
+      <a:schemeClr val="accent1">
+        <a:tint val="60000"/>
+      </a:schemeClr>
+    </dgm:fillClrLst>
+    <dgm:linClrLst meth="repeat">
+      <a:schemeClr val="accent1">
+        <a:tint val="60000"/>
+      </a:schemeClr>
+    </dgm:linClrLst>
+    <dgm:effectClrLst/>
+    <dgm:txLinClrLst/>
+    <dgm:txFillClrLst/>
+    <dgm:txEffectClrLst/>
+  </dgm:styleLbl>
+  <dgm:styleLbl name="fgSibTrans2D1">
+    <dgm:fillClrLst meth="repeat">
+      <a:schemeClr val="accent1">
+        <a:tint val="60000"/>
+      </a:schemeClr>
+    </dgm:fillClrLst>
+    <dgm:linClrLst meth="repeat">
+      <a:schemeClr val="accent1">
+        <a:tint val="60000"/>
+      </a:schemeClr>
+    </dgm:linClrLst>
+    <dgm:effectClrLst/>
+    <dgm:txLinClrLst/>
+    <dgm:txFillClrLst/>
+    <dgm:txEffectClrLst/>
+  </dgm:styleLbl>
+  <dgm:styleLbl name="bgSibTrans2D1">
+    <dgm:fillClrLst meth="repeat">
+      <a:schemeClr val="accent1">
+        <a:tint val="60000"/>
+      </a:schemeClr>
+    </dgm:fillClrLst>
+    <dgm:linClrLst meth="repeat">
+      <a:schemeClr val="accent1">
+        <a:tint val="60000"/>
+      </a:schemeClr>
+    </dgm:linClrLst>
+    <dgm:effectClrLst/>
+    <dgm:txLinClrLst/>
+    <dgm:txFillClrLst/>
+    <dgm:txEffectClrLst/>
+  </dgm:styleLbl>
+  <dgm:styleLbl name="sibTrans1D1">
+    <dgm:fillClrLst meth="repeat">
+      <a:schemeClr val="accent1"/>
+    </dgm:fillClrLst>
+    <dgm:linClrLst meth="repeat">
+      <a:schemeClr val="accent1"/>
+    </dgm:linClrLst>
+    <dgm:effectClrLst/>
+    <dgm:txLinClrLst/>
+    <dgm:txFillClrLst meth="repeat">
+      <a:schemeClr val="tx1"/>
+    </dgm:txFillClrLst>
+    <dgm:txEffectClrLst/>
+  </dgm:styleLbl>
+  <dgm:styleLbl name="callout">
+    <dgm:fillClrLst meth="repeat">
+      <a:schemeClr val="accent1"/>
+    </dgm:fillClrLst>
+    <dgm:linClrLst meth="repeat">
+      <a:schemeClr val="accent1">
+        <a:tint val="50000"/>
+      </a:schemeClr>
+    </dgm:linClrLst>
+    <dgm:effectClrLst/>
+    <dgm:txLinClrLst/>
+    <dgm:txFillClrLst meth="repeat">
+      <a:schemeClr val="tx1"/>
+    </dgm:txFillClrLst>
+    <dgm:txEffectClrLst/>
+  </dgm:styleLbl>
+  <dgm:styleLbl name="asst0">
+    <dgm:fillClrLst meth="repeat">
+      <a:schemeClr val="accent1"/>
+    </dgm:fillClrLst>
+    <dgm:linClrLst meth="repeat">
+      <a:schemeClr val="lt1"/>
+    </dgm:linClrLst>
+    <dgm:effectClrLst/>
+    <dgm:txLinClrLst/>
+    <dgm:txFillClrLst/>
+    <dgm:txEffectClrLst/>
+  </dgm:styleLbl>
+  <dgm:styleLbl name="asst1">
+    <dgm:fillClrLst meth="repeat">
+      <a:schemeClr val="accent1"/>
+    </dgm:fillClrLst>
+    <dgm:linClrLst meth="repeat">
+      <a:schemeClr val="lt1"/>
+    </dgm:linClrLst>
+    <dgm:effectClrLst/>
+    <dgm:txLinClrLst/>
+    <dgm:txFillClrLst/>
+    <dgm:txEffectClrLst/>
+  </dgm:styleLbl>
+  <dgm:styleLbl name="asst2">
+    <dgm:fillClrLst meth="repeat">
+      <a:schemeClr val="accent1"/>
+    </dgm:fillClrLst>
+    <dgm:linClrLst meth="repeat">
+      <a:schemeClr val="lt1"/>
+    </dgm:linClrLst>
+    <dgm:effectClrLst/>
+    <dgm:txLinClrLst/>
+    <dgm:txFillClrLst/>
+    <dgm:txEffectClrLst/>
+  </dgm:styleLbl>
+  <dgm:styleLbl name="asst3">
+    <dgm:fillClrLst meth="repeat">
+      <a:schemeClr val="accent1"/>
+    </dgm:fillClrLst>
+    <dgm:linClrLst meth="repeat">
+      <a:schemeClr val="lt1"/>
+    </dgm:linClrLst>
+    <dgm:effectClrLst/>
+    <dgm:txLinClrLst/>
+    <dgm:txFillClrLst/>
+    <dgm:txEffectClrLst/>
+  </dgm:styleLbl>
+  <dgm:styleLbl name="asst4">
+    <dgm:fillClrLst meth="repeat">
+      <a:schemeClr val="accent1"/>
+    </dgm:fillClrLst>
+    <dgm:linClrLst meth="repeat">
+      <a:schemeClr val="lt1"/>
+    </dgm:linClrLst>
+    <dgm:effectClrLst/>
+    <dgm:txLinClrLst/>
+    <dgm:txFillClrLst/>
+    <dgm:txEffectClrLst/>
+  </dgm:styleLbl>
+  <dgm:styleLbl name="parChTrans2D1">
+    <dgm:fillClrLst meth="repeat">
+      <a:schemeClr val="accent1">
+        <a:tint val="60000"/>
+      </a:schemeClr>
+    </dgm:fillClrLst>
+    <dgm:linClrLst meth="repeat">
+      <a:schemeClr val="accent1">
+        <a:tint val="60000"/>
+      </a:schemeClr>
+    </dgm:linClrLst>
+    <dgm:effectClrLst/>
+    <dgm:txLinClrLst/>
+    <dgm:txFillClrLst meth="repeat">
+      <a:schemeClr val="lt1"/>
+    </dgm:txFillClrLst>
+    <dgm:txEffectClrLst/>
+  </dgm:styleLbl>
+  <dgm:styleLbl name="parChTrans2D2">
+    <dgm:fillClrLst meth="repeat">
+      <a:schemeClr val="accent1"/>
+    </dgm:fillClrLst>
+    <dgm:linClrLst meth="repeat">
+      <a:schemeClr val="accent1"/>
+    </dgm:linClrLst>
+    <dgm:effectClrLst/>
+    <dgm:txLinClrLst/>
+    <dgm:txFillClrLst meth="repeat">
+      <a:schemeClr val="lt1"/>
+    </dgm:txFillClrLst>
+    <dgm:txEffectClrLst/>
+  </dgm:styleLbl>
+  <dgm:styleLbl name="parChTrans2D3">
+    <dgm:fillClrLst meth="repeat">
+      <a:schemeClr val="accent1"/>
+    </dgm:fillClrLst>
+    <dgm:linClrLst meth="repeat">
+      <a:schemeClr val="accent1"/>
+    </dgm:linClrLst>
+    <dgm:effectClrLst/>
+    <dgm:txLinClrLst/>
+    <dgm:txFillClrLst meth="repeat">
+      <a:schemeClr val="lt1"/>
+    </dgm:txFillClrLst>
+    <dgm:txEffectClrLst/>
+  </dgm:styleLbl>
+  <dgm:styleLbl name="parChTrans2D4">
+    <dgm:fillClrLst meth="repeat">
+      <a:schemeClr val="accent1"/>
+    </dgm:fillClrLst>
+    <dgm:linClrLst meth="repeat">
+      <a:schemeClr val="accent1"/>
+    </dgm:linClrLst>
+    <dgm:effectClrLst/>
+    <dgm:txLinClrLst/>
+    <dgm:txFillClrLst meth="repeat">
+      <a:schemeClr val="lt1"/>
+    </dgm:txFillClrLst>
+    <dgm:txEffectClrLst/>
+  </dgm:styleLbl>
+  <dgm:styleLbl name="parChTrans1D1">
+    <dgm:fillClrLst meth="repeat">
+      <a:schemeClr val="accent1"/>
+    </dgm:fillClrLst>
+    <dgm:linClrLst meth="repeat">
+      <a:schemeClr val="accent1">
+        <a:shade val="60000"/>
+      </a:schemeClr>
+    </dgm:linClrLst>
+    <dgm:effectClrLst/>
+    <dgm:txLinClrLst/>
+    <dgm:txFillClrLst meth="repeat">
+      <a:schemeClr val="tx1"/>
+    </dgm:txFillClrLst>
+    <dgm:txEffectClrLst/>
+  </dgm:styleLbl>
+  <dgm:styleLbl name="parChTrans1D2">
+    <dgm:fillClrLst meth="repeat">
+      <a:schemeClr val="accent1"/>
+    </dgm:fillClrLst>
+    <dgm:linClrLst meth="repeat">
+      <a:schemeClr val="accent1">
+        <a:shade val="60000"/>
+      </a:schemeClr>
+    </dgm:linClrLst>
+    <dgm:effectClrLst/>
+    <dgm:txLinClrLst/>
+    <dgm:txFillClrLst meth="repeat">
+      <a:schemeClr val="tx1"/>
+    </dgm:txFillClrLst>
+    <dgm:txEffectClrLst/>
+  </dgm:styleLbl>
+  <dgm:styleLbl name="parChTrans1D3">
+    <dgm:fillClrLst meth="repeat">
+      <a:schemeClr val="accent1"/>
+    </dgm:fillClrLst>
+    <dgm:linClrLst meth="repeat">
+      <a:schemeClr val="accent1">
+        <a:shade val="80000"/>
+      </a:schemeClr>
+    </dgm:linClrLst>
+    <dgm:effectClrLst/>
+    <dgm:txLinClrLst/>
+    <dgm:txFillClrLst meth="repeat">
+      <a:schemeClr val="tx1"/>
+    </dgm:txFillClrLst>
+    <dgm:txEffectClrLst/>
+  </dgm:styleLbl>
+  <dgm:styleLbl name="parChTrans1D4">
+    <dgm:fillClrLst meth="repeat">
+      <a:schemeClr val="accent1"/>
+    </dgm:fillClrLst>
+    <dgm:linClrLst meth="repeat">
+      <a:schemeClr val="accent1">
+        <a:shade val="80000"/>
+      </a:schemeClr>
+    </dgm:linClrLst>
+    <dgm:effectClrLst/>
+    <dgm:txLinClrLst/>
+    <dgm:txFillClrLst meth="repeat">
+      <a:schemeClr val="tx1"/>
+    </dgm:txFillClrLst>
+    <dgm:txEffectClrLst/>
+  </dgm:styleLbl>
+  <dgm:styleLbl name="fgAcc1">
+    <dgm:fillClrLst meth="repeat">
+      <a:schemeClr val="lt1">
+        <a:alpha val="90000"/>
+      </a:schemeClr>
+    </dgm:fillClrLst>
+    <dgm:linClrLst meth="repeat">
+      <a:schemeClr val="accent1"/>
+    </dgm:linClrLst>
+    <dgm:effectClrLst/>
+    <dgm:txLinClrLst/>
+    <dgm:txFillClrLst meth="repeat">
+      <a:schemeClr val="dk1"/>
+    </dgm:txFillClrLst>
+    <dgm:txEffectClrLst/>
+  </dgm:styleLbl>
+  <dgm:styleLbl name="conFgAcc1">
+    <dgm:fillClrLst meth="repeat">
+      <a:schemeClr val="lt1">
+        <a:alpha val="90000"/>
+      </a:schemeClr>
+    </dgm:fillClrLst>
+    <dgm:linClrLst meth="repeat">
+      <a:schemeClr val="accent1"/>
+    </dgm:linClrLst>
+    <dgm:effectClrLst/>
+    <dgm:txLinClrLst/>
+    <dgm:txFillClrLst meth="repeat">
+      <a:schemeClr val="dk1"/>
+    </dgm:txFillClrLst>
+    <dgm:txEffectClrLst/>
+  </dgm:styleLbl>
+  <dgm:styleLbl name="alignAcc1">
+    <dgm:fillClrLst meth="repeat">
+      <a:schemeClr val="lt1">
+        <a:alpha val="90000"/>
+      </a:schemeClr>
+    </dgm:fillClrLst>
+    <dgm:linClrLst meth="repeat">
+      <a:schemeClr val="accent1"/>
+    </dgm:linClrLst>
+    <dgm:effectClrLst/>
+    <dgm:txLinClrLst/>
+    <dgm:txFillClrLst meth="repeat">
+      <a:schemeClr val="dk1"/>
+    </dgm:txFillClrLst>
+    <dgm:txEffectClrLst/>
+  </dgm:styleLbl>
+  <dgm:styleLbl name="trAlignAcc1">
+    <dgm:fillClrLst meth="repeat">
+      <a:schemeClr val="lt1">
+        <a:alpha val="40000"/>
+      </a:schemeClr>
+    </dgm:fillClrLst>
+    <dgm:linClrLst meth="repeat">
+      <a:schemeClr val="accent1"/>
+    </dgm:linClrLst>
+    <dgm:effectClrLst/>
+    <dgm:txLinClrLst/>
+    <dgm:txFillClrLst meth="repeat">
+      <a:schemeClr val="dk1"/>
+    </dgm:txFillClrLst>
+    <dgm:txEffectClrLst/>
+  </dgm:styleLbl>
+  <dgm:styleLbl name="bgAcc1">
+    <dgm:fillClrLst meth="repeat">
+      <a:schemeClr val="lt1">
+        <a:alpha val="90000"/>
+      </a:schemeClr>
+    </dgm:fillClrLst>
+    <dgm:linClrLst meth="repeat">
+      <a:schemeClr val="accent1"/>
+    </dgm:linClrLst>
+    <dgm:effectClrLst/>
+    <dgm:txLinClrLst/>
+    <dgm:txFillClrLst meth="repeat">
+      <a:schemeClr val="dk1"/>
+    </dgm:txFillClrLst>
+    <dgm:txEffectClrLst/>
+  </dgm:styleLbl>
+  <dgm:styleLbl name="solidFgAcc1">
+    <dgm:fillClrLst meth="repeat">
+      <a:schemeClr val="lt1"/>
+    </dgm:fillClrLst>
+    <dgm:linClrLst meth="repeat">
+      <a:schemeClr val="accent1"/>
+    </dgm:linClrLst>
+    <dgm:effectClrLst/>
+    <dgm:txLinClrLst/>
+    <dgm:txFillClrLst meth="repeat">
+      <a:schemeClr val="dk1"/>
+    </dgm:txFillClrLst>
+    <dgm:txEffectClrLst/>
+  </dgm:styleLbl>
+  <dgm:styleLbl name="solidAlignAcc1">
+    <dgm:fillClrLst meth="repeat">
+      <a:schemeClr val="lt1"/>
+    </dgm:fillClrLst>
+    <dgm:linClrLst meth="repeat">
+      <a:schemeClr val="accent1"/>
+    </dgm:linClrLst>
+    <dgm:effectClrLst/>
+    <dgm:txLinClrLst/>
+    <dgm:txFillClrLst meth="repeat">
+      <a:schemeClr val="dk1"/>
+    </dgm:txFillClrLst>
+    <dgm:txEffectClrLst/>
+  </dgm:styleLbl>
+  <dgm:styleLbl name="solidBgAcc1">
+    <dgm:fillClrLst meth="repeat">
+      <a:schemeClr val="lt1"/>
+    </dgm:fillClrLst>
+    <dgm:linClrLst meth="repeat">
+      <a:schemeClr val="accent1"/>
+    </dgm:linClrLst>
+    <dgm:effectClrLst/>
+    <dgm:txLinClrLst/>
+    <dgm:txFillClrLst meth="repeat">
+      <a:schemeClr val="dk1"/>
+    </dgm:txFillClrLst>
+    <dgm:txEffectClrLst/>
+  </dgm:styleLbl>
+  <dgm:styleLbl name="fgAccFollowNode1">
+    <dgm:fillClrLst meth="repeat">
+      <a:schemeClr val="accent1">
+        <a:alpha val="90000"/>
+        <a:tint val="40000"/>
+      </a:schemeClr>
+    </dgm:fillClrLst>
+    <dgm:linClrLst meth="repeat">
+      <a:schemeClr val="accent1">
+        <a:alpha val="90000"/>
+        <a:tint val="40000"/>
+      </a:schemeClr>
+    </dgm:linClrLst>
+    <dgm:effectClrLst/>
+    <dgm:txLinClrLst/>
+    <dgm:txFillClrLst meth="repeat">
+      <a:schemeClr val="dk1"/>
+    </dgm:txFillClrLst>
+    <dgm:txEffectClrLst/>
+  </dgm:styleLbl>
+  <dgm:styleLbl name="alignAccFollowNode1">
+    <dgm:fillClrLst meth="repeat">
+      <a:schemeClr val="accent1">
+        <a:alpha val="90000"/>
+        <a:tint val="40000"/>
+      </a:schemeClr>
+    </dgm:fillClrLst>
+    <dgm:linClrLst meth="repeat">
+      <a:schemeClr val="accent1">
+        <a:alpha val="90000"/>
+        <a:tint val="40000"/>
+      </a:schemeClr>
+    </dgm:linClrLst>
+    <dgm:effectClrLst/>
+    <dgm:txLinClrLst/>
+    <dgm:txFillClrLst meth="repeat">
+      <a:schemeClr val="dk1"/>
+    </dgm:txFillClrLst>
+    <dgm:txEffectClrLst/>
+  </dgm:styleLbl>
+  <dgm:styleLbl name="bgAccFollowNode1">
+    <dgm:fillClrLst meth="repeat">
+      <a:schemeClr val="accent1">
+        <a:alpha val="90000"/>
+        <a:tint val="40000"/>
+      </a:schemeClr>
+    </dgm:fillClrLst>
+    <dgm:linClrLst meth="repeat">
+      <a:schemeClr val="accent1">
+        <a:alpha val="90000"/>
+        <a:tint val="40000"/>
+      </a:schemeClr>
+    </dgm:linClrLst>
+    <dgm:effectClrLst/>
+    <dgm:txLinClrLst/>
+    <dgm:txFillClrLst meth="repeat">
+      <a:schemeClr val="dk1"/>
+    </dgm:txFillClrLst>
+    <dgm:txEffectClrLst/>
+  </dgm:styleLbl>
+  <dgm:styleLbl name="fgAcc0">
+    <dgm:fillClrLst meth="repeat">
+      <a:schemeClr val="lt1">
+        <a:alpha val="90000"/>
+      </a:schemeClr>
+    </dgm:fillClrLst>
+    <dgm:linClrLst meth="repeat">
+      <a:schemeClr val="accent1"/>
+    </dgm:linClrLst>
+    <dgm:effectClrLst/>
+    <dgm:txLinClrLst/>
+    <dgm:txFillClrLst meth="repeat">
+      <a:schemeClr val="dk1"/>
+    </dgm:txFillClrLst>
+    <dgm:txEffectClrLst/>
+  </dgm:styleLbl>
+  <dgm:styleLbl name="fgAcc2">
+    <dgm:fillClrLst meth="repeat">
+      <a:schemeClr val="lt1">
+        <a:alpha val="90000"/>
+      </a:schemeClr>
+    </dgm:fillClrLst>
+    <dgm:linClrLst meth="repeat">
+      <a:schemeClr val="accent1"/>
+    </dgm:linClrLst>
+    <dgm:effectClrLst/>
+    <dgm:txLinClrLst/>
+    <dgm:txFillClrLst meth="repeat">
+      <a:schemeClr val="dk1"/>
+    </dgm:txFillClrLst>
+    <dgm:txEffectClrLst/>
+  </dgm:styleLbl>
+  <dgm:styleLbl name="fgAcc3">
+    <dgm:fillClrLst meth="repeat">
+      <a:schemeClr val="lt1">
+        <a:alpha val="90000"/>
+      </a:schemeClr>
+    </dgm:fillClrLst>
+    <dgm:linClrLst meth="repeat">
+      <a:schemeClr val="accent1"/>
+    </dgm:linClrLst>
+    <dgm:effectClrLst/>
+    <dgm:txLinClrLst/>
+    <dgm:txFillClrLst meth="repeat">
+      <a:schemeClr val="dk1"/>
+    </dgm:txFillClrLst>
+    <dgm:txEffectClrLst/>
+  </dgm:styleLbl>
+  <dgm:styleLbl name="fgAcc4">
+    <dgm:fillClrLst meth="repeat">
+      <a:schemeClr val="lt1">
+        <a:alpha val="90000"/>
+      </a:schemeClr>
+    </dgm:fillClrLst>
+    <dgm:linClrLst meth="repeat">
+      <a:schemeClr val="accent1"/>
+    </dgm:linClrLst>
+    <dgm:effectClrLst/>
+    <dgm:txLinClrLst/>
+    <dgm:txFillClrLst meth="repeat">
+      <a:schemeClr val="dk1"/>
+    </dgm:txFillClrLst>
+    <dgm:txEffectClrLst/>
+  </dgm:styleLbl>
+  <dgm:styleLbl name="bgShp">
+    <dgm:fillClrLst meth="repeat">
+      <a:schemeClr val="bg1">
+        <a:lumMod val="95000"/>
+      </a:schemeClr>
+    </dgm:fillClrLst>
+    <dgm:linClrLst meth="repeat">
+      <a:schemeClr val="accent1"/>
+    </dgm:linClrLst>
+    <dgm:effectClrLst/>
+    <dgm:txLinClrLst/>
+    <dgm:txFillClrLst meth="repeat">
+      <a:schemeClr val="dk1"/>
+    </dgm:txFillClrLst>
+    <dgm:txEffectClrLst/>
+  </dgm:styleLbl>
+  <dgm:styleLbl name="dkBgShp">
+    <dgm:fillClrLst meth="repeat">
+      <a:schemeClr val="accent1">
+        <a:shade val="80000"/>
+      </a:schemeClr>
+    </dgm:fillClrLst>
+    <dgm:linClrLst meth="repeat">
+      <a:schemeClr val="accent1"/>
+    </dgm:linClrLst>
+    <dgm:effectClrLst/>
+    <dgm:txLinClrLst/>
+    <dgm:txFillClrLst meth="repeat">
+      <a:schemeClr val="lt1"/>
+    </dgm:txFillClrLst>
+    <dgm:txEffectClrLst/>
+  </dgm:styleLbl>
+  <dgm:styleLbl name="trBgShp">
+    <dgm:fillClrLst meth="repeat">
+      <a:schemeClr val="accent1">
+        <a:tint val="50000"/>
+        <a:alpha val="40000"/>
+      </a:schemeClr>
+    </dgm:fillClrLst>
+    <dgm:linClrLst meth="repeat">
+      <a:schemeClr val="accent1"/>
+    </dgm:linClrLst>
+    <dgm:effectClrLst/>
+    <dgm:txLinClrLst/>
+    <dgm:txFillClrLst meth="repeat">
+      <a:schemeClr val="lt1"/>
+    </dgm:txFillClrLst>
+    <dgm:txEffectClrLst/>
+  </dgm:styleLbl>
+  <dgm:styleLbl name="fgShp">
+    <dgm:fillClrLst meth="repeat">
+      <a:schemeClr val="accent1">
+        <a:tint val="60000"/>
+      </a:schemeClr>
+    </dgm:fillClrLst>
+    <dgm:linClrLst meth="repeat">
+      <a:schemeClr val="lt1"/>
+    </dgm:linClrLst>
+    <dgm:effectClrLst/>
+    <dgm:txLinClrLst/>
+    <dgm:txFillClrLst meth="repeat">
+      <a:schemeClr val="dk1"/>
+    </dgm:txFillClrLst>
+    <dgm:txEffectClrLst/>
+  </dgm:styleLbl>
+  <dgm:styleLbl name="revTx">
+    <dgm:fillClrLst meth="repeat">
+      <a:schemeClr val="lt1">
+        <a:alpha val="0"/>
+      </a:schemeClr>
+    </dgm:fillClrLst>
+    <dgm:linClrLst meth="repeat">
+      <a:schemeClr val="dk1">
+        <a:alpha val="0"/>
+      </a:schemeClr>
+    </dgm:linClrLst>
+    <dgm:effectClrLst/>
+    <dgm:txLinClrLst/>
+    <dgm:txFillClrLst meth="repeat">
+      <a:schemeClr val="tx1"/>
+    </dgm:txFillClrLst>
+    <dgm:txEffectClrLst/>
+  </dgm:styleLbl>
+</dgm:colorsDef>
+</file>
+
+<file path=ppt/diagrams/data1.xml><?xml version="1.0" encoding="utf-8"?>
+<dgm:dataModel xmlns:dgm="http://schemas.openxmlformats.org/drawingml/2006/diagram" xmlns:a="http://schemas.openxmlformats.org/drawingml/2006/main">
+  <dgm:ptLst>
+    <dgm:pt modelId="{8EC64A5B-CE57-40C3-B914-CBC8927A4B82}" type="doc">
+      <dgm:prSet loTypeId="urn:microsoft.com/office/officeart/2018/2/layout/IconLabelList" loCatId="icon" qsTypeId="urn:microsoft.com/office/officeart/2005/8/quickstyle/simple1" qsCatId="simple" csTypeId="urn:microsoft.com/office/officeart/2018/5/colors/Iconchunking_neutralbg_accent1_2" csCatId="accent1" phldr="1"/>
+      <dgm:spPr/>
+      <dgm:t>
+        <a:bodyPr/>
+        <a:lstStyle/>
+        <a:p>
+          <a:endParaRPr lang="en-US"/>
+        </a:p>
+      </dgm:t>
+    </dgm:pt>
+    <dgm:pt modelId="{9B3CBE2C-A434-4457-89D5-706510B50982}">
+      <dgm:prSet/>
+      <dgm:spPr/>
+      <dgm:t>
+        <a:bodyPr/>
+        <a:lstStyle/>
+        <a:p>
+          <a:pPr>
+            <a:lnSpc>
+              <a:spcPct val="100000"/>
+            </a:lnSpc>
+          </a:pPr>
+          <a:r>
+            <a:rPr lang="de-DE"/>
+            <a:t>Erkennen von Verkehrsschildern</a:t>
+          </a:r>
+          <a:endParaRPr lang="en-US"/>
+        </a:p>
+      </dgm:t>
+    </dgm:pt>
+    <dgm:pt modelId="{B61C663A-4786-4AED-A6FF-2543379B050C}" type="parTrans" cxnId="{8B432284-B7FE-471A-8728-A6E927A624F4}">
+      <dgm:prSet/>
+      <dgm:spPr/>
+      <dgm:t>
+        <a:bodyPr/>
+        <a:lstStyle/>
+        <a:p>
+          <a:endParaRPr lang="en-US"/>
+        </a:p>
+      </dgm:t>
+    </dgm:pt>
+    <dgm:pt modelId="{2AACC75A-8D45-44A2-85DE-51F894E34577}" type="sibTrans" cxnId="{8B432284-B7FE-471A-8728-A6E927A624F4}">
+      <dgm:prSet/>
+      <dgm:spPr/>
+      <dgm:t>
+        <a:bodyPr/>
+        <a:lstStyle/>
+        <a:p>
+          <a:endParaRPr lang="en-US"/>
+        </a:p>
+      </dgm:t>
+    </dgm:pt>
+    <dgm:pt modelId="{960A7522-8616-4FED-A413-7E07D41F18FB}">
+      <dgm:prSet/>
+      <dgm:spPr/>
+      <dgm:t>
+        <a:bodyPr/>
+        <a:lstStyle/>
+        <a:p>
+          <a:pPr>
+            <a:lnSpc>
+              <a:spcPct val="100000"/>
+            </a:lnSpc>
+          </a:pPr>
+          <a:r>
+            <a:rPr lang="de-DE" dirty="0"/>
+            <a:t>Klassifizieren der Verkehrsschilder</a:t>
+          </a:r>
+          <a:endParaRPr lang="en-US" dirty="0"/>
+        </a:p>
+      </dgm:t>
+    </dgm:pt>
+    <dgm:pt modelId="{B4626339-8DCB-414E-A600-EFEAA90146CF}" type="parTrans" cxnId="{7321E73E-C5EC-4B94-A12E-D7364E3057EF}">
+      <dgm:prSet/>
+      <dgm:spPr/>
+      <dgm:t>
+        <a:bodyPr/>
+        <a:lstStyle/>
+        <a:p>
+          <a:endParaRPr lang="en-US"/>
+        </a:p>
+      </dgm:t>
+    </dgm:pt>
+    <dgm:pt modelId="{CD9484D1-A8D8-4780-973D-2ED8B3D68CB2}" type="sibTrans" cxnId="{7321E73E-C5EC-4B94-A12E-D7364E3057EF}">
+      <dgm:prSet/>
+      <dgm:spPr/>
+      <dgm:t>
+        <a:bodyPr/>
+        <a:lstStyle/>
+        <a:p>
+          <a:endParaRPr lang="en-US"/>
+        </a:p>
+      </dgm:t>
+    </dgm:pt>
+    <dgm:pt modelId="{D36C4730-651B-4FBE-8661-0132DA0603B5}">
+      <dgm:prSet/>
+      <dgm:spPr/>
+      <dgm:t>
+        <a:bodyPr/>
+        <a:lstStyle/>
+        <a:p>
+          <a:pPr>
+            <a:lnSpc>
+              <a:spcPct val="100000"/>
+            </a:lnSpc>
+          </a:pPr>
+          <a:r>
+            <a:rPr lang="de-DE" dirty="0"/>
+            <a:t>Wiedergabe der Regelung</a:t>
+          </a:r>
+          <a:endParaRPr lang="en-US" dirty="0"/>
+        </a:p>
+      </dgm:t>
+    </dgm:pt>
+    <dgm:pt modelId="{0603816D-9100-440C-A6A9-075C4A85F548}" type="parTrans" cxnId="{2608AE41-3E81-4333-ACE3-96908ADF95B7}">
+      <dgm:prSet/>
+      <dgm:spPr/>
+      <dgm:t>
+        <a:bodyPr/>
+        <a:lstStyle/>
+        <a:p>
+          <a:endParaRPr lang="en-US"/>
+        </a:p>
+      </dgm:t>
+    </dgm:pt>
+    <dgm:pt modelId="{992C8AE9-6D48-4A81-B579-37C4305BF077}" type="sibTrans" cxnId="{2608AE41-3E81-4333-ACE3-96908ADF95B7}">
+      <dgm:prSet/>
+      <dgm:spPr/>
+      <dgm:t>
+        <a:bodyPr/>
+        <a:lstStyle/>
+        <a:p>
+          <a:endParaRPr lang="en-US"/>
+        </a:p>
+      </dgm:t>
+    </dgm:pt>
+    <dgm:pt modelId="{8687C0D3-C96E-4BAC-BC7E-EE0DF9FA86B9}">
+      <dgm:prSet/>
+      <dgm:spPr/>
+      <dgm:t>
+        <a:bodyPr/>
+        <a:lstStyle/>
+        <a:p>
+          <a:pPr>
+            <a:lnSpc>
+              <a:spcPct val="100000"/>
+            </a:lnSpc>
+          </a:pPr>
+          <a:r>
+            <a:rPr lang="de-DE" dirty="0"/>
+            <a:t>Dem Nutzer die Software bereitstellen</a:t>
+          </a:r>
+          <a:endParaRPr lang="en-US" dirty="0"/>
+        </a:p>
+      </dgm:t>
+    </dgm:pt>
+    <dgm:pt modelId="{2550C7C8-6943-453D-A7A3-A554D919EFF8}" type="parTrans" cxnId="{4ABB3D80-A7F0-4AA4-835A-8341DC7257E1}">
+      <dgm:prSet/>
+      <dgm:spPr/>
+      <dgm:t>
+        <a:bodyPr/>
+        <a:lstStyle/>
+        <a:p>
+          <a:endParaRPr lang="en-US"/>
+        </a:p>
+      </dgm:t>
+    </dgm:pt>
+    <dgm:pt modelId="{5963ACD4-CB7A-45B5-83D6-9A8C39AC98E2}" type="sibTrans" cxnId="{4ABB3D80-A7F0-4AA4-835A-8341DC7257E1}">
+      <dgm:prSet/>
+      <dgm:spPr/>
+      <dgm:t>
+        <a:bodyPr/>
+        <a:lstStyle/>
+        <a:p>
+          <a:endParaRPr lang="en-US"/>
+        </a:p>
+      </dgm:t>
+    </dgm:pt>
+    <dgm:pt modelId="{FE01A161-9C96-43DD-8BC6-EE63C86F0232}" type="pres">
+      <dgm:prSet presAssocID="{8EC64A5B-CE57-40C3-B914-CBC8927A4B82}" presName="root" presStyleCnt="0">
+        <dgm:presLayoutVars>
+          <dgm:dir/>
+          <dgm:resizeHandles val="exact"/>
+        </dgm:presLayoutVars>
+      </dgm:prSet>
+      <dgm:spPr/>
+    </dgm:pt>
+    <dgm:pt modelId="{A15A0878-38AC-43E9-8225-BDECA9DAA9F3}" type="pres">
+      <dgm:prSet presAssocID="{9B3CBE2C-A434-4457-89D5-706510B50982}" presName="compNode" presStyleCnt="0"/>
+      <dgm:spPr/>
+    </dgm:pt>
+    <dgm:pt modelId="{AECD337C-2F08-47AC-A7D9-12960FA34549}" type="pres">
+      <dgm:prSet presAssocID="{9B3CBE2C-A434-4457-89D5-706510B50982}" presName="iconRect" presStyleLbl="node1" presStyleIdx="0" presStyleCnt="4"/>
+      <dgm:spPr>
+        <a:blipFill>
+          <a:blip xmlns:r="http://schemas.openxmlformats.org/officeDocument/2006/relationships" r:embed="rId1">
+            <a:extLst>
+              <a:ext uri="{28A0092B-C50C-407E-A947-70E740481C1C}">
+                <a14:useLocalDpi xmlns:a14="http://schemas.microsoft.com/office/drawing/2010/main" val="0"/>
+              </a:ext>
+              <a:ext uri="{96DAC541-7B7A-43D3-8B79-37D633B846F1}">
+                <asvg:svgBlip xmlns:asvg="http://schemas.microsoft.com/office/drawing/2016/SVG/main" r:embed="rId2"/>
+              </a:ext>
+            </a:extLst>
+          </a:blip>
+          <a:stretch>
+            <a:fillRect/>
+          </a:stretch>
+        </a:blipFill>
+      </dgm:spPr>
+      <dgm:extLst>
+        <a:ext uri="{E40237B7-FDA0-4F09-8148-C483321AD2D9}">
+          <dgm14:cNvPr xmlns:dgm14="http://schemas.microsoft.com/office/drawing/2010/diagram" id="0" name="" descr="Eye"/>
+        </a:ext>
+      </dgm:extLst>
+    </dgm:pt>
+    <dgm:pt modelId="{719E550C-91C7-4BA5-9267-20136362E382}" type="pres">
+      <dgm:prSet presAssocID="{9B3CBE2C-A434-4457-89D5-706510B50982}" presName="spaceRect" presStyleCnt="0"/>
+      <dgm:spPr/>
+    </dgm:pt>
+    <dgm:pt modelId="{66A78440-EEEE-477A-B46E-B4B72A9CF10C}" type="pres">
+      <dgm:prSet presAssocID="{9B3CBE2C-A434-4457-89D5-706510B50982}" presName="textRect" presStyleLbl="revTx" presStyleIdx="0" presStyleCnt="4">
+        <dgm:presLayoutVars>
+          <dgm:chMax val="1"/>
+          <dgm:chPref val="1"/>
+        </dgm:presLayoutVars>
+      </dgm:prSet>
+      <dgm:spPr/>
+    </dgm:pt>
+    <dgm:pt modelId="{4AC932FE-B418-4512-BAED-D09C7EDF69FD}" type="pres">
+      <dgm:prSet presAssocID="{2AACC75A-8D45-44A2-85DE-51F894E34577}" presName="sibTrans" presStyleCnt="0"/>
+      <dgm:spPr/>
+    </dgm:pt>
+    <dgm:pt modelId="{04D3B6D1-D39C-4136-A546-98EFC7CCA253}" type="pres">
+      <dgm:prSet presAssocID="{960A7522-8616-4FED-A413-7E07D41F18FB}" presName="compNode" presStyleCnt="0"/>
+      <dgm:spPr/>
+    </dgm:pt>
+    <dgm:pt modelId="{B1EB1712-B889-489C-80A8-791FB636F426}" type="pres">
+      <dgm:prSet presAssocID="{960A7522-8616-4FED-A413-7E07D41F18FB}" presName="iconRect" presStyleLbl="node1" presStyleIdx="1" presStyleCnt="4"/>
+      <dgm:spPr>
+        <a:blipFill>
+          <a:blip xmlns:r="http://schemas.openxmlformats.org/officeDocument/2006/relationships" r:embed="rId3">
+            <a:extLst>
+              <a:ext uri="{96DAC541-7B7A-43D3-8B79-37D633B846F1}">
+                <asvg:svgBlip xmlns:asvg="http://schemas.microsoft.com/office/drawing/2016/SVG/main" r:embed="rId4"/>
+              </a:ext>
+            </a:extLst>
+          </a:blip>
+          <a:srcRect/>
+          <a:stretch>
+            <a:fillRect/>
+          </a:stretch>
+        </a:blipFill>
+      </dgm:spPr>
+      <dgm:extLst>
+        <a:ext uri="{E40237B7-FDA0-4F09-8148-C483321AD2D9}">
+          <dgm14:cNvPr xmlns:dgm14="http://schemas.microsoft.com/office/drawing/2010/diagram" id="0" name="" descr="Lupe"/>
+        </a:ext>
+      </dgm:extLst>
+    </dgm:pt>
+    <dgm:pt modelId="{AC4248E3-7B26-42D1-9A59-0AE1EDF37446}" type="pres">
+      <dgm:prSet presAssocID="{960A7522-8616-4FED-A413-7E07D41F18FB}" presName="spaceRect" presStyleCnt="0"/>
+      <dgm:spPr/>
+    </dgm:pt>
+    <dgm:pt modelId="{3E246B6D-1CC2-4C0D-B611-41C836298C1D}" type="pres">
+      <dgm:prSet presAssocID="{960A7522-8616-4FED-A413-7E07D41F18FB}" presName="textRect" presStyleLbl="revTx" presStyleIdx="1" presStyleCnt="4">
+        <dgm:presLayoutVars>
+          <dgm:chMax val="1"/>
+          <dgm:chPref val="1"/>
+        </dgm:presLayoutVars>
+      </dgm:prSet>
+      <dgm:spPr/>
+    </dgm:pt>
+    <dgm:pt modelId="{38048139-7D60-41DF-B8FD-F48E85606D0D}" type="pres">
+      <dgm:prSet presAssocID="{CD9484D1-A8D8-4780-973D-2ED8B3D68CB2}" presName="sibTrans" presStyleCnt="0"/>
+      <dgm:spPr/>
+    </dgm:pt>
+    <dgm:pt modelId="{B3D0D361-BED0-441C-B712-E7641E4E0EC5}" type="pres">
+      <dgm:prSet presAssocID="{D36C4730-651B-4FBE-8661-0132DA0603B5}" presName="compNode" presStyleCnt="0"/>
+      <dgm:spPr/>
+    </dgm:pt>
+    <dgm:pt modelId="{5146F555-12A4-46C9-9459-32A4FFE21DB0}" type="pres">
+      <dgm:prSet presAssocID="{D36C4730-651B-4FBE-8661-0132DA0603B5}" presName="iconRect" presStyleLbl="node1" presStyleIdx="2" presStyleCnt="4"/>
+      <dgm:spPr>
+        <a:blipFill>
+          <a:blip xmlns:r="http://schemas.openxmlformats.org/officeDocument/2006/relationships" r:embed="rId5">
+            <a:extLst>
+              <a:ext uri="{96DAC541-7B7A-43D3-8B79-37D633B846F1}">
+                <asvg:svgBlip xmlns:asvg="http://schemas.microsoft.com/office/drawing/2016/SVG/main" r:embed="rId6"/>
+              </a:ext>
+            </a:extLst>
+          </a:blip>
+          <a:srcRect/>
+          <a:stretch>
+            <a:fillRect/>
+          </a:stretch>
+        </a:blipFill>
+      </dgm:spPr>
+      <dgm:extLst>
+        <a:ext uri="{E40237B7-FDA0-4F09-8148-C483321AD2D9}">
+          <dgm14:cNvPr xmlns:dgm14="http://schemas.microsoft.com/office/drawing/2010/diagram" id="0" name="" descr="&quot;Daumen hoch&quot;-Zeichen"/>
+        </a:ext>
+      </dgm:extLst>
+    </dgm:pt>
+    <dgm:pt modelId="{FD850447-1789-435F-B614-72DA653002ED}" type="pres">
+      <dgm:prSet presAssocID="{D36C4730-651B-4FBE-8661-0132DA0603B5}" presName="spaceRect" presStyleCnt="0"/>
+      <dgm:spPr/>
+    </dgm:pt>
+    <dgm:pt modelId="{B2839400-51E4-4052-83E4-393B2F4E00CF}" type="pres">
+      <dgm:prSet presAssocID="{D36C4730-651B-4FBE-8661-0132DA0603B5}" presName="textRect" presStyleLbl="revTx" presStyleIdx="2" presStyleCnt="4">
+        <dgm:presLayoutVars>
+          <dgm:chMax val="1"/>
+          <dgm:chPref val="1"/>
+        </dgm:presLayoutVars>
+      </dgm:prSet>
+      <dgm:spPr/>
+    </dgm:pt>
+    <dgm:pt modelId="{1EB2DEC9-7B25-4A1A-BE72-5CAF1B1695CC}" type="pres">
+      <dgm:prSet presAssocID="{992C8AE9-6D48-4A81-B579-37C4305BF077}" presName="sibTrans" presStyleCnt="0"/>
+      <dgm:spPr/>
+    </dgm:pt>
+    <dgm:pt modelId="{51D02278-62F9-4D2B-9973-607FA919700D}" type="pres">
+      <dgm:prSet presAssocID="{8687C0D3-C96E-4BAC-BC7E-EE0DF9FA86B9}" presName="compNode" presStyleCnt="0"/>
+      <dgm:spPr/>
+    </dgm:pt>
+    <dgm:pt modelId="{15FFB495-7791-443E-888F-EA4E67E6B11E}" type="pres">
+      <dgm:prSet presAssocID="{8687C0D3-C96E-4BAC-BC7E-EE0DF9FA86B9}" presName="iconRect" presStyleLbl="node1" presStyleIdx="3" presStyleCnt="4"/>
+      <dgm:spPr>
+        <a:blipFill>
+          <a:blip xmlns:r="http://schemas.openxmlformats.org/officeDocument/2006/relationships" r:embed="rId7">
+            <a:extLst>
+              <a:ext uri="{28A0092B-C50C-407E-A947-70E740481C1C}">
+                <a14:useLocalDpi xmlns:a14="http://schemas.microsoft.com/office/drawing/2010/main" val="0"/>
+              </a:ext>
+              <a:ext uri="{96DAC541-7B7A-43D3-8B79-37D633B846F1}">
+                <asvg:svgBlip xmlns:asvg="http://schemas.microsoft.com/office/drawing/2016/SVG/main" r:embed="rId8"/>
+              </a:ext>
+            </a:extLst>
+          </a:blip>
+          <a:stretch>
+            <a:fillRect/>
+          </a:stretch>
+        </a:blipFill>
+      </dgm:spPr>
+      <dgm:extLst>
+        <a:ext uri="{E40237B7-FDA0-4F09-8148-C483321AD2D9}">
+          <dgm14:cNvPr xmlns:dgm14="http://schemas.microsoft.com/office/drawing/2010/diagram" id="0" name="" descr="Users"/>
+        </a:ext>
+      </dgm:extLst>
+    </dgm:pt>
+    <dgm:pt modelId="{1A90ED5B-CCE9-4A8E-8336-1D2817CEE6A6}" type="pres">
+      <dgm:prSet presAssocID="{8687C0D3-C96E-4BAC-BC7E-EE0DF9FA86B9}" presName="spaceRect" presStyleCnt="0"/>
+      <dgm:spPr/>
+    </dgm:pt>
+    <dgm:pt modelId="{BD2C22E8-BDFC-4D0B-A6FF-E974B2A2FA1E}" type="pres">
+      <dgm:prSet presAssocID="{8687C0D3-C96E-4BAC-BC7E-EE0DF9FA86B9}" presName="textRect" presStyleLbl="revTx" presStyleIdx="3" presStyleCnt="4">
+        <dgm:presLayoutVars>
+          <dgm:chMax val="1"/>
+          <dgm:chPref val="1"/>
+        </dgm:presLayoutVars>
+      </dgm:prSet>
+      <dgm:spPr/>
+    </dgm:pt>
+  </dgm:ptLst>
+  <dgm:cxnLst>
+    <dgm:cxn modelId="{8CFFCE16-19B6-46B1-9B39-8054DDD93463}" type="presOf" srcId="{8687C0D3-C96E-4BAC-BC7E-EE0DF9FA86B9}" destId="{BD2C22E8-BDFC-4D0B-A6FF-E974B2A2FA1E}" srcOrd="0" destOrd="0" presId="urn:microsoft.com/office/officeart/2018/2/layout/IconLabelList"/>
+    <dgm:cxn modelId="{A599F81A-BAED-461B-A595-CBC3D4BA62C4}" type="presOf" srcId="{9B3CBE2C-A434-4457-89D5-706510B50982}" destId="{66A78440-EEEE-477A-B46E-B4B72A9CF10C}" srcOrd="0" destOrd="0" presId="urn:microsoft.com/office/officeart/2018/2/layout/IconLabelList"/>
+    <dgm:cxn modelId="{EA642934-C141-4C73-9EDA-77E10795B751}" type="presOf" srcId="{D36C4730-651B-4FBE-8661-0132DA0603B5}" destId="{B2839400-51E4-4052-83E4-393B2F4E00CF}" srcOrd="0" destOrd="0" presId="urn:microsoft.com/office/officeart/2018/2/layout/IconLabelList"/>
+    <dgm:cxn modelId="{7321E73E-C5EC-4B94-A12E-D7364E3057EF}" srcId="{8EC64A5B-CE57-40C3-B914-CBC8927A4B82}" destId="{960A7522-8616-4FED-A413-7E07D41F18FB}" srcOrd="1" destOrd="0" parTransId="{B4626339-8DCB-414E-A600-EFEAA90146CF}" sibTransId="{CD9484D1-A8D8-4780-973D-2ED8B3D68CB2}"/>
+    <dgm:cxn modelId="{2608AE41-3E81-4333-ACE3-96908ADF95B7}" srcId="{8EC64A5B-CE57-40C3-B914-CBC8927A4B82}" destId="{D36C4730-651B-4FBE-8661-0132DA0603B5}" srcOrd="2" destOrd="0" parTransId="{0603816D-9100-440C-A6A9-075C4A85F548}" sibTransId="{992C8AE9-6D48-4A81-B579-37C4305BF077}"/>
+    <dgm:cxn modelId="{4ABB3D80-A7F0-4AA4-835A-8341DC7257E1}" srcId="{8EC64A5B-CE57-40C3-B914-CBC8927A4B82}" destId="{8687C0D3-C96E-4BAC-BC7E-EE0DF9FA86B9}" srcOrd="3" destOrd="0" parTransId="{2550C7C8-6943-453D-A7A3-A554D919EFF8}" sibTransId="{5963ACD4-CB7A-45B5-83D6-9A8C39AC98E2}"/>
+    <dgm:cxn modelId="{8B432284-B7FE-471A-8728-A6E927A624F4}" srcId="{8EC64A5B-CE57-40C3-B914-CBC8927A4B82}" destId="{9B3CBE2C-A434-4457-89D5-706510B50982}" srcOrd="0" destOrd="0" parTransId="{B61C663A-4786-4AED-A6FF-2543379B050C}" sibTransId="{2AACC75A-8D45-44A2-85DE-51F894E34577}"/>
+    <dgm:cxn modelId="{93A18D95-1C2B-488D-9526-583A4C8E9303}" type="presOf" srcId="{960A7522-8616-4FED-A413-7E07D41F18FB}" destId="{3E246B6D-1CC2-4C0D-B611-41C836298C1D}" srcOrd="0" destOrd="0" presId="urn:microsoft.com/office/officeart/2018/2/layout/IconLabelList"/>
+    <dgm:cxn modelId="{3B907EF9-5AE9-415F-94F0-5C4B78DBB6B0}" type="presOf" srcId="{8EC64A5B-CE57-40C3-B914-CBC8927A4B82}" destId="{FE01A161-9C96-43DD-8BC6-EE63C86F0232}" srcOrd="0" destOrd="0" presId="urn:microsoft.com/office/officeart/2018/2/layout/IconLabelList"/>
+    <dgm:cxn modelId="{C739CB12-FE6B-4807-8B5F-1ABB8C74F5B9}" type="presParOf" srcId="{FE01A161-9C96-43DD-8BC6-EE63C86F0232}" destId="{A15A0878-38AC-43E9-8225-BDECA9DAA9F3}" srcOrd="0" destOrd="0" presId="urn:microsoft.com/office/officeart/2018/2/layout/IconLabelList"/>
+    <dgm:cxn modelId="{59189D38-741E-437B-9B10-E15E9991F8E5}" type="presParOf" srcId="{A15A0878-38AC-43E9-8225-BDECA9DAA9F3}" destId="{AECD337C-2F08-47AC-A7D9-12960FA34549}" srcOrd="0" destOrd="0" presId="urn:microsoft.com/office/officeart/2018/2/layout/IconLabelList"/>
+    <dgm:cxn modelId="{A2AC4A5E-6345-48A8-BC7D-FEE4FBBE7952}" type="presParOf" srcId="{A15A0878-38AC-43E9-8225-BDECA9DAA9F3}" destId="{719E550C-91C7-4BA5-9267-20136362E382}" srcOrd="1" destOrd="0" presId="urn:microsoft.com/office/officeart/2018/2/layout/IconLabelList"/>
+    <dgm:cxn modelId="{28446041-4AA4-40EE-BF08-F8C4C8D61AE5}" type="presParOf" srcId="{A15A0878-38AC-43E9-8225-BDECA9DAA9F3}" destId="{66A78440-EEEE-477A-B46E-B4B72A9CF10C}" srcOrd="2" destOrd="0" presId="urn:microsoft.com/office/officeart/2018/2/layout/IconLabelList"/>
+    <dgm:cxn modelId="{3E7981A9-E872-4465-ACC2-9010EAD04175}" type="presParOf" srcId="{FE01A161-9C96-43DD-8BC6-EE63C86F0232}" destId="{4AC932FE-B418-4512-BAED-D09C7EDF69FD}" srcOrd="1" destOrd="0" presId="urn:microsoft.com/office/officeart/2018/2/layout/IconLabelList"/>
+    <dgm:cxn modelId="{CA999AA5-AAA4-4DFA-9313-CCDC9A6EA194}" type="presParOf" srcId="{FE01A161-9C96-43DD-8BC6-EE63C86F0232}" destId="{04D3B6D1-D39C-4136-A546-98EFC7CCA253}" srcOrd="2" destOrd="0" presId="urn:microsoft.com/office/officeart/2018/2/layout/IconLabelList"/>
+    <dgm:cxn modelId="{57029463-66BA-463D-A6AE-68DBD813F201}" type="presParOf" srcId="{04D3B6D1-D39C-4136-A546-98EFC7CCA253}" destId="{B1EB1712-B889-489C-80A8-791FB636F426}" srcOrd="0" destOrd="0" presId="urn:microsoft.com/office/officeart/2018/2/layout/IconLabelList"/>
+    <dgm:cxn modelId="{C54FBD83-F74D-4C6A-BF6E-77B2C99A5199}" type="presParOf" srcId="{04D3B6D1-D39C-4136-A546-98EFC7CCA253}" destId="{AC4248E3-7B26-42D1-9A59-0AE1EDF37446}" srcOrd="1" destOrd="0" presId="urn:microsoft.com/office/officeart/2018/2/layout/IconLabelList"/>
+    <dgm:cxn modelId="{E59E99DD-871A-4EF9-9E65-F5F181A27666}" type="presParOf" srcId="{04D3B6D1-D39C-4136-A546-98EFC7CCA253}" destId="{3E246B6D-1CC2-4C0D-B611-41C836298C1D}" srcOrd="2" destOrd="0" presId="urn:microsoft.com/office/officeart/2018/2/layout/IconLabelList"/>
+    <dgm:cxn modelId="{6537D89D-122A-4F47-8DFC-B2EC2EC8831B}" type="presParOf" srcId="{FE01A161-9C96-43DD-8BC6-EE63C86F0232}" destId="{38048139-7D60-41DF-B8FD-F48E85606D0D}" srcOrd="3" destOrd="0" presId="urn:microsoft.com/office/officeart/2018/2/layout/IconLabelList"/>
+    <dgm:cxn modelId="{D8CDA89D-C08D-4DB6-9308-ED167CC89033}" type="presParOf" srcId="{FE01A161-9C96-43DD-8BC6-EE63C86F0232}" destId="{B3D0D361-BED0-441C-B712-E7641E4E0EC5}" srcOrd="4" destOrd="0" presId="urn:microsoft.com/office/officeart/2018/2/layout/IconLabelList"/>
+    <dgm:cxn modelId="{5B682EBD-AC98-4B37-94BB-646A35EAA7F9}" type="presParOf" srcId="{B3D0D361-BED0-441C-B712-E7641E4E0EC5}" destId="{5146F555-12A4-46C9-9459-32A4FFE21DB0}" srcOrd="0" destOrd="0" presId="urn:microsoft.com/office/officeart/2018/2/layout/IconLabelList"/>
+    <dgm:cxn modelId="{2EE0ACC4-8243-47D7-80FD-9DCF4C71999F}" type="presParOf" srcId="{B3D0D361-BED0-441C-B712-E7641E4E0EC5}" destId="{FD850447-1789-435F-B614-72DA653002ED}" srcOrd="1" destOrd="0" presId="urn:microsoft.com/office/officeart/2018/2/layout/IconLabelList"/>
+    <dgm:cxn modelId="{CE6C6462-D866-43CB-B24E-4DA278F091EE}" type="presParOf" srcId="{B3D0D361-BED0-441C-B712-E7641E4E0EC5}" destId="{B2839400-51E4-4052-83E4-393B2F4E00CF}" srcOrd="2" destOrd="0" presId="urn:microsoft.com/office/officeart/2018/2/layout/IconLabelList"/>
+    <dgm:cxn modelId="{218D3E4B-EFBE-402A-B54A-F57574548B09}" type="presParOf" srcId="{FE01A161-9C96-43DD-8BC6-EE63C86F0232}" destId="{1EB2DEC9-7B25-4A1A-BE72-5CAF1B1695CC}" srcOrd="5" destOrd="0" presId="urn:microsoft.com/office/officeart/2018/2/layout/IconLabelList"/>
+    <dgm:cxn modelId="{BC45B500-F402-47EA-9B7A-ECF10AF780BC}" type="presParOf" srcId="{FE01A161-9C96-43DD-8BC6-EE63C86F0232}" destId="{51D02278-62F9-4D2B-9973-607FA919700D}" srcOrd="6" destOrd="0" presId="urn:microsoft.com/office/officeart/2018/2/layout/IconLabelList"/>
+    <dgm:cxn modelId="{160AD874-C83F-446C-98E2-6E2BF9B3A9D1}" type="presParOf" srcId="{51D02278-62F9-4D2B-9973-607FA919700D}" destId="{15FFB495-7791-443E-888F-EA4E67E6B11E}" srcOrd="0" destOrd="0" presId="urn:microsoft.com/office/officeart/2018/2/layout/IconLabelList"/>
+    <dgm:cxn modelId="{46D92C68-4E77-476F-B71E-79F6751949B3}" type="presParOf" srcId="{51D02278-62F9-4D2B-9973-607FA919700D}" destId="{1A90ED5B-CCE9-4A8E-8336-1D2817CEE6A6}" srcOrd="1" destOrd="0" presId="urn:microsoft.com/office/officeart/2018/2/layout/IconLabelList"/>
+    <dgm:cxn modelId="{D52C845D-4D6A-455E-9A89-ABE09443BA45}" type="presParOf" srcId="{51D02278-62F9-4D2B-9973-607FA919700D}" destId="{BD2C22E8-BDFC-4D0B-A6FF-E974B2A2FA1E}" srcOrd="2" destOrd="0" presId="urn:microsoft.com/office/officeart/2018/2/layout/IconLabelList"/>
+  </dgm:cxnLst>
+  <dgm:bg/>
+  <dgm:whole/>
+  <dgm:extLst>
+    <a:ext uri="http://schemas.microsoft.com/office/drawing/2008/diagram">
+      <dsp:dataModelExt xmlns:dsp="http://schemas.microsoft.com/office/drawing/2008/diagram" relId="rId6" minVer="http://schemas.openxmlformats.org/drawingml/2006/diagram"/>
+    </a:ext>
+  </dgm:extLst>
+</dgm:dataModel>
+</file>
+
+<file path=ppt/diagrams/drawing1.xml><?xml version="1.0" encoding="utf-8"?>
+<dsp:drawing xmlns:dgm="http://schemas.openxmlformats.org/drawingml/2006/diagram" xmlns:dsp="http://schemas.microsoft.com/office/drawing/2008/diagram" xmlns:a="http://schemas.openxmlformats.org/drawingml/2006/main">
+  <dsp:spTree>
+    <dsp:nvGrpSpPr>
+      <dsp:cNvPr id="0" name=""/>
+      <dsp:cNvGrpSpPr/>
+    </dsp:nvGrpSpPr>
+    <dsp:grpSpPr/>
+    <dsp:sp modelId="{AECD337C-2F08-47AC-A7D9-12960FA34549}">
+      <dsp:nvSpPr>
+        <dsp:cNvPr id="0" name=""/>
+        <dsp:cNvSpPr/>
+      </dsp:nvSpPr>
+      <dsp:spPr>
+        <a:xfrm>
+          <a:off x="800367" y="582591"/>
+          <a:ext cx="921688" cy="921688"/>
+        </a:xfrm>
+        <a:prstGeom prst="rect">
+          <a:avLst/>
+        </a:prstGeom>
+        <a:blipFill>
+          <a:blip xmlns:r="http://schemas.openxmlformats.org/officeDocument/2006/relationships" r:embed="rId1">
+            <a:extLst>
+              <a:ext uri="{28A0092B-C50C-407E-A947-70E740481C1C}">
+                <a14:useLocalDpi xmlns:a14="http://schemas.microsoft.com/office/drawing/2010/main" val="0"/>
+              </a:ext>
+              <a:ext uri="{96DAC541-7B7A-43D3-8B79-37D633B846F1}">
+                <asvg:svgBlip xmlns:asvg="http://schemas.microsoft.com/office/drawing/2016/SVG/main" r:embed="rId2"/>
+              </a:ext>
+            </a:extLst>
+          </a:blip>
+          <a:stretch>
+            <a:fillRect/>
+          </a:stretch>
+        </a:blipFill>
+        <a:ln w="15875" cap="rnd" cmpd="sng" algn="ctr">
+          <a:solidFill>
+            <a:schemeClr val="lt1">
+              <a:alpha val="0"/>
+              <a:hueOff val="0"/>
+              <a:satOff val="0"/>
+              <a:lumOff val="0"/>
+              <a:alphaOff val="0"/>
+            </a:schemeClr>
+          </a:solidFill>
+          <a:prstDash val="solid"/>
+        </a:ln>
+        <a:effectLst/>
+      </dsp:spPr>
+      <dsp:style>
+        <a:lnRef idx="2">
+          <a:scrgbClr r="0" g="0" b="0"/>
+        </a:lnRef>
+        <a:fillRef idx="1">
+          <a:scrgbClr r="0" g="0" b="0"/>
+        </a:fillRef>
+        <a:effectRef idx="0">
+          <a:scrgbClr r="0" g="0" b="0"/>
+        </a:effectRef>
+        <a:fontRef idx="minor">
+          <a:schemeClr val="lt1"/>
+        </a:fontRef>
+      </dsp:style>
+    </dsp:sp>
+    <dsp:sp modelId="{66A78440-EEEE-477A-B46E-B4B72A9CF10C}">
+      <dsp:nvSpPr>
+        <dsp:cNvPr id="0" name=""/>
+        <dsp:cNvSpPr/>
+      </dsp:nvSpPr>
+      <dsp:spPr>
+        <a:xfrm>
+          <a:off x="237112" y="1794046"/>
+          <a:ext cx="2048197" cy="720000"/>
+        </a:xfrm>
+        <a:prstGeom prst="rect">
+          <a:avLst/>
+        </a:prstGeom>
+        <a:noFill/>
+        <a:ln>
+          <a:noFill/>
+        </a:ln>
+        <a:effectLst/>
+      </dsp:spPr>
+      <dsp:style>
+        <a:lnRef idx="0">
+          <a:scrgbClr r="0" g="0" b="0"/>
+        </a:lnRef>
+        <a:fillRef idx="0">
+          <a:scrgbClr r="0" g="0" b="0"/>
+        </a:fillRef>
+        <a:effectRef idx="0">
+          <a:scrgbClr r="0" g="0" b="0"/>
+        </a:effectRef>
+        <a:fontRef idx="minor"/>
+      </dsp:style>
+      <dsp:txBody>
+        <a:bodyPr spcFirstLastPara="0" vert="horz" wrap="square" lIns="0" tIns="0" rIns="0" bIns="0" numCol="1" spcCol="1270" anchor="t" anchorCtr="0">
+          <a:noAutofit/>
+        </a:bodyPr>
+        <a:lstStyle/>
+        <a:p>
+          <a:pPr marL="0" lvl="0" indent="0" algn="ctr" defTabSz="755650">
+            <a:lnSpc>
+              <a:spcPct val="100000"/>
+            </a:lnSpc>
+            <a:spcBef>
+              <a:spcPct val="0"/>
+            </a:spcBef>
+            <a:spcAft>
+              <a:spcPct val="35000"/>
+            </a:spcAft>
+            <a:buNone/>
+          </a:pPr>
+          <a:r>
+            <a:rPr lang="de-DE" sz="1700" kern="1200"/>
+            <a:t>Erkennen von Verkehrsschildern</a:t>
+          </a:r>
+          <a:endParaRPr lang="en-US" sz="1700" kern="1200"/>
+        </a:p>
+      </dsp:txBody>
+      <dsp:txXfrm>
+        <a:off x="237112" y="1794046"/>
+        <a:ext cx="2048197" cy="720000"/>
+      </dsp:txXfrm>
+    </dsp:sp>
+    <dsp:sp modelId="{B1EB1712-B889-489C-80A8-791FB636F426}">
+      <dsp:nvSpPr>
+        <dsp:cNvPr id="0" name=""/>
+        <dsp:cNvSpPr/>
+      </dsp:nvSpPr>
+      <dsp:spPr>
+        <a:xfrm>
+          <a:off x="3206999" y="582591"/>
+          <a:ext cx="921688" cy="921688"/>
+        </a:xfrm>
+        <a:prstGeom prst="rect">
+          <a:avLst/>
+        </a:prstGeom>
+        <a:blipFill>
+          <a:blip xmlns:r="http://schemas.openxmlformats.org/officeDocument/2006/relationships" r:embed="rId3">
+            <a:extLst>
+              <a:ext uri="{96DAC541-7B7A-43D3-8B79-37D633B846F1}">
+                <asvg:svgBlip xmlns:asvg="http://schemas.microsoft.com/office/drawing/2016/SVG/main" r:embed="rId4"/>
+              </a:ext>
+            </a:extLst>
+          </a:blip>
+          <a:srcRect/>
+          <a:stretch>
+            <a:fillRect/>
+          </a:stretch>
+        </a:blipFill>
+        <a:ln w="15875" cap="rnd" cmpd="sng" algn="ctr">
+          <a:solidFill>
+            <a:schemeClr val="lt1">
+              <a:alpha val="0"/>
+              <a:hueOff val="0"/>
+              <a:satOff val="0"/>
+              <a:lumOff val="0"/>
+              <a:alphaOff val="0"/>
+            </a:schemeClr>
+          </a:solidFill>
+          <a:prstDash val="solid"/>
+        </a:ln>
+        <a:effectLst/>
+      </dsp:spPr>
+      <dsp:style>
+        <a:lnRef idx="2">
+          <a:scrgbClr r="0" g="0" b="0"/>
+        </a:lnRef>
+        <a:fillRef idx="1">
+          <a:scrgbClr r="0" g="0" b="0"/>
+        </a:fillRef>
+        <a:effectRef idx="0">
+          <a:scrgbClr r="0" g="0" b="0"/>
+        </a:effectRef>
+        <a:fontRef idx="minor">
+          <a:schemeClr val="lt1"/>
+        </a:fontRef>
+      </dsp:style>
+    </dsp:sp>
+    <dsp:sp modelId="{3E246B6D-1CC2-4C0D-B611-41C836298C1D}">
+      <dsp:nvSpPr>
+        <dsp:cNvPr id="0" name=""/>
+        <dsp:cNvSpPr/>
+      </dsp:nvSpPr>
+      <dsp:spPr>
+        <a:xfrm>
+          <a:off x="2643744" y="1794046"/>
+          <a:ext cx="2048197" cy="720000"/>
+        </a:xfrm>
+        <a:prstGeom prst="rect">
+          <a:avLst/>
+        </a:prstGeom>
+        <a:noFill/>
+        <a:ln>
+          <a:noFill/>
+        </a:ln>
+        <a:effectLst/>
+      </dsp:spPr>
+      <dsp:style>
+        <a:lnRef idx="0">
+          <a:scrgbClr r="0" g="0" b="0"/>
+        </a:lnRef>
+        <a:fillRef idx="0">
+          <a:scrgbClr r="0" g="0" b="0"/>
+        </a:fillRef>
+        <a:effectRef idx="0">
+          <a:scrgbClr r="0" g="0" b="0"/>
+        </a:effectRef>
+        <a:fontRef idx="minor"/>
+      </dsp:style>
+      <dsp:txBody>
+        <a:bodyPr spcFirstLastPara="0" vert="horz" wrap="square" lIns="0" tIns="0" rIns="0" bIns="0" numCol="1" spcCol="1270" anchor="t" anchorCtr="0">
+          <a:noAutofit/>
+        </a:bodyPr>
+        <a:lstStyle/>
+        <a:p>
+          <a:pPr marL="0" lvl="0" indent="0" algn="ctr" defTabSz="755650">
+            <a:lnSpc>
+              <a:spcPct val="100000"/>
+            </a:lnSpc>
+            <a:spcBef>
+              <a:spcPct val="0"/>
+            </a:spcBef>
+            <a:spcAft>
+              <a:spcPct val="35000"/>
+            </a:spcAft>
+            <a:buNone/>
+          </a:pPr>
+          <a:r>
+            <a:rPr lang="de-DE" sz="1700" kern="1200" dirty="0"/>
+            <a:t>Klassifizieren der Verkehrsschilder</a:t>
+          </a:r>
+          <a:endParaRPr lang="en-US" sz="1700" kern="1200" dirty="0"/>
+        </a:p>
+      </dsp:txBody>
+      <dsp:txXfrm>
+        <a:off x="2643744" y="1794046"/>
+        <a:ext cx="2048197" cy="720000"/>
+      </dsp:txXfrm>
+    </dsp:sp>
+    <dsp:sp modelId="{5146F555-12A4-46C9-9459-32A4FFE21DB0}">
+      <dsp:nvSpPr>
+        <dsp:cNvPr id="0" name=""/>
+        <dsp:cNvSpPr/>
+      </dsp:nvSpPr>
+      <dsp:spPr>
+        <a:xfrm>
+          <a:off x="5613631" y="582591"/>
+          <a:ext cx="921688" cy="921688"/>
+        </a:xfrm>
+        <a:prstGeom prst="rect">
+          <a:avLst/>
+        </a:prstGeom>
+        <a:blipFill>
+          <a:blip xmlns:r="http://schemas.openxmlformats.org/officeDocument/2006/relationships" r:embed="rId5">
+            <a:extLst>
+              <a:ext uri="{96DAC541-7B7A-43D3-8B79-37D633B846F1}">
+                <asvg:svgBlip xmlns:asvg="http://schemas.microsoft.com/office/drawing/2016/SVG/main" r:embed="rId6"/>
+              </a:ext>
+            </a:extLst>
+          </a:blip>
+          <a:srcRect/>
+          <a:stretch>
+            <a:fillRect/>
+          </a:stretch>
+        </a:blipFill>
+        <a:ln w="15875" cap="rnd" cmpd="sng" algn="ctr">
+          <a:solidFill>
+            <a:schemeClr val="lt1">
+              <a:alpha val="0"/>
+              <a:hueOff val="0"/>
+              <a:satOff val="0"/>
+              <a:lumOff val="0"/>
+              <a:alphaOff val="0"/>
+            </a:schemeClr>
+          </a:solidFill>
+          <a:prstDash val="solid"/>
+        </a:ln>
+        <a:effectLst/>
+      </dsp:spPr>
+      <dsp:style>
+        <a:lnRef idx="2">
+          <a:scrgbClr r="0" g="0" b="0"/>
+        </a:lnRef>
+        <a:fillRef idx="1">
+          <a:scrgbClr r="0" g="0" b="0"/>
+        </a:fillRef>
+        <a:effectRef idx="0">
+          <a:scrgbClr r="0" g="0" b="0"/>
+        </a:effectRef>
+        <a:fontRef idx="minor">
+          <a:schemeClr val="lt1"/>
+        </a:fontRef>
+      </dsp:style>
+    </dsp:sp>
+    <dsp:sp modelId="{B2839400-51E4-4052-83E4-393B2F4E00CF}">
+      <dsp:nvSpPr>
+        <dsp:cNvPr id="0" name=""/>
+        <dsp:cNvSpPr/>
+      </dsp:nvSpPr>
+      <dsp:spPr>
+        <a:xfrm>
+          <a:off x="5050376" y="1794046"/>
+          <a:ext cx="2048197" cy="720000"/>
+        </a:xfrm>
+        <a:prstGeom prst="rect">
+          <a:avLst/>
+        </a:prstGeom>
+        <a:noFill/>
+        <a:ln>
+          <a:noFill/>
+        </a:ln>
+        <a:effectLst/>
+      </dsp:spPr>
+      <dsp:style>
+        <a:lnRef idx="0">
+          <a:scrgbClr r="0" g="0" b="0"/>
+        </a:lnRef>
+        <a:fillRef idx="0">
+          <a:scrgbClr r="0" g="0" b="0"/>
+        </a:fillRef>
+        <a:effectRef idx="0">
+          <a:scrgbClr r="0" g="0" b="0"/>
+        </a:effectRef>
+        <a:fontRef idx="minor"/>
+      </dsp:style>
+      <dsp:txBody>
+        <a:bodyPr spcFirstLastPara="0" vert="horz" wrap="square" lIns="0" tIns="0" rIns="0" bIns="0" numCol="1" spcCol="1270" anchor="t" anchorCtr="0">
+          <a:noAutofit/>
+        </a:bodyPr>
+        <a:lstStyle/>
+        <a:p>
+          <a:pPr marL="0" lvl="0" indent="0" algn="ctr" defTabSz="755650">
+            <a:lnSpc>
+              <a:spcPct val="100000"/>
+            </a:lnSpc>
+            <a:spcBef>
+              <a:spcPct val="0"/>
+            </a:spcBef>
+            <a:spcAft>
+              <a:spcPct val="35000"/>
+            </a:spcAft>
+            <a:buNone/>
+          </a:pPr>
+          <a:r>
+            <a:rPr lang="de-DE" sz="1700" kern="1200" dirty="0"/>
+            <a:t>Wiedergabe der Regelung</a:t>
+          </a:r>
+          <a:endParaRPr lang="en-US" sz="1700" kern="1200" dirty="0"/>
+        </a:p>
+      </dsp:txBody>
+      <dsp:txXfrm>
+        <a:off x="5050376" y="1794046"/>
+        <a:ext cx="2048197" cy="720000"/>
+      </dsp:txXfrm>
+    </dsp:sp>
+    <dsp:sp modelId="{15FFB495-7791-443E-888F-EA4E67E6B11E}">
+      <dsp:nvSpPr>
+        <dsp:cNvPr id="0" name=""/>
+        <dsp:cNvSpPr/>
+      </dsp:nvSpPr>
+      <dsp:spPr>
+        <a:xfrm>
+          <a:off x="8020263" y="582591"/>
+          <a:ext cx="921688" cy="921688"/>
+        </a:xfrm>
+        <a:prstGeom prst="rect">
+          <a:avLst/>
+        </a:prstGeom>
+        <a:blipFill>
+          <a:blip xmlns:r="http://schemas.openxmlformats.org/officeDocument/2006/relationships" r:embed="rId7">
+            <a:extLst>
+              <a:ext uri="{28A0092B-C50C-407E-A947-70E740481C1C}">
+                <a14:useLocalDpi xmlns:a14="http://schemas.microsoft.com/office/drawing/2010/main" val="0"/>
+              </a:ext>
+              <a:ext uri="{96DAC541-7B7A-43D3-8B79-37D633B846F1}">
+                <asvg:svgBlip xmlns:asvg="http://schemas.microsoft.com/office/drawing/2016/SVG/main" r:embed="rId8"/>
+              </a:ext>
+            </a:extLst>
+          </a:blip>
+          <a:stretch>
+            <a:fillRect/>
+          </a:stretch>
+        </a:blipFill>
+        <a:ln w="15875" cap="rnd" cmpd="sng" algn="ctr">
+          <a:solidFill>
+            <a:schemeClr val="lt1">
+              <a:alpha val="0"/>
+              <a:hueOff val="0"/>
+              <a:satOff val="0"/>
+              <a:lumOff val="0"/>
+              <a:alphaOff val="0"/>
+            </a:schemeClr>
+          </a:solidFill>
+          <a:prstDash val="solid"/>
+        </a:ln>
+        <a:effectLst/>
+      </dsp:spPr>
+      <dsp:style>
+        <a:lnRef idx="2">
+          <a:scrgbClr r="0" g="0" b="0"/>
+        </a:lnRef>
+        <a:fillRef idx="1">
+          <a:scrgbClr r="0" g="0" b="0"/>
+        </a:fillRef>
+        <a:effectRef idx="0">
+          <a:scrgbClr r="0" g="0" b="0"/>
+        </a:effectRef>
+        <a:fontRef idx="minor">
+          <a:schemeClr val="lt1"/>
+        </a:fontRef>
+      </dsp:style>
+    </dsp:sp>
+    <dsp:sp modelId="{BD2C22E8-BDFC-4D0B-A6FF-E974B2A2FA1E}">
+      <dsp:nvSpPr>
+        <dsp:cNvPr id="0" name=""/>
+        <dsp:cNvSpPr/>
+      </dsp:nvSpPr>
+      <dsp:spPr>
+        <a:xfrm>
+          <a:off x="7457008" y="1794046"/>
+          <a:ext cx="2048197" cy="720000"/>
+        </a:xfrm>
+        <a:prstGeom prst="rect">
+          <a:avLst/>
+        </a:prstGeom>
+        <a:noFill/>
+        <a:ln>
+          <a:noFill/>
+        </a:ln>
+        <a:effectLst/>
+      </dsp:spPr>
+      <dsp:style>
+        <a:lnRef idx="0">
+          <a:scrgbClr r="0" g="0" b="0"/>
+        </a:lnRef>
+        <a:fillRef idx="0">
+          <a:scrgbClr r="0" g="0" b="0"/>
+        </a:fillRef>
+        <a:effectRef idx="0">
+          <a:scrgbClr r="0" g="0" b="0"/>
+        </a:effectRef>
+        <a:fontRef idx="minor"/>
+      </dsp:style>
+      <dsp:txBody>
+        <a:bodyPr spcFirstLastPara="0" vert="horz" wrap="square" lIns="0" tIns="0" rIns="0" bIns="0" numCol="1" spcCol="1270" anchor="t" anchorCtr="0">
+          <a:noAutofit/>
+        </a:bodyPr>
+        <a:lstStyle/>
+        <a:p>
+          <a:pPr marL="0" lvl="0" indent="0" algn="ctr" defTabSz="755650">
+            <a:lnSpc>
+              <a:spcPct val="100000"/>
+            </a:lnSpc>
+            <a:spcBef>
+              <a:spcPct val="0"/>
+            </a:spcBef>
+            <a:spcAft>
+              <a:spcPct val="35000"/>
+            </a:spcAft>
+            <a:buNone/>
+          </a:pPr>
+          <a:r>
+            <a:rPr lang="de-DE" sz="1700" kern="1200" dirty="0"/>
+            <a:t>Dem Nutzer die Software bereitstellen</a:t>
+          </a:r>
+          <a:endParaRPr lang="en-US" sz="1700" kern="1200" dirty="0"/>
+        </a:p>
+      </dsp:txBody>
+      <dsp:txXfrm>
+        <a:off x="7457008" y="1794046"/>
+        <a:ext cx="2048197" cy="720000"/>
+      </dsp:txXfrm>
+    </dsp:sp>
+  </dsp:spTree>
+</dsp:drawing>
+</file>
+
+<file path=ppt/diagrams/layout1.xml><?xml version="1.0" encoding="utf-8"?>
+<dgm:layoutDef xmlns:dgm="http://schemas.openxmlformats.org/drawingml/2006/diagram" xmlns:a="http://schemas.openxmlformats.org/drawingml/2006/main" uniqueId="urn:microsoft.com/office/officeart/2018/2/layout/IconLabelList">
+  <dgm:title val="Icon Label List"/>
+  <dgm:desc val="Use to show non-sequential or grouped chunks of information accompanied by a related visuals. Works best with icons or small pictures with short text captions."/>
+  <dgm:catLst>
+    <dgm:cat type="icon" pri="500"/>
+  </dgm:catLst>
+  <dgm:sampData useDef="1">
+    <dgm:dataModel>
+      <dgm:ptLst/>
+      <dgm:bg/>
+      <dgm:whole/>
+    </dgm:dataModel>
+  </dgm:sampData>
+  <dgm:styleData useDef="1">
+    <dgm:dataModel>
+      <dgm:ptLst/>
+      <dgm:bg/>
+      <dgm:whole/>
+    </dgm:dataModel>
+  </dgm:styleData>
+  <dgm:clrData useDef="1">
+    <dgm:dataModel>
+      <dgm:ptLst/>
+      <dgm:bg/>
+      <dgm:whole/>
+    </dgm:dataModel>
+  </dgm:clrData>
+  <dgm:layoutNode name="root">
+    <dgm:varLst>
+      <dgm:dir/>
+      <dgm:resizeHandles val="exact"/>
+    </dgm:varLst>
+    <dgm:choose name="Name0">
+      <dgm:if name="Name1" axis="self" func="var" arg="dir" op="equ" val="norm">
+        <dgm:alg type="snake">
+          <dgm:param type="grDir" val="tL"/>
+          <dgm:param type="flowDir" val="row"/>
+          <dgm:param type="contDir" val="sameDir"/>
+          <dgm:param type="off" val="ctr"/>
+          <dgm:param type="vertAlign" val="mid"/>
+          <dgm:param type="horzAlign" val="ctr"/>
+        </dgm:alg>
+      </dgm:if>
+      <dgm:else name="Name2">
+        <dgm:alg type="snake">
+          <dgm:param type="grDir" val="tR"/>
+          <dgm:param type="flowDir" val="row"/>
+          <dgm:param type="contDir" val="sameDir"/>
+          <dgm:param type="off" val="ctr"/>
+          <dgm:param type="vertAlign" val="mid"/>
+          <dgm:param type="horzAlign" val="ctr"/>
+        </dgm:alg>
+      </dgm:else>
+    </dgm:choose>
+    <dgm:shape xmlns:r="http://schemas.openxmlformats.org/officeDocument/2006/relationships" r:blip="">
+      <dgm:adjLst/>
+    </dgm:shape>
+    <dgm:presOf/>
+    <dgm:choose name="Name3">
+      <dgm:if name="Name4" axis="ch" ptType="node" func="cnt" op="lte" val="2">
+        <dgm:constrLst>
+          <dgm:constr type="h" for="ch" forName="compNode" refType="h" fact="0.4"/>
+          <dgm:constr type="w" for="ch" forName="compNode" val="120"/>
+          <dgm:constr type="w" for="ch" forName="sibTrans" refType="w" refFor="ch" refForName="compNode" fact="0.175"/>
+          <dgm:constr type="sp" refType="w" refFor="ch" refForName="compNode" op="equ" fact="0.25"/>
+          <dgm:constr type="primFontSz" for="des" ptType="node" op="equ" val="50"/>
+          <dgm:constr type="h" for="des" forName="compNode" op="equ"/>
+          <dgm:constr type="h" for="des" forName="textRect" op="equ"/>
+        </dgm:constrLst>
+      </dgm:if>
+      <dgm:if name="Name5" axis="ch" ptType="node" func="cnt" op="lte" val="4">
+        <dgm:constrLst>
+          <dgm:constr type="h" for="ch" forName="compNode" refType="h" fact="0.4"/>
+          <dgm:constr type="w" for="ch" forName="compNode" refType="w"/>
+          <dgm:constr type="w" for="ch" forName="sibTrans" refType="w" refFor="ch" refForName="compNode" fact="0.175"/>
+          <dgm:constr type="sp" refType="w" refFor="ch" refForName="compNode" op="equ" fact="0.25"/>
+          <dgm:constr type="primFontSz" for="des" ptType="node" op="equ" val="36"/>
+          <dgm:constr type="h" for="des" forName="compNode" op="equ"/>
+          <dgm:constr type="h" for="des" forName="textRect" op="equ"/>
+        </dgm:constrLst>
+      </dgm:if>
+      <dgm:else name="Name6">
+        <dgm:constrLst>
+          <dgm:constr type="h" for="ch" forName="compNode" refType="h" fact="0.4"/>
+          <dgm:constr type="w" for="ch" forName="compNode" refType="w"/>
+          <dgm:constr type="w" for="ch" forName="sibTrans" refType="w" refFor="ch" refForName="compNode" fact="0.175"/>
+          <dgm:constr type="sp" refType="w" refFor="ch" refForName="compNode" op="equ" fact="0.25"/>
+          <dgm:constr type="primFontSz" for="des" ptType="node" op="equ" val="24"/>
+          <dgm:constr type="h" for="des" forName="compNode" op="equ"/>
+          <dgm:constr type="h" for="des" forName="textRect" op="equ"/>
+        </dgm:constrLst>
+      </dgm:else>
+    </dgm:choose>
+    <dgm:ruleLst>
+      <dgm:rule type="w" for="ch" forName="compNode" val="50" fact="NaN" max="NaN"/>
+    </dgm:ruleLst>
+    <dgm:forEach name="Name7" axis="ch" ptType="node">
+      <dgm:layoutNode name="compNode">
+        <dgm:alg type="composite"/>
+        <dgm:shape xmlns:r="http://schemas.openxmlformats.org/officeDocument/2006/relationships" r:blip="">
+          <dgm:adjLst/>
+        </dgm:shape>
+        <dgm:presOf axis="self"/>
+        <dgm:constrLst>
+          <dgm:constr type="w" for="ch" forName="iconRect" refType="w" fact="0.45"/>
+          <dgm:constr type="h" for="ch" forName="iconRect" refType="w" refFor="ch" refForName="iconRect"/>
+          <dgm:constr type="ctrX" for="ch" forName="iconRect" refType="w" fact="0.5"/>
+          <dgm:constr type="t" for="ch" forName="iconRect"/>
+          <dgm:constr type="h" for="ch" forName="spaceRect" refType="h" fact="0.15"/>
+          <dgm:constr type="w" for="ch" forName="spaceRect" refType="w"/>
+          <dgm:constr type="l" for="ch" forName="spaceRect"/>
+          <dgm:constr type="t" for="ch" forName="spaceRect" refType="b" refFor="ch" refForName="iconRect"/>
+          <dgm:constr type="h" for="ch" forName="textRect" val="20"/>
+          <dgm:constr type="w" for="ch" forName="textRect" refType="w"/>
+          <dgm:constr type="l" for="ch" forName="textRect"/>
+          <dgm:constr type="t" for="ch" forName="textRect" refType="b" refFor="ch" refForName="spaceRect"/>
+        </dgm:constrLst>
+        <dgm:ruleLst>
+          <dgm:rule type="h" val="INF" fact="NaN" max="NaN"/>
+        </dgm:ruleLst>
+        <dgm:layoutNode name="iconRect" styleLbl="node1">
+          <dgm:alg type="sp"/>
+          <dgm:shape xmlns:r="http://schemas.openxmlformats.org/officeDocument/2006/relationships" type="rect" r:blip="" blipPhldr="1">
+            <dgm:adjLst/>
+          </dgm:shape>
+          <dgm:presOf/>
+          <dgm:constrLst/>
+          <dgm:ruleLst/>
+        </dgm:layoutNode>
+        <dgm:layoutNode name="spaceRect">
+          <dgm:alg type="sp"/>
+          <dgm:shape xmlns:r="http://schemas.openxmlformats.org/officeDocument/2006/relationships" r:blip="">
+            <dgm:adjLst/>
+          </dgm:shape>
+          <dgm:presOf/>
+          <dgm:constrLst/>
+          <dgm:ruleLst/>
+        </dgm:layoutNode>
+        <dgm:layoutNode name="textRect" styleLbl="revTx">
+          <dgm:varLst>
+            <dgm:chMax val="1"/>
+            <dgm:chPref val="1"/>
+          </dgm:varLst>
+          <dgm:alg type="tx">
+            <dgm:param type="txAnchorVert" val="t"/>
+          </dgm:alg>
+          <dgm:shape xmlns:r="http://schemas.openxmlformats.org/officeDocument/2006/relationships" type="rect" r:blip="">
+            <dgm:adjLst/>
+          </dgm:shape>
+          <dgm:presOf axis="self" ptType="node"/>
+          <dgm:constrLst>
+            <dgm:constr type="lMarg"/>
+            <dgm:constr type="rMarg"/>
+            <dgm:constr type="tMarg"/>
+            <dgm:constr type="bMarg"/>
+          </dgm:constrLst>
+          <dgm:ruleLst>
+            <dgm:rule type="primFontSz" val="11" fact="NaN" max="NaN"/>
+            <dgm:rule type="h" val="INF" fact="NaN" max="NaN"/>
+          </dgm:ruleLst>
+        </dgm:layoutNode>
+      </dgm:layoutNode>
+      <dgm:forEach name="Name8" axis="followSib" ptType="sibTrans" cnt="1">
+        <dgm:layoutNode name="sibTrans">
+          <dgm:alg type="sp"/>
+          <dgm:shape xmlns:r="http://schemas.openxmlformats.org/officeDocument/2006/relationships" r:blip="">
+            <dgm:adjLst/>
+          </dgm:shape>
+          <dgm:presOf axis="self"/>
+          <dgm:constrLst/>
+          <dgm:ruleLst/>
+        </dgm:layoutNode>
+      </dgm:forEach>
+    </dgm:forEach>
+  </dgm:layoutNode>
+  <dgm:extLst>
+    <a:ext uri="{68A01E43-0DF5-4B5B-8FA6-DAF915123BFB}">
+      <dgm1612:lstStyle xmlns:dgm1612="http://schemas.microsoft.com/office/drawing/2016/12/diagram">
+        <a:lvl1pPr>
+          <a:lnSpc>
+            <a:spcPct val="100000"/>
+          </a:lnSpc>
+        </a:lvl1pPr>
+      </dgm1612:lstStyle>
+    </a:ext>
+  </dgm:extLst>
+</dgm:layoutDef>
+</file>
+
+<file path=ppt/diagrams/quickStyle1.xml><?xml version="1.0" encoding="utf-8"?>
+<dgm:styleDef xmlns:dgm="http://schemas.openxmlformats.org/drawingml/2006/diagram" xmlns:a="http://schemas.openxmlformats.org/drawingml/2006/main" uniqueId="urn:microsoft.com/office/officeart/2005/8/quickstyle/simple1">
+  <dgm:title val=""/>
+  <dgm:desc val=""/>
+  <dgm:catLst>
+    <dgm:cat type="simple" pri="10100"/>
+  </dgm:catLst>
+  <dgm:scene3d>
+    <a:camera prst="orthographicFront"/>
+    <a:lightRig rig="threePt" dir="t"/>
+  </dgm:scene3d>
+  <dgm:styleLbl name="node0">
+    <dgm:scene3d>
+      <a:camera prst="orthographicFront"/>
+      <a:lightRig rig="threePt" dir="t"/>
+    </dgm:scene3d>
+    <dgm:sp3d/>
+    <dgm:txPr/>
+    <dgm:style>
+      <a:lnRef idx="2">
+        <a:scrgbClr r="0" g="0" b="0"/>
+      </a:lnRef>
+      <a:fillRef idx="1">
+        <a:scrgbClr r="0" g="0" b="0"/>
+      </a:fillRef>
+      <a:effectRef idx="0">
+        <a:scrgbClr r="0" g="0" b="0"/>
+      </a:effectRef>
+      <a:fontRef idx="minor">
+        <a:schemeClr val="lt1"/>
+      </a:fontRef>
+    </dgm:style>
+  </dgm:styleLbl>
+  <dgm:styleLbl name="lnNode1">
+    <dgm:scene3d>
+      <a:camera prst="orthographicFront"/>
+      <a:lightRig rig="threePt" dir="t"/>
+    </dgm:scene3d>
+    <dgm:sp3d/>
+    <dgm:txPr/>
+    <dgm:style>
+      <a:lnRef idx="2">
+        <a:scrgbClr r="0" g="0" b="0"/>
+      </a:lnRef>
+      <a:fillRef idx="1">
+        <a:scrgbClr r="0" g="0" b="0"/>
+      </a:fillRef>
+      <a:effectRef idx="0">
+        <a:scrgbClr r="0" g="0" b="0"/>
+      </a:effectRef>
+      <a:fontRef idx="minor">
+        <a:schemeClr val="lt1"/>
+      </a:fontRef>
+    </dgm:style>
+  </dgm:styleLbl>
+  <dgm:styleLbl name="vennNode1">
+    <dgm:scene3d>
+      <a:camera prst="orthographicFront"/>
+      <a:lightRig rig="threePt" dir="t"/>
+    </dgm:scene3d>
+    <dgm:sp3d/>
+    <dgm:txPr/>
+    <dgm:style>
+      <a:lnRef idx="2">
+        <a:scrgbClr r="0" g="0" b="0"/>
+      </a:lnRef>
+      <a:fillRef idx="1">
+        <a:scrgbClr r="0" g="0" b="0"/>
+      </a:fillRef>
+      <a:effectRef idx="0">
+        <a:scrgbClr r="0" g="0" b="0"/>
+      </a:effectRef>
+      <a:fontRef idx="minor">
+        <a:schemeClr val="tx1"/>
+      </a:fontRef>
+    </dgm:style>
+  </dgm:styleLbl>
+  <dgm:styleLbl name="alignNode1">
+    <dgm:scene3d>
+      <a:camera prst="orthographicFront"/>
+      <a:lightRig rig="threePt" dir="t"/>
+    </dgm:scene3d>
+    <dgm:sp3d/>
+    <dgm:txPr/>
+    <dgm:style>
+      <a:lnRef idx="2">
+        <a:scrgbClr r="0" g="0" b="0"/>
+      </a:lnRef>
+      <a:fillRef idx="1">
+        <a:scrgbClr r="0" g="0" b="0"/>
+      </a:fillRef>
+      <a:effectRef idx="0">
+        <a:scrgbClr r="0" g="0" b="0"/>
+      </a:effectRef>
+      <a:fontRef idx="minor">
+        <a:schemeClr val="lt1"/>
+      </a:fontRef>
+    </dgm:style>
+  </dgm:styleLbl>
+  <dgm:styleLbl name="node1">
+    <dgm:scene3d>
+      <a:camera prst="orthographicFront"/>
+      <a:lightRig rig="threePt" dir="t"/>
+    </dgm:scene3d>
+    <dgm:sp3d/>
+    <dgm:txPr/>
+    <dgm:style>
+      <a:lnRef idx="2">
+        <a:scrgbClr r="0" g="0" b="0"/>
+      </a:lnRef>
+      <a:fillRef idx="1">
+        <a:scrgbClr r="0" g="0" b="0"/>
+      </a:fillRef>
+      <a:effectRef idx="0">
+        <a:scrgbClr r="0" g="0" b="0"/>
+      </a:effectRef>
+      <a:fontRef idx="minor">
+        <a:schemeClr val="lt1"/>
+      </a:fontRef>
+    </dgm:style>
+  </dgm:styleLbl>
+  <dgm:styleLbl name="node2">
+    <dgm:scene3d>
+      <a:camera prst="orthographicFront"/>
+      <a:lightRig rig="threePt" dir="t"/>
+    </dgm:scene3d>
+    <dgm:sp3d/>
+    <dgm:txPr/>
+    <dgm:style>
+      <a:lnRef idx="2">
+        <a:scrgbClr r="0" g="0" b="0"/>
+      </a:lnRef>
+      <a:fillRef idx="1">
+        <a:scrgbClr r="0" g="0" b="0"/>
+      </a:fillRef>
+      <a:effectRef idx="0">
+        <a:scrgbClr r="0" g="0" b="0"/>
+      </a:effectRef>
+      <a:fontRef idx="minor">
+        <a:schemeClr val="lt1"/>
+      </a:fontRef>
+    </dgm:style>
+  </dgm:styleLbl>
+  <dgm:styleLbl name="node3">
+    <dgm:scene3d>
+      <a:camera prst="orthographicFront"/>
+      <a:lightRig rig="threePt" dir="t"/>
+    </dgm:scene3d>
+    <dgm:sp3d/>
+    <dgm:txPr/>
+    <dgm:style>
+      <a:lnRef idx="2">
+        <a:scrgbClr r="0" g="0" b="0"/>
+      </a:lnRef>
+      <a:fillRef idx="1">
+        <a:scrgbClr r="0" g="0" b="0"/>
+      </a:fillRef>
+      <a:effectRef idx="0">
+        <a:scrgbClr r="0" g="0" b="0"/>
+      </a:effectRef>
+      <a:fontRef idx="minor">
+        <a:schemeClr val="lt1"/>
+      </a:fontRef>
+    </dgm:style>
+  </dgm:styleLbl>
+  <dgm:styleLbl name="node4">
+    <dgm:scene3d>
+      <a:camera prst="orthographicFront"/>
+      <a:lightRig rig="threePt" dir="t"/>
+    </dgm:scene3d>
+    <dgm:sp3d/>
+    <dgm:txPr/>
+    <dgm:style>
+      <a:lnRef idx="2">
+        <a:scrgbClr r="0" g="0" b="0"/>
+      </a:lnRef>
+      <a:fillRef idx="1">
+        <a:scrgbClr r="0" g="0" b="0"/>
+      </a:fillRef>
+      <a:effectRef idx="0">
+        <a:scrgbClr r="0" g="0" b="0"/>
+      </a:effectRef>
+      <a:fontRef idx="minor">
+        <a:schemeClr val="lt1"/>
+      </a:fontRef>
+    </dgm:style>
+  </dgm:styleLbl>
+  <dgm:styleLbl name="fgImgPlace1">
+    <dgm:scene3d>
+      <a:camera prst="orthographicFront"/>
+      <a:lightRig rig="threePt" dir="t"/>
+    </dgm:scene3d>
+    <dgm:sp3d/>
+    <dgm:txPr/>
+    <dgm:style>
+      <a:lnRef idx="2">
+        <a:scrgbClr r="0" g="0" b="0"/>
+      </a:lnRef>
+      <a:fillRef idx="1">
+        <a:scrgbClr r="0" g="0" b="0"/>
+      </a:fillRef>
+      <a:effectRef idx="0">
+        <a:scrgbClr r="0" g="0" b="0"/>
+      </a:effectRef>
+      <a:fontRef idx="minor"/>
+    </dgm:style>
+  </dgm:styleLbl>
+  <dgm:styleLbl name="alignImgPlace1">
+    <dgm:scene3d>
+      <a:camera prst="orthographicFront"/>
+      <a:lightRig rig="threePt" dir="t"/>
+    </dgm:scene3d>
+    <dgm:sp3d/>
+    <dgm:txPr/>
+    <dgm:style>
+      <a:lnRef idx="2">
+        <a:scrgbClr r="0" g="0" b="0"/>
+      </a:lnRef>
+      <a:fillRef idx="1">
+        <a:scrgbClr r="0" g="0" b="0"/>
+      </a:fillRef>
+      <a:effectRef idx="0">
+        <a:scrgbClr r="0" g="0" b="0"/>
+      </a:effectRef>
+      <a:fontRef idx="minor"/>
+    </dgm:style>
+  </dgm:styleLbl>
+  <dgm:styleLbl name="bgImgPlace1">
+    <dgm:scene3d>
+      <a:camera prst="orthographicFront"/>
+      <a:lightRig rig="threePt" dir="t"/>
+    </dgm:scene3d>
+    <dgm:sp3d/>
+    <dgm:txPr/>
+    <dgm:style>
+      <a:lnRef idx="2">
+        <a:scrgbClr r="0" g="0" b="0"/>
+      </a:lnRef>
+      <a:fillRef idx="1">
+        <a:scrgbClr r="0" g="0" b="0"/>
+      </a:fillRef>
+      <a:effectRef idx="0">
+        <a:scrgbClr r="0" g="0" b="0"/>
+      </a:effectRef>
+      <a:fontRef idx="minor"/>
+    </dgm:style>
+  </dgm:styleLbl>
+  <dgm:styleLbl name="sibTrans2D1">
+    <dgm:scene3d>
+      <a:camera prst="orthographicFront"/>
+      <a:lightRig rig="threePt" dir="t"/>
+    </dgm:scene3d>
+    <dgm:sp3d/>
+    <dgm:txPr/>
+    <dgm:style>
+      <a:lnRef idx="0">
+        <a:scrgbClr r="0" g="0" b="0"/>
+      </a:lnRef>
+      <a:fillRef idx="1">
+        <a:scrgbClr r="0" g="0" b="0"/>
+      </a:fillRef>
+      <a:effectRef idx="0">
+        <a:scrgbClr r="0" g="0" b="0"/>
+      </a:effectRef>
+      <a:fontRef idx="minor">
+        <a:schemeClr val="lt1"/>
+      </a:fontRef>
+    </dgm:style>
+  </dgm:styleLbl>
+  <dgm:styleLbl name="fgSibTrans2D1">
+    <dgm:scene3d>
+      <a:camera prst="orthographicFront"/>
+      <a:lightRig rig="threePt" dir="t"/>
+    </dgm:scene3d>
+    <dgm:sp3d/>
+    <dgm:txPr/>
+    <dgm:style>
+      <a:lnRef idx="0">
+        <a:scrgbClr r="0" g="0" b="0"/>
+      </a:lnRef>
+      <a:fillRef idx="1">
+        <a:scrgbClr r="0" g="0" b="0"/>
+      </a:fillRef>
+      <a:effectRef idx="0">
+        <a:scrgbClr r="0" g="0" b="0"/>
+      </a:effectRef>
+      <a:fontRef idx="minor">
+        <a:schemeClr val="lt1"/>
+      </a:fontRef>
+    </dgm:style>
+  </dgm:styleLbl>
+  <dgm:styleLbl name="bgSibTrans2D1">
+    <dgm:scene3d>
+      <a:camera prst="orthographicFront"/>
+      <a:lightRig rig="threePt" dir="t"/>
+    </dgm:scene3d>
+    <dgm:sp3d/>
+    <dgm:txPr/>
+    <dgm:style>
+      <a:lnRef idx="0">
+        <a:scrgbClr r="0" g="0" b="0"/>
+      </a:lnRef>
+      <a:fillRef idx="1">
+        <a:scrgbClr r="0" g="0" b="0"/>
+      </a:fillRef>
+      <a:effectRef idx="0">
+        <a:scrgbClr r="0" g="0" b="0"/>
+      </a:effectRef>
+      <a:fontRef idx="minor">
+        <a:schemeClr val="lt1"/>
+      </a:fontRef>
+    </dgm:style>
+  </dgm:styleLbl>
+  <dgm:styleLbl name="sibTrans1D1">
+    <dgm:scene3d>
+      <a:camera prst="orthographicFront"/>
+      <a:lightRig rig="threePt" dir="t"/>
+    </dgm:scene3d>
+    <dgm:sp3d/>
+    <dgm:txPr/>
+    <dgm:style>
+      <a:lnRef idx="1">
+        <a:scrgbClr r="0" g="0" b="0"/>
+      </a:lnRef>
+      <a:fillRef idx="0">
+        <a:scrgbClr r="0" g="0" b="0"/>
+      </a:fillRef>
+      <a:effectRef idx="0">
+        <a:scrgbClr r="0" g="0" b="0"/>
+      </a:effectRef>
+      <a:fontRef idx="minor"/>
+    </dgm:style>
+  </dgm:styleLbl>
+  <dgm:styleLbl name="callout">
+    <dgm:scene3d>
+      <a:camera prst="orthographicFront"/>
+      <a:lightRig rig="threePt" dir="t"/>
+    </dgm:scene3d>
+    <dgm:sp3d/>
+    <dgm:txPr/>
+    <dgm:style>
+      <a:lnRef idx="2">
+        <a:scrgbClr r="0" g="0" b="0"/>
+      </a:lnRef>
+      <a:fillRef idx="1">
+        <a:scrgbClr r="0" g="0" b="0"/>
+      </a:fillRef>
+      <a:effectRef idx="0">
+        <a:scrgbClr r="0" g="0" b="0"/>
+      </a:effectRef>
+      <a:fontRef idx="minor"/>
+    </dgm:style>
+  </dgm:styleLbl>
+  <dgm:styleLbl name="asst0">
+    <dgm:scene3d>
+      <a:camera prst="orthographicFront"/>
+      <a:lightRig rig="threePt" dir="t"/>
+    </dgm:scene3d>
+    <dgm:sp3d/>
+    <dgm:txPr/>
+    <dgm:style>
+      <a:lnRef idx="2">
+        <a:scrgbClr r="0" g="0" b="0"/>
+      </a:lnRef>
+      <a:fillRef idx="1">
+        <a:scrgbClr r="0" g="0" b="0"/>
+      </a:fillRef>
+      <a:effectRef idx="0">
+        <a:scrgbClr r="0" g="0" b="0"/>
+      </a:effectRef>
+      <a:fontRef idx="minor">
+        <a:schemeClr val="lt1"/>
+      </a:fontRef>
+    </dgm:style>
+  </dgm:styleLbl>
+  <dgm:styleLbl name="asst1">
+    <dgm:scene3d>
+      <a:camera prst="orthographicFront"/>
+      <a:lightRig rig="threePt" dir="t"/>
+    </dgm:scene3d>
+    <dgm:sp3d/>
+    <dgm:txPr/>
+    <dgm:style>
+      <a:lnRef idx="2">
+        <a:scrgbClr r="0" g="0" b="0"/>
+      </a:lnRef>
+      <a:fillRef idx="1">
+        <a:scrgbClr r="0" g="0" b="0"/>
+      </a:fillRef>
+      <a:effectRef idx="0">
+        <a:scrgbClr r="0" g="0" b="0"/>
+      </a:effectRef>
+      <a:fontRef idx="minor">
+        <a:schemeClr val="lt1"/>
+      </a:fontRef>
+    </dgm:style>
+  </dgm:styleLbl>
+  <dgm:styleLbl name="asst2">
+    <dgm:scene3d>
+      <a:camera prst="orthographicFront"/>
+      <a:lightRig rig="threePt" dir="t"/>
+    </dgm:scene3d>
+    <dgm:sp3d/>
+    <dgm:txPr/>
+    <dgm:style>
+      <a:lnRef idx="2">
+        <a:scrgbClr r="0" g="0" b="0"/>
+      </a:lnRef>
+      <a:fillRef idx="1">
+        <a:scrgbClr r="0" g="0" b="0"/>
+      </a:fillRef>
+      <a:effectRef idx="0">
+        <a:scrgbClr r="0" g="0" b="0"/>
+      </a:effectRef>
+      <a:fontRef idx="minor">
+        <a:schemeClr val="lt1"/>
+      </a:fontRef>
+    </dgm:style>
+  </dgm:styleLbl>
+  <dgm:styleLbl name="asst3">
+    <dgm:scene3d>
+      <a:camera prst="orthographicFront"/>
+      <a:lightRig rig="threePt" dir="t"/>
+    </dgm:scene3d>
+    <dgm:sp3d/>
+    <dgm:txPr/>
+    <dgm:style>
+      <a:lnRef idx="2">
+        <a:scrgbClr r="0" g="0" b="0"/>
+      </a:lnRef>
+      <a:fillRef idx="1">
+        <a:scrgbClr r="0" g="0" b="0"/>
+      </a:fillRef>
+      <a:effectRef idx="0">
+        <a:scrgbClr r="0" g="0" b="0"/>
+      </a:effectRef>
+      <a:fontRef idx="minor">
+        <a:schemeClr val="lt1"/>
+      </a:fontRef>
+    </dgm:style>
+  </dgm:styleLbl>
+  <dgm:styleLbl name="asst4">
+    <dgm:scene3d>
+      <a:camera prst="orthographicFront"/>
+      <a:lightRig rig="threePt" dir="t"/>
+    </dgm:scene3d>
+    <dgm:sp3d/>
+    <dgm:txPr/>
+    <dgm:style>
+      <a:lnRef idx="2">
+        <a:scrgbClr r="0" g="0" b="0"/>
+      </a:lnRef>
+      <a:fillRef idx="1">
+        <a:scrgbClr r="0" g="0" b="0"/>
+      </a:fillRef>
+      <a:effectRef idx="0">
+        <a:scrgbClr r="0" g="0" b="0"/>
+      </a:effectRef>
+      <a:fontRef idx="minor">
+        <a:schemeClr val="lt1"/>
+      </a:fontRef>
+    </dgm:style>
+  </dgm:styleLbl>
+  <dgm:styleLbl name="parChTrans2D1">
+    <dgm:scene3d>
+      <a:camera prst="orthographicFront"/>
+      <a:lightRig rig="threePt" dir="t"/>
+    </dgm:scene3d>
+    <dgm:sp3d/>
+    <dgm:txPr/>
+    <dgm:style>
+      <a:lnRef idx="2">
+        <a:scrgbClr r="0" g="0" b="0"/>
+      </a:lnRef>
+      <a:fillRef idx="1">
+        <a:scrgbClr r="0" g="0" b="0"/>
+      </a:fillRef>
+      <a:effectRef idx="0">
+        <a:scrgbClr r="0" g="0" b="0"/>
+      </a:effectRef>
+      <a:fontRef idx="minor">
+        <a:schemeClr val="lt1"/>
+      </a:fontRef>
+    </dgm:style>
+  </dgm:styleLbl>
+  <dgm:styleLbl name="parChTrans2D2">
+    <dgm:scene3d>
+      <a:camera prst="orthographicFront"/>
+      <a:lightRig rig="threePt" dir="t"/>
+    </dgm:scene3d>
+    <dgm:sp3d/>
+    <dgm:txPr/>
+    <dgm:style>
+      <a:lnRef idx="2">
+        <a:scrgbClr r="0" g="0" b="0"/>
+      </a:lnRef>
+      <a:fillRef idx="1">
+        <a:scrgbClr r="0" g="0" b="0"/>
+      </a:fillRef>
+      <a:effectRef idx="0">
+        <a:scrgbClr r="0" g="0" b="0"/>
+      </a:effectRef>
+      <a:fontRef idx="minor">
+        <a:schemeClr val="lt1"/>
+      </a:fontRef>
+    </dgm:style>
+  </dgm:styleLbl>
+  <dgm:styleLbl name="parChTrans2D3">
+    <dgm:scene3d>
+      <a:camera prst="orthographicFront"/>
+      <a:lightRig rig="threePt" dir="t"/>
+    </dgm:scene3d>
+    <dgm:sp3d/>
+    <dgm:txPr/>
+    <dgm:style>
+      <a:lnRef idx="2">
+        <a:scrgbClr r="0" g="0" b="0"/>
+      </a:lnRef>
+      <a:fillRef idx="1">
+        <a:scrgbClr r="0" g="0" b="0"/>
+      </a:fillRef>
+      <a:effectRef idx="0">
+        <a:scrgbClr r="0" g="0" b="0"/>
+      </a:effectRef>
+      <a:fontRef idx="minor">
+        <a:schemeClr val="lt1"/>
+      </a:fontRef>
+    </dgm:style>
+  </dgm:styleLbl>
+  <dgm:styleLbl name="parChTrans2D4">
+    <dgm:scene3d>
+      <a:camera prst="orthographicFront"/>
+      <a:lightRig rig="threePt" dir="t"/>
+    </dgm:scene3d>
+    <dgm:sp3d/>
+    <dgm:txPr/>
+    <dgm:style>
+      <a:lnRef idx="2">
+        <a:scrgbClr r="0" g="0" b="0"/>
+      </a:lnRef>
+      <a:fillRef idx="1">
+        <a:scrgbClr r="0" g="0" b="0"/>
+      </a:fillRef>
+      <a:effectRef idx="0">
+        <a:scrgbClr r="0" g="0" b="0"/>
+      </a:effectRef>
+      <a:fontRef idx="minor">
+        <a:schemeClr val="lt1"/>
+      </a:fontRef>
+    </dgm:style>
+  </dgm:styleLbl>
+  <dgm:styleLbl name="parChTrans1D1">
+    <dgm:scene3d>
+      <a:camera prst="orthographicFront"/>
+      <a:lightRig rig="threePt" dir="t"/>
+    </dgm:scene3d>
+    <dgm:sp3d/>
+    <dgm:txPr/>
+    <dgm:style>
+      <a:lnRef idx="2">
+        <a:scrgbClr r="0" g="0" b="0"/>
+      </a:lnRef>
+      <a:fillRef idx="0">
+        <a:scrgbClr r="0" g="0" b="0"/>
+      </a:fillRef>
+      <a:effectRef idx="0">
+        <a:scrgbClr r="0" g="0" b="0"/>
+      </a:effectRef>
+      <a:fontRef idx="minor"/>
+    </dgm:style>
+  </dgm:styleLbl>
+  <dgm:styleLbl name="parChTrans1D2">
+    <dgm:scene3d>
+      <a:camera prst="orthographicFront"/>
+      <a:lightRig rig="threePt" dir="t"/>
+    </dgm:scene3d>
+    <dgm:sp3d/>
+    <dgm:txPr/>
+    <dgm:style>
+      <a:lnRef idx="2">
+        <a:scrgbClr r="0" g="0" b="0"/>
+      </a:lnRef>
+      <a:fillRef idx="0">
+        <a:scrgbClr r="0" g="0" b="0"/>
+      </a:fillRef>
+      <a:effectRef idx="0">
+        <a:scrgbClr r="0" g="0" b="0"/>
+      </a:effectRef>
+      <a:fontRef idx="minor"/>
+    </dgm:style>
+  </dgm:styleLbl>
+  <dgm:styleLbl name="parChTrans1D3">
+    <dgm:scene3d>
+      <a:camera prst="orthographicFront"/>
+      <a:lightRig rig="threePt" dir="t"/>
+    </dgm:scene3d>
+    <dgm:sp3d/>
+    <dgm:txPr/>
+    <dgm:style>
+      <a:lnRef idx="2">
+        <a:scrgbClr r="0" g="0" b="0"/>
+      </a:lnRef>
+      <a:fillRef idx="0">
+        <a:scrgbClr r="0" g="0" b="0"/>
+      </a:fillRef>
+      <a:effectRef idx="0">
+        <a:scrgbClr r="0" g="0" b="0"/>
+      </a:effectRef>
+      <a:fontRef idx="minor"/>
+    </dgm:style>
+  </dgm:styleLbl>
+  <dgm:styleLbl name="parChTrans1D4">
+    <dgm:scene3d>
+      <a:camera prst="orthographicFront"/>
+      <a:lightRig rig="threePt" dir="t"/>
+    </dgm:scene3d>
+    <dgm:sp3d/>
+    <dgm:txPr/>
+    <dgm:style>
+      <a:lnRef idx="2">
+        <a:scrgbClr r="0" g="0" b="0"/>
+      </a:lnRef>
+      <a:fillRef idx="0">
+        <a:scrgbClr r="0" g="0" b="0"/>
+      </a:fillRef>
+      <a:effectRef idx="0">
+        <a:scrgbClr r="0" g="0" b="0"/>
+      </a:effectRef>
+      <a:fontRef idx="minor"/>
+    </dgm:style>
+  </dgm:styleLbl>
+  <dgm:styleLbl name="fgAcc1">
+    <dgm:scene3d>
+      <a:camera prst="orthographicFront"/>
+      <a:lightRig rig="threePt" dir="t"/>
+    </dgm:scene3d>
+    <dgm:sp3d/>
+    <dgm:txPr/>
+    <dgm:style>
+      <a:lnRef idx="2">
+        <a:scrgbClr r="0" g="0" b="0"/>
+      </a:lnRef>
+      <a:fillRef idx="1">
+        <a:scrgbClr r="0" g="0" b="0"/>
+      </a:fillRef>
+      <a:effectRef idx="0">
+        <a:scrgbClr r="0" g="0" b="0"/>
+      </a:effectRef>
+      <a:fontRef idx="minor"/>
+    </dgm:style>
+  </dgm:styleLbl>
+  <dgm:styleLbl name="conFgAcc1">
+    <dgm:scene3d>
+      <a:camera prst="orthographicFront"/>
+      <a:lightRig rig="threePt" dir="t"/>
+    </dgm:scene3d>
+    <dgm:sp3d/>
+    <dgm:txPr/>
+    <dgm:style>
+      <a:lnRef idx="2">
+        <a:scrgbClr r="0" g="0" b="0"/>
+      </a:lnRef>
+      <a:fillRef idx="1">
+        <a:scrgbClr r="0" g="0" b="0"/>
+      </a:fillRef>
+      <a:effectRef idx="0">
+        <a:scrgbClr r="0" g="0" b="0"/>
+      </a:effectRef>
+      <a:fontRef idx="minor"/>
+    </dgm:style>
+  </dgm:styleLbl>
+  <dgm:styleLbl name="alignAcc1">
+    <dgm:scene3d>
+      <a:camera prst="orthographicFront"/>
+      <a:lightRig rig="threePt" dir="t"/>
+    </dgm:scene3d>
+    <dgm:sp3d/>
+    <dgm:txPr/>
+    <dgm:style>
+      <a:lnRef idx="2">
+        <a:scrgbClr r="0" g="0" b="0"/>
+      </a:lnRef>
+      <a:fillRef idx="1">
+        <a:scrgbClr r="0" g="0" b="0"/>
+      </a:fillRef>
+      <a:effectRef idx="0">
+        <a:scrgbClr r="0" g="0" b="0"/>
+      </a:effectRef>
+      <a:fontRef idx="minor"/>
+    </dgm:style>
+  </dgm:styleLbl>
+  <dgm:styleLbl name="trAlignAcc1">
+    <dgm:scene3d>
+      <a:camera prst="orthographicFront"/>
+      <a:lightRig rig="threePt" dir="t"/>
+    </dgm:scene3d>
+    <dgm:sp3d/>
+    <dgm:txPr/>
+    <dgm:style>
+      <a:lnRef idx="1">
+        <a:scrgbClr r="0" g="0" b="0"/>
+      </a:lnRef>
+      <a:fillRef idx="1">
+        <a:scrgbClr r="0" g="0" b="0"/>
+      </a:fillRef>
+      <a:effectRef idx="0">
+        <a:scrgbClr r="0" g="0" b="0"/>
+      </a:effectRef>
+      <a:fontRef idx="minor"/>
+    </dgm:style>
+  </dgm:styleLbl>
+  <dgm:styleLbl name="bgAcc1">
+    <dgm:scene3d>
+      <a:camera prst="orthographicFront"/>
+      <a:lightRig rig="threePt" dir="t"/>
+    </dgm:scene3d>
+    <dgm:sp3d/>
+    <dgm:txPr/>
+    <dgm:style>
+      <a:lnRef idx="2">
+        <a:scrgbClr r="0" g="0" b="0"/>
+      </a:lnRef>
+      <a:fillRef idx="1">
+        <a:scrgbClr r="0" g="0" b="0"/>
+      </a:fillRef>
+      <a:effectRef idx="0">
+        <a:scrgbClr r="0" g="0" b="0"/>
+      </a:effectRef>
+      <a:fontRef idx="minor"/>
+    </dgm:style>
+  </dgm:styleLbl>
+  <dgm:styleLbl name="solidFgAcc1">
+    <dgm:scene3d>
+      <a:camera prst="orthographicFront"/>
+      <a:lightRig rig="threePt" dir="t"/>
+    </dgm:scene3d>
+    <dgm:sp3d/>
+    <dgm:txPr/>
+    <dgm:style>
+      <a:lnRef idx="2">
+        <a:scrgbClr r="0" g="0" b="0"/>
+      </a:lnRef>
+      <a:fillRef idx="1">
+        <a:scrgbClr r="0" g="0" b="0"/>
+      </a:fillRef>
+      <a:effectRef idx="0">
+        <a:scrgbClr r="0" g="0" b="0"/>
+      </a:effectRef>
+      <a:fontRef idx="minor"/>
+    </dgm:style>
+  </dgm:styleLbl>
+  <dgm:styleLbl name="solidAlignAcc1">
+    <dgm:scene3d>
+      <a:camera prst="orthographicFront"/>
+      <a:lightRig rig="threePt" dir="t"/>
+    </dgm:scene3d>
+    <dgm:sp3d/>
+    <dgm:txPr/>
+    <dgm:style>
+      <a:lnRef idx="2">
+        <a:scrgbClr r="0" g="0" b="0"/>
+      </a:lnRef>
+      <a:fillRef idx="1">
+        <a:scrgbClr r="0" g="0" b="0"/>
+      </a:fillRef>
+      <a:effectRef idx="0">
+        <a:scrgbClr r="0" g="0" b="0"/>
+      </a:effectRef>
+      <a:fontRef idx="minor"/>
+    </dgm:style>
+  </dgm:styleLbl>
+  <dgm:styleLbl name="solidBgAcc1">
+    <dgm:scene3d>
+      <a:camera prst="orthographicFront"/>
+      <a:lightRig rig="threePt" dir="t"/>
+    </dgm:scene3d>
+    <dgm:sp3d/>
+    <dgm:txPr/>
+    <dgm:style>
+      <a:lnRef idx="2">
+        <a:scrgbClr r="0" g="0" b="0"/>
+      </a:lnRef>
+      <a:fillRef idx="1">
+        <a:scrgbClr r="0" g="0" b="0"/>
+      </a:fillRef>
+      <a:effectRef idx="0">
+        <a:scrgbClr r="0" g="0" b="0"/>
+      </a:effectRef>
+      <a:fontRef idx="minor"/>
+    </dgm:style>
+  </dgm:styleLbl>
+  <dgm:styleLbl name="fgAccFollowNode1">
+    <dgm:scene3d>
+      <a:camera prst="orthographicFront"/>
+      <a:lightRig rig="threePt" dir="t"/>
+    </dgm:scene3d>
+    <dgm:sp3d/>
+    <dgm:txPr/>
+    <dgm:style>
+      <a:lnRef idx="2">
+        <a:scrgbClr r="0" g="0" b="0"/>
+      </a:lnRef>
+      <a:fillRef idx="1">
+        <a:scrgbClr r="0" g="0" b="0"/>
+      </a:fillRef>
+      <a:effectRef idx="0">
+        <a:scrgbClr r="0" g="0" b="0"/>
+      </a:effectRef>
+      <a:fontRef idx="minor"/>
+    </dgm:style>
+  </dgm:styleLbl>
+  <dgm:styleLbl name="alignAccFollowNode1">
+    <dgm:scene3d>
+      <a:camera prst="orthographicFront"/>
+      <a:lightRig rig="threePt" dir="t"/>
+    </dgm:scene3d>
+    <dgm:sp3d/>
+    <dgm:txPr/>
+    <dgm:style>
+      <a:lnRef idx="2">
+        <a:scrgbClr r="0" g="0" b="0"/>
+      </a:lnRef>
+      <a:fillRef idx="1">
+        <a:scrgbClr r="0" g="0" b="0"/>
+      </a:fillRef>
+      <a:effectRef idx="0">
+        <a:scrgbClr r="0" g="0" b="0"/>
+      </a:effectRef>
+      <a:fontRef idx="minor"/>
+    </dgm:style>
+  </dgm:styleLbl>
+  <dgm:styleLbl name="bgAccFollowNode1">
+    <dgm:scene3d>
+      <a:camera prst="orthographicFront"/>
+      <a:lightRig rig="threePt" dir="t"/>
+    </dgm:scene3d>
+    <dgm:sp3d/>
+    <dgm:txPr/>
+    <dgm:style>
+      <a:lnRef idx="2">
+        <a:scrgbClr r="0" g="0" b="0"/>
+      </a:lnRef>
+      <a:fillRef idx="1">
+        <a:scrgbClr r="0" g="0" b="0"/>
+      </a:fillRef>
+      <a:effectRef idx="0">
+        <a:scrgbClr r="0" g="0" b="0"/>
+      </a:effectRef>
+      <a:fontRef idx="minor"/>
+    </dgm:style>
+  </dgm:styleLbl>
+  <dgm:styleLbl name="fgAcc0">
+    <dgm:scene3d>
+      <a:camera prst="orthographicFront"/>
+      <a:lightRig rig="threePt" dir="t"/>
+    </dgm:scene3d>
+    <dgm:sp3d/>
+    <dgm:txPr/>
+    <dgm:style>
+      <a:lnRef idx="2">
+        <a:scrgbClr r="0" g="0" b="0"/>
+      </a:lnRef>
+      <a:fillRef idx="1">
+        <a:scrgbClr r="0" g="0" b="0"/>
+      </a:fillRef>
+      <a:effectRef idx="0">
+        <a:scrgbClr r="0" g="0" b="0"/>
+      </a:effectRef>
+      <a:fontRef idx="minor"/>
+    </dgm:style>
+  </dgm:styleLbl>
+  <dgm:styleLbl name="fgAcc2">
+    <dgm:scene3d>
+      <a:camera prst="orthographicFront"/>
+      <a:lightRig rig="threePt" dir="t"/>
+    </dgm:scene3d>
+    <dgm:sp3d/>
+    <dgm:txPr/>
+    <dgm:style>
+      <a:lnRef idx="2">
+        <a:scrgbClr r="0" g="0" b="0"/>
+      </a:lnRef>
+      <a:fillRef idx="1">
+        <a:scrgbClr r="0" g="0" b="0"/>
+      </a:fillRef>
+      <a:effectRef idx="0">
+        <a:scrgbClr r="0" g="0" b="0"/>
+      </a:effectRef>
+      <a:fontRef idx="minor"/>
+    </dgm:style>
+  </dgm:styleLbl>
+  <dgm:styleLbl name="fgAcc3">
+    <dgm:scene3d>
+      <a:camera prst="orthographicFront"/>
+      <a:lightRig rig="threePt" dir="t"/>
+    </dgm:scene3d>
+    <dgm:sp3d/>
+    <dgm:txPr/>
+    <dgm:style>
+      <a:lnRef idx="2">
+        <a:scrgbClr r="0" g="0" b="0"/>
+      </a:lnRef>
+      <a:fillRef idx="1">
+        <a:scrgbClr r="0" g="0" b="0"/>
+      </a:fillRef>
+      <a:effectRef idx="0">
+        <a:scrgbClr r="0" g="0" b="0"/>
+      </a:effectRef>
+      <a:fontRef idx="minor"/>
+    </dgm:style>
+  </dgm:styleLbl>
+  <dgm:styleLbl name="fgAcc4">
+    <dgm:scene3d>
+      <a:camera prst="orthographicFront"/>
+      <a:lightRig rig="threePt" dir="t"/>
+    </dgm:scene3d>
+    <dgm:sp3d/>
+    <dgm:txPr/>
+    <dgm:style>
+      <a:lnRef idx="2">
+        <a:scrgbClr r="0" g="0" b="0"/>
+      </a:lnRef>
+      <a:fillRef idx="1">
+        <a:scrgbClr r="0" g="0" b="0"/>
+      </a:fillRef>
+      <a:effectRef idx="0">
+        <a:scrgbClr r="0" g="0" b="0"/>
+      </a:effectRef>
+      <a:fontRef idx="minor"/>
+    </dgm:style>
+  </dgm:styleLbl>
+  <dgm:styleLbl name="bgShp">
+    <dgm:scene3d>
+      <a:camera prst="orthographicFront"/>
+      <a:lightRig rig="threePt" dir="t"/>
+    </dgm:scene3d>
+    <dgm:sp3d/>
+    <dgm:txPr/>
+    <dgm:style>
+      <a:lnRef idx="0">
+        <a:scrgbClr r="0" g="0" b="0"/>
+      </a:lnRef>
+      <a:fillRef idx="1">
+        <a:scrgbClr r="0" g="0" b="0"/>
+      </a:fillRef>
+      <a:effectRef idx="0">
+        <a:scrgbClr r="0" g="0" b="0"/>
+      </a:effectRef>
+      <a:fontRef idx="minor"/>
+    </dgm:style>
+  </dgm:styleLbl>
+  <dgm:styleLbl name="dkBgShp">
+    <dgm:scene3d>
+      <a:camera prst="orthographicFront"/>
+      <a:lightRig rig="threePt" dir="t"/>
+    </dgm:scene3d>
+    <dgm:sp3d/>
+    <dgm:txPr/>
+    <dgm:style>
+      <a:lnRef idx="0">
+        <a:scrgbClr r="0" g="0" b="0"/>
+      </a:lnRef>
+      <a:fillRef idx="1">
+        <a:scrgbClr r="0" g="0" b="0"/>
+      </a:fillRef>
+      <a:effectRef idx="0">
+        <a:scrgbClr r="0" g="0" b="0"/>
+      </a:effectRef>
+      <a:fontRef idx="minor"/>
+    </dgm:style>
+  </dgm:styleLbl>
+  <dgm:styleLbl name="trBgShp">
+    <dgm:scene3d>
+      <a:camera prst="orthographicFront"/>
+      <a:lightRig rig="threePt" dir="t"/>
+    </dgm:scene3d>
+    <dgm:sp3d/>
+    <dgm:txPr/>
+    <dgm:style>
+      <a:lnRef idx="0">
+        <a:scrgbClr r="0" g="0" b="0"/>
+      </a:lnRef>
+      <a:fillRef idx="1">
+        <a:scrgbClr r="0" g="0" b="0"/>
+      </a:fillRef>
+      <a:effectRef idx="0">
+        <a:scrgbClr r="0" g="0" b="0"/>
+      </a:effectRef>
+      <a:fontRef idx="minor"/>
+    </dgm:style>
+  </dgm:styleLbl>
+  <dgm:styleLbl name="fgShp">
+    <dgm:scene3d>
+      <a:camera prst="orthographicFront"/>
+      <a:lightRig rig="threePt" dir="t"/>
+    </dgm:scene3d>
+    <dgm:sp3d/>
+    <dgm:txPr/>
+    <dgm:style>
+      <a:lnRef idx="2">
+        <a:scrgbClr r="0" g="0" b="0"/>
+      </a:lnRef>
+      <a:fillRef idx="1">
+        <a:scrgbClr r="0" g="0" b="0"/>
+      </a:fillRef>
+      <a:effectRef idx="0">
+        <a:scrgbClr r="0" g="0" b="0"/>
+      </a:effectRef>
+      <a:fontRef idx="minor"/>
+    </dgm:style>
+  </dgm:styleLbl>
+  <dgm:styleLbl name="revTx">
+    <dgm:scene3d>
+      <a:camera prst="orthographicFront"/>
+      <a:lightRig rig="threePt" dir="t"/>
+    </dgm:scene3d>
+    <dgm:sp3d/>
+    <dgm:txPr/>
+    <dgm:style>
+      <a:lnRef idx="0">
+        <a:scrgbClr r="0" g="0" b="0"/>
+      </a:lnRef>
+      <a:fillRef idx="0">
+        <a:scrgbClr r="0" g="0" b="0"/>
+      </a:fillRef>
+      <a:effectRef idx="0">
+        <a:scrgbClr r="0" g="0" b="0"/>
+      </a:effectRef>
+      <a:fontRef idx="minor"/>
+    </dgm:style>
+  </dgm:styleLbl>
+</dgm:styleDef>
 </file>
 
 <file path=ppt/slideLayouts/slideLayout1.xml><?xml version="1.0" encoding="utf-8"?>
@@ -6171,7 +10029,6 @@
                 <a:lumMod val="180000"/>
               </a:schemeClr>
             </a:duotone>
-            <a:extLst/>
           </a:blip>
           <a:stretch/>
         </a:blipFill>
@@ -6699,7 +10556,7 @@
           <p:cNvPr id="2" name="Titel 1">
             <a:extLst>
               <a:ext uri="{FF2B5EF4-FFF2-40B4-BE49-F238E27FC236}">
-                <a16:creationId xmlns:a16="http://schemas.microsoft.com/office/drawing/2014/main" id="{7FE90F2E-F964-480E-8F41-D669EC92B9FE}"/>
+                <a16:creationId xmlns:a16="http://schemas.microsoft.com/office/drawing/2014/main" id="{A146AC41-61A8-4F24-81F7-9EC71CC16C85}"/>
               </a:ext>
             </a:extLst>
           </p:cNvPr>
@@ -6717,7 +10574,7 @@
           <a:p>
             <a:r>
               <a:rPr lang="de-DE" dirty="0"/>
-              <a:t>Ergebnispräsentation</a:t>
+              <a:t>Verkehrszeichenerkennung</a:t>
             </a:r>
           </a:p>
         </p:txBody>
@@ -6727,7 +10584,7 @@
           <p:cNvPr id="3" name="Inhaltsplatzhalter 2">
             <a:extLst>
               <a:ext uri="{FF2B5EF4-FFF2-40B4-BE49-F238E27FC236}">
-                <a16:creationId xmlns:a16="http://schemas.microsoft.com/office/drawing/2014/main" id="{2D7CC4CA-FBAC-4240-A605-6D6DFE62CC89}"/>
+                <a16:creationId xmlns:a16="http://schemas.microsoft.com/office/drawing/2014/main" id="{07A0440C-1332-4AD0-AAB0-FB109286FF5F}"/>
               </a:ext>
             </a:extLst>
           </p:cNvPr>
@@ -6738,22 +10595,101 @@
             <p:ph idx="1"/>
           </p:nvPr>
         </p:nvSpPr>
-        <p:spPr/>
+        <p:spPr>
+          <a:xfrm>
+            <a:off x="1484311" y="2666999"/>
+            <a:ext cx="9151606" cy="3124201"/>
+          </a:xfrm>
+        </p:spPr>
         <p:txBody>
           <a:bodyPr/>
           <a:lstStyle/>
           <a:p>
             <a:r>
               <a:rPr lang="de-DE" dirty="0"/>
-              <a:t>Ihnen wird jetzt die Demo präsentiert.</a:t>
+              <a:t>Überprüfen der Größe</a:t>
+            </a:r>
+          </a:p>
+          <a:p>
+            <a:r>
+              <a:rPr lang="de-DE" dirty="0"/>
+              <a:t>Schild aus dem Ausschnitt mit Deep Learning Model erkennen</a:t>
+            </a:r>
+          </a:p>
+          <a:p>
+            <a:r>
+              <a:rPr lang="de-DE" dirty="0"/>
+              <a:t>Wiedergabe der Verhaltensempfehlung</a:t>
             </a:r>
           </a:p>
         </p:txBody>
+      </p:sp>
+      <p:sp>
+        <p:nvSpPr>
+          <p:cNvPr id="4" name="Rechteck 3" descr="&quot;Daumen hoch&quot;-Zeichen">
+            <a:extLst>
+              <a:ext uri="{FF2B5EF4-FFF2-40B4-BE49-F238E27FC236}">
+                <a16:creationId xmlns:a16="http://schemas.microsoft.com/office/drawing/2014/main" id="{7656D1F3-02BB-4FA0-A058-997DA9FA519C}"/>
+              </a:ext>
+            </a:extLst>
+          </p:cNvPr>
+          <p:cNvSpPr/>
+          <p:nvPr/>
+        </p:nvSpPr>
+        <p:spPr>
+          <a:xfrm>
+            <a:off x="1484310" y="1378092"/>
+            <a:ext cx="438473" cy="433930"/>
+          </a:xfrm>
+          <a:prstGeom prst="rect">
+            <a:avLst/>
+          </a:prstGeom>
+          <a:blipFill>
+            <a:blip r:embed="rId2">
+              <a:extLst>
+                <a:ext uri="{28A0092B-C50C-407E-A947-70E740481C1C}">
+                  <a14:useLocalDpi xmlns:a14="http://schemas.microsoft.com/office/drawing/2010/main" val="0"/>
+                </a:ext>
+                <a:ext uri="{96DAC541-7B7A-43D3-8B79-37D633B846F1}">
+                  <asvg:svgBlip xmlns:asvg="http://schemas.microsoft.com/office/drawing/2016/SVG/main" r:embed="rId3"/>
+                </a:ext>
+              </a:extLst>
+            </a:blip>
+            <a:stretch>
+              <a:fillRect/>
+            </a:stretch>
+          </a:blipFill>
+        </p:spPr>
+        <p:style>
+          <a:lnRef idx="2">
+            <a:schemeClr val="lt1">
+              <a:alpha val="0"/>
+              <a:hueOff val="0"/>
+              <a:satOff val="0"/>
+              <a:lumOff val="0"/>
+              <a:alphaOff val="0"/>
+            </a:schemeClr>
+          </a:lnRef>
+          <a:fillRef idx="1">
+            <a:scrgbClr r="0" g="0" b="0"/>
+          </a:fillRef>
+          <a:effectRef idx="0">
+            <a:schemeClr val="accent1">
+              <a:hueOff val="0"/>
+              <a:satOff val="0"/>
+              <a:lumOff val="0"/>
+              <a:alphaOff val="0"/>
+            </a:schemeClr>
+          </a:effectRef>
+          <a:fontRef idx="minor">
+            <a:schemeClr val="lt1"/>
+          </a:fontRef>
+        </p:style>
       </p:sp>
     </p:spTree>
     <p:extLst>
       <p:ext uri="{BB962C8B-B14F-4D97-AF65-F5344CB8AC3E}">
-        <p14:creationId xmlns:p14="http://schemas.microsoft.com/office/powerpoint/2010/main" val="4036137505"/>
+        <p14:creationId xmlns:p14="http://schemas.microsoft.com/office/powerpoint/2010/main" val="348915237"/>
       </p:ext>
     </p:extLst>
   </p:cSld>
@@ -6785,7 +10721,7 @@
           <p:cNvPr id="2" name="Titel 1">
             <a:extLst>
               <a:ext uri="{FF2B5EF4-FFF2-40B4-BE49-F238E27FC236}">
-                <a16:creationId xmlns:a16="http://schemas.microsoft.com/office/drawing/2014/main" id="{168BD265-B5FC-4B19-8C9C-C082365DC2B8}"/>
+                <a16:creationId xmlns:a16="http://schemas.microsoft.com/office/drawing/2014/main" id="{7FE90F2E-F964-480E-8F41-D669EC92B9FE}"/>
               </a:ext>
             </a:extLst>
           </p:cNvPr>
@@ -6803,7 +10739,7 @@
           <a:p>
             <a:r>
               <a:rPr lang="de-DE" dirty="0"/>
-              <a:t>Fazit</a:t>
+              <a:t>Ergebnispräsentation</a:t>
             </a:r>
           </a:p>
         </p:txBody>
@@ -6813,7 +10749,7 @@
           <p:cNvPr id="3" name="Inhaltsplatzhalter 2">
             <a:extLst>
               <a:ext uri="{FF2B5EF4-FFF2-40B4-BE49-F238E27FC236}">
-                <a16:creationId xmlns:a16="http://schemas.microsoft.com/office/drawing/2014/main" id="{DB4CD382-9918-46D0-8053-FA2132838475}"/>
+                <a16:creationId xmlns:a16="http://schemas.microsoft.com/office/drawing/2014/main" id="{2D7CC4CA-FBAC-4240-A605-6D6DFE62CC89}"/>
               </a:ext>
             </a:extLst>
           </p:cNvPr>
@@ -6831,27 +10767,77 @@
           <a:p>
             <a:r>
               <a:rPr lang="de-DE" dirty="0"/>
-              <a:t>Erkennung von Bildern unter erschwerten Bedingungen fehleranfällig</a:t>
-            </a:r>
-          </a:p>
-          <a:p>
-            <a:r>
-              <a:rPr lang="de-DE" dirty="0"/>
-              <a:t>Hintergründe manchmal schwierig zu unterscheiden</a:t>
-            </a:r>
-          </a:p>
-          <a:p>
-            <a:r>
-              <a:rPr lang="de-DE" dirty="0"/>
-              <a:t>Grundlegende Bilder werden richtig erkannt</a:t>
+              <a:t>Ihnen wird jetzt die Demo präsentiert.</a:t>
             </a:r>
           </a:p>
         </p:txBody>
+      </p:sp>
+      <p:sp>
+        <p:nvSpPr>
+          <p:cNvPr id="4" name="Rechteck 3" descr="Benutzer">
+            <a:extLst>
+              <a:ext uri="{FF2B5EF4-FFF2-40B4-BE49-F238E27FC236}">
+                <a16:creationId xmlns:a16="http://schemas.microsoft.com/office/drawing/2014/main" id="{BAE6F380-5B0B-427A-B9C7-72786A7F5C3C}"/>
+              </a:ext>
+            </a:extLst>
+          </p:cNvPr>
+          <p:cNvSpPr/>
+          <p:nvPr/>
+        </p:nvSpPr>
+        <p:spPr>
+          <a:xfrm>
+            <a:off x="1484310" y="1378092"/>
+            <a:ext cx="438473" cy="433930"/>
+          </a:xfrm>
+          <a:prstGeom prst="rect">
+            <a:avLst/>
+          </a:prstGeom>
+          <a:blipFill>
+            <a:blip r:embed="rId2">
+              <a:extLst>
+                <a:ext uri="{28A0092B-C50C-407E-A947-70E740481C1C}">
+                  <a14:useLocalDpi xmlns:a14="http://schemas.microsoft.com/office/drawing/2010/main" val="0"/>
+                </a:ext>
+                <a:ext uri="{96DAC541-7B7A-43D3-8B79-37D633B846F1}">
+                  <asvg:svgBlip xmlns:asvg="http://schemas.microsoft.com/office/drawing/2016/SVG/main" r:embed="rId3"/>
+                </a:ext>
+              </a:extLst>
+            </a:blip>
+            <a:stretch>
+              <a:fillRect/>
+            </a:stretch>
+          </a:blipFill>
+        </p:spPr>
+        <p:style>
+          <a:lnRef idx="2">
+            <a:schemeClr val="lt1">
+              <a:alpha val="0"/>
+              <a:hueOff val="0"/>
+              <a:satOff val="0"/>
+              <a:lumOff val="0"/>
+              <a:alphaOff val="0"/>
+            </a:schemeClr>
+          </a:lnRef>
+          <a:fillRef idx="1">
+            <a:scrgbClr r="0" g="0" b="0"/>
+          </a:fillRef>
+          <a:effectRef idx="0">
+            <a:schemeClr val="accent1">
+              <a:hueOff val="0"/>
+              <a:satOff val="0"/>
+              <a:lumOff val="0"/>
+              <a:alphaOff val="0"/>
+            </a:schemeClr>
+          </a:effectRef>
+          <a:fontRef idx="minor">
+            <a:schemeClr val="lt1"/>
+          </a:fontRef>
+        </p:style>
       </p:sp>
     </p:spTree>
     <p:extLst>
       <p:ext uri="{BB962C8B-B14F-4D97-AF65-F5344CB8AC3E}">
-        <p14:creationId xmlns:p14="http://schemas.microsoft.com/office/powerpoint/2010/main" val="2229311365"/>
+        <p14:creationId xmlns:p14="http://schemas.microsoft.com/office/powerpoint/2010/main" val="4036137505"/>
       </p:ext>
     </p:extLst>
   </p:cSld>
@@ -6883,7 +10869,7 @@
           <p:cNvPr id="2" name="Titel 1">
             <a:extLst>
               <a:ext uri="{FF2B5EF4-FFF2-40B4-BE49-F238E27FC236}">
-                <a16:creationId xmlns:a16="http://schemas.microsoft.com/office/drawing/2014/main" id="{5E32EC49-243F-4B6A-8E43-5BAF850FD636}"/>
+                <a16:creationId xmlns:a16="http://schemas.microsoft.com/office/drawing/2014/main" id="{168BD265-B5FC-4B19-8C9C-C082365DC2B8}"/>
               </a:ext>
             </a:extLst>
           </p:cNvPr>
@@ -6901,7 +10887,7 @@
           <a:p>
             <a:r>
               <a:rPr lang="de-DE" dirty="0"/>
-              <a:t>Ausblick</a:t>
+              <a:t>Fazit</a:t>
             </a:r>
           </a:p>
         </p:txBody>
@@ -6911,7 +10897,7 @@
           <p:cNvPr id="3" name="Inhaltsplatzhalter 2">
             <a:extLst>
               <a:ext uri="{FF2B5EF4-FFF2-40B4-BE49-F238E27FC236}">
-                <a16:creationId xmlns:a16="http://schemas.microsoft.com/office/drawing/2014/main" id="{E81BEE73-2FEC-4AEA-85E7-8F7785AF48B5}"/>
+                <a16:creationId xmlns:a16="http://schemas.microsoft.com/office/drawing/2014/main" id="{DB4CD382-9918-46D0-8053-FA2132838475}"/>
               </a:ext>
             </a:extLst>
           </p:cNvPr>
@@ -6929,25 +10915,19 @@
           <a:p>
             <a:r>
               <a:rPr lang="de-DE" dirty="0"/>
-              <a:t>Applikation mit direkter Analyse (In Arbeit)</a:t>
+              <a:t>Erkennung von Bildern unter erschwerten Bedingungen fehleranfällig</a:t>
             </a:r>
           </a:p>
           <a:p>
             <a:r>
               <a:rPr lang="de-DE" dirty="0"/>
-              <a:t>Verbesserung der Schilderkennung</a:t>
+              <a:t>Hintergründe manchmal schwierig zu unterscheiden</a:t>
             </a:r>
           </a:p>
           <a:p>
             <a:r>
               <a:rPr lang="de-DE" dirty="0"/>
-              <a:t>Einbeziehen aussortierter Schilder</a:t>
-            </a:r>
-          </a:p>
-          <a:p>
-            <a:r>
-              <a:rPr lang="de-DE" dirty="0"/>
-              <a:t>Erhöhung/Verbesserung der Datenbasis </a:t>
+              <a:t>Grundlegende Bilder werden richtig erkannt</a:t>
             </a:r>
           </a:p>
         </p:txBody>
@@ -6955,7 +10935,7 @@
     </p:spTree>
     <p:extLst>
       <p:ext uri="{BB962C8B-B14F-4D97-AF65-F5344CB8AC3E}">
-        <p14:creationId xmlns:p14="http://schemas.microsoft.com/office/powerpoint/2010/main" val="3297564891"/>
+        <p14:creationId xmlns:p14="http://schemas.microsoft.com/office/powerpoint/2010/main" val="2229311365"/>
       </p:ext>
     </p:extLst>
   </p:cSld>
@@ -6987,6 +10967,110 @@
           <p:cNvPr id="2" name="Titel 1">
             <a:extLst>
               <a:ext uri="{FF2B5EF4-FFF2-40B4-BE49-F238E27FC236}">
+                <a16:creationId xmlns:a16="http://schemas.microsoft.com/office/drawing/2014/main" id="{5E32EC49-243F-4B6A-8E43-5BAF850FD636}"/>
+              </a:ext>
+            </a:extLst>
+          </p:cNvPr>
+          <p:cNvSpPr>
+            <a:spLocks noGrp="1"/>
+          </p:cNvSpPr>
+          <p:nvPr>
+            <p:ph type="title"/>
+          </p:nvPr>
+        </p:nvSpPr>
+        <p:spPr/>
+        <p:txBody>
+          <a:bodyPr/>
+          <a:lstStyle/>
+          <a:p>
+            <a:r>
+              <a:rPr lang="de-DE" dirty="0"/>
+              <a:t>Ausblick</a:t>
+            </a:r>
+          </a:p>
+        </p:txBody>
+      </p:sp>
+      <p:sp>
+        <p:nvSpPr>
+          <p:cNvPr id="3" name="Inhaltsplatzhalter 2">
+            <a:extLst>
+              <a:ext uri="{FF2B5EF4-FFF2-40B4-BE49-F238E27FC236}">
+                <a16:creationId xmlns:a16="http://schemas.microsoft.com/office/drawing/2014/main" id="{E81BEE73-2FEC-4AEA-85E7-8F7785AF48B5}"/>
+              </a:ext>
+            </a:extLst>
+          </p:cNvPr>
+          <p:cNvSpPr>
+            <a:spLocks noGrp="1"/>
+          </p:cNvSpPr>
+          <p:nvPr>
+            <p:ph idx="1"/>
+          </p:nvPr>
+        </p:nvSpPr>
+        <p:spPr/>
+        <p:txBody>
+          <a:bodyPr/>
+          <a:lstStyle/>
+          <a:p>
+            <a:r>
+              <a:rPr lang="de-DE" dirty="0"/>
+              <a:t>Applikation mit direkter Analyse (In Arbeit)</a:t>
+            </a:r>
+          </a:p>
+          <a:p>
+            <a:r>
+              <a:rPr lang="de-DE" dirty="0"/>
+              <a:t>Verbesserung der Schilderkennung</a:t>
+            </a:r>
+          </a:p>
+          <a:p>
+            <a:r>
+              <a:rPr lang="de-DE" dirty="0"/>
+              <a:t>Einbeziehen aussortierter Schilder</a:t>
+            </a:r>
+          </a:p>
+          <a:p>
+            <a:r>
+              <a:rPr lang="de-DE" dirty="0"/>
+              <a:t>Erhöhung/Verbesserung der Datenbasis </a:t>
+            </a:r>
+          </a:p>
+        </p:txBody>
+      </p:sp>
+    </p:spTree>
+    <p:extLst>
+      <p:ext uri="{BB962C8B-B14F-4D97-AF65-F5344CB8AC3E}">
+        <p14:creationId xmlns:p14="http://schemas.microsoft.com/office/powerpoint/2010/main" val="3297564891"/>
+      </p:ext>
+    </p:extLst>
+  </p:cSld>
+  <p:clrMapOvr>
+    <a:masterClrMapping/>
+  </p:clrMapOvr>
+</p:sld>
+</file>
+
+<file path=ppt/slides/slide14.xml><?xml version="1.0" encoding="utf-8"?>
+<p:sld xmlns:a="http://schemas.openxmlformats.org/drawingml/2006/main" xmlns:r="http://schemas.openxmlformats.org/officeDocument/2006/relationships" xmlns:p="http://schemas.openxmlformats.org/presentationml/2006/main">
+  <p:cSld>
+    <p:spTree>
+      <p:nvGrpSpPr>
+        <p:cNvPr id="1" name=""/>
+        <p:cNvGrpSpPr/>
+        <p:nvPr/>
+      </p:nvGrpSpPr>
+      <p:grpSpPr>
+        <a:xfrm>
+          <a:off x="0" y="0"/>
+          <a:ext cx="0" cy="0"/>
+          <a:chOff x="0" y="0"/>
+          <a:chExt cx="0" cy="0"/>
+        </a:xfrm>
+      </p:grpSpPr>
+      <p:sp>
+        <p:nvSpPr>
+          <p:cNvPr id="2" name="Titel 1">
+            <a:extLst>
+              <a:ext uri="{FF2B5EF4-FFF2-40B4-BE49-F238E27FC236}">
                 <a16:creationId xmlns:a16="http://schemas.microsoft.com/office/drawing/2014/main" id="{95C39E3E-666C-4BBE-8E97-CC9B0F62C487}"/>
               </a:ext>
             </a:extLst>
@@ -7058,7 +11142,7 @@
 </p:sld>
 </file>
 
-<file path=ppt/slides/slide14.xml><?xml version="1.0" encoding="utf-8"?>
+<file path=ppt/slides/slide15.xml><?xml version="1.0" encoding="utf-8"?>
 <p:sld xmlns:a="http://schemas.openxmlformats.org/drawingml/2006/main" xmlns:r="http://schemas.openxmlformats.org/officeDocument/2006/relationships" xmlns:p="http://schemas.openxmlformats.org/presentationml/2006/main">
   <p:cSld>
     <p:bg>
@@ -7076,7 +11160,6 @@
                 <a:lumMod val="180000"/>
               </a:schemeClr>
             </a:duotone>
-            <a:extLst/>
           </a:blip>
           <a:stretch/>
         </a:blipFill>
@@ -7556,7 +11639,7 @@
 </p:sld>
 </file>
 
-<file path=ppt/slides/slide15.xml><?xml version="1.0" encoding="utf-8"?>
+<file path=ppt/slides/slide16.xml><?xml version="1.0" encoding="utf-8"?>
 <p:sld xmlns:a="http://schemas.openxmlformats.org/drawingml/2006/main" xmlns:r="http://schemas.openxmlformats.org/officeDocument/2006/relationships" xmlns:p="http://schemas.openxmlformats.org/presentationml/2006/main">
   <p:cSld>
     <p:spTree>
@@ -7694,7 +11777,7 @@
 </p:sld>
 </file>
 
-<file path=ppt/slides/slide16.xml><?xml version="1.0" encoding="utf-8"?>
+<file path=ppt/slides/slide17.xml><?xml version="1.0" encoding="utf-8"?>
 <p:sld xmlns:a="http://schemas.openxmlformats.org/drawingml/2006/main" xmlns:r="http://schemas.openxmlformats.org/officeDocument/2006/relationships" xmlns:p="http://schemas.openxmlformats.org/presentationml/2006/main">
   <p:cSld>
     <p:spTree>
@@ -8053,7 +12136,7 @@
 </p:sld>
 </file>
 
-<file path=ppt/slides/slide17.xml><?xml version="1.0" encoding="utf-8"?>
+<file path=ppt/slides/slide18.xml><?xml version="1.0" encoding="utf-8"?>
 <p:sld xmlns:a="http://schemas.openxmlformats.org/drawingml/2006/main" xmlns:r="http://schemas.openxmlformats.org/officeDocument/2006/relationships" xmlns:p="http://schemas.openxmlformats.org/presentationml/2006/main">
   <p:cSld>
     <p:spTree>
@@ -8412,7 +12495,7 @@
 </p:sld>
 </file>
 
-<file path=ppt/slides/slide18.xml><?xml version="1.0" encoding="utf-8"?>
+<file path=ppt/slides/slide19.xml><?xml version="1.0" encoding="utf-8"?>
 <p:sld xmlns:a="http://schemas.openxmlformats.org/drawingml/2006/main" xmlns:r="http://schemas.openxmlformats.org/officeDocument/2006/relationships" xmlns:p="http://schemas.openxmlformats.org/presentationml/2006/main">
   <p:cSld>
     <p:spTree>
@@ -8771,7 +12854,123 @@
 </p:sld>
 </file>
 
-<file path=ppt/slides/slide19.xml><?xml version="1.0" encoding="utf-8"?>
+<file path=ppt/slides/slide2.xml><?xml version="1.0" encoding="utf-8"?>
+<p:sld xmlns:a="http://schemas.openxmlformats.org/drawingml/2006/main" xmlns:r="http://schemas.openxmlformats.org/officeDocument/2006/relationships" xmlns:p="http://schemas.openxmlformats.org/presentationml/2006/main">
+  <p:cSld>
+    <p:spTree>
+      <p:nvGrpSpPr>
+        <p:cNvPr id="1" name=""/>
+        <p:cNvGrpSpPr/>
+        <p:nvPr/>
+      </p:nvGrpSpPr>
+      <p:grpSpPr>
+        <a:xfrm>
+          <a:off x="0" y="0"/>
+          <a:ext cx="0" cy="0"/>
+          <a:chOff x="0" y="0"/>
+          <a:chExt cx="0" cy="0"/>
+        </a:xfrm>
+      </p:grpSpPr>
+      <p:sp>
+        <p:nvSpPr>
+          <p:cNvPr id="2" name="Titel 1">
+            <a:extLst>
+              <a:ext uri="{FF2B5EF4-FFF2-40B4-BE49-F238E27FC236}">
+                <a16:creationId xmlns:a16="http://schemas.microsoft.com/office/drawing/2014/main" id="{309D410C-BF5E-474B-B7B0-5E9A0244BB3F}"/>
+              </a:ext>
+            </a:extLst>
+          </p:cNvPr>
+          <p:cNvSpPr>
+            <a:spLocks noGrp="1"/>
+          </p:cNvSpPr>
+          <p:nvPr>
+            <p:ph type="title"/>
+          </p:nvPr>
+        </p:nvSpPr>
+        <p:spPr/>
+        <p:txBody>
+          <a:bodyPr/>
+          <a:lstStyle/>
+          <a:p>
+            <a:r>
+              <a:rPr lang="de-DE" dirty="0"/>
+              <a:t>Agenda</a:t>
+            </a:r>
+          </a:p>
+        </p:txBody>
+      </p:sp>
+      <p:sp>
+        <p:nvSpPr>
+          <p:cNvPr id="3" name="Inhaltsplatzhalter 2">
+            <a:extLst>
+              <a:ext uri="{FF2B5EF4-FFF2-40B4-BE49-F238E27FC236}">
+                <a16:creationId xmlns:a16="http://schemas.microsoft.com/office/drawing/2014/main" id="{2540DA5D-5324-4C9F-B39D-2C34BCC17F6A}"/>
+              </a:ext>
+            </a:extLst>
+          </p:cNvPr>
+          <p:cNvSpPr>
+            <a:spLocks noGrp="1"/>
+          </p:cNvSpPr>
+          <p:nvPr>
+            <p:ph idx="1"/>
+          </p:nvPr>
+        </p:nvSpPr>
+        <p:spPr/>
+        <p:txBody>
+          <a:bodyPr/>
+          <a:lstStyle/>
+          <a:p>
+            <a:r>
+              <a:rPr lang="de-DE" dirty="0"/>
+              <a:t>Problemstellung</a:t>
+            </a:r>
+          </a:p>
+          <a:p>
+            <a:r>
+              <a:rPr lang="de-DE" dirty="0"/>
+              <a:t>Idee und Aufgaben</a:t>
+            </a:r>
+          </a:p>
+          <a:p>
+            <a:r>
+              <a:rPr lang="de-DE" dirty="0"/>
+              <a:t>Deep Learning</a:t>
+            </a:r>
+          </a:p>
+          <a:p>
+            <a:r>
+              <a:rPr lang="de-DE" dirty="0"/>
+              <a:t>Verkehrszeichenerkennung </a:t>
+            </a:r>
+          </a:p>
+          <a:p>
+            <a:r>
+              <a:rPr lang="de-DE" dirty="0"/>
+              <a:t>Ergebnispräsentation</a:t>
+            </a:r>
+          </a:p>
+          <a:p>
+            <a:r>
+              <a:rPr lang="de-DE" dirty="0"/>
+              <a:t>Fazit und Ausblick</a:t>
+            </a:r>
+          </a:p>
+        </p:txBody>
+      </p:sp>
+    </p:spTree>
+    <p:extLst>
+      <p:ext uri="{BB962C8B-B14F-4D97-AF65-F5344CB8AC3E}">
+        <p14:creationId xmlns:p14="http://schemas.microsoft.com/office/powerpoint/2010/main" val="2426870590"/>
+      </p:ext>
+    </p:extLst>
+  </p:cSld>
+  <p:clrMapOvr>
+    <a:masterClrMapping/>
+  </p:clrMapOvr>
+</p:sld>
+</file>
+
+<file path=ppt/slides/slide20.xml><?xml version="1.0" encoding="utf-8"?>
 <p:sld xmlns:a="http://schemas.openxmlformats.org/drawingml/2006/main" xmlns:r="http://schemas.openxmlformats.org/officeDocument/2006/relationships" xmlns:p="http://schemas.openxmlformats.org/presentationml/2006/main">
   <p:cSld>
     <p:spTree>
@@ -9133,122 +13332,6 @@
 </p:sld>
 </file>
 
-<file path=ppt/slides/slide2.xml><?xml version="1.0" encoding="utf-8"?>
-<p:sld xmlns:a="http://schemas.openxmlformats.org/drawingml/2006/main" xmlns:r="http://schemas.openxmlformats.org/officeDocument/2006/relationships" xmlns:p="http://schemas.openxmlformats.org/presentationml/2006/main">
-  <p:cSld>
-    <p:spTree>
-      <p:nvGrpSpPr>
-        <p:cNvPr id="1" name=""/>
-        <p:cNvGrpSpPr/>
-        <p:nvPr/>
-      </p:nvGrpSpPr>
-      <p:grpSpPr>
-        <a:xfrm>
-          <a:off x="0" y="0"/>
-          <a:ext cx="0" cy="0"/>
-          <a:chOff x="0" y="0"/>
-          <a:chExt cx="0" cy="0"/>
-        </a:xfrm>
-      </p:grpSpPr>
-      <p:sp>
-        <p:nvSpPr>
-          <p:cNvPr id="2" name="Titel 1">
-            <a:extLst>
-              <a:ext uri="{FF2B5EF4-FFF2-40B4-BE49-F238E27FC236}">
-                <a16:creationId xmlns:a16="http://schemas.microsoft.com/office/drawing/2014/main" id="{309D410C-BF5E-474B-B7B0-5E9A0244BB3F}"/>
-              </a:ext>
-            </a:extLst>
-          </p:cNvPr>
-          <p:cNvSpPr>
-            <a:spLocks noGrp="1"/>
-          </p:cNvSpPr>
-          <p:nvPr>
-            <p:ph type="title"/>
-          </p:nvPr>
-        </p:nvSpPr>
-        <p:spPr/>
-        <p:txBody>
-          <a:bodyPr/>
-          <a:lstStyle/>
-          <a:p>
-            <a:r>
-              <a:rPr lang="de-DE" dirty="0"/>
-              <a:t>Agenda</a:t>
-            </a:r>
-          </a:p>
-        </p:txBody>
-      </p:sp>
-      <p:sp>
-        <p:nvSpPr>
-          <p:cNvPr id="3" name="Inhaltsplatzhalter 2">
-            <a:extLst>
-              <a:ext uri="{FF2B5EF4-FFF2-40B4-BE49-F238E27FC236}">
-                <a16:creationId xmlns:a16="http://schemas.microsoft.com/office/drawing/2014/main" id="{2540DA5D-5324-4C9F-B39D-2C34BCC17F6A}"/>
-              </a:ext>
-            </a:extLst>
-          </p:cNvPr>
-          <p:cNvSpPr>
-            <a:spLocks noGrp="1"/>
-          </p:cNvSpPr>
-          <p:nvPr>
-            <p:ph idx="1"/>
-          </p:nvPr>
-        </p:nvSpPr>
-        <p:spPr/>
-        <p:txBody>
-          <a:bodyPr/>
-          <a:lstStyle/>
-          <a:p>
-            <a:r>
-              <a:rPr lang="de-DE" dirty="0"/>
-              <a:t>Problemstellung</a:t>
-            </a:r>
-          </a:p>
-          <a:p>
-            <a:r>
-              <a:rPr lang="de-DE" dirty="0"/>
-              <a:t>Idee und Aufgaben</a:t>
-            </a:r>
-          </a:p>
-          <a:p>
-            <a:r>
-              <a:rPr lang="de-DE" dirty="0"/>
-              <a:t>Deep Learning</a:t>
-            </a:r>
-          </a:p>
-          <a:p>
-            <a:r>
-              <a:rPr lang="de-DE" dirty="0"/>
-              <a:t>Verkehrszeichenerkennung </a:t>
-            </a:r>
-          </a:p>
-          <a:p>
-            <a:r>
-              <a:rPr lang="de-DE" dirty="0"/>
-              <a:t>Ergebnispräsentation</a:t>
-            </a:r>
-          </a:p>
-          <a:p>
-            <a:r>
-              <a:rPr lang="de-DE" dirty="0"/>
-              <a:t>Fazit und Ausblick</a:t>
-            </a:r>
-          </a:p>
-        </p:txBody>
-      </p:sp>
-    </p:spTree>
-    <p:extLst>
-      <p:ext uri="{BB962C8B-B14F-4D97-AF65-F5344CB8AC3E}">
-        <p14:creationId xmlns:p14="http://schemas.microsoft.com/office/powerpoint/2010/main" val="2426870590"/>
-      </p:ext>
-    </p:extLst>
-  </p:cSld>
-  <p:clrMapOvr>
-    <a:masterClrMapping/>
-  </p:clrMapOvr>
-</p:sld>
-</file>
-
 <file path=ppt/slides/slide3.xml><?xml version="1.0" encoding="utf-8"?>
 <p:sld xmlns:a="http://schemas.openxmlformats.org/drawingml/2006/main" xmlns:r="http://schemas.openxmlformats.org/officeDocument/2006/relationships" xmlns:p="http://schemas.openxmlformats.org/presentationml/2006/main">
   <p:cSld>
@@ -9310,7 +13393,12 @@
             <p:ph idx="1"/>
           </p:nvPr>
         </p:nvSpPr>
-        <p:spPr/>
+        <p:spPr>
+          <a:xfrm>
+            <a:off x="1484311" y="2666999"/>
+            <a:ext cx="4940240" cy="3124201"/>
+          </a:xfrm>
+        </p:spPr>
         <p:txBody>
           <a:bodyPr/>
           <a:lstStyle/>
@@ -9331,13 +13419,13 @@
           <a:p>
             <a:r>
               <a:rPr lang="de-DE" dirty="0"/>
-              <a:t>Fehlverhalten von Kindern unter 15 Jahren </a:t>
+              <a:t>11.3 % wegen Vorfahrt und Vorrang </a:t>
             </a:r>
           </a:p>
           <a:p>
             <a:r>
               <a:rPr lang="de-DE" dirty="0"/>
-              <a:t>11.3 % wegen Vorfahrt und Vorrang </a:t>
+              <a:t>Unfälle ohne Verletzungen nicht inbegriffen</a:t>
             </a:r>
           </a:p>
           <a:p>
@@ -9361,7 +13449,7 @@
         </p:nvSpPr>
         <p:spPr>
           <a:xfrm>
-            <a:off x="1778224" y="5600819"/>
+            <a:off x="1885101" y="5905901"/>
             <a:ext cx="10018713" cy="227798"/>
           </a:xfrm>
           <a:prstGeom prst="rect">
@@ -9370,7 +13458,7 @@
         </p:spPr>
         <p:txBody>
           <a:bodyPr vert="horz" lIns="91440" tIns="45720" rIns="91440" bIns="45720" rtlCol="0" anchor="ctr">
-            <a:normAutofit fontScale="32500" lnSpcReduction="20000"/>
+            <a:noAutofit/>
           </a:bodyPr>
           <a:lstStyle>
             <a:lvl1pPr marL="285750" indent="-285750" algn="l" defTabSz="457200" rtl="0" eaLnBrk="1" latinLnBrk="0" hangingPunct="1">
@@ -9601,19 +13689,49 @@
           </a:lstStyle>
           <a:p>
             <a:r>
-              <a:rPr lang="de-DE" dirty="0"/>
+              <a:rPr lang="de-DE" sz="1200" dirty="0"/>
               <a:t>Quelle: </a:t>
             </a:r>
             <a:r>
-              <a:rPr lang="de-DE" dirty="0">
+              <a:rPr lang="de-DE" sz="1200" dirty="0">
                 <a:hlinkClick r:id="rId2"/>
               </a:rPr>
               <a:t>https://www.destatis.de/DE/Themen/Gesellschaft-Umwelt/Verkehrsunfaelle/Publikationen/Downloads-Verkehrsunfaelle/unfaelle-kinder-5462405187004.pdf?__blob=publicationFile</a:t>
             </a:r>
-            <a:endParaRPr lang="de-DE" dirty="0"/>
+            <a:endParaRPr lang="de-DE" sz="1200" dirty="0"/>
           </a:p>
         </p:txBody>
       </p:sp>
+      <p:pic>
+        <p:nvPicPr>
+          <p:cNvPr id="7" name="Grafik 6">
+            <a:extLst>
+              <a:ext uri="{FF2B5EF4-FFF2-40B4-BE49-F238E27FC236}">
+                <a16:creationId xmlns:a16="http://schemas.microsoft.com/office/drawing/2014/main" id="{33EEC408-E78B-4118-A33A-35853EDE58B2}"/>
+              </a:ext>
+            </a:extLst>
+          </p:cNvPr>
+          <p:cNvPicPr>
+            <a:picLocks noChangeAspect="1"/>
+          </p:cNvPicPr>
+          <p:nvPr/>
+        </p:nvPicPr>
+        <p:blipFill>
+          <a:blip r:embed="rId3"/>
+          <a:stretch>
+            <a:fillRect/>
+          </a:stretch>
+        </p:blipFill>
+        <p:spPr>
+          <a:xfrm>
+            <a:off x="6438968" y="2438399"/>
+            <a:ext cx="5551430" cy="2985809"/>
+          </a:xfrm>
+          <a:prstGeom prst="rect">
+            <a:avLst/>
+          </a:prstGeom>
+        </p:spPr>
+      </p:pic>
     </p:spTree>
     <p:extLst>
       <p:ext uri="{BB962C8B-B14F-4D97-AF65-F5344CB8AC3E}">
@@ -9672,31 +13790,300 @@
           </a:p>
         </p:txBody>
       </p:sp>
-      <p:sp>
-        <p:nvSpPr>
-          <p:cNvPr id="3" name="Inhaltsplatzhalter 2">
+      <p:graphicFrame>
+        <p:nvGraphicFramePr>
+          <p:cNvPr id="6" name="Diagramm 5">
             <a:extLst>
               <a:ext uri="{FF2B5EF4-FFF2-40B4-BE49-F238E27FC236}">
-                <a16:creationId xmlns:a16="http://schemas.microsoft.com/office/drawing/2014/main" id="{21AAC53D-7C15-4456-806B-B73A46F422DA}"/>
+                <a16:creationId xmlns:a16="http://schemas.microsoft.com/office/drawing/2014/main" id="{67217405-43F9-4E45-97D7-7953A4993CC4}"/>
               </a:ext>
             </a:extLst>
           </p:cNvPr>
-          <p:cNvSpPr>
-            <a:spLocks noGrp="1"/>
+          <p:cNvGraphicFramePr/>
+          <p:nvPr>
+            <p:extLst>
+              <p:ext uri="{D42A27DB-BD31-4B8C-83A1-F6EECF244321}">
+                <p14:modId xmlns:p14="http://schemas.microsoft.com/office/powerpoint/2010/main" val="2449103310"/>
+              </p:ext>
+            </p:extLst>
+          </p:nvPr>
+        </p:nvGraphicFramePr>
+        <p:xfrm>
+          <a:off x="2550361" y="1751798"/>
+          <a:ext cx="7886611" cy="4494997"/>
+        </p:xfrm>
+        <a:graphic>
+          <a:graphicData uri="http://schemas.openxmlformats.org/drawingml/2006/chart">
+            <c:chart xmlns:c="http://schemas.openxmlformats.org/drawingml/2006/chart" xmlns:r="http://schemas.openxmlformats.org/officeDocument/2006/relationships" r:id="rId2"/>
+          </a:graphicData>
+        </a:graphic>
+      </p:graphicFrame>
+      <p:sp>
+        <p:nvSpPr>
+          <p:cNvPr id="7" name="Inhaltsplatzhalter 2">
+            <a:extLst>
+              <a:ext uri="{FF2B5EF4-FFF2-40B4-BE49-F238E27FC236}">
+                <a16:creationId xmlns:a16="http://schemas.microsoft.com/office/drawing/2014/main" id="{C39A542C-313F-435C-A4CC-9B37EC5DC19A}"/>
+              </a:ext>
+            </a:extLst>
+          </p:cNvPr>
+          <p:cNvSpPr txBox="1">
+            <a:spLocks/>
           </p:cNvSpPr>
-          <p:nvPr>
-            <p:ph idx="1"/>
-          </p:nvPr>
-        </p:nvSpPr>
-        <p:spPr/>
+          <p:nvPr/>
+        </p:nvSpPr>
+        <p:spPr>
+          <a:xfrm>
+            <a:off x="2413919" y="6172200"/>
+            <a:ext cx="10018713" cy="227798"/>
+          </a:xfrm>
+          <a:prstGeom prst="rect">
+            <a:avLst/>
+          </a:prstGeom>
+        </p:spPr>
         <p:txBody>
-          <a:bodyPr/>
-          <a:lstStyle/>
-          <a:p>
-            <a:r>
-              <a:rPr lang="de-DE" dirty="0"/>
-              <a:t>Kinder nutzen Smartphone (Quelle und Statistik?)</a:t>
-            </a:r>
+          <a:bodyPr vert="horz" lIns="91440" tIns="45720" rIns="91440" bIns="45720" rtlCol="0" anchor="ctr">
+            <a:noAutofit/>
+          </a:bodyPr>
+          <a:lstStyle>
+            <a:lvl1pPr marL="285750" indent="-285750" algn="l" defTabSz="457200" rtl="0" eaLnBrk="1" latinLnBrk="0" hangingPunct="1">
+              <a:spcBef>
+                <a:spcPct val="20000"/>
+              </a:spcBef>
+              <a:spcAft>
+                <a:spcPts val="600"/>
+              </a:spcAft>
+              <a:buClr>
+                <a:schemeClr val="accent1">
+                  <a:lumMod val="75000"/>
+                </a:schemeClr>
+              </a:buClr>
+              <a:buSzPct val="145000"/>
+              <a:buFont typeface="Arial"/>
+              <a:buChar char="•"/>
+              <a:defRPr sz="2400" kern="1200" cap="none">
+                <a:solidFill>
+                  <a:schemeClr val="tx1"/>
+                </a:solidFill>
+                <a:effectLst/>
+                <a:latin typeface="+mn-lt"/>
+                <a:ea typeface="+mn-ea"/>
+                <a:cs typeface="+mn-cs"/>
+              </a:defRPr>
+            </a:lvl1pPr>
+            <a:lvl2pPr marL="742950" indent="-285750" algn="l" defTabSz="457200" rtl="0" eaLnBrk="1" latinLnBrk="0" hangingPunct="1">
+              <a:spcBef>
+                <a:spcPct val="20000"/>
+              </a:spcBef>
+              <a:spcAft>
+                <a:spcPts val="600"/>
+              </a:spcAft>
+              <a:buClr>
+                <a:schemeClr val="accent1">
+                  <a:lumMod val="75000"/>
+                </a:schemeClr>
+              </a:buClr>
+              <a:buSzPct val="145000"/>
+              <a:buFont typeface="Arial"/>
+              <a:buChar char="•"/>
+              <a:defRPr sz="2000" kern="1200" cap="none">
+                <a:solidFill>
+                  <a:schemeClr val="tx1"/>
+                </a:solidFill>
+                <a:effectLst/>
+                <a:latin typeface="+mn-lt"/>
+                <a:ea typeface="+mn-ea"/>
+                <a:cs typeface="+mn-cs"/>
+              </a:defRPr>
+            </a:lvl2pPr>
+            <a:lvl3pPr marL="1200150" indent="-285750" algn="l" defTabSz="457200" rtl="0" eaLnBrk="1" latinLnBrk="0" hangingPunct="1">
+              <a:spcBef>
+                <a:spcPct val="20000"/>
+              </a:spcBef>
+              <a:spcAft>
+                <a:spcPts val="600"/>
+              </a:spcAft>
+              <a:buClr>
+                <a:schemeClr val="accent1">
+                  <a:lumMod val="75000"/>
+                </a:schemeClr>
+              </a:buClr>
+              <a:buSzPct val="145000"/>
+              <a:buFont typeface="Arial"/>
+              <a:buChar char="•"/>
+              <a:defRPr sz="1800" kern="1200" cap="none">
+                <a:solidFill>
+                  <a:schemeClr val="tx1"/>
+                </a:solidFill>
+                <a:effectLst/>
+                <a:latin typeface="+mn-lt"/>
+                <a:ea typeface="+mn-ea"/>
+                <a:cs typeface="+mn-cs"/>
+              </a:defRPr>
+            </a:lvl3pPr>
+            <a:lvl4pPr marL="1543050" indent="-171450" algn="l" defTabSz="457200" rtl="0" eaLnBrk="1" latinLnBrk="0" hangingPunct="1">
+              <a:spcBef>
+                <a:spcPct val="20000"/>
+              </a:spcBef>
+              <a:spcAft>
+                <a:spcPts val="600"/>
+              </a:spcAft>
+              <a:buClr>
+                <a:schemeClr val="accent1">
+                  <a:lumMod val="75000"/>
+                </a:schemeClr>
+              </a:buClr>
+              <a:buSzPct val="145000"/>
+              <a:buFont typeface="Arial"/>
+              <a:buChar char="•"/>
+              <a:defRPr sz="1600" kern="1200" cap="none">
+                <a:solidFill>
+                  <a:schemeClr val="tx1"/>
+                </a:solidFill>
+                <a:effectLst/>
+                <a:latin typeface="+mn-lt"/>
+                <a:ea typeface="+mn-ea"/>
+                <a:cs typeface="+mn-cs"/>
+              </a:defRPr>
+            </a:lvl4pPr>
+            <a:lvl5pPr marL="2000250" indent="-171450" algn="l" defTabSz="457200" rtl="0" eaLnBrk="1" latinLnBrk="0" hangingPunct="1">
+              <a:spcBef>
+                <a:spcPct val="20000"/>
+              </a:spcBef>
+              <a:spcAft>
+                <a:spcPts val="600"/>
+              </a:spcAft>
+              <a:buClr>
+                <a:schemeClr val="accent1">
+                  <a:lumMod val="75000"/>
+                </a:schemeClr>
+              </a:buClr>
+              <a:buSzPct val="145000"/>
+              <a:buFont typeface="Arial"/>
+              <a:buChar char="•"/>
+              <a:defRPr sz="1400" kern="1200" cap="none">
+                <a:solidFill>
+                  <a:schemeClr val="tx1"/>
+                </a:solidFill>
+                <a:effectLst/>
+                <a:latin typeface="+mn-lt"/>
+                <a:ea typeface="+mn-ea"/>
+                <a:cs typeface="+mn-cs"/>
+              </a:defRPr>
+            </a:lvl5pPr>
+            <a:lvl6pPr marL="2514600" indent="-228600" algn="l" defTabSz="457200" rtl="0" eaLnBrk="1" latinLnBrk="0" hangingPunct="1">
+              <a:spcBef>
+                <a:spcPct val="20000"/>
+              </a:spcBef>
+              <a:spcAft>
+                <a:spcPts val="600"/>
+              </a:spcAft>
+              <a:buClr>
+                <a:schemeClr val="accent1">
+                  <a:lumMod val="75000"/>
+                </a:schemeClr>
+              </a:buClr>
+              <a:buSzPct val="145000"/>
+              <a:buFont typeface="Arial"/>
+              <a:buChar char="•"/>
+              <a:defRPr sz="1400" kern="1200" cap="none">
+                <a:solidFill>
+                  <a:schemeClr val="tx1"/>
+                </a:solidFill>
+                <a:effectLst/>
+                <a:latin typeface="+mn-lt"/>
+                <a:ea typeface="+mn-ea"/>
+                <a:cs typeface="+mn-cs"/>
+              </a:defRPr>
+            </a:lvl6pPr>
+            <a:lvl7pPr marL="2971800" indent="-228600" algn="l" defTabSz="457200" rtl="0" eaLnBrk="1" latinLnBrk="0" hangingPunct="1">
+              <a:spcBef>
+                <a:spcPct val="20000"/>
+              </a:spcBef>
+              <a:spcAft>
+                <a:spcPts val="600"/>
+              </a:spcAft>
+              <a:buClr>
+                <a:schemeClr val="accent1">
+                  <a:lumMod val="75000"/>
+                </a:schemeClr>
+              </a:buClr>
+              <a:buSzPct val="145000"/>
+              <a:buFont typeface="Arial"/>
+              <a:buChar char="•"/>
+              <a:defRPr sz="1400" kern="1200" cap="none">
+                <a:solidFill>
+                  <a:schemeClr val="tx1"/>
+                </a:solidFill>
+                <a:effectLst/>
+                <a:latin typeface="+mn-lt"/>
+                <a:ea typeface="+mn-ea"/>
+                <a:cs typeface="+mn-cs"/>
+              </a:defRPr>
+            </a:lvl7pPr>
+            <a:lvl8pPr marL="3429000" indent="-228600" algn="l" defTabSz="457200" rtl="0" eaLnBrk="1" latinLnBrk="0" hangingPunct="1">
+              <a:spcBef>
+                <a:spcPct val="20000"/>
+              </a:spcBef>
+              <a:spcAft>
+                <a:spcPts val="600"/>
+              </a:spcAft>
+              <a:buClr>
+                <a:schemeClr val="accent1">
+                  <a:lumMod val="75000"/>
+                </a:schemeClr>
+              </a:buClr>
+              <a:buSzPct val="145000"/>
+              <a:buFont typeface="Arial"/>
+              <a:buChar char="•"/>
+              <a:defRPr sz="1400" kern="1200" cap="none">
+                <a:solidFill>
+                  <a:schemeClr val="tx1"/>
+                </a:solidFill>
+                <a:effectLst/>
+                <a:latin typeface="+mn-lt"/>
+                <a:ea typeface="+mn-ea"/>
+                <a:cs typeface="+mn-cs"/>
+              </a:defRPr>
+            </a:lvl8pPr>
+            <a:lvl9pPr marL="3886200" indent="-228600" algn="l" defTabSz="457200" rtl="0" eaLnBrk="1" latinLnBrk="0" hangingPunct="1">
+              <a:spcBef>
+                <a:spcPct val="20000"/>
+              </a:spcBef>
+              <a:spcAft>
+                <a:spcPts val="600"/>
+              </a:spcAft>
+              <a:buClr>
+                <a:schemeClr val="accent1">
+                  <a:lumMod val="75000"/>
+                </a:schemeClr>
+              </a:buClr>
+              <a:buSzPct val="145000"/>
+              <a:buFont typeface="Arial"/>
+              <a:buChar char="•"/>
+              <a:defRPr sz="1400" kern="1200" cap="none">
+                <a:solidFill>
+                  <a:schemeClr val="tx1"/>
+                </a:solidFill>
+                <a:effectLst/>
+                <a:latin typeface="+mn-lt"/>
+                <a:ea typeface="+mn-ea"/>
+                <a:cs typeface="+mn-cs"/>
+              </a:defRPr>
+            </a:lvl9pPr>
+          </a:lstStyle>
+          <a:p>
+            <a:r>
+              <a:rPr lang="de-DE" sz="1200" dirty="0"/>
+              <a:t>Quelle i. A. an: </a:t>
+            </a:r>
+            <a:r>
+              <a:rPr lang="de-DE" sz="1200" dirty="0">
+                <a:hlinkClick r:id="rId3"/>
+              </a:rPr>
+              <a:t>https://de.statista.com/statistik/daten/studie/1106/umfrage/handybesitz-bei-jugendlichen-nach-altersgruppen/</a:t>
+            </a:r>
+            <a:endParaRPr lang="de-DE" sz="1200" dirty="0"/>
           </a:p>
         </p:txBody>
       </p:sp>
@@ -9753,7 +14140,7 @@
           <a:p>
             <a:r>
               <a:rPr lang="de-DE" dirty="0"/>
-              <a:t>Idee und Aufgabe </a:t>
+              <a:t>Idee</a:t>
             </a:r>
           </a:p>
         </p:txBody>
@@ -9774,17 +14161,24 @@
             <p:ph idx="1"/>
           </p:nvPr>
         </p:nvSpPr>
-        <p:spPr/>
+        <p:spPr>
+          <a:xfrm>
+            <a:off x="972153" y="2666999"/>
+            <a:ext cx="11219848" cy="3124201"/>
+          </a:xfrm>
+        </p:spPr>
         <p:txBody>
-          <a:bodyPr/>
+          <a:bodyPr>
+            <a:normAutofit/>
+          </a:bodyPr>
           <a:lstStyle/>
           <a:p>
             <a:pPr marL="0" indent="0">
               <a:buNone/>
             </a:pPr>
             <a:r>
-              <a:rPr lang="de-DE" dirty="0"/>
-              <a:t>Automatische Erkennung und Klassifizierung von Verkehrszeichen und Wiedergabe der Regel in einer verständlichen Weise</a:t>
+              <a:rPr lang="de-DE" sz="3200" dirty="0"/>
+              <a:t>Automatische Erkennung und Klassifizierung von Verkehrszeichen und Wiedergabe der Verkehrsregel in einer verständlichen Weise.</a:t>
             </a:r>
           </a:p>
         </p:txBody>
@@ -9805,6 +14199,28 @@
 <file path=ppt/slides/slide6.xml><?xml version="1.0" encoding="utf-8"?>
 <p:sld xmlns:a="http://schemas.openxmlformats.org/drawingml/2006/main" xmlns:r="http://schemas.openxmlformats.org/officeDocument/2006/relationships" xmlns:p="http://schemas.openxmlformats.org/presentationml/2006/main">
   <p:cSld>
+    <p:bg>
+      <p:bgPr>
+        <a:gradFill rotWithShape="1">
+          <a:gsLst>
+            <a:gs pos="0">
+              <a:schemeClr val="bg2">
+                <a:tint val="90000"/>
+                <a:lumMod val="110000"/>
+              </a:schemeClr>
+            </a:gs>
+            <a:gs pos="100000">
+              <a:schemeClr val="bg2">
+                <a:shade val="64000"/>
+                <a:lumMod val="98000"/>
+              </a:schemeClr>
+            </a:gs>
+          </a:gsLst>
+          <a:lin ang="5400000" scaled="0"/>
+        </a:gradFill>
+        <a:effectLst/>
+      </p:bgPr>
+    </p:bg>
     <p:spTree>
       <p:nvGrpSpPr>
         <p:cNvPr id="1" name=""/>
@@ -9824,7 +14240,7 @@
           <p:cNvPr id="2" name="Titel 1">
             <a:extLst>
               <a:ext uri="{FF2B5EF4-FFF2-40B4-BE49-F238E27FC236}">
-                <a16:creationId xmlns:a16="http://schemas.microsoft.com/office/drawing/2014/main" id="{106A606F-ACEC-42F9-93CE-172FD716AC6A}"/>
+                <a16:creationId xmlns:a16="http://schemas.microsoft.com/office/drawing/2014/main" id="{EA7F8CB1-618D-4F72-946E-326631DA8589}"/>
               </a:ext>
             </a:extLst>
           </p:cNvPr>
@@ -9835,79 +14251,60 @@
             <p:ph type="title"/>
           </p:nvPr>
         </p:nvSpPr>
-        <p:spPr/>
+        <p:spPr>
+          <a:xfrm>
+            <a:off x="1760706" y="685800"/>
+            <a:ext cx="9742318" cy="1752599"/>
+          </a:xfrm>
+        </p:spPr>
         <p:txBody>
-          <a:bodyPr/>
+          <a:bodyPr>
+            <a:normAutofit/>
+          </a:bodyPr>
           <a:lstStyle/>
           <a:p>
             <a:r>
               <a:rPr lang="de-DE" dirty="0"/>
-              <a:t>Deep Learning - Datennutzung </a:t>
+              <a:t>Aufgaben</a:t>
             </a:r>
           </a:p>
         </p:txBody>
       </p:sp>
-      <p:sp>
-        <p:nvSpPr>
-          <p:cNvPr id="3" name="Inhaltsplatzhalter 2">
+      <p:graphicFrame>
+        <p:nvGraphicFramePr>
+          <p:cNvPr id="5" name="Inhaltsplatzhalter 2">
             <a:extLst>
               <a:ext uri="{FF2B5EF4-FFF2-40B4-BE49-F238E27FC236}">
-                <a16:creationId xmlns:a16="http://schemas.microsoft.com/office/drawing/2014/main" id="{12034560-7215-4955-B66C-D6052324B9A5}"/>
+                <a16:creationId xmlns:a16="http://schemas.microsoft.com/office/drawing/2014/main" id="{9BF36403-899A-4E12-A5C5-E3124CE175E7}"/>
               </a:ext>
             </a:extLst>
           </p:cNvPr>
-          <p:cNvSpPr>
-            <a:spLocks noGrp="1"/>
-          </p:cNvSpPr>
+          <p:cNvGraphicFramePr>
+            <a:graphicFrameLocks noGrp="1"/>
+          </p:cNvGraphicFramePr>
           <p:nvPr>
             <p:ph idx="1"/>
+            <p:extLst>
+              <p:ext uri="{D42A27DB-BD31-4B8C-83A1-F6EECF244321}">
+                <p14:modId xmlns:p14="http://schemas.microsoft.com/office/powerpoint/2010/main" val="271199606"/>
+              </p:ext>
+            </p:extLst>
           </p:nvPr>
-        </p:nvSpPr>
-        <p:spPr/>
-        <p:txBody>
-          <a:bodyPr/>
-          <a:lstStyle/>
-          <a:p>
-            <a:r>
-              <a:rPr lang="de-DE" dirty="0"/>
-              <a:t>Nutzen des GTSRB </a:t>
-            </a:r>
-            <a:r>
-              <a:rPr lang="de-DE" dirty="0" err="1"/>
-              <a:t>datasets</a:t>
-            </a:r>
-            <a:endParaRPr lang="de-DE" dirty="0"/>
-          </a:p>
-          <a:p>
-            <a:r>
-              <a:rPr lang="de-DE" dirty="0"/>
-              <a:t>Selektieren der Verkehrszeichen</a:t>
-            </a:r>
-          </a:p>
-          <a:p>
-            <a:r>
-              <a:rPr lang="de-DE" dirty="0"/>
-              <a:t>Aussortieren von Daten</a:t>
-            </a:r>
-          </a:p>
-          <a:p>
-            <a:r>
-              <a:rPr lang="de-DE" dirty="0"/>
-              <a:t>Data Augmentation</a:t>
-            </a:r>
-          </a:p>
-          <a:p>
-            <a:r>
-              <a:rPr lang="de-DE" dirty="0"/>
-              <a:t>Angleichen</a:t>
-            </a:r>
-          </a:p>
-        </p:txBody>
-      </p:sp>
+        </p:nvGraphicFramePr>
+        <p:xfrm>
+          <a:off x="1760705" y="2694562"/>
+          <a:ext cx="9742319" cy="3096638"/>
+        </p:xfrm>
+        <a:graphic>
+          <a:graphicData uri="http://schemas.openxmlformats.org/drawingml/2006/diagram">
+            <dgm:relIds xmlns:dgm="http://schemas.openxmlformats.org/drawingml/2006/diagram" xmlns:r="http://schemas.openxmlformats.org/officeDocument/2006/relationships" r:dm="rId2" r:lo="rId3" r:qs="rId4" r:cs="rId5"/>
+          </a:graphicData>
+        </a:graphic>
+      </p:graphicFrame>
     </p:spTree>
     <p:extLst>
       <p:ext uri="{BB962C8B-B14F-4D97-AF65-F5344CB8AC3E}">
-        <p14:creationId xmlns:p14="http://schemas.microsoft.com/office/powerpoint/2010/main" val="2973639705"/>
+        <p14:creationId xmlns:p14="http://schemas.microsoft.com/office/powerpoint/2010/main" val="3049103386"/>
       </p:ext>
     </p:extLst>
   </p:cSld>
@@ -9939,6 +14336,176 @@
           <p:cNvPr id="2" name="Titel 1">
             <a:extLst>
               <a:ext uri="{FF2B5EF4-FFF2-40B4-BE49-F238E27FC236}">
+                <a16:creationId xmlns:a16="http://schemas.microsoft.com/office/drawing/2014/main" id="{106A606F-ACEC-42F9-93CE-172FD716AC6A}"/>
+              </a:ext>
+            </a:extLst>
+          </p:cNvPr>
+          <p:cNvSpPr>
+            <a:spLocks noGrp="1"/>
+          </p:cNvSpPr>
+          <p:nvPr>
+            <p:ph type="title"/>
+          </p:nvPr>
+        </p:nvSpPr>
+        <p:spPr/>
+        <p:txBody>
+          <a:bodyPr/>
+          <a:lstStyle/>
+          <a:p>
+            <a:r>
+              <a:rPr lang="de-DE" dirty="0"/>
+              <a:t>Deep Learning - Datennutzung </a:t>
+            </a:r>
+          </a:p>
+        </p:txBody>
+      </p:sp>
+      <p:sp>
+        <p:nvSpPr>
+          <p:cNvPr id="3" name="Inhaltsplatzhalter 2">
+            <a:extLst>
+              <a:ext uri="{FF2B5EF4-FFF2-40B4-BE49-F238E27FC236}">
+                <a16:creationId xmlns:a16="http://schemas.microsoft.com/office/drawing/2014/main" id="{12034560-7215-4955-B66C-D6052324B9A5}"/>
+              </a:ext>
+            </a:extLst>
+          </p:cNvPr>
+          <p:cNvSpPr>
+            <a:spLocks noGrp="1"/>
+          </p:cNvSpPr>
+          <p:nvPr>
+            <p:ph idx="1"/>
+          </p:nvPr>
+        </p:nvSpPr>
+        <p:spPr/>
+        <p:txBody>
+          <a:bodyPr/>
+          <a:lstStyle/>
+          <a:p>
+            <a:r>
+              <a:rPr lang="de-DE" dirty="0"/>
+              <a:t>Nutzen des GTSRB Datasets</a:t>
+            </a:r>
+          </a:p>
+          <a:p>
+            <a:r>
+              <a:rPr lang="de-DE" dirty="0"/>
+              <a:t>Selektieren der Verkehrszeichen</a:t>
+            </a:r>
+          </a:p>
+          <a:p>
+            <a:r>
+              <a:rPr lang="de-DE" dirty="0"/>
+              <a:t>Aussortieren von Daten</a:t>
+            </a:r>
+          </a:p>
+          <a:p>
+            <a:r>
+              <a:rPr lang="de-DE" dirty="0"/>
+              <a:t>Data Augmentation</a:t>
+            </a:r>
+          </a:p>
+          <a:p>
+            <a:r>
+              <a:rPr lang="de-DE" dirty="0"/>
+              <a:t>Angleichen</a:t>
+            </a:r>
+          </a:p>
+        </p:txBody>
+      </p:sp>
+      <p:sp>
+        <p:nvSpPr>
+          <p:cNvPr id="4" name="Rechteck 3" descr="Lupe">
+            <a:extLst>
+              <a:ext uri="{FF2B5EF4-FFF2-40B4-BE49-F238E27FC236}">
+                <a16:creationId xmlns:a16="http://schemas.microsoft.com/office/drawing/2014/main" id="{4387D663-38DB-4135-973F-FE4FA9E72E35}"/>
+              </a:ext>
+            </a:extLst>
+          </p:cNvPr>
+          <p:cNvSpPr/>
+          <p:nvPr/>
+        </p:nvSpPr>
+        <p:spPr>
+          <a:xfrm>
+            <a:off x="1484310" y="1378092"/>
+            <a:ext cx="438473" cy="433930"/>
+          </a:xfrm>
+          <a:prstGeom prst="rect">
+            <a:avLst/>
+          </a:prstGeom>
+          <a:blipFill>
+            <a:blip r:embed="rId2">
+              <a:extLst>
+                <a:ext uri="{96DAC541-7B7A-43D3-8B79-37D633B846F1}">
+                  <asvg:svgBlip xmlns:asvg="http://schemas.microsoft.com/office/drawing/2016/SVG/main" r:embed="rId3"/>
+                </a:ext>
+              </a:extLst>
+            </a:blip>
+            <a:srcRect/>
+            <a:stretch>
+              <a:fillRect/>
+            </a:stretch>
+          </a:blipFill>
+        </p:spPr>
+        <p:style>
+          <a:lnRef idx="2">
+            <a:schemeClr val="lt1">
+              <a:alpha val="0"/>
+              <a:hueOff val="0"/>
+              <a:satOff val="0"/>
+              <a:lumOff val="0"/>
+              <a:alphaOff val="0"/>
+            </a:schemeClr>
+          </a:lnRef>
+          <a:fillRef idx="1">
+            <a:scrgbClr r="0" g="0" b="0"/>
+          </a:fillRef>
+          <a:effectRef idx="0">
+            <a:schemeClr val="accent1">
+              <a:hueOff val="0"/>
+              <a:satOff val="0"/>
+              <a:lumOff val="0"/>
+              <a:alphaOff val="0"/>
+            </a:schemeClr>
+          </a:effectRef>
+          <a:fontRef idx="minor">
+            <a:schemeClr val="lt1"/>
+          </a:fontRef>
+        </p:style>
+      </p:sp>
+    </p:spTree>
+    <p:extLst>
+      <p:ext uri="{BB962C8B-B14F-4D97-AF65-F5344CB8AC3E}">
+        <p14:creationId xmlns:p14="http://schemas.microsoft.com/office/powerpoint/2010/main" val="2973639705"/>
+      </p:ext>
+    </p:extLst>
+  </p:cSld>
+  <p:clrMapOvr>
+    <a:masterClrMapping/>
+  </p:clrMapOvr>
+</p:sld>
+</file>
+
+<file path=ppt/slides/slide8.xml><?xml version="1.0" encoding="utf-8"?>
+<p:sld xmlns:a="http://schemas.openxmlformats.org/drawingml/2006/main" xmlns:r="http://schemas.openxmlformats.org/officeDocument/2006/relationships" xmlns:p="http://schemas.openxmlformats.org/presentationml/2006/main">
+  <p:cSld>
+    <p:spTree>
+      <p:nvGrpSpPr>
+        <p:cNvPr id="1" name=""/>
+        <p:cNvGrpSpPr/>
+        <p:nvPr/>
+      </p:nvGrpSpPr>
+      <p:grpSpPr>
+        <a:xfrm>
+          <a:off x="0" y="0"/>
+          <a:ext cx="0" cy="0"/>
+          <a:chOff x="0" y="0"/>
+          <a:chExt cx="0" cy="0"/>
+        </a:xfrm>
+      </p:grpSpPr>
+      <p:sp>
+        <p:nvSpPr>
+          <p:cNvPr id="2" name="Titel 1">
+            <a:extLst>
+              <a:ext uri="{FF2B5EF4-FFF2-40B4-BE49-F238E27FC236}">
                 <a16:creationId xmlns:a16="http://schemas.microsoft.com/office/drawing/2014/main" id="{F4E36561-2BF5-4897-B35C-1050A72A950E}"/>
               </a:ext>
             </a:extLst>
@@ -9987,7 +14554,7 @@
         <p:spPr>
           <a:xfrm>
             <a:off x="1484310" y="2666999"/>
-            <a:ext cx="10018713" cy="3124201"/>
+            <a:ext cx="4800987" cy="3124201"/>
           </a:xfrm>
         </p:spPr>
         <p:txBody>
@@ -10070,116 +14637,125 @@
         </p:blipFill>
         <p:spPr>
           <a:xfrm>
-            <a:off x="9175589" y="2283163"/>
-            <a:ext cx="1902545" cy="2035743"/>
+            <a:off x="8781125" y="1782476"/>
+            <a:ext cx="1780465" cy="1905116"/>
           </a:xfrm>
           <a:prstGeom prst="rect">
             <a:avLst/>
           </a:prstGeom>
         </p:spPr>
       </p:pic>
+      <p:pic>
+        <p:nvPicPr>
+          <p:cNvPr id="1026" name="Picture 2" descr="https://miro.medium.com/max/800/1*cPAmSB9nziZPI73VC5HAHg.png">
+            <a:extLst>
+              <a:ext uri="{FF2B5EF4-FFF2-40B4-BE49-F238E27FC236}">
+                <a16:creationId xmlns:a16="http://schemas.microsoft.com/office/drawing/2014/main" id="{FAB379D1-F3F3-42BB-BEF2-F920EC1D55AE}"/>
+              </a:ext>
+            </a:extLst>
+          </p:cNvPr>
+          <p:cNvPicPr>
+            <a:picLocks noChangeAspect="1" noChangeArrowheads="1"/>
+          </p:cNvPicPr>
+          <p:nvPr/>
+        </p:nvPicPr>
+        <p:blipFill>
+          <a:blip r:embed="rId3">
+            <a:extLst>
+              <a:ext uri="{28A0092B-C50C-407E-A947-70E740481C1C}">
+                <a14:useLocalDpi xmlns:a14="http://schemas.microsoft.com/office/drawing/2010/main" val="0"/>
+              </a:ext>
+            </a:extLst>
+          </a:blip>
+          <a:srcRect/>
+          <a:stretch>
+            <a:fillRect/>
+          </a:stretch>
+        </p:blipFill>
+        <p:spPr bwMode="auto">
+          <a:xfrm>
+            <a:off x="6096000" y="4419601"/>
+            <a:ext cx="5966293" cy="1752599"/>
+          </a:xfrm>
+          <a:prstGeom prst="rect">
+            <a:avLst/>
+          </a:prstGeom>
+          <a:noFill/>
+          <a:extLst>
+            <a:ext uri="{909E8E84-426E-40DD-AFC4-6F175D3DCCD1}">
+              <a14:hiddenFill xmlns:a14="http://schemas.microsoft.com/office/drawing/2010/main">
+                <a:solidFill>
+                  <a:srgbClr val="FFFFFF"/>
+                </a:solidFill>
+              </a14:hiddenFill>
+            </a:ext>
+          </a:extLst>
+        </p:spPr>
+      </p:pic>
+      <p:sp>
+        <p:nvSpPr>
+          <p:cNvPr id="6" name="Rechteck 5" descr="Lupe">
+            <a:extLst>
+              <a:ext uri="{FF2B5EF4-FFF2-40B4-BE49-F238E27FC236}">
+                <a16:creationId xmlns:a16="http://schemas.microsoft.com/office/drawing/2014/main" id="{EBDF60FC-2CE7-44EF-8371-788F8E516394}"/>
+              </a:ext>
+            </a:extLst>
+          </p:cNvPr>
+          <p:cNvSpPr/>
+          <p:nvPr/>
+        </p:nvSpPr>
+        <p:spPr>
+          <a:xfrm>
+            <a:off x="1484310" y="1378092"/>
+            <a:ext cx="438473" cy="433930"/>
+          </a:xfrm>
+          <a:prstGeom prst="rect">
+            <a:avLst/>
+          </a:prstGeom>
+          <a:blipFill>
+            <a:blip r:embed="rId4">
+              <a:extLst>
+                <a:ext uri="{96DAC541-7B7A-43D3-8B79-37D633B846F1}">
+                  <asvg:svgBlip xmlns:asvg="http://schemas.microsoft.com/office/drawing/2016/SVG/main" r:embed="rId5"/>
+                </a:ext>
+              </a:extLst>
+            </a:blip>
+            <a:srcRect/>
+            <a:stretch>
+              <a:fillRect/>
+            </a:stretch>
+          </a:blipFill>
+        </p:spPr>
+        <p:style>
+          <a:lnRef idx="2">
+            <a:schemeClr val="lt1">
+              <a:alpha val="0"/>
+              <a:hueOff val="0"/>
+              <a:satOff val="0"/>
+              <a:lumOff val="0"/>
+              <a:alphaOff val="0"/>
+            </a:schemeClr>
+          </a:lnRef>
+          <a:fillRef idx="1">
+            <a:scrgbClr r="0" g="0" b="0"/>
+          </a:fillRef>
+          <a:effectRef idx="0">
+            <a:schemeClr val="accent1">
+              <a:hueOff val="0"/>
+              <a:satOff val="0"/>
+              <a:lumOff val="0"/>
+              <a:alphaOff val="0"/>
+            </a:schemeClr>
+          </a:effectRef>
+          <a:fontRef idx="minor">
+            <a:schemeClr val="lt1"/>
+          </a:fontRef>
+        </p:style>
+      </p:sp>
     </p:spTree>
     <p:extLst>
       <p:ext uri="{BB962C8B-B14F-4D97-AF65-F5344CB8AC3E}">
         <p14:creationId xmlns:p14="http://schemas.microsoft.com/office/powerpoint/2010/main" val="261330911"/>
-      </p:ext>
-    </p:extLst>
-  </p:cSld>
-  <p:clrMapOvr>
-    <a:masterClrMapping/>
-  </p:clrMapOvr>
-</p:sld>
-</file>
-
-<file path=ppt/slides/slide8.xml><?xml version="1.0" encoding="utf-8"?>
-<p:sld xmlns:a="http://schemas.openxmlformats.org/drawingml/2006/main" xmlns:r="http://schemas.openxmlformats.org/officeDocument/2006/relationships" xmlns:p="http://schemas.openxmlformats.org/presentationml/2006/main">
-  <p:cSld>
-    <p:spTree>
-      <p:nvGrpSpPr>
-        <p:cNvPr id="1" name=""/>
-        <p:cNvGrpSpPr/>
-        <p:nvPr/>
-      </p:nvGrpSpPr>
-      <p:grpSpPr>
-        <a:xfrm>
-          <a:off x="0" y="0"/>
-          <a:ext cx="0" cy="0"/>
-          <a:chOff x="0" y="0"/>
-          <a:chExt cx="0" cy="0"/>
-        </a:xfrm>
-      </p:grpSpPr>
-      <p:sp>
-        <p:nvSpPr>
-          <p:cNvPr id="2" name="Titel 1">
-            <a:extLst>
-              <a:ext uri="{FF2B5EF4-FFF2-40B4-BE49-F238E27FC236}">
-                <a16:creationId xmlns:a16="http://schemas.microsoft.com/office/drawing/2014/main" id="{0A6590B8-CB15-40BD-8527-4CE9FDFCAE07}"/>
-              </a:ext>
-            </a:extLst>
-          </p:cNvPr>
-          <p:cNvSpPr>
-            <a:spLocks noGrp="1"/>
-          </p:cNvSpPr>
-          <p:nvPr>
-            <p:ph type="title"/>
-          </p:nvPr>
-        </p:nvSpPr>
-        <p:spPr/>
-        <p:txBody>
-          <a:bodyPr/>
-          <a:lstStyle/>
-          <a:p>
-            <a:r>
-              <a:rPr lang="de-DE" dirty="0"/>
-              <a:t>Verkehrszeichenerkennung</a:t>
-            </a:r>
-          </a:p>
-        </p:txBody>
-      </p:sp>
-      <p:sp>
-        <p:nvSpPr>
-          <p:cNvPr id="3" name="Inhaltsplatzhalter 2">
-            <a:extLst>
-              <a:ext uri="{FF2B5EF4-FFF2-40B4-BE49-F238E27FC236}">
-                <a16:creationId xmlns:a16="http://schemas.microsoft.com/office/drawing/2014/main" id="{031E4C5A-4DB4-4D93-A9A9-7951693ABB73}"/>
-              </a:ext>
-            </a:extLst>
-          </p:cNvPr>
-          <p:cNvSpPr>
-            <a:spLocks noGrp="1"/>
-          </p:cNvSpPr>
-          <p:nvPr>
-            <p:ph idx="1"/>
-          </p:nvPr>
-        </p:nvSpPr>
-        <p:spPr/>
-        <p:txBody>
-          <a:bodyPr/>
-          <a:lstStyle/>
-          <a:p>
-            <a:r>
-              <a:rPr lang="de-DE" dirty="0"/>
-              <a:t>Umwandlung in den HSL-Farbraum</a:t>
-            </a:r>
-          </a:p>
-          <a:p>
-            <a:r>
-              <a:rPr lang="de-DE" dirty="0"/>
-              <a:t>Auswahl des Farbspektrums (für rot, blau und gelb)</a:t>
-            </a:r>
-          </a:p>
-          <a:p>
-            <a:r>
-              <a:rPr lang="de-DE" dirty="0"/>
-              <a:t>Ausschneiden von relevanten Bereichen </a:t>
-            </a:r>
-          </a:p>
-        </p:txBody>
-      </p:sp>
-    </p:spTree>
-    <p:extLst>
-      <p:ext uri="{BB962C8B-B14F-4D97-AF65-F5344CB8AC3E}">
-        <p14:creationId xmlns:p14="http://schemas.microsoft.com/office/powerpoint/2010/main" val="3535662410"/>
       </p:ext>
     </p:extLst>
   </p:cSld>
@@ -10211,7 +14787,7 @@
           <p:cNvPr id="2" name="Titel 1">
             <a:extLst>
               <a:ext uri="{FF2B5EF4-FFF2-40B4-BE49-F238E27FC236}">
-                <a16:creationId xmlns:a16="http://schemas.microsoft.com/office/drawing/2014/main" id="{A146AC41-61A8-4F24-81F7-9EC71CC16C85}"/>
+                <a16:creationId xmlns:a16="http://schemas.microsoft.com/office/drawing/2014/main" id="{0A6590B8-CB15-40BD-8527-4CE9FDFCAE07}"/>
               </a:ext>
             </a:extLst>
           </p:cNvPr>
@@ -10239,7 +14815,7 @@
           <p:cNvPr id="3" name="Inhaltsplatzhalter 2">
             <a:extLst>
               <a:ext uri="{FF2B5EF4-FFF2-40B4-BE49-F238E27FC236}">
-                <a16:creationId xmlns:a16="http://schemas.microsoft.com/office/drawing/2014/main" id="{07A0440C-1332-4AD0-AAB0-FB109286FF5F}"/>
+                <a16:creationId xmlns:a16="http://schemas.microsoft.com/office/drawing/2014/main" id="{031E4C5A-4DB4-4D93-A9A9-7951693ABB73}"/>
               </a:ext>
             </a:extLst>
           </p:cNvPr>
@@ -10250,34 +14826,144 @@
             <p:ph idx="1"/>
           </p:nvPr>
         </p:nvSpPr>
-        <p:spPr/>
+        <p:spPr>
+          <a:xfrm>
+            <a:off x="1484310" y="2666999"/>
+            <a:ext cx="5628759" cy="3124201"/>
+          </a:xfrm>
+        </p:spPr>
         <p:txBody>
           <a:bodyPr/>
           <a:lstStyle/>
           <a:p>
             <a:r>
               <a:rPr lang="de-DE" dirty="0"/>
-              <a:t>Überprüfen der Größe</a:t>
+              <a:t>Umwandlung in den HSL-Farbraum</a:t>
             </a:r>
           </a:p>
           <a:p>
             <a:r>
               <a:rPr lang="de-DE" dirty="0"/>
-              <a:t>Schild aus dem Ausschnitt mit Deep Learning Model erkennen</a:t>
-            </a:r>
-          </a:p>
-          <a:p>
-            <a:r>
+              <a:t>Auswahl des Farbspektrums </a:t>
+            </a:r>
+            <a:br>
               <a:rPr lang="de-DE" dirty="0"/>
-              <a:t>Wiedergabe der Verhaltensempfehlung</a:t>
+            </a:br>
+            <a:r>
+              <a:rPr lang="de-DE" dirty="0"/>
+              <a:t>(für rot, blau und gelb)</a:t>
+            </a:r>
+          </a:p>
+          <a:p>
+            <a:r>
+              <a:rPr lang="de-DE" dirty="0"/>
+              <a:t>Ausschneiden von relevanten Bereichen </a:t>
             </a:r>
           </a:p>
         </p:txBody>
       </p:sp>
+      <p:sp>
+        <p:nvSpPr>
+          <p:cNvPr id="5" name="Rechteck 4" descr="Auge">
+            <a:extLst>
+              <a:ext uri="{FF2B5EF4-FFF2-40B4-BE49-F238E27FC236}">
+                <a16:creationId xmlns:a16="http://schemas.microsoft.com/office/drawing/2014/main" id="{1A8E1FEE-319D-4C47-84B4-DA0910212ECD}"/>
+              </a:ext>
+            </a:extLst>
+          </p:cNvPr>
+          <p:cNvSpPr/>
+          <p:nvPr/>
+        </p:nvSpPr>
+        <p:spPr>
+          <a:xfrm>
+            <a:off x="1484310" y="1378092"/>
+            <a:ext cx="438473" cy="433930"/>
+          </a:xfrm>
+          <a:prstGeom prst="rect">
+            <a:avLst/>
+          </a:prstGeom>
+          <a:blipFill>
+            <a:blip r:embed="rId2">
+              <a:extLst>
+                <a:ext uri="{28A0092B-C50C-407E-A947-70E740481C1C}">
+                  <a14:useLocalDpi xmlns:a14="http://schemas.microsoft.com/office/drawing/2010/main" val="0"/>
+                </a:ext>
+                <a:ext uri="{96DAC541-7B7A-43D3-8B79-37D633B846F1}">
+                  <asvg:svgBlip xmlns:asvg="http://schemas.microsoft.com/office/drawing/2016/SVG/main" r:embed="rId3"/>
+                </a:ext>
+              </a:extLst>
+            </a:blip>
+            <a:stretch>
+              <a:fillRect/>
+            </a:stretch>
+          </a:blipFill>
+        </p:spPr>
+        <p:style>
+          <a:lnRef idx="2">
+            <a:schemeClr val="lt1">
+              <a:alpha val="0"/>
+              <a:hueOff val="0"/>
+              <a:satOff val="0"/>
+              <a:lumOff val="0"/>
+              <a:alphaOff val="0"/>
+            </a:schemeClr>
+          </a:lnRef>
+          <a:fillRef idx="1">
+            <a:scrgbClr r="0" g="0" b="0"/>
+          </a:fillRef>
+          <a:effectRef idx="0">
+            <a:schemeClr val="accent1">
+              <a:hueOff val="0"/>
+              <a:satOff val="0"/>
+              <a:lumOff val="0"/>
+              <a:alphaOff val="0"/>
+            </a:schemeClr>
+          </a:effectRef>
+          <a:fontRef idx="minor">
+            <a:schemeClr val="lt1"/>
+          </a:fontRef>
+        </p:style>
+      </p:sp>
+      <p:pic>
+        <p:nvPicPr>
+          <p:cNvPr id="7" name="Grafik 6" descr="Ein Bild, das draußen, Haus, Gebäude, Straße enthält.&#10;&#10;Automatisch generierte Beschreibung">
+            <a:extLst>
+              <a:ext uri="{FF2B5EF4-FFF2-40B4-BE49-F238E27FC236}">
+                <a16:creationId xmlns:a16="http://schemas.microsoft.com/office/drawing/2014/main" id="{3A068AD1-54FA-49C5-9ADC-042A470D855B}"/>
+              </a:ext>
+            </a:extLst>
+          </p:cNvPr>
+          <p:cNvPicPr>
+            <a:picLocks noChangeAspect="1"/>
+          </p:cNvPicPr>
+          <p:nvPr/>
+        </p:nvPicPr>
+        <p:blipFill>
+          <a:blip r:embed="rId4">
+            <a:extLst>
+              <a:ext uri="{28A0092B-C50C-407E-A947-70E740481C1C}">
+                <a14:useLocalDpi xmlns:a14="http://schemas.microsoft.com/office/drawing/2010/main" val="0"/>
+              </a:ext>
+            </a:extLst>
+          </a:blip>
+          <a:stretch>
+            <a:fillRect/>
+          </a:stretch>
+        </p:blipFill>
+        <p:spPr>
+          <a:xfrm>
+            <a:off x="6900779" y="2367816"/>
+            <a:ext cx="4851668" cy="3638752"/>
+          </a:xfrm>
+          <a:prstGeom prst="rect">
+            <a:avLst/>
+          </a:prstGeom>
+        </p:spPr>
+      </p:pic>
     </p:spTree>
     <p:extLst>
       <p:ext uri="{BB962C8B-B14F-4D97-AF65-F5344CB8AC3E}">
-        <p14:creationId xmlns:p14="http://schemas.microsoft.com/office/powerpoint/2010/main" val="348915237"/>
+        <p14:creationId xmlns:p14="http://schemas.microsoft.com/office/powerpoint/2010/main" val="3535662410"/>
       </p:ext>
     </p:extLst>
   </p:cSld>

--- a/Praesentation_medienverarbeitung.pptx
+++ b/Praesentation_medienverarbeitung.pptx
@@ -11,20 +11,21 @@
     <p:sldId id="266" r:id="rId5"/>
     <p:sldId id="265" r:id="rId6"/>
     <p:sldId id="276" r:id="rId7"/>
-    <p:sldId id="267" r:id="rId8"/>
-    <p:sldId id="275" r:id="rId9"/>
-    <p:sldId id="269" r:id="rId10"/>
-    <p:sldId id="273" r:id="rId11"/>
-    <p:sldId id="271" r:id="rId12"/>
-    <p:sldId id="270" r:id="rId13"/>
-    <p:sldId id="274" r:id="rId14"/>
-    <p:sldId id="264" r:id="rId15"/>
-    <p:sldId id="259" r:id="rId16"/>
-    <p:sldId id="260" r:id="rId17"/>
-    <p:sldId id="261" r:id="rId18"/>
-    <p:sldId id="262" r:id="rId19"/>
-    <p:sldId id="263" r:id="rId20"/>
-    <p:sldId id="272" r:id="rId21"/>
+    <p:sldId id="269" r:id="rId8"/>
+    <p:sldId id="277" r:id="rId9"/>
+    <p:sldId id="267" r:id="rId10"/>
+    <p:sldId id="275" r:id="rId11"/>
+    <p:sldId id="273" r:id="rId12"/>
+    <p:sldId id="271" r:id="rId13"/>
+    <p:sldId id="270" r:id="rId14"/>
+    <p:sldId id="274" r:id="rId15"/>
+    <p:sldId id="264" r:id="rId16"/>
+    <p:sldId id="259" r:id="rId17"/>
+    <p:sldId id="260" r:id="rId18"/>
+    <p:sldId id="261" r:id="rId19"/>
+    <p:sldId id="262" r:id="rId20"/>
+    <p:sldId id="263" r:id="rId21"/>
+    <p:sldId id="272" r:id="rId22"/>
   </p:sldIdLst>
   <p:sldSz cx="12192000" cy="6858000"/>
   <p:notesSz cx="6858000" cy="9144000"/>
@@ -4485,7 +4486,7 @@
           <a:p>
             <a:fld id="{A995CB1A-F595-495A-AA84-585A17DCCD76}" type="datetimeFigureOut">
               <a:rPr lang="de-DE" smtClean="0"/>
-              <a:t>20.01.2020</a:t>
+              <a:t>27.01.2020</a:t>
             </a:fld>
             <a:endParaRPr lang="de-DE"/>
           </a:p>
@@ -4781,7 +4782,7 @@
           <a:p>
             <a:fld id="{A995CB1A-F595-495A-AA84-585A17DCCD76}" type="datetimeFigureOut">
               <a:rPr lang="de-DE" smtClean="0"/>
-              <a:t>20.01.2020</a:t>
+              <a:t>27.01.2020</a:t>
             </a:fld>
             <a:endParaRPr lang="de-DE"/>
           </a:p>
@@ -5029,7 +5030,7 @@
           <a:p>
             <a:fld id="{A995CB1A-F595-495A-AA84-585A17DCCD76}" type="datetimeFigureOut">
               <a:rPr lang="de-DE" smtClean="0"/>
-              <a:t>20.01.2020</a:t>
+              <a:t>27.01.2020</a:t>
             </a:fld>
             <a:endParaRPr lang="de-DE"/>
           </a:p>
@@ -5569,7 +5570,7 @@
           <a:p>
             <a:fld id="{A995CB1A-F595-495A-AA84-585A17DCCD76}" type="datetimeFigureOut">
               <a:rPr lang="de-DE" smtClean="0"/>
-              <a:t>20.01.2020</a:t>
+              <a:t>27.01.2020</a:t>
             </a:fld>
             <a:endParaRPr lang="de-DE"/>
           </a:p>
@@ -5817,7 +5818,7 @@
           <a:p>
             <a:fld id="{A995CB1A-F595-495A-AA84-585A17DCCD76}" type="datetimeFigureOut">
               <a:rPr lang="de-DE" smtClean="0"/>
-              <a:t>20.01.2020</a:t>
+              <a:t>27.01.2020</a:t>
             </a:fld>
             <a:endParaRPr lang="de-DE"/>
           </a:p>
@@ -6349,7 +6350,7 @@
           <a:p>
             <a:fld id="{A995CB1A-F595-495A-AA84-585A17DCCD76}" type="datetimeFigureOut">
               <a:rPr lang="de-DE" smtClean="0"/>
-              <a:t>20.01.2020</a:t>
+              <a:t>27.01.2020</a:t>
             </a:fld>
             <a:endParaRPr lang="de-DE"/>
           </a:p>
@@ -6646,7 +6647,7 @@
           <a:p>
             <a:fld id="{A995CB1A-F595-495A-AA84-585A17DCCD76}" type="datetimeFigureOut">
               <a:rPr lang="de-DE" smtClean="0"/>
-              <a:t>20.01.2020</a:t>
+              <a:t>27.01.2020</a:t>
             </a:fld>
             <a:endParaRPr lang="de-DE"/>
           </a:p>
@@ -6820,7 +6821,7 @@
           <a:p>
             <a:fld id="{A995CB1A-F595-495A-AA84-585A17DCCD76}" type="datetimeFigureOut">
               <a:rPr lang="de-DE" smtClean="0"/>
-              <a:t>20.01.2020</a:t>
+              <a:t>27.01.2020</a:t>
             </a:fld>
             <a:endParaRPr lang="de-DE"/>
           </a:p>
@@ -7000,7 +7001,7 @@
           <a:p>
             <a:fld id="{A995CB1A-F595-495A-AA84-585A17DCCD76}" type="datetimeFigureOut">
               <a:rPr lang="de-DE" smtClean="0"/>
-              <a:t>20.01.2020</a:t>
+              <a:t>27.01.2020</a:t>
             </a:fld>
             <a:endParaRPr lang="de-DE"/>
           </a:p>
@@ -7170,7 +7171,7 @@
           <a:p>
             <a:fld id="{A995CB1A-F595-495A-AA84-585A17DCCD76}" type="datetimeFigureOut">
               <a:rPr lang="de-DE" smtClean="0"/>
-              <a:t>20.01.2020</a:t>
+              <a:t>27.01.2020</a:t>
             </a:fld>
             <a:endParaRPr lang="de-DE"/>
           </a:p>
@@ -7421,7 +7422,7 @@
           <a:p>
             <a:fld id="{A995CB1A-F595-495A-AA84-585A17DCCD76}" type="datetimeFigureOut">
               <a:rPr lang="de-DE" smtClean="0"/>
-              <a:t>20.01.2020</a:t>
+              <a:t>27.01.2020</a:t>
             </a:fld>
             <a:endParaRPr lang="de-DE"/>
           </a:p>
@@ -7718,7 +7719,7 @@
           <a:p>
             <a:fld id="{A995CB1A-F595-495A-AA84-585A17DCCD76}" type="datetimeFigureOut">
               <a:rPr lang="de-DE" smtClean="0"/>
-              <a:t>20.01.2020</a:t>
+              <a:t>27.01.2020</a:t>
             </a:fld>
             <a:endParaRPr lang="de-DE"/>
           </a:p>
@@ -8165,7 +8166,7 @@
           <a:p>
             <a:fld id="{A995CB1A-F595-495A-AA84-585A17DCCD76}" type="datetimeFigureOut">
               <a:rPr lang="de-DE" smtClean="0"/>
-              <a:t>20.01.2020</a:t>
+              <a:t>27.01.2020</a:t>
             </a:fld>
             <a:endParaRPr lang="de-DE"/>
           </a:p>
@@ -8288,7 +8289,7 @@
           <a:p>
             <a:fld id="{A995CB1A-F595-495A-AA84-585A17DCCD76}" type="datetimeFigureOut">
               <a:rPr lang="de-DE" smtClean="0"/>
-              <a:t>20.01.2020</a:t>
+              <a:t>27.01.2020</a:t>
             </a:fld>
             <a:endParaRPr lang="de-DE"/>
           </a:p>
@@ -8383,7 +8384,7 @@
           <a:p>
             <a:fld id="{A995CB1A-F595-495A-AA84-585A17DCCD76}" type="datetimeFigureOut">
               <a:rPr lang="de-DE" smtClean="0"/>
-              <a:t>20.01.2020</a:t>
+              <a:t>27.01.2020</a:t>
             </a:fld>
             <a:endParaRPr lang="de-DE"/>
           </a:p>
@@ -8666,7 +8667,7 @@
           <a:p>
             <a:fld id="{A995CB1A-F595-495A-AA84-585A17DCCD76}" type="datetimeFigureOut">
               <a:rPr lang="de-DE" smtClean="0"/>
-              <a:t>20.01.2020</a:t>
+              <a:t>27.01.2020</a:t>
             </a:fld>
             <a:endParaRPr lang="de-DE"/>
           </a:p>
@@ -8962,7 +8963,7 @@
           <a:p>
             <a:fld id="{A995CB1A-F595-495A-AA84-585A17DCCD76}" type="datetimeFigureOut">
               <a:rPr lang="de-DE" smtClean="0"/>
-              <a:t>20.01.2020</a:t>
+              <a:t>27.01.2020</a:t>
             </a:fld>
             <a:endParaRPr lang="de-DE"/>
           </a:p>
@@ -9492,7 +9493,7 @@
           <a:p>
             <a:fld id="{A995CB1A-F595-495A-AA84-585A17DCCD76}" type="datetimeFigureOut">
               <a:rPr lang="de-DE" smtClean="0"/>
-              <a:t>20.01.2020</a:t>
+              <a:t>27.01.2020</a:t>
             </a:fld>
             <a:endParaRPr lang="de-DE"/>
           </a:p>
@@ -10556,3956 +10557,6 @@
           <p:cNvPr id="2" name="Titel 1">
             <a:extLst>
               <a:ext uri="{FF2B5EF4-FFF2-40B4-BE49-F238E27FC236}">
-                <a16:creationId xmlns:a16="http://schemas.microsoft.com/office/drawing/2014/main" id="{A146AC41-61A8-4F24-81F7-9EC71CC16C85}"/>
-              </a:ext>
-            </a:extLst>
-          </p:cNvPr>
-          <p:cNvSpPr>
-            <a:spLocks noGrp="1"/>
-          </p:cNvSpPr>
-          <p:nvPr>
-            <p:ph type="title"/>
-          </p:nvPr>
-        </p:nvSpPr>
-        <p:spPr/>
-        <p:txBody>
-          <a:bodyPr/>
-          <a:lstStyle/>
-          <a:p>
-            <a:r>
-              <a:rPr lang="de-DE" dirty="0"/>
-              <a:t>Verkehrszeichenerkennung</a:t>
-            </a:r>
-          </a:p>
-        </p:txBody>
-      </p:sp>
-      <p:sp>
-        <p:nvSpPr>
-          <p:cNvPr id="3" name="Inhaltsplatzhalter 2">
-            <a:extLst>
-              <a:ext uri="{FF2B5EF4-FFF2-40B4-BE49-F238E27FC236}">
-                <a16:creationId xmlns:a16="http://schemas.microsoft.com/office/drawing/2014/main" id="{07A0440C-1332-4AD0-AAB0-FB109286FF5F}"/>
-              </a:ext>
-            </a:extLst>
-          </p:cNvPr>
-          <p:cNvSpPr>
-            <a:spLocks noGrp="1"/>
-          </p:cNvSpPr>
-          <p:nvPr>
-            <p:ph idx="1"/>
-          </p:nvPr>
-        </p:nvSpPr>
-        <p:spPr>
-          <a:xfrm>
-            <a:off x="1484311" y="2666999"/>
-            <a:ext cx="9151606" cy="3124201"/>
-          </a:xfrm>
-        </p:spPr>
-        <p:txBody>
-          <a:bodyPr/>
-          <a:lstStyle/>
-          <a:p>
-            <a:r>
-              <a:rPr lang="de-DE" dirty="0"/>
-              <a:t>Überprüfen der Größe</a:t>
-            </a:r>
-          </a:p>
-          <a:p>
-            <a:r>
-              <a:rPr lang="de-DE" dirty="0"/>
-              <a:t>Schild aus dem Ausschnitt mit Deep Learning Model erkennen</a:t>
-            </a:r>
-          </a:p>
-          <a:p>
-            <a:r>
-              <a:rPr lang="de-DE" dirty="0"/>
-              <a:t>Wiedergabe der Verhaltensempfehlung</a:t>
-            </a:r>
-          </a:p>
-        </p:txBody>
-      </p:sp>
-      <p:sp>
-        <p:nvSpPr>
-          <p:cNvPr id="4" name="Rechteck 3" descr="&quot;Daumen hoch&quot;-Zeichen">
-            <a:extLst>
-              <a:ext uri="{FF2B5EF4-FFF2-40B4-BE49-F238E27FC236}">
-                <a16:creationId xmlns:a16="http://schemas.microsoft.com/office/drawing/2014/main" id="{7656D1F3-02BB-4FA0-A058-997DA9FA519C}"/>
-              </a:ext>
-            </a:extLst>
-          </p:cNvPr>
-          <p:cNvSpPr/>
-          <p:nvPr/>
-        </p:nvSpPr>
-        <p:spPr>
-          <a:xfrm>
-            <a:off x="1484310" y="1378092"/>
-            <a:ext cx="438473" cy="433930"/>
-          </a:xfrm>
-          <a:prstGeom prst="rect">
-            <a:avLst/>
-          </a:prstGeom>
-          <a:blipFill>
-            <a:blip r:embed="rId2">
-              <a:extLst>
-                <a:ext uri="{28A0092B-C50C-407E-A947-70E740481C1C}">
-                  <a14:useLocalDpi xmlns:a14="http://schemas.microsoft.com/office/drawing/2010/main" val="0"/>
-                </a:ext>
-                <a:ext uri="{96DAC541-7B7A-43D3-8B79-37D633B846F1}">
-                  <asvg:svgBlip xmlns:asvg="http://schemas.microsoft.com/office/drawing/2016/SVG/main" r:embed="rId3"/>
-                </a:ext>
-              </a:extLst>
-            </a:blip>
-            <a:stretch>
-              <a:fillRect/>
-            </a:stretch>
-          </a:blipFill>
-        </p:spPr>
-        <p:style>
-          <a:lnRef idx="2">
-            <a:schemeClr val="lt1">
-              <a:alpha val="0"/>
-              <a:hueOff val="0"/>
-              <a:satOff val="0"/>
-              <a:lumOff val="0"/>
-              <a:alphaOff val="0"/>
-            </a:schemeClr>
-          </a:lnRef>
-          <a:fillRef idx="1">
-            <a:scrgbClr r="0" g="0" b="0"/>
-          </a:fillRef>
-          <a:effectRef idx="0">
-            <a:schemeClr val="accent1">
-              <a:hueOff val="0"/>
-              <a:satOff val="0"/>
-              <a:lumOff val="0"/>
-              <a:alphaOff val="0"/>
-            </a:schemeClr>
-          </a:effectRef>
-          <a:fontRef idx="minor">
-            <a:schemeClr val="lt1"/>
-          </a:fontRef>
-        </p:style>
-      </p:sp>
-    </p:spTree>
-    <p:extLst>
-      <p:ext uri="{BB962C8B-B14F-4D97-AF65-F5344CB8AC3E}">
-        <p14:creationId xmlns:p14="http://schemas.microsoft.com/office/powerpoint/2010/main" val="348915237"/>
-      </p:ext>
-    </p:extLst>
-  </p:cSld>
-  <p:clrMapOvr>
-    <a:masterClrMapping/>
-  </p:clrMapOvr>
-</p:sld>
-</file>
-
-<file path=ppt/slides/slide11.xml><?xml version="1.0" encoding="utf-8"?>
-<p:sld xmlns:a="http://schemas.openxmlformats.org/drawingml/2006/main" xmlns:r="http://schemas.openxmlformats.org/officeDocument/2006/relationships" xmlns:p="http://schemas.openxmlformats.org/presentationml/2006/main">
-  <p:cSld>
-    <p:spTree>
-      <p:nvGrpSpPr>
-        <p:cNvPr id="1" name=""/>
-        <p:cNvGrpSpPr/>
-        <p:nvPr/>
-      </p:nvGrpSpPr>
-      <p:grpSpPr>
-        <a:xfrm>
-          <a:off x="0" y="0"/>
-          <a:ext cx="0" cy="0"/>
-          <a:chOff x="0" y="0"/>
-          <a:chExt cx="0" cy="0"/>
-        </a:xfrm>
-      </p:grpSpPr>
-      <p:sp>
-        <p:nvSpPr>
-          <p:cNvPr id="2" name="Titel 1">
-            <a:extLst>
-              <a:ext uri="{FF2B5EF4-FFF2-40B4-BE49-F238E27FC236}">
-                <a16:creationId xmlns:a16="http://schemas.microsoft.com/office/drawing/2014/main" id="{7FE90F2E-F964-480E-8F41-D669EC92B9FE}"/>
-              </a:ext>
-            </a:extLst>
-          </p:cNvPr>
-          <p:cNvSpPr>
-            <a:spLocks noGrp="1"/>
-          </p:cNvSpPr>
-          <p:nvPr>
-            <p:ph type="title"/>
-          </p:nvPr>
-        </p:nvSpPr>
-        <p:spPr/>
-        <p:txBody>
-          <a:bodyPr/>
-          <a:lstStyle/>
-          <a:p>
-            <a:r>
-              <a:rPr lang="de-DE" dirty="0"/>
-              <a:t>Ergebnispräsentation</a:t>
-            </a:r>
-          </a:p>
-        </p:txBody>
-      </p:sp>
-      <p:sp>
-        <p:nvSpPr>
-          <p:cNvPr id="3" name="Inhaltsplatzhalter 2">
-            <a:extLst>
-              <a:ext uri="{FF2B5EF4-FFF2-40B4-BE49-F238E27FC236}">
-                <a16:creationId xmlns:a16="http://schemas.microsoft.com/office/drawing/2014/main" id="{2D7CC4CA-FBAC-4240-A605-6D6DFE62CC89}"/>
-              </a:ext>
-            </a:extLst>
-          </p:cNvPr>
-          <p:cNvSpPr>
-            <a:spLocks noGrp="1"/>
-          </p:cNvSpPr>
-          <p:nvPr>
-            <p:ph idx="1"/>
-          </p:nvPr>
-        </p:nvSpPr>
-        <p:spPr/>
-        <p:txBody>
-          <a:bodyPr/>
-          <a:lstStyle/>
-          <a:p>
-            <a:r>
-              <a:rPr lang="de-DE" dirty="0"/>
-              <a:t>Ihnen wird jetzt die Demo präsentiert.</a:t>
-            </a:r>
-          </a:p>
-        </p:txBody>
-      </p:sp>
-      <p:sp>
-        <p:nvSpPr>
-          <p:cNvPr id="4" name="Rechteck 3" descr="Benutzer">
-            <a:extLst>
-              <a:ext uri="{FF2B5EF4-FFF2-40B4-BE49-F238E27FC236}">
-                <a16:creationId xmlns:a16="http://schemas.microsoft.com/office/drawing/2014/main" id="{BAE6F380-5B0B-427A-B9C7-72786A7F5C3C}"/>
-              </a:ext>
-            </a:extLst>
-          </p:cNvPr>
-          <p:cNvSpPr/>
-          <p:nvPr/>
-        </p:nvSpPr>
-        <p:spPr>
-          <a:xfrm>
-            <a:off x="1484310" y="1378092"/>
-            <a:ext cx="438473" cy="433930"/>
-          </a:xfrm>
-          <a:prstGeom prst="rect">
-            <a:avLst/>
-          </a:prstGeom>
-          <a:blipFill>
-            <a:blip r:embed="rId2">
-              <a:extLst>
-                <a:ext uri="{28A0092B-C50C-407E-A947-70E740481C1C}">
-                  <a14:useLocalDpi xmlns:a14="http://schemas.microsoft.com/office/drawing/2010/main" val="0"/>
-                </a:ext>
-                <a:ext uri="{96DAC541-7B7A-43D3-8B79-37D633B846F1}">
-                  <asvg:svgBlip xmlns:asvg="http://schemas.microsoft.com/office/drawing/2016/SVG/main" r:embed="rId3"/>
-                </a:ext>
-              </a:extLst>
-            </a:blip>
-            <a:stretch>
-              <a:fillRect/>
-            </a:stretch>
-          </a:blipFill>
-        </p:spPr>
-        <p:style>
-          <a:lnRef idx="2">
-            <a:schemeClr val="lt1">
-              <a:alpha val="0"/>
-              <a:hueOff val="0"/>
-              <a:satOff val="0"/>
-              <a:lumOff val="0"/>
-              <a:alphaOff val="0"/>
-            </a:schemeClr>
-          </a:lnRef>
-          <a:fillRef idx="1">
-            <a:scrgbClr r="0" g="0" b="0"/>
-          </a:fillRef>
-          <a:effectRef idx="0">
-            <a:schemeClr val="accent1">
-              <a:hueOff val="0"/>
-              <a:satOff val="0"/>
-              <a:lumOff val="0"/>
-              <a:alphaOff val="0"/>
-            </a:schemeClr>
-          </a:effectRef>
-          <a:fontRef idx="minor">
-            <a:schemeClr val="lt1"/>
-          </a:fontRef>
-        </p:style>
-      </p:sp>
-    </p:spTree>
-    <p:extLst>
-      <p:ext uri="{BB962C8B-B14F-4D97-AF65-F5344CB8AC3E}">
-        <p14:creationId xmlns:p14="http://schemas.microsoft.com/office/powerpoint/2010/main" val="4036137505"/>
-      </p:ext>
-    </p:extLst>
-  </p:cSld>
-  <p:clrMapOvr>
-    <a:masterClrMapping/>
-  </p:clrMapOvr>
-</p:sld>
-</file>
-
-<file path=ppt/slides/slide12.xml><?xml version="1.0" encoding="utf-8"?>
-<p:sld xmlns:a="http://schemas.openxmlformats.org/drawingml/2006/main" xmlns:r="http://schemas.openxmlformats.org/officeDocument/2006/relationships" xmlns:p="http://schemas.openxmlformats.org/presentationml/2006/main">
-  <p:cSld>
-    <p:spTree>
-      <p:nvGrpSpPr>
-        <p:cNvPr id="1" name=""/>
-        <p:cNvGrpSpPr/>
-        <p:nvPr/>
-      </p:nvGrpSpPr>
-      <p:grpSpPr>
-        <a:xfrm>
-          <a:off x="0" y="0"/>
-          <a:ext cx="0" cy="0"/>
-          <a:chOff x="0" y="0"/>
-          <a:chExt cx="0" cy="0"/>
-        </a:xfrm>
-      </p:grpSpPr>
-      <p:sp>
-        <p:nvSpPr>
-          <p:cNvPr id="2" name="Titel 1">
-            <a:extLst>
-              <a:ext uri="{FF2B5EF4-FFF2-40B4-BE49-F238E27FC236}">
-                <a16:creationId xmlns:a16="http://schemas.microsoft.com/office/drawing/2014/main" id="{168BD265-B5FC-4B19-8C9C-C082365DC2B8}"/>
-              </a:ext>
-            </a:extLst>
-          </p:cNvPr>
-          <p:cNvSpPr>
-            <a:spLocks noGrp="1"/>
-          </p:cNvSpPr>
-          <p:nvPr>
-            <p:ph type="title"/>
-          </p:nvPr>
-        </p:nvSpPr>
-        <p:spPr/>
-        <p:txBody>
-          <a:bodyPr/>
-          <a:lstStyle/>
-          <a:p>
-            <a:r>
-              <a:rPr lang="de-DE" dirty="0"/>
-              <a:t>Fazit</a:t>
-            </a:r>
-          </a:p>
-        </p:txBody>
-      </p:sp>
-      <p:sp>
-        <p:nvSpPr>
-          <p:cNvPr id="3" name="Inhaltsplatzhalter 2">
-            <a:extLst>
-              <a:ext uri="{FF2B5EF4-FFF2-40B4-BE49-F238E27FC236}">
-                <a16:creationId xmlns:a16="http://schemas.microsoft.com/office/drawing/2014/main" id="{DB4CD382-9918-46D0-8053-FA2132838475}"/>
-              </a:ext>
-            </a:extLst>
-          </p:cNvPr>
-          <p:cNvSpPr>
-            <a:spLocks noGrp="1"/>
-          </p:cNvSpPr>
-          <p:nvPr>
-            <p:ph idx="1"/>
-          </p:nvPr>
-        </p:nvSpPr>
-        <p:spPr/>
-        <p:txBody>
-          <a:bodyPr/>
-          <a:lstStyle/>
-          <a:p>
-            <a:r>
-              <a:rPr lang="de-DE" dirty="0"/>
-              <a:t>Erkennung von Bildern unter erschwerten Bedingungen fehleranfällig</a:t>
-            </a:r>
-          </a:p>
-          <a:p>
-            <a:r>
-              <a:rPr lang="de-DE" dirty="0"/>
-              <a:t>Hintergründe manchmal schwierig zu unterscheiden</a:t>
-            </a:r>
-          </a:p>
-          <a:p>
-            <a:r>
-              <a:rPr lang="de-DE" dirty="0"/>
-              <a:t>Grundlegende Bilder werden richtig erkannt</a:t>
-            </a:r>
-          </a:p>
-        </p:txBody>
-      </p:sp>
-    </p:spTree>
-    <p:extLst>
-      <p:ext uri="{BB962C8B-B14F-4D97-AF65-F5344CB8AC3E}">
-        <p14:creationId xmlns:p14="http://schemas.microsoft.com/office/powerpoint/2010/main" val="2229311365"/>
-      </p:ext>
-    </p:extLst>
-  </p:cSld>
-  <p:clrMapOvr>
-    <a:masterClrMapping/>
-  </p:clrMapOvr>
-</p:sld>
-</file>
-
-<file path=ppt/slides/slide13.xml><?xml version="1.0" encoding="utf-8"?>
-<p:sld xmlns:a="http://schemas.openxmlformats.org/drawingml/2006/main" xmlns:r="http://schemas.openxmlformats.org/officeDocument/2006/relationships" xmlns:p="http://schemas.openxmlformats.org/presentationml/2006/main">
-  <p:cSld>
-    <p:spTree>
-      <p:nvGrpSpPr>
-        <p:cNvPr id="1" name=""/>
-        <p:cNvGrpSpPr/>
-        <p:nvPr/>
-      </p:nvGrpSpPr>
-      <p:grpSpPr>
-        <a:xfrm>
-          <a:off x="0" y="0"/>
-          <a:ext cx="0" cy="0"/>
-          <a:chOff x="0" y="0"/>
-          <a:chExt cx="0" cy="0"/>
-        </a:xfrm>
-      </p:grpSpPr>
-      <p:sp>
-        <p:nvSpPr>
-          <p:cNvPr id="2" name="Titel 1">
-            <a:extLst>
-              <a:ext uri="{FF2B5EF4-FFF2-40B4-BE49-F238E27FC236}">
-                <a16:creationId xmlns:a16="http://schemas.microsoft.com/office/drawing/2014/main" id="{5E32EC49-243F-4B6A-8E43-5BAF850FD636}"/>
-              </a:ext>
-            </a:extLst>
-          </p:cNvPr>
-          <p:cNvSpPr>
-            <a:spLocks noGrp="1"/>
-          </p:cNvSpPr>
-          <p:nvPr>
-            <p:ph type="title"/>
-          </p:nvPr>
-        </p:nvSpPr>
-        <p:spPr/>
-        <p:txBody>
-          <a:bodyPr/>
-          <a:lstStyle/>
-          <a:p>
-            <a:r>
-              <a:rPr lang="de-DE" dirty="0"/>
-              <a:t>Ausblick</a:t>
-            </a:r>
-          </a:p>
-        </p:txBody>
-      </p:sp>
-      <p:sp>
-        <p:nvSpPr>
-          <p:cNvPr id="3" name="Inhaltsplatzhalter 2">
-            <a:extLst>
-              <a:ext uri="{FF2B5EF4-FFF2-40B4-BE49-F238E27FC236}">
-                <a16:creationId xmlns:a16="http://schemas.microsoft.com/office/drawing/2014/main" id="{E81BEE73-2FEC-4AEA-85E7-8F7785AF48B5}"/>
-              </a:ext>
-            </a:extLst>
-          </p:cNvPr>
-          <p:cNvSpPr>
-            <a:spLocks noGrp="1"/>
-          </p:cNvSpPr>
-          <p:nvPr>
-            <p:ph idx="1"/>
-          </p:nvPr>
-        </p:nvSpPr>
-        <p:spPr/>
-        <p:txBody>
-          <a:bodyPr/>
-          <a:lstStyle/>
-          <a:p>
-            <a:r>
-              <a:rPr lang="de-DE" dirty="0"/>
-              <a:t>Applikation mit direkter Analyse (In Arbeit)</a:t>
-            </a:r>
-          </a:p>
-          <a:p>
-            <a:r>
-              <a:rPr lang="de-DE" dirty="0"/>
-              <a:t>Verbesserung der Schilderkennung</a:t>
-            </a:r>
-          </a:p>
-          <a:p>
-            <a:r>
-              <a:rPr lang="de-DE" dirty="0"/>
-              <a:t>Einbeziehen aussortierter Schilder</a:t>
-            </a:r>
-          </a:p>
-          <a:p>
-            <a:r>
-              <a:rPr lang="de-DE" dirty="0"/>
-              <a:t>Erhöhung/Verbesserung der Datenbasis </a:t>
-            </a:r>
-          </a:p>
-        </p:txBody>
-      </p:sp>
-    </p:spTree>
-    <p:extLst>
-      <p:ext uri="{BB962C8B-B14F-4D97-AF65-F5344CB8AC3E}">
-        <p14:creationId xmlns:p14="http://schemas.microsoft.com/office/powerpoint/2010/main" val="3297564891"/>
-      </p:ext>
-    </p:extLst>
-  </p:cSld>
-  <p:clrMapOvr>
-    <a:masterClrMapping/>
-  </p:clrMapOvr>
-</p:sld>
-</file>
-
-<file path=ppt/slides/slide14.xml><?xml version="1.0" encoding="utf-8"?>
-<p:sld xmlns:a="http://schemas.openxmlformats.org/drawingml/2006/main" xmlns:r="http://schemas.openxmlformats.org/officeDocument/2006/relationships" xmlns:p="http://schemas.openxmlformats.org/presentationml/2006/main">
-  <p:cSld>
-    <p:spTree>
-      <p:nvGrpSpPr>
-        <p:cNvPr id="1" name=""/>
-        <p:cNvGrpSpPr/>
-        <p:nvPr/>
-      </p:nvGrpSpPr>
-      <p:grpSpPr>
-        <a:xfrm>
-          <a:off x="0" y="0"/>
-          <a:ext cx="0" cy="0"/>
-          <a:chOff x="0" y="0"/>
-          <a:chExt cx="0" cy="0"/>
-        </a:xfrm>
-      </p:grpSpPr>
-      <p:sp>
-        <p:nvSpPr>
-          <p:cNvPr id="2" name="Titel 1">
-            <a:extLst>
-              <a:ext uri="{FF2B5EF4-FFF2-40B4-BE49-F238E27FC236}">
-                <a16:creationId xmlns:a16="http://schemas.microsoft.com/office/drawing/2014/main" id="{95C39E3E-666C-4BBE-8E97-CC9B0F62C487}"/>
-              </a:ext>
-            </a:extLst>
-          </p:cNvPr>
-          <p:cNvSpPr>
-            <a:spLocks noGrp="1"/>
-          </p:cNvSpPr>
-          <p:nvPr>
-            <p:ph type="title"/>
-          </p:nvPr>
-        </p:nvSpPr>
-        <p:spPr/>
-        <p:txBody>
-          <a:bodyPr/>
-          <a:lstStyle/>
-          <a:p>
-            <a:r>
-              <a:rPr lang="de-DE" dirty="0"/>
-              <a:t>Quellen</a:t>
-            </a:r>
-          </a:p>
-        </p:txBody>
-      </p:sp>
-      <p:sp>
-        <p:nvSpPr>
-          <p:cNvPr id="3" name="Inhaltsplatzhalter 2">
-            <a:extLst>
-              <a:ext uri="{FF2B5EF4-FFF2-40B4-BE49-F238E27FC236}">
-                <a16:creationId xmlns:a16="http://schemas.microsoft.com/office/drawing/2014/main" id="{5D9C4051-44B0-42C9-9355-C452355E9622}"/>
-              </a:ext>
-            </a:extLst>
-          </p:cNvPr>
-          <p:cNvSpPr>
-            <a:spLocks noGrp="1"/>
-          </p:cNvSpPr>
-          <p:nvPr>
-            <p:ph idx="1"/>
-          </p:nvPr>
-        </p:nvSpPr>
-        <p:spPr/>
-        <p:txBody>
-          <a:bodyPr/>
-          <a:lstStyle/>
-          <a:p>
-            <a:r>
-              <a:rPr lang="de-DE" dirty="0"/>
-              <a:t>Statistisches Bundesamt: </a:t>
-            </a:r>
-            <a:r>
-              <a:rPr lang="de-DE" dirty="0">
-                <a:hlinkClick r:id="rId2"/>
-              </a:rPr>
-              <a:t>https://www.destatis.de/DE/Themen/Gesellschaft-Umwelt/Verkehrsunfaelle/Publikationen/Downloads-Verkehrsunfaelle/unfaelle-kinder-5462405187004.pdf?__blob=publicationFile</a:t>
-            </a:r>
-            <a:endParaRPr lang="de-DE" dirty="0"/>
-          </a:p>
-        </p:txBody>
-      </p:sp>
-    </p:spTree>
-    <p:extLst>
-      <p:ext uri="{BB962C8B-B14F-4D97-AF65-F5344CB8AC3E}">
-        <p14:creationId xmlns:p14="http://schemas.microsoft.com/office/powerpoint/2010/main" val="2140367994"/>
-      </p:ext>
-    </p:extLst>
-  </p:cSld>
-  <p:clrMapOvr>
-    <a:masterClrMapping/>
-  </p:clrMapOvr>
-</p:sld>
-</file>
-
-<file path=ppt/slides/slide15.xml><?xml version="1.0" encoding="utf-8"?>
-<p:sld xmlns:a="http://schemas.openxmlformats.org/drawingml/2006/main" xmlns:r="http://schemas.openxmlformats.org/officeDocument/2006/relationships" xmlns:p="http://schemas.openxmlformats.org/presentationml/2006/main">
-  <p:cSld>
-    <p:bg>
-      <p:bgPr>
-        <a:blipFill rotWithShape="1">
-          <a:blip r:embed="rId2">
-            <a:duotone>
-              <a:schemeClr val="bg2">
-                <a:shade val="76000"/>
-                <a:satMod val="180000"/>
-              </a:schemeClr>
-              <a:schemeClr val="bg2">
-                <a:tint val="80000"/>
-                <a:satMod val="120000"/>
-                <a:lumMod val="180000"/>
-              </a:schemeClr>
-            </a:duotone>
-          </a:blip>
-          <a:stretch/>
-        </a:blipFill>
-        <a:effectLst/>
-      </p:bgPr>
-    </p:bg>
-    <p:spTree>
-      <p:nvGrpSpPr>
-        <p:cNvPr id="1" name=""/>
-        <p:cNvGrpSpPr/>
-        <p:nvPr/>
-      </p:nvGrpSpPr>
-      <p:grpSpPr>
-        <a:xfrm>
-          <a:off x="0" y="0"/>
-          <a:ext cx="0" cy="0"/>
-          <a:chOff x="0" y="0"/>
-          <a:chExt cx="0" cy="0"/>
-        </a:xfrm>
-      </p:grpSpPr>
-      <p:sp useBgFill="1">
-        <p:nvSpPr>
-          <p:cNvPr id="10" name="Rectangle 9">
-            <a:extLst>
-              <a:ext uri="{FF2B5EF4-FFF2-40B4-BE49-F238E27FC236}">
-                <a16:creationId xmlns:a16="http://schemas.microsoft.com/office/drawing/2014/main" id="{15655827-B42D-4180-88D3-D83F25E4BD1C}"/>
-              </a:ext>
-              <a:ext uri="{C183D7F6-B498-43B3-948B-1728B52AA6E4}">
-                <adec:decorative xmlns:adec="http://schemas.microsoft.com/office/drawing/2017/decorative" val="1"/>
-              </a:ext>
-            </a:extLst>
-          </p:cNvPr>
-          <p:cNvSpPr>
-            <a:spLocks noGrp="1" noRot="1" noChangeAspect="1" noMove="1" noResize="1" noEditPoints="1" noAdjustHandles="1" noChangeArrowheads="1" noChangeShapeType="1" noTextEdit="1"/>
-          </p:cNvSpPr>
-          <p:nvPr>
-            <p:extLst>
-              <p:ext uri="{386F3935-93C4-4BCD-93E2-E3B085C9AB24}">
-                <p16:designElem xmlns:p16="http://schemas.microsoft.com/office/powerpoint/2015/main" val="1"/>
-              </p:ext>
-            </p:extLst>
-          </p:nvPr>
-        </p:nvSpPr>
-        <p:spPr>
-          <a:xfrm>
-            <a:off x="0" y="0"/>
-            <a:ext cx="12192000" cy="6858000"/>
-          </a:xfrm>
-          <a:prstGeom prst="rect">
-            <a:avLst/>
-          </a:prstGeom>
-          <a:ln>
-            <a:noFill/>
-          </a:ln>
-          <a:effectLst/>
-        </p:spPr>
-        <p:txBody>
-          <a:bodyPr rtlCol="0" anchor="ctr"/>
-          <a:lstStyle/>
-          <a:p>
-            <a:pPr algn="ctr"/>
-            <a:endParaRPr lang="en-US"/>
-          </a:p>
-        </p:txBody>
-      </p:sp>
-      <p:sp>
-        <p:nvSpPr>
-          <p:cNvPr id="12" name="Freeform: Shape 11">
-            <a:extLst>
-              <a:ext uri="{FF2B5EF4-FFF2-40B4-BE49-F238E27FC236}">
-                <a16:creationId xmlns:a16="http://schemas.microsoft.com/office/drawing/2014/main" id="{24ACCB06-563C-4ADE-B4D6-1FE9F723C7D9}"/>
-              </a:ext>
-              <a:ext uri="{C183D7F6-B498-43B3-948B-1728B52AA6E4}">
-                <adec:decorative xmlns:adec="http://schemas.microsoft.com/office/drawing/2017/decorative" val="1"/>
-              </a:ext>
-            </a:extLst>
-          </p:cNvPr>
-          <p:cNvSpPr>
-            <a:spLocks noGrp="1" noRot="1" noChangeAspect="1" noMove="1" noResize="1" noEditPoints="1" noAdjustHandles="1" noChangeArrowheads="1" noChangeShapeType="1" noTextEdit="1"/>
-          </p:cNvSpPr>
-          <p:nvPr>
-            <p:extLst>
-              <p:ext uri="{386F3935-93C4-4BCD-93E2-E3B085C9AB24}">
-                <p16:designElem xmlns:p16="http://schemas.microsoft.com/office/powerpoint/2015/main" val="1"/>
-              </p:ext>
-            </p:extLst>
-          </p:nvPr>
-        </p:nvSpPr>
-        <p:spPr bwMode="auto">
-          <a:xfrm>
-            <a:off x="0" y="3955594"/>
-            <a:ext cx="1828958" cy="2902407"/>
-          </a:xfrm>
-          <a:custGeom>
-            <a:avLst/>
-            <a:gdLst>
-              <a:gd name="connsiteX0" fmla="*/ 0 w 1828958"/>
-              <a:gd name="connsiteY0" fmla="*/ 0 h 2902407"/>
-              <a:gd name="connsiteX1" fmla="*/ 1828958 w 1828958"/>
-              <a:gd name="connsiteY1" fmla="*/ 2902407 h 2902407"/>
-              <a:gd name="connsiteX2" fmla="*/ 1709896 w 1828958"/>
-              <a:gd name="connsiteY2" fmla="*/ 2902407 h 2902407"/>
-              <a:gd name="connsiteX3" fmla="*/ 0 w 1828958"/>
-              <a:gd name="connsiteY3" fmla="*/ 63474 h 2902407"/>
-            </a:gdLst>
-            <a:ahLst/>
-            <a:cxnLst>
-              <a:cxn ang="0">
-                <a:pos x="connsiteX0" y="connsiteY0"/>
-              </a:cxn>
-              <a:cxn ang="0">
-                <a:pos x="connsiteX1" y="connsiteY1"/>
-              </a:cxn>
-              <a:cxn ang="0">
-                <a:pos x="connsiteX2" y="connsiteY2"/>
-              </a:cxn>
-              <a:cxn ang="0">
-                <a:pos x="connsiteX3" y="connsiteY3"/>
-              </a:cxn>
-            </a:cxnLst>
-            <a:rect l="l" t="t" r="r" b="b"/>
-            <a:pathLst>
-              <a:path w="1828958" h="2902407">
-                <a:moveTo>
-                  <a:pt x="0" y="0"/>
-                </a:moveTo>
-                <a:lnTo>
-                  <a:pt x="1828958" y="2902407"/>
-                </a:lnTo>
-                <a:lnTo>
-                  <a:pt x="1709896" y="2902407"/>
-                </a:lnTo>
-                <a:lnTo>
-                  <a:pt x="0" y="63474"/>
-                </a:lnTo>
-                <a:close/>
-              </a:path>
-            </a:pathLst>
-          </a:custGeom>
-          <a:solidFill>
-            <a:srgbClr val="262626"/>
-          </a:solidFill>
-          <a:ln>
-            <a:noFill/>
-          </a:ln>
-        </p:spPr>
-      </p:sp>
-      <p:sp>
-        <p:nvSpPr>
-          <p:cNvPr id="14" name="Freeform: Shape 13">
-            <a:extLst>
-              <a:ext uri="{FF2B5EF4-FFF2-40B4-BE49-F238E27FC236}">
-                <a16:creationId xmlns:a16="http://schemas.microsoft.com/office/drawing/2014/main" id="{40761ECD-D92B-46AE-82CA-640023D282F9}"/>
-              </a:ext>
-              <a:ext uri="{C183D7F6-B498-43B3-948B-1728B52AA6E4}">
-                <adec:decorative xmlns:adec="http://schemas.microsoft.com/office/drawing/2017/decorative" val="1"/>
-              </a:ext>
-            </a:extLst>
-          </p:cNvPr>
-          <p:cNvSpPr>
-            <a:spLocks noGrp="1" noRot="1" noChangeAspect="1" noMove="1" noResize="1" noEditPoints="1" noAdjustHandles="1" noChangeArrowheads="1" noChangeShapeType="1" noTextEdit="1"/>
-          </p:cNvSpPr>
-          <p:nvPr>
-            <p:extLst>
-              <p:ext uri="{386F3935-93C4-4BCD-93E2-E3B085C9AB24}">
-                <p16:designElem xmlns:p16="http://schemas.microsoft.com/office/powerpoint/2015/main" val="1"/>
-              </p:ext>
-            </p:extLst>
-          </p:nvPr>
-        </p:nvSpPr>
-        <p:spPr bwMode="auto">
-          <a:xfrm>
-            <a:off x="1" y="3220098"/>
-            <a:ext cx="2910045" cy="3637903"/>
-          </a:xfrm>
-          <a:custGeom>
-            <a:avLst/>
-            <a:gdLst>
-              <a:gd name="connsiteX0" fmla="*/ 0 w 2910045"/>
-              <a:gd name="connsiteY0" fmla="*/ 0 h 3637903"/>
-              <a:gd name="connsiteX1" fmla="*/ 2910045 w 2910045"/>
-              <a:gd name="connsiteY1" fmla="*/ 3637903 h 3637903"/>
-              <a:gd name="connsiteX2" fmla="*/ 2786220 w 2910045"/>
-              <a:gd name="connsiteY2" fmla="*/ 3637903 h 3637903"/>
-              <a:gd name="connsiteX3" fmla="*/ 0 w 2910045"/>
-              <a:gd name="connsiteY3" fmla="*/ 20366 h 3637903"/>
-            </a:gdLst>
-            <a:ahLst/>
-            <a:cxnLst>
-              <a:cxn ang="0">
-                <a:pos x="connsiteX0" y="connsiteY0"/>
-              </a:cxn>
-              <a:cxn ang="0">
-                <a:pos x="connsiteX1" y="connsiteY1"/>
-              </a:cxn>
-              <a:cxn ang="0">
-                <a:pos x="connsiteX2" y="connsiteY2"/>
-              </a:cxn>
-              <a:cxn ang="0">
-                <a:pos x="connsiteX3" y="connsiteY3"/>
-              </a:cxn>
-            </a:cxnLst>
-            <a:rect l="l" t="t" r="r" b="b"/>
-            <a:pathLst>
-              <a:path w="2910045" h="3637903">
-                <a:moveTo>
-                  <a:pt x="0" y="0"/>
-                </a:moveTo>
-                <a:lnTo>
-                  <a:pt x="2910045" y="3637903"/>
-                </a:lnTo>
-                <a:lnTo>
-                  <a:pt x="2786220" y="3637903"/>
-                </a:lnTo>
-                <a:lnTo>
-                  <a:pt x="0" y="20366"/>
-                </a:lnTo>
-                <a:close/>
-              </a:path>
-            </a:pathLst>
-          </a:custGeom>
-          <a:solidFill>
-            <a:schemeClr val="accent1">
-              <a:lumMod val="50000"/>
-            </a:schemeClr>
-          </a:solidFill>
-          <a:ln>
-            <a:noFill/>
-          </a:ln>
-        </p:spPr>
-      </p:sp>
-      <p:sp>
-        <p:nvSpPr>
-          <p:cNvPr id="16" name="Freeform: Shape 15">
-            <a:extLst>
-              <a:ext uri="{FF2B5EF4-FFF2-40B4-BE49-F238E27FC236}">
-                <a16:creationId xmlns:a16="http://schemas.microsoft.com/office/drawing/2014/main" id="{9A928607-C55C-40FD-B2DF-6CD6A7226A71}"/>
-              </a:ext>
-              <a:ext uri="{C183D7F6-B498-43B3-948B-1728B52AA6E4}">
-                <adec:decorative xmlns:adec="http://schemas.microsoft.com/office/drawing/2017/decorative" val="1"/>
-              </a:ext>
-            </a:extLst>
-          </p:cNvPr>
-          <p:cNvSpPr>
-            <a:spLocks noGrp="1" noRot="1" noChangeAspect="1" noMove="1" noResize="1" noEditPoints="1" noAdjustHandles="1" noChangeArrowheads="1" noChangeShapeType="1" noTextEdit="1"/>
-          </p:cNvSpPr>
-          <p:nvPr>
-            <p:extLst>
-              <p:ext uri="{386F3935-93C4-4BCD-93E2-E3B085C9AB24}">
-                <p16:designElem xmlns:p16="http://schemas.microsoft.com/office/powerpoint/2015/main" val="1"/>
-              </p:ext>
-            </p:extLst>
-          </p:nvPr>
-        </p:nvSpPr>
-        <p:spPr bwMode="auto">
-          <a:xfrm>
-            <a:off x="1" y="2845509"/>
-            <a:ext cx="4149883" cy="4012491"/>
-          </a:xfrm>
-          <a:custGeom>
-            <a:avLst/>
-            <a:gdLst>
-              <a:gd name="connsiteX0" fmla="*/ 0 w 4149883"/>
-              <a:gd name="connsiteY0" fmla="*/ 0 h 4012491"/>
-              <a:gd name="connsiteX1" fmla="*/ 4149883 w 4149883"/>
-              <a:gd name="connsiteY1" fmla="*/ 4012491 h 4012491"/>
-              <a:gd name="connsiteX2" fmla="*/ 2910046 w 4149883"/>
-              <a:gd name="connsiteY2" fmla="*/ 4012491 h 4012491"/>
-              <a:gd name="connsiteX3" fmla="*/ 0 w 4149883"/>
-              <a:gd name="connsiteY3" fmla="*/ 374587 h 4012491"/>
-            </a:gdLst>
-            <a:ahLst/>
-            <a:cxnLst>
-              <a:cxn ang="0">
-                <a:pos x="connsiteX0" y="connsiteY0"/>
-              </a:cxn>
-              <a:cxn ang="0">
-                <a:pos x="connsiteX1" y="connsiteY1"/>
-              </a:cxn>
-              <a:cxn ang="0">
-                <a:pos x="connsiteX2" y="connsiteY2"/>
-              </a:cxn>
-              <a:cxn ang="0">
-                <a:pos x="connsiteX3" y="connsiteY3"/>
-              </a:cxn>
-            </a:cxnLst>
-            <a:rect l="l" t="t" r="r" b="b"/>
-            <a:pathLst>
-              <a:path w="4149883" h="4012491">
-                <a:moveTo>
-                  <a:pt x="0" y="0"/>
-                </a:moveTo>
-                <a:lnTo>
-                  <a:pt x="4149883" y="4012491"/>
-                </a:lnTo>
-                <a:lnTo>
-                  <a:pt x="2910046" y="4012491"/>
-                </a:lnTo>
-                <a:lnTo>
-                  <a:pt x="0" y="374587"/>
-                </a:lnTo>
-                <a:close/>
-              </a:path>
-            </a:pathLst>
-          </a:custGeom>
-          <a:solidFill>
-            <a:schemeClr val="accent1">
-              <a:lumMod val="75000"/>
-            </a:schemeClr>
-          </a:solidFill>
-          <a:ln>
-            <a:noFill/>
-          </a:ln>
-        </p:spPr>
-      </p:sp>
-      <p:sp>
-        <p:nvSpPr>
-          <p:cNvPr id="18" name="Freeform: Shape 17">
-            <a:extLst>
-              <a:ext uri="{FF2B5EF4-FFF2-40B4-BE49-F238E27FC236}">
-                <a16:creationId xmlns:a16="http://schemas.microsoft.com/office/drawing/2014/main" id="{400A20C1-29A4-43E0-AB15-7931F76F8C2D}"/>
-              </a:ext>
-              <a:ext uri="{C183D7F6-B498-43B3-948B-1728B52AA6E4}">
-                <adec:decorative xmlns:adec="http://schemas.microsoft.com/office/drawing/2017/decorative" val="1"/>
-              </a:ext>
-            </a:extLst>
-          </p:cNvPr>
-          <p:cNvSpPr>
-            <a:spLocks noGrp="1" noRot="1" noChangeAspect="1" noMove="1" noResize="1" noEditPoints="1" noAdjustHandles="1" noChangeArrowheads="1" noChangeShapeType="1" noTextEdit="1"/>
-          </p:cNvSpPr>
-          <p:nvPr>
-            <p:extLst>
-              <p:ext uri="{386F3935-93C4-4BCD-93E2-E3B085C9AB24}">
-                <p16:designElem xmlns:p16="http://schemas.microsoft.com/office/powerpoint/2015/main" val="1"/>
-              </p:ext>
-            </p:extLst>
-          </p:nvPr>
-        </p:nvSpPr>
-        <p:spPr bwMode="auto">
-          <a:xfrm>
-            <a:off x="0" y="3332410"/>
-            <a:ext cx="2719546" cy="3525590"/>
-          </a:xfrm>
-          <a:custGeom>
-            <a:avLst/>
-            <a:gdLst>
-              <a:gd name="connsiteX0" fmla="*/ 0 w 2719546"/>
-              <a:gd name="connsiteY0" fmla="*/ 0 h 3525590"/>
-              <a:gd name="connsiteX1" fmla="*/ 2719546 w 2719546"/>
-              <a:gd name="connsiteY1" fmla="*/ 3525590 h 3525590"/>
-              <a:gd name="connsiteX2" fmla="*/ 1828959 w 2719546"/>
-              <a:gd name="connsiteY2" fmla="*/ 3525590 h 3525590"/>
-              <a:gd name="connsiteX3" fmla="*/ 0 w 2719546"/>
-              <a:gd name="connsiteY3" fmla="*/ 623183 h 3525590"/>
-            </a:gdLst>
-            <a:ahLst/>
-            <a:cxnLst>
-              <a:cxn ang="0">
-                <a:pos x="connsiteX0" y="connsiteY0"/>
-              </a:cxn>
-              <a:cxn ang="0">
-                <a:pos x="connsiteX1" y="connsiteY1"/>
-              </a:cxn>
-              <a:cxn ang="0">
-                <a:pos x="connsiteX2" y="connsiteY2"/>
-              </a:cxn>
-              <a:cxn ang="0">
-                <a:pos x="connsiteX3" y="connsiteY3"/>
-              </a:cxn>
-            </a:cxnLst>
-            <a:rect l="l" t="t" r="r" b="b"/>
-            <a:pathLst>
-              <a:path w="2719546" h="3525590">
-                <a:moveTo>
-                  <a:pt x="0" y="0"/>
-                </a:moveTo>
-                <a:lnTo>
-                  <a:pt x="2719546" y="3525590"/>
-                </a:lnTo>
-                <a:lnTo>
-                  <a:pt x="1828959" y="3525590"/>
-                </a:lnTo>
-                <a:lnTo>
-                  <a:pt x="0" y="623183"/>
-                </a:lnTo>
-                <a:close/>
-              </a:path>
-            </a:pathLst>
-          </a:custGeom>
-          <a:solidFill>
-            <a:srgbClr val="404040"/>
-          </a:solidFill>
-          <a:ln>
-            <a:noFill/>
-          </a:ln>
-        </p:spPr>
-      </p:sp>
-      <p:sp>
-        <p:nvSpPr>
-          <p:cNvPr id="4" name="Titel 3">
-            <a:extLst>
-              <a:ext uri="{FF2B5EF4-FFF2-40B4-BE49-F238E27FC236}">
-                <a16:creationId xmlns:a16="http://schemas.microsoft.com/office/drawing/2014/main" id="{BBC46C10-C8CA-4200-90E2-DD54266780C7}"/>
-              </a:ext>
-            </a:extLst>
-          </p:cNvPr>
-          <p:cNvSpPr>
-            <a:spLocks noGrp="1"/>
-          </p:cNvSpPr>
-          <p:nvPr>
-            <p:ph type="ctrTitle"/>
-          </p:nvPr>
-        </p:nvSpPr>
-        <p:spPr>
-          <a:xfrm>
-            <a:off x="1524000" y="643468"/>
-            <a:ext cx="9144000" cy="3618898"/>
-          </a:xfrm>
-        </p:spPr>
-        <p:txBody>
-          <a:bodyPr anchor="b">
-            <a:normAutofit/>
-          </a:bodyPr>
-          <a:lstStyle/>
-          <a:p>
-            <a:pPr algn="ctr"/>
-            <a:r>
-              <a:rPr lang="de-DE" sz="7200" dirty="0"/>
-              <a:t>Zusatzmaterial</a:t>
-            </a:r>
-          </a:p>
-        </p:txBody>
-      </p:sp>
-      <p:sp>
-        <p:nvSpPr>
-          <p:cNvPr id="5" name="Untertitel 4">
-            <a:extLst>
-              <a:ext uri="{FF2B5EF4-FFF2-40B4-BE49-F238E27FC236}">
-                <a16:creationId xmlns:a16="http://schemas.microsoft.com/office/drawing/2014/main" id="{A9F1D756-1B26-4B41-8192-F7AF9803D341}"/>
-              </a:ext>
-            </a:extLst>
-          </p:cNvPr>
-          <p:cNvSpPr>
-            <a:spLocks noGrp="1"/>
-          </p:cNvSpPr>
-          <p:nvPr>
-            <p:ph type="subTitle" idx="1"/>
-          </p:nvPr>
-        </p:nvSpPr>
-        <p:spPr>
-          <a:xfrm>
-            <a:off x="2719546" y="4552335"/>
-            <a:ext cx="6752908" cy="1091381"/>
-          </a:xfrm>
-        </p:spPr>
-        <p:txBody>
-          <a:bodyPr>
-            <a:normAutofit/>
-          </a:bodyPr>
-          <a:lstStyle/>
-          <a:p>
-            <a:pPr algn="ctr"/>
-            <a:endParaRPr lang="de-DE" sz="2400"/>
-          </a:p>
-        </p:txBody>
-      </p:sp>
-    </p:spTree>
-    <p:extLst>
-      <p:ext uri="{BB962C8B-B14F-4D97-AF65-F5344CB8AC3E}">
-        <p14:creationId xmlns:p14="http://schemas.microsoft.com/office/powerpoint/2010/main" val="2486657761"/>
-      </p:ext>
-    </p:extLst>
-  </p:cSld>
-  <p:clrMapOvr>
-    <a:masterClrMapping/>
-  </p:clrMapOvr>
-</p:sld>
-</file>
-
-<file path=ppt/slides/slide16.xml><?xml version="1.0" encoding="utf-8"?>
-<p:sld xmlns:a="http://schemas.openxmlformats.org/drawingml/2006/main" xmlns:r="http://schemas.openxmlformats.org/officeDocument/2006/relationships" xmlns:p="http://schemas.openxmlformats.org/presentationml/2006/main">
-  <p:cSld>
-    <p:spTree>
-      <p:nvGrpSpPr>
-        <p:cNvPr id="1" name=""/>
-        <p:cNvGrpSpPr/>
-        <p:nvPr/>
-      </p:nvGrpSpPr>
-      <p:grpSpPr>
-        <a:xfrm>
-          <a:off x="0" y="0"/>
-          <a:ext cx="0" cy="0"/>
-          <a:chOff x="0" y="0"/>
-          <a:chExt cx="0" cy="0"/>
-        </a:xfrm>
-      </p:grpSpPr>
-      <p:sp>
-        <p:nvSpPr>
-          <p:cNvPr id="2" name="Titel 1">
-            <a:extLst>
-              <a:ext uri="{FF2B5EF4-FFF2-40B4-BE49-F238E27FC236}">
-                <a16:creationId xmlns:a16="http://schemas.microsoft.com/office/drawing/2014/main" id="{5A0E7DFB-980B-426D-99B8-2CA3D918AB1F}"/>
-              </a:ext>
-            </a:extLst>
-          </p:cNvPr>
-          <p:cNvSpPr>
-            <a:spLocks noGrp="1"/>
-          </p:cNvSpPr>
-          <p:nvPr>
-            <p:ph type="title"/>
-          </p:nvPr>
-        </p:nvSpPr>
-        <p:spPr/>
-        <p:txBody>
-          <a:bodyPr/>
-          <a:lstStyle/>
-          <a:p>
-            <a:r>
-              <a:rPr lang="de-DE" dirty="0"/>
-              <a:t>Verunglückte Kinder im </a:t>
-            </a:r>
-            <a:r>
-              <a:rPr lang="de-DE" dirty="0" err="1"/>
-              <a:t>Starßenverkehr</a:t>
-            </a:r>
-            <a:r>
-              <a:rPr lang="de-DE" dirty="0"/>
-              <a:t> unter 15 in Jahren</a:t>
-            </a:r>
-          </a:p>
-        </p:txBody>
-      </p:sp>
-      <p:sp>
-        <p:nvSpPr>
-          <p:cNvPr id="3" name="Inhaltsplatzhalter 2">
-            <a:extLst>
-              <a:ext uri="{FF2B5EF4-FFF2-40B4-BE49-F238E27FC236}">
-                <a16:creationId xmlns:a16="http://schemas.microsoft.com/office/drawing/2014/main" id="{12717869-1E1F-4BE1-A3BB-B3C6F375F950}"/>
-              </a:ext>
-            </a:extLst>
-          </p:cNvPr>
-          <p:cNvSpPr>
-            <a:spLocks noGrp="1"/>
-          </p:cNvSpPr>
-          <p:nvPr>
-            <p:ph idx="1"/>
-          </p:nvPr>
-        </p:nvSpPr>
-        <p:spPr>
-          <a:xfrm>
-            <a:off x="1484310" y="5738927"/>
-            <a:ext cx="10018713" cy="227798"/>
-          </a:xfrm>
-        </p:spPr>
-        <p:txBody>
-          <a:bodyPr>
-            <a:normAutofit fontScale="32500" lnSpcReduction="20000"/>
-          </a:bodyPr>
-          <a:lstStyle/>
-          <a:p>
-            <a:r>
-              <a:rPr lang="de-DE" dirty="0"/>
-              <a:t>Quelle: </a:t>
-            </a:r>
-            <a:r>
-              <a:rPr lang="de-DE" dirty="0">
-                <a:hlinkClick r:id="rId2"/>
-              </a:rPr>
-              <a:t>https://www.destatis.de/DE/Themen/Gesellschaft-Umwelt/Verkehrsunfaelle/Publikationen/Downloads-Verkehrsunfaelle/unfaelle-kinder-5462405187004.pdf?__blob=publicationFile</a:t>
-            </a:r>
-            <a:endParaRPr lang="de-DE" dirty="0"/>
-          </a:p>
-        </p:txBody>
-      </p:sp>
-      <p:pic>
-        <p:nvPicPr>
-          <p:cNvPr id="4" name="Grafik 3">
-            <a:extLst>
-              <a:ext uri="{FF2B5EF4-FFF2-40B4-BE49-F238E27FC236}">
-                <a16:creationId xmlns:a16="http://schemas.microsoft.com/office/drawing/2014/main" id="{5CF679FF-2D2B-45FF-8D94-90B8FE2457B0}"/>
-              </a:ext>
-            </a:extLst>
-          </p:cNvPr>
-          <p:cNvPicPr>
-            <a:picLocks noChangeAspect="1"/>
-          </p:cNvPicPr>
-          <p:nvPr/>
-        </p:nvPicPr>
-        <p:blipFill>
-          <a:blip r:embed="rId3"/>
-          <a:stretch>
-            <a:fillRect/>
-          </a:stretch>
-        </p:blipFill>
-        <p:spPr>
-          <a:xfrm>
-            <a:off x="1593380" y="2666999"/>
-            <a:ext cx="9114310" cy="3071126"/>
-          </a:xfrm>
-          <a:prstGeom prst="rect">
-            <a:avLst/>
-          </a:prstGeom>
-        </p:spPr>
-      </p:pic>
-    </p:spTree>
-    <p:extLst>
-      <p:ext uri="{BB962C8B-B14F-4D97-AF65-F5344CB8AC3E}">
-        <p14:creationId xmlns:p14="http://schemas.microsoft.com/office/powerpoint/2010/main" val="1242163208"/>
-      </p:ext>
-    </p:extLst>
-  </p:cSld>
-  <p:clrMapOvr>
-    <a:masterClrMapping/>
-  </p:clrMapOvr>
-</p:sld>
-</file>
-
-<file path=ppt/slides/slide17.xml><?xml version="1.0" encoding="utf-8"?>
-<p:sld xmlns:a="http://schemas.openxmlformats.org/drawingml/2006/main" xmlns:r="http://schemas.openxmlformats.org/officeDocument/2006/relationships" xmlns:p="http://schemas.openxmlformats.org/presentationml/2006/main">
-  <p:cSld>
-    <p:spTree>
-      <p:nvGrpSpPr>
-        <p:cNvPr id="1" name=""/>
-        <p:cNvGrpSpPr/>
-        <p:nvPr/>
-      </p:nvGrpSpPr>
-      <p:grpSpPr>
-        <a:xfrm>
-          <a:off x="0" y="0"/>
-          <a:ext cx="0" cy="0"/>
-          <a:chOff x="0" y="0"/>
-          <a:chExt cx="0" cy="0"/>
-        </a:xfrm>
-      </p:grpSpPr>
-      <p:sp>
-        <p:nvSpPr>
-          <p:cNvPr id="2" name="Titel 1">
-            <a:extLst>
-              <a:ext uri="{FF2B5EF4-FFF2-40B4-BE49-F238E27FC236}">
-                <a16:creationId xmlns:a16="http://schemas.microsoft.com/office/drawing/2014/main" id="{567E8E7D-DE07-4344-B1CD-6E05086BB443}"/>
-              </a:ext>
-            </a:extLst>
-          </p:cNvPr>
-          <p:cNvSpPr>
-            <a:spLocks noGrp="1"/>
-          </p:cNvSpPr>
-          <p:nvPr>
-            <p:ph type="title"/>
-          </p:nvPr>
-        </p:nvSpPr>
-        <p:spPr/>
-        <p:txBody>
-          <a:bodyPr/>
-          <a:lstStyle/>
-          <a:p>
-            <a:r>
-              <a:rPr lang="de-DE" dirty="0"/>
-              <a:t>Getötete Kinder unter 15</a:t>
-            </a:r>
-          </a:p>
-        </p:txBody>
-      </p:sp>
-      <p:pic>
-        <p:nvPicPr>
-          <p:cNvPr id="4" name="Inhaltsplatzhalter 3">
-            <a:extLst>
-              <a:ext uri="{FF2B5EF4-FFF2-40B4-BE49-F238E27FC236}">
-                <a16:creationId xmlns:a16="http://schemas.microsoft.com/office/drawing/2014/main" id="{79D12B0E-523F-47F1-86A5-5B8BC31210E4}"/>
-              </a:ext>
-            </a:extLst>
-          </p:cNvPr>
-          <p:cNvPicPr>
-            <a:picLocks noGrp="1" noChangeAspect="1"/>
-          </p:cNvPicPr>
-          <p:nvPr>
-            <p:ph idx="1"/>
-          </p:nvPr>
-        </p:nvPicPr>
-        <p:blipFill>
-          <a:blip r:embed="rId2"/>
-          <a:stretch>
-            <a:fillRect/>
-          </a:stretch>
-        </p:blipFill>
-        <p:spPr>
-          <a:xfrm>
-            <a:off x="2000212" y="2857381"/>
-            <a:ext cx="8725656" cy="2743438"/>
-          </a:xfrm>
-          <a:prstGeom prst="rect">
-            <a:avLst/>
-          </a:prstGeom>
-        </p:spPr>
-      </p:pic>
-      <p:sp>
-        <p:nvSpPr>
-          <p:cNvPr id="5" name="Inhaltsplatzhalter 2">
-            <a:extLst>
-              <a:ext uri="{FF2B5EF4-FFF2-40B4-BE49-F238E27FC236}">
-                <a16:creationId xmlns:a16="http://schemas.microsoft.com/office/drawing/2014/main" id="{3DF73459-6CD7-4180-AC96-A003EEE6B149}"/>
-              </a:ext>
-            </a:extLst>
-          </p:cNvPr>
-          <p:cNvSpPr txBox="1">
-            <a:spLocks/>
-          </p:cNvSpPr>
-          <p:nvPr/>
-        </p:nvSpPr>
-        <p:spPr>
-          <a:xfrm>
-            <a:off x="1778224" y="5600819"/>
-            <a:ext cx="10018713" cy="227798"/>
-          </a:xfrm>
-          <a:prstGeom prst="rect">
-            <a:avLst/>
-          </a:prstGeom>
-        </p:spPr>
-        <p:txBody>
-          <a:bodyPr vert="horz" lIns="91440" tIns="45720" rIns="91440" bIns="45720" rtlCol="0" anchor="ctr">
-            <a:normAutofit fontScale="32500" lnSpcReduction="20000"/>
-          </a:bodyPr>
-          <a:lstStyle>
-            <a:lvl1pPr marL="285750" indent="-285750" algn="l" defTabSz="457200" rtl="0" eaLnBrk="1" latinLnBrk="0" hangingPunct="1">
-              <a:spcBef>
-                <a:spcPct val="20000"/>
-              </a:spcBef>
-              <a:spcAft>
-                <a:spcPts val="600"/>
-              </a:spcAft>
-              <a:buClr>
-                <a:schemeClr val="accent1">
-                  <a:lumMod val="75000"/>
-                </a:schemeClr>
-              </a:buClr>
-              <a:buSzPct val="145000"/>
-              <a:buFont typeface="Arial"/>
-              <a:buChar char="•"/>
-              <a:defRPr sz="2400" kern="1200" cap="none">
-                <a:solidFill>
-                  <a:schemeClr val="tx1"/>
-                </a:solidFill>
-                <a:effectLst/>
-                <a:latin typeface="+mn-lt"/>
-                <a:ea typeface="+mn-ea"/>
-                <a:cs typeface="+mn-cs"/>
-              </a:defRPr>
-            </a:lvl1pPr>
-            <a:lvl2pPr marL="742950" indent="-285750" algn="l" defTabSz="457200" rtl="0" eaLnBrk="1" latinLnBrk="0" hangingPunct="1">
-              <a:spcBef>
-                <a:spcPct val="20000"/>
-              </a:spcBef>
-              <a:spcAft>
-                <a:spcPts val="600"/>
-              </a:spcAft>
-              <a:buClr>
-                <a:schemeClr val="accent1">
-                  <a:lumMod val="75000"/>
-                </a:schemeClr>
-              </a:buClr>
-              <a:buSzPct val="145000"/>
-              <a:buFont typeface="Arial"/>
-              <a:buChar char="•"/>
-              <a:defRPr sz="2000" kern="1200" cap="none">
-                <a:solidFill>
-                  <a:schemeClr val="tx1"/>
-                </a:solidFill>
-                <a:effectLst/>
-                <a:latin typeface="+mn-lt"/>
-                <a:ea typeface="+mn-ea"/>
-                <a:cs typeface="+mn-cs"/>
-              </a:defRPr>
-            </a:lvl2pPr>
-            <a:lvl3pPr marL="1200150" indent="-285750" algn="l" defTabSz="457200" rtl="0" eaLnBrk="1" latinLnBrk="0" hangingPunct="1">
-              <a:spcBef>
-                <a:spcPct val="20000"/>
-              </a:spcBef>
-              <a:spcAft>
-                <a:spcPts val="600"/>
-              </a:spcAft>
-              <a:buClr>
-                <a:schemeClr val="accent1">
-                  <a:lumMod val="75000"/>
-                </a:schemeClr>
-              </a:buClr>
-              <a:buSzPct val="145000"/>
-              <a:buFont typeface="Arial"/>
-              <a:buChar char="•"/>
-              <a:defRPr sz="1800" kern="1200" cap="none">
-                <a:solidFill>
-                  <a:schemeClr val="tx1"/>
-                </a:solidFill>
-                <a:effectLst/>
-                <a:latin typeface="+mn-lt"/>
-                <a:ea typeface="+mn-ea"/>
-                <a:cs typeface="+mn-cs"/>
-              </a:defRPr>
-            </a:lvl3pPr>
-            <a:lvl4pPr marL="1543050" indent="-171450" algn="l" defTabSz="457200" rtl="0" eaLnBrk="1" latinLnBrk="0" hangingPunct="1">
-              <a:spcBef>
-                <a:spcPct val="20000"/>
-              </a:spcBef>
-              <a:spcAft>
-                <a:spcPts val="600"/>
-              </a:spcAft>
-              <a:buClr>
-                <a:schemeClr val="accent1">
-                  <a:lumMod val="75000"/>
-                </a:schemeClr>
-              </a:buClr>
-              <a:buSzPct val="145000"/>
-              <a:buFont typeface="Arial"/>
-              <a:buChar char="•"/>
-              <a:defRPr sz="1600" kern="1200" cap="none">
-                <a:solidFill>
-                  <a:schemeClr val="tx1"/>
-                </a:solidFill>
-                <a:effectLst/>
-                <a:latin typeface="+mn-lt"/>
-                <a:ea typeface="+mn-ea"/>
-                <a:cs typeface="+mn-cs"/>
-              </a:defRPr>
-            </a:lvl4pPr>
-            <a:lvl5pPr marL="2000250" indent="-171450" algn="l" defTabSz="457200" rtl="0" eaLnBrk="1" latinLnBrk="0" hangingPunct="1">
-              <a:spcBef>
-                <a:spcPct val="20000"/>
-              </a:spcBef>
-              <a:spcAft>
-                <a:spcPts val="600"/>
-              </a:spcAft>
-              <a:buClr>
-                <a:schemeClr val="accent1">
-                  <a:lumMod val="75000"/>
-                </a:schemeClr>
-              </a:buClr>
-              <a:buSzPct val="145000"/>
-              <a:buFont typeface="Arial"/>
-              <a:buChar char="•"/>
-              <a:defRPr sz="1400" kern="1200" cap="none">
-                <a:solidFill>
-                  <a:schemeClr val="tx1"/>
-                </a:solidFill>
-                <a:effectLst/>
-                <a:latin typeface="+mn-lt"/>
-                <a:ea typeface="+mn-ea"/>
-                <a:cs typeface="+mn-cs"/>
-              </a:defRPr>
-            </a:lvl5pPr>
-            <a:lvl6pPr marL="2514600" indent="-228600" algn="l" defTabSz="457200" rtl="0" eaLnBrk="1" latinLnBrk="0" hangingPunct="1">
-              <a:spcBef>
-                <a:spcPct val="20000"/>
-              </a:spcBef>
-              <a:spcAft>
-                <a:spcPts val="600"/>
-              </a:spcAft>
-              <a:buClr>
-                <a:schemeClr val="accent1">
-                  <a:lumMod val="75000"/>
-                </a:schemeClr>
-              </a:buClr>
-              <a:buSzPct val="145000"/>
-              <a:buFont typeface="Arial"/>
-              <a:buChar char="•"/>
-              <a:defRPr sz="1400" kern="1200" cap="none">
-                <a:solidFill>
-                  <a:schemeClr val="tx1"/>
-                </a:solidFill>
-                <a:effectLst/>
-                <a:latin typeface="+mn-lt"/>
-                <a:ea typeface="+mn-ea"/>
-                <a:cs typeface="+mn-cs"/>
-              </a:defRPr>
-            </a:lvl6pPr>
-            <a:lvl7pPr marL="2971800" indent="-228600" algn="l" defTabSz="457200" rtl="0" eaLnBrk="1" latinLnBrk="0" hangingPunct="1">
-              <a:spcBef>
-                <a:spcPct val="20000"/>
-              </a:spcBef>
-              <a:spcAft>
-                <a:spcPts val="600"/>
-              </a:spcAft>
-              <a:buClr>
-                <a:schemeClr val="accent1">
-                  <a:lumMod val="75000"/>
-                </a:schemeClr>
-              </a:buClr>
-              <a:buSzPct val="145000"/>
-              <a:buFont typeface="Arial"/>
-              <a:buChar char="•"/>
-              <a:defRPr sz="1400" kern="1200" cap="none">
-                <a:solidFill>
-                  <a:schemeClr val="tx1"/>
-                </a:solidFill>
-                <a:effectLst/>
-                <a:latin typeface="+mn-lt"/>
-                <a:ea typeface="+mn-ea"/>
-                <a:cs typeface="+mn-cs"/>
-              </a:defRPr>
-            </a:lvl7pPr>
-            <a:lvl8pPr marL="3429000" indent="-228600" algn="l" defTabSz="457200" rtl="0" eaLnBrk="1" latinLnBrk="0" hangingPunct="1">
-              <a:spcBef>
-                <a:spcPct val="20000"/>
-              </a:spcBef>
-              <a:spcAft>
-                <a:spcPts val="600"/>
-              </a:spcAft>
-              <a:buClr>
-                <a:schemeClr val="accent1">
-                  <a:lumMod val="75000"/>
-                </a:schemeClr>
-              </a:buClr>
-              <a:buSzPct val="145000"/>
-              <a:buFont typeface="Arial"/>
-              <a:buChar char="•"/>
-              <a:defRPr sz="1400" kern="1200" cap="none">
-                <a:solidFill>
-                  <a:schemeClr val="tx1"/>
-                </a:solidFill>
-                <a:effectLst/>
-                <a:latin typeface="+mn-lt"/>
-                <a:ea typeface="+mn-ea"/>
-                <a:cs typeface="+mn-cs"/>
-              </a:defRPr>
-            </a:lvl8pPr>
-            <a:lvl9pPr marL="3886200" indent="-228600" algn="l" defTabSz="457200" rtl="0" eaLnBrk="1" latinLnBrk="0" hangingPunct="1">
-              <a:spcBef>
-                <a:spcPct val="20000"/>
-              </a:spcBef>
-              <a:spcAft>
-                <a:spcPts val="600"/>
-              </a:spcAft>
-              <a:buClr>
-                <a:schemeClr val="accent1">
-                  <a:lumMod val="75000"/>
-                </a:schemeClr>
-              </a:buClr>
-              <a:buSzPct val="145000"/>
-              <a:buFont typeface="Arial"/>
-              <a:buChar char="•"/>
-              <a:defRPr sz="1400" kern="1200" cap="none">
-                <a:solidFill>
-                  <a:schemeClr val="tx1"/>
-                </a:solidFill>
-                <a:effectLst/>
-                <a:latin typeface="+mn-lt"/>
-                <a:ea typeface="+mn-ea"/>
-                <a:cs typeface="+mn-cs"/>
-              </a:defRPr>
-            </a:lvl9pPr>
-          </a:lstStyle>
-          <a:p>
-            <a:r>
-              <a:rPr lang="de-DE" dirty="0"/>
-              <a:t>Quelle: </a:t>
-            </a:r>
-            <a:r>
-              <a:rPr lang="de-DE" dirty="0">
-                <a:hlinkClick r:id="rId3"/>
-              </a:rPr>
-              <a:t>https://www.destatis.de/DE/Themen/Gesellschaft-Umwelt/Verkehrsunfaelle/Publikationen/Downloads-Verkehrsunfaelle/unfaelle-kinder-5462405187004.pdf?__blob=publicationFile</a:t>
-            </a:r>
-            <a:endParaRPr lang="de-DE" dirty="0"/>
-          </a:p>
-        </p:txBody>
-      </p:sp>
-    </p:spTree>
-    <p:extLst>
-      <p:ext uri="{BB962C8B-B14F-4D97-AF65-F5344CB8AC3E}">
-        <p14:creationId xmlns:p14="http://schemas.microsoft.com/office/powerpoint/2010/main" val="4123892110"/>
-      </p:ext>
-    </p:extLst>
-  </p:cSld>
-  <p:clrMapOvr>
-    <a:masterClrMapping/>
-  </p:clrMapOvr>
-</p:sld>
-</file>
-
-<file path=ppt/slides/slide18.xml><?xml version="1.0" encoding="utf-8"?>
-<p:sld xmlns:a="http://schemas.openxmlformats.org/drawingml/2006/main" xmlns:r="http://schemas.openxmlformats.org/officeDocument/2006/relationships" xmlns:p="http://schemas.openxmlformats.org/presentationml/2006/main">
-  <p:cSld>
-    <p:spTree>
-      <p:nvGrpSpPr>
-        <p:cNvPr id="1" name=""/>
-        <p:cNvGrpSpPr/>
-        <p:nvPr/>
-      </p:nvGrpSpPr>
-      <p:grpSpPr>
-        <a:xfrm>
-          <a:off x="0" y="0"/>
-          <a:ext cx="0" cy="0"/>
-          <a:chOff x="0" y="0"/>
-          <a:chExt cx="0" cy="0"/>
-        </a:xfrm>
-      </p:grpSpPr>
-      <p:sp>
-        <p:nvSpPr>
-          <p:cNvPr id="2" name="Titel 1">
-            <a:extLst>
-              <a:ext uri="{FF2B5EF4-FFF2-40B4-BE49-F238E27FC236}">
-                <a16:creationId xmlns:a16="http://schemas.microsoft.com/office/drawing/2014/main" id="{0BFB58F0-E4AE-4337-8B1B-1A68161A90C3}"/>
-              </a:ext>
-            </a:extLst>
-          </p:cNvPr>
-          <p:cNvSpPr>
-            <a:spLocks noGrp="1"/>
-          </p:cNvSpPr>
-          <p:nvPr>
-            <p:ph type="title"/>
-          </p:nvPr>
-        </p:nvSpPr>
-        <p:spPr/>
-        <p:txBody>
-          <a:bodyPr/>
-          <a:lstStyle/>
-          <a:p>
-            <a:r>
-              <a:rPr lang="de-DE" dirty="0"/>
-              <a:t>Verunglückte Kinder nach Uhrzeiten</a:t>
-            </a:r>
-          </a:p>
-        </p:txBody>
-      </p:sp>
-      <p:pic>
-        <p:nvPicPr>
-          <p:cNvPr id="4" name="Inhaltsplatzhalter 3">
-            <a:extLst>
-              <a:ext uri="{FF2B5EF4-FFF2-40B4-BE49-F238E27FC236}">
-                <a16:creationId xmlns:a16="http://schemas.microsoft.com/office/drawing/2014/main" id="{56F5C33A-9230-4A3F-A717-AA719E185442}"/>
-              </a:ext>
-            </a:extLst>
-          </p:cNvPr>
-          <p:cNvPicPr>
-            <a:picLocks noGrp="1" noChangeAspect="1"/>
-          </p:cNvPicPr>
-          <p:nvPr>
-            <p:ph idx="1"/>
-          </p:nvPr>
-        </p:nvPicPr>
-        <p:blipFill>
-          <a:blip r:embed="rId2"/>
-          <a:stretch>
-            <a:fillRect/>
-          </a:stretch>
-        </p:blipFill>
-        <p:spPr>
-          <a:xfrm>
-            <a:off x="4024993" y="2373074"/>
-            <a:ext cx="4849586" cy="3159159"/>
-          </a:xfrm>
-          <a:prstGeom prst="rect">
-            <a:avLst/>
-          </a:prstGeom>
-        </p:spPr>
-      </p:pic>
-      <p:sp>
-        <p:nvSpPr>
-          <p:cNvPr id="5" name="Inhaltsplatzhalter 2">
-            <a:extLst>
-              <a:ext uri="{FF2B5EF4-FFF2-40B4-BE49-F238E27FC236}">
-                <a16:creationId xmlns:a16="http://schemas.microsoft.com/office/drawing/2014/main" id="{9653CFC7-6B53-433B-BEB3-F20EDE3F7D5B}"/>
-              </a:ext>
-            </a:extLst>
-          </p:cNvPr>
-          <p:cNvSpPr txBox="1">
-            <a:spLocks/>
-          </p:cNvSpPr>
-          <p:nvPr/>
-        </p:nvSpPr>
-        <p:spPr>
-          <a:xfrm>
-            <a:off x="1778224" y="5600819"/>
-            <a:ext cx="10018713" cy="227798"/>
-          </a:xfrm>
-          <a:prstGeom prst="rect">
-            <a:avLst/>
-          </a:prstGeom>
-        </p:spPr>
-        <p:txBody>
-          <a:bodyPr vert="horz" lIns="91440" tIns="45720" rIns="91440" bIns="45720" rtlCol="0" anchor="ctr">
-            <a:normAutofit fontScale="32500" lnSpcReduction="20000"/>
-          </a:bodyPr>
-          <a:lstStyle>
-            <a:lvl1pPr marL="285750" indent="-285750" algn="l" defTabSz="457200" rtl="0" eaLnBrk="1" latinLnBrk="0" hangingPunct="1">
-              <a:spcBef>
-                <a:spcPct val="20000"/>
-              </a:spcBef>
-              <a:spcAft>
-                <a:spcPts val="600"/>
-              </a:spcAft>
-              <a:buClr>
-                <a:schemeClr val="accent1">
-                  <a:lumMod val="75000"/>
-                </a:schemeClr>
-              </a:buClr>
-              <a:buSzPct val="145000"/>
-              <a:buFont typeface="Arial"/>
-              <a:buChar char="•"/>
-              <a:defRPr sz="2400" kern="1200" cap="none">
-                <a:solidFill>
-                  <a:schemeClr val="tx1"/>
-                </a:solidFill>
-                <a:effectLst/>
-                <a:latin typeface="+mn-lt"/>
-                <a:ea typeface="+mn-ea"/>
-                <a:cs typeface="+mn-cs"/>
-              </a:defRPr>
-            </a:lvl1pPr>
-            <a:lvl2pPr marL="742950" indent="-285750" algn="l" defTabSz="457200" rtl="0" eaLnBrk="1" latinLnBrk="0" hangingPunct="1">
-              <a:spcBef>
-                <a:spcPct val="20000"/>
-              </a:spcBef>
-              <a:spcAft>
-                <a:spcPts val="600"/>
-              </a:spcAft>
-              <a:buClr>
-                <a:schemeClr val="accent1">
-                  <a:lumMod val="75000"/>
-                </a:schemeClr>
-              </a:buClr>
-              <a:buSzPct val="145000"/>
-              <a:buFont typeface="Arial"/>
-              <a:buChar char="•"/>
-              <a:defRPr sz="2000" kern="1200" cap="none">
-                <a:solidFill>
-                  <a:schemeClr val="tx1"/>
-                </a:solidFill>
-                <a:effectLst/>
-                <a:latin typeface="+mn-lt"/>
-                <a:ea typeface="+mn-ea"/>
-                <a:cs typeface="+mn-cs"/>
-              </a:defRPr>
-            </a:lvl2pPr>
-            <a:lvl3pPr marL="1200150" indent="-285750" algn="l" defTabSz="457200" rtl="0" eaLnBrk="1" latinLnBrk="0" hangingPunct="1">
-              <a:spcBef>
-                <a:spcPct val="20000"/>
-              </a:spcBef>
-              <a:spcAft>
-                <a:spcPts val="600"/>
-              </a:spcAft>
-              <a:buClr>
-                <a:schemeClr val="accent1">
-                  <a:lumMod val="75000"/>
-                </a:schemeClr>
-              </a:buClr>
-              <a:buSzPct val="145000"/>
-              <a:buFont typeface="Arial"/>
-              <a:buChar char="•"/>
-              <a:defRPr sz="1800" kern="1200" cap="none">
-                <a:solidFill>
-                  <a:schemeClr val="tx1"/>
-                </a:solidFill>
-                <a:effectLst/>
-                <a:latin typeface="+mn-lt"/>
-                <a:ea typeface="+mn-ea"/>
-                <a:cs typeface="+mn-cs"/>
-              </a:defRPr>
-            </a:lvl3pPr>
-            <a:lvl4pPr marL="1543050" indent="-171450" algn="l" defTabSz="457200" rtl="0" eaLnBrk="1" latinLnBrk="0" hangingPunct="1">
-              <a:spcBef>
-                <a:spcPct val="20000"/>
-              </a:spcBef>
-              <a:spcAft>
-                <a:spcPts val="600"/>
-              </a:spcAft>
-              <a:buClr>
-                <a:schemeClr val="accent1">
-                  <a:lumMod val="75000"/>
-                </a:schemeClr>
-              </a:buClr>
-              <a:buSzPct val="145000"/>
-              <a:buFont typeface="Arial"/>
-              <a:buChar char="•"/>
-              <a:defRPr sz="1600" kern="1200" cap="none">
-                <a:solidFill>
-                  <a:schemeClr val="tx1"/>
-                </a:solidFill>
-                <a:effectLst/>
-                <a:latin typeface="+mn-lt"/>
-                <a:ea typeface="+mn-ea"/>
-                <a:cs typeface="+mn-cs"/>
-              </a:defRPr>
-            </a:lvl4pPr>
-            <a:lvl5pPr marL="2000250" indent="-171450" algn="l" defTabSz="457200" rtl="0" eaLnBrk="1" latinLnBrk="0" hangingPunct="1">
-              <a:spcBef>
-                <a:spcPct val="20000"/>
-              </a:spcBef>
-              <a:spcAft>
-                <a:spcPts val="600"/>
-              </a:spcAft>
-              <a:buClr>
-                <a:schemeClr val="accent1">
-                  <a:lumMod val="75000"/>
-                </a:schemeClr>
-              </a:buClr>
-              <a:buSzPct val="145000"/>
-              <a:buFont typeface="Arial"/>
-              <a:buChar char="•"/>
-              <a:defRPr sz="1400" kern="1200" cap="none">
-                <a:solidFill>
-                  <a:schemeClr val="tx1"/>
-                </a:solidFill>
-                <a:effectLst/>
-                <a:latin typeface="+mn-lt"/>
-                <a:ea typeface="+mn-ea"/>
-                <a:cs typeface="+mn-cs"/>
-              </a:defRPr>
-            </a:lvl5pPr>
-            <a:lvl6pPr marL="2514600" indent="-228600" algn="l" defTabSz="457200" rtl="0" eaLnBrk="1" latinLnBrk="0" hangingPunct="1">
-              <a:spcBef>
-                <a:spcPct val="20000"/>
-              </a:spcBef>
-              <a:spcAft>
-                <a:spcPts val="600"/>
-              </a:spcAft>
-              <a:buClr>
-                <a:schemeClr val="accent1">
-                  <a:lumMod val="75000"/>
-                </a:schemeClr>
-              </a:buClr>
-              <a:buSzPct val="145000"/>
-              <a:buFont typeface="Arial"/>
-              <a:buChar char="•"/>
-              <a:defRPr sz="1400" kern="1200" cap="none">
-                <a:solidFill>
-                  <a:schemeClr val="tx1"/>
-                </a:solidFill>
-                <a:effectLst/>
-                <a:latin typeface="+mn-lt"/>
-                <a:ea typeface="+mn-ea"/>
-                <a:cs typeface="+mn-cs"/>
-              </a:defRPr>
-            </a:lvl6pPr>
-            <a:lvl7pPr marL="2971800" indent="-228600" algn="l" defTabSz="457200" rtl="0" eaLnBrk="1" latinLnBrk="0" hangingPunct="1">
-              <a:spcBef>
-                <a:spcPct val="20000"/>
-              </a:spcBef>
-              <a:spcAft>
-                <a:spcPts val="600"/>
-              </a:spcAft>
-              <a:buClr>
-                <a:schemeClr val="accent1">
-                  <a:lumMod val="75000"/>
-                </a:schemeClr>
-              </a:buClr>
-              <a:buSzPct val="145000"/>
-              <a:buFont typeface="Arial"/>
-              <a:buChar char="•"/>
-              <a:defRPr sz="1400" kern="1200" cap="none">
-                <a:solidFill>
-                  <a:schemeClr val="tx1"/>
-                </a:solidFill>
-                <a:effectLst/>
-                <a:latin typeface="+mn-lt"/>
-                <a:ea typeface="+mn-ea"/>
-                <a:cs typeface="+mn-cs"/>
-              </a:defRPr>
-            </a:lvl7pPr>
-            <a:lvl8pPr marL="3429000" indent="-228600" algn="l" defTabSz="457200" rtl="0" eaLnBrk="1" latinLnBrk="0" hangingPunct="1">
-              <a:spcBef>
-                <a:spcPct val="20000"/>
-              </a:spcBef>
-              <a:spcAft>
-                <a:spcPts val="600"/>
-              </a:spcAft>
-              <a:buClr>
-                <a:schemeClr val="accent1">
-                  <a:lumMod val="75000"/>
-                </a:schemeClr>
-              </a:buClr>
-              <a:buSzPct val="145000"/>
-              <a:buFont typeface="Arial"/>
-              <a:buChar char="•"/>
-              <a:defRPr sz="1400" kern="1200" cap="none">
-                <a:solidFill>
-                  <a:schemeClr val="tx1"/>
-                </a:solidFill>
-                <a:effectLst/>
-                <a:latin typeface="+mn-lt"/>
-                <a:ea typeface="+mn-ea"/>
-                <a:cs typeface="+mn-cs"/>
-              </a:defRPr>
-            </a:lvl8pPr>
-            <a:lvl9pPr marL="3886200" indent="-228600" algn="l" defTabSz="457200" rtl="0" eaLnBrk="1" latinLnBrk="0" hangingPunct="1">
-              <a:spcBef>
-                <a:spcPct val="20000"/>
-              </a:spcBef>
-              <a:spcAft>
-                <a:spcPts val="600"/>
-              </a:spcAft>
-              <a:buClr>
-                <a:schemeClr val="accent1">
-                  <a:lumMod val="75000"/>
-                </a:schemeClr>
-              </a:buClr>
-              <a:buSzPct val="145000"/>
-              <a:buFont typeface="Arial"/>
-              <a:buChar char="•"/>
-              <a:defRPr sz="1400" kern="1200" cap="none">
-                <a:solidFill>
-                  <a:schemeClr val="tx1"/>
-                </a:solidFill>
-                <a:effectLst/>
-                <a:latin typeface="+mn-lt"/>
-                <a:ea typeface="+mn-ea"/>
-                <a:cs typeface="+mn-cs"/>
-              </a:defRPr>
-            </a:lvl9pPr>
-          </a:lstStyle>
-          <a:p>
-            <a:r>
-              <a:rPr lang="de-DE" dirty="0"/>
-              <a:t>Quelle: </a:t>
-            </a:r>
-            <a:r>
-              <a:rPr lang="de-DE" dirty="0">
-                <a:hlinkClick r:id="rId3"/>
-              </a:rPr>
-              <a:t>https://www.destatis.de/DE/Themen/Gesellschaft-Umwelt/Verkehrsunfaelle/Publikationen/Downloads-Verkehrsunfaelle/unfaelle-kinder-5462405187004.pdf?__blob=publicationFile</a:t>
-            </a:r>
-            <a:endParaRPr lang="de-DE" dirty="0"/>
-          </a:p>
-        </p:txBody>
-      </p:sp>
-    </p:spTree>
-    <p:extLst>
-      <p:ext uri="{BB962C8B-B14F-4D97-AF65-F5344CB8AC3E}">
-        <p14:creationId xmlns:p14="http://schemas.microsoft.com/office/powerpoint/2010/main" val="534716377"/>
-      </p:ext>
-    </p:extLst>
-  </p:cSld>
-  <p:clrMapOvr>
-    <a:masterClrMapping/>
-  </p:clrMapOvr>
-</p:sld>
-</file>
-
-<file path=ppt/slides/slide19.xml><?xml version="1.0" encoding="utf-8"?>
-<p:sld xmlns:a="http://schemas.openxmlformats.org/drawingml/2006/main" xmlns:r="http://schemas.openxmlformats.org/officeDocument/2006/relationships" xmlns:p="http://schemas.openxmlformats.org/presentationml/2006/main">
-  <p:cSld>
-    <p:spTree>
-      <p:nvGrpSpPr>
-        <p:cNvPr id="1" name=""/>
-        <p:cNvGrpSpPr/>
-        <p:nvPr/>
-      </p:nvGrpSpPr>
-      <p:grpSpPr>
-        <a:xfrm>
-          <a:off x="0" y="0"/>
-          <a:ext cx="0" cy="0"/>
-          <a:chOff x="0" y="0"/>
-          <a:chExt cx="0" cy="0"/>
-        </a:xfrm>
-      </p:grpSpPr>
-      <p:sp>
-        <p:nvSpPr>
-          <p:cNvPr id="2" name="Titel 1">
-            <a:extLst>
-              <a:ext uri="{FF2B5EF4-FFF2-40B4-BE49-F238E27FC236}">
-                <a16:creationId xmlns:a16="http://schemas.microsoft.com/office/drawing/2014/main" id="{CED23BF2-31A4-4D42-ADD2-626405389A04}"/>
-              </a:ext>
-            </a:extLst>
-          </p:cNvPr>
-          <p:cNvSpPr>
-            <a:spLocks noGrp="1"/>
-          </p:cNvSpPr>
-          <p:nvPr>
-            <p:ph type="title"/>
-          </p:nvPr>
-        </p:nvSpPr>
-        <p:spPr/>
-        <p:txBody>
-          <a:bodyPr/>
-          <a:lstStyle/>
-          <a:p>
-            <a:r>
-              <a:rPr lang="de-DE" dirty="0"/>
-              <a:t>Gründe für Verkehrsunfälle bei Kindern unter 15 Jahren</a:t>
-            </a:r>
-          </a:p>
-        </p:txBody>
-      </p:sp>
-      <p:pic>
-        <p:nvPicPr>
-          <p:cNvPr id="4" name="Inhaltsplatzhalter 3">
-            <a:extLst>
-              <a:ext uri="{FF2B5EF4-FFF2-40B4-BE49-F238E27FC236}">
-                <a16:creationId xmlns:a16="http://schemas.microsoft.com/office/drawing/2014/main" id="{C392371C-69FF-4B7A-A611-AD8B6BE383BE}"/>
-              </a:ext>
-            </a:extLst>
-          </p:cNvPr>
-          <p:cNvPicPr>
-            <a:picLocks noGrp="1" noChangeAspect="1"/>
-          </p:cNvPicPr>
-          <p:nvPr>
-            <p:ph idx="1"/>
-          </p:nvPr>
-        </p:nvPicPr>
-        <p:blipFill>
-          <a:blip r:embed="rId2"/>
-          <a:stretch>
-            <a:fillRect/>
-          </a:stretch>
-        </p:blipFill>
-        <p:spPr>
-          <a:xfrm>
-            <a:off x="4144237" y="2667000"/>
-            <a:ext cx="4698863" cy="3124200"/>
-          </a:xfrm>
-          <a:prstGeom prst="rect">
-            <a:avLst/>
-          </a:prstGeom>
-        </p:spPr>
-      </p:pic>
-      <p:sp>
-        <p:nvSpPr>
-          <p:cNvPr id="5" name="Inhaltsplatzhalter 2">
-            <a:extLst>
-              <a:ext uri="{FF2B5EF4-FFF2-40B4-BE49-F238E27FC236}">
-                <a16:creationId xmlns:a16="http://schemas.microsoft.com/office/drawing/2014/main" id="{A326F2FE-EC46-4C13-8388-CA284EE847DC}"/>
-              </a:ext>
-            </a:extLst>
-          </p:cNvPr>
-          <p:cNvSpPr txBox="1">
-            <a:spLocks/>
-          </p:cNvSpPr>
-          <p:nvPr/>
-        </p:nvSpPr>
-        <p:spPr>
-          <a:xfrm>
-            <a:off x="1778224" y="5792003"/>
-            <a:ext cx="10018713" cy="227798"/>
-          </a:xfrm>
-          <a:prstGeom prst="rect">
-            <a:avLst/>
-          </a:prstGeom>
-        </p:spPr>
-        <p:txBody>
-          <a:bodyPr vert="horz" lIns="91440" tIns="45720" rIns="91440" bIns="45720" rtlCol="0" anchor="ctr">
-            <a:normAutofit fontScale="32500" lnSpcReduction="20000"/>
-          </a:bodyPr>
-          <a:lstStyle>
-            <a:lvl1pPr marL="285750" indent="-285750" algn="l" defTabSz="457200" rtl="0" eaLnBrk="1" latinLnBrk="0" hangingPunct="1">
-              <a:spcBef>
-                <a:spcPct val="20000"/>
-              </a:spcBef>
-              <a:spcAft>
-                <a:spcPts val="600"/>
-              </a:spcAft>
-              <a:buClr>
-                <a:schemeClr val="accent1">
-                  <a:lumMod val="75000"/>
-                </a:schemeClr>
-              </a:buClr>
-              <a:buSzPct val="145000"/>
-              <a:buFont typeface="Arial"/>
-              <a:buChar char="•"/>
-              <a:defRPr sz="2400" kern="1200" cap="none">
-                <a:solidFill>
-                  <a:schemeClr val="tx1"/>
-                </a:solidFill>
-                <a:effectLst/>
-                <a:latin typeface="+mn-lt"/>
-                <a:ea typeface="+mn-ea"/>
-                <a:cs typeface="+mn-cs"/>
-              </a:defRPr>
-            </a:lvl1pPr>
-            <a:lvl2pPr marL="742950" indent="-285750" algn="l" defTabSz="457200" rtl="0" eaLnBrk="1" latinLnBrk="0" hangingPunct="1">
-              <a:spcBef>
-                <a:spcPct val="20000"/>
-              </a:spcBef>
-              <a:spcAft>
-                <a:spcPts val="600"/>
-              </a:spcAft>
-              <a:buClr>
-                <a:schemeClr val="accent1">
-                  <a:lumMod val="75000"/>
-                </a:schemeClr>
-              </a:buClr>
-              <a:buSzPct val="145000"/>
-              <a:buFont typeface="Arial"/>
-              <a:buChar char="•"/>
-              <a:defRPr sz="2000" kern="1200" cap="none">
-                <a:solidFill>
-                  <a:schemeClr val="tx1"/>
-                </a:solidFill>
-                <a:effectLst/>
-                <a:latin typeface="+mn-lt"/>
-                <a:ea typeface="+mn-ea"/>
-                <a:cs typeface="+mn-cs"/>
-              </a:defRPr>
-            </a:lvl2pPr>
-            <a:lvl3pPr marL="1200150" indent="-285750" algn="l" defTabSz="457200" rtl="0" eaLnBrk="1" latinLnBrk="0" hangingPunct="1">
-              <a:spcBef>
-                <a:spcPct val="20000"/>
-              </a:spcBef>
-              <a:spcAft>
-                <a:spcPts val="600"/>
-              </a:spcAft>
-              <a:buClr>
-                <a:schemeClr val="accent1">
-                  <a:lumMod val="75000"/>
-                </a:schemeClr>
-              </a:buClr>
-              <a:buSzPct val="145000"/>
-              <a:buFont typeface="Arial"/>
-              <a:buChar char="•"/>
-              <a:defRPr sz="1800" kern="1200" cap="none">
-                <a:solidFill>
-                  <a:schemeClr val="tx1"/>
-                </a:solidFill>
-                <a:effectLst/>
-                <a:latin typeface="+mn-lt"/>
-                <a:ea typeface="+mn-ea"/>
-                <a:cs typeface="+mn-cs"/>
-              </a:defRPr>
-            </a:lvl3pPr>
-            <a:lvl4pPr marL="1543050" indent="-171450" algn="l" defTabSz="457200" rtl="0" eaLnBrk="1" latinLnBrk="0" hangingPunct="1">
-              <a:spcBef>
-                <a:spcPct val="20000"/>
-              </a:spcBef>
-              <a:spcAft>
-                <a:spcPts val="600"/>
-              </a:spcAft>
-              <a:buClr>
-                <a:schemeClr val="accent1">
-                  <a:lumMod val="75000"/>
-                </a:schemeClr>
-              </a:buClr>
-              <a:buSzPct val="145000"/>
-              <a:buFont typeface="Arial"/>
-              <a:buChar char="•"/>
-              <a:defRPr sz="1600" kern="1200" cap="none">
-                <a:solidFill>
-                  <a:schemeClr val="tx1"/>
-                </a:solidFill>
-                <a:effectLst/>
-                <a:latin typeface="+mn-lt"/>
-                <a:ea typeface="+mn-ea"/>
-                <a:cs typeface="+mn-cs"/>
-              </a:defRPr>
-            </a:lvl4pPr>
-            <a:lvl5pPr marL="2000250" indent="-171450" algn="l" defTabSz="457200" rtl="0" eaLnBrk="1" latinLnBrk="0" hangingPunct="1">
-              <a:spcBef>
-                <a:spcPct val="20000"/>
-              </a:spcBef>
-              <a:spcAft>
-                <a:spcPts val="600"/>
-              </a:spcAft>
-              <a:buClr>
-                <a:schemeClr val="accent1">
-                  <a:lumMod val="75000"/>
-                </a:schemeClr>
-              </a:buClr>
-              <a:buSzPct val="145000"/>
-              <a:buFont typeface="Arial"/>
-              <a:buChar char="•"/>
-              <a:defRPr sz="1400" kern="1200" cap="none">
-                <a:solidFill>
-                  <a:schemeClr val="tx1"/>
-                </a:solidFill>
-                <a:effectLst/>
-                <a:latin typeface="+mn-lt"/>
-                <a:ea typeface="+mn-ea"/>
-                <a:cs typeface="+mn-cs"/>
-              </a:defRPr>
-            </a:lvl5pPr>
-            <a:lvl6pPr marL="2514600" indent="-228600" algn="l" defTabSz="457200" rtl="0" eaLnBrk="1" latinLnBrk="0" hangingPunct="1">
-              <a:spcBef>
-                <a:spcPct val="20000"/>
-              </a:spcBef>
-              <a:spcAft>
-                <a:spcPts val="600"/>
-              </a:spcAft>
-              <a:buClr>
-                <a:schemeClr val="accent1">
-                  <a:lumMod val="75000"/>
-                </a:schemeClr>
-              </a:buClr>
-              <a:buSzPct val="145000"/>
-              <a:buFont typeface="Arial"/>
-              <a:buChar char="•"/>
-              <a:defRPr sz="1400" kern="1200" cap="none">
-                <a:solidFill>
-                  <a:schemeClr val="tx1"/>
-                </a:solidFill>
-                <a:effectLst/>
-                <a:latin typeface="+mn-lt"/>
-                <a:ea typeface="+mn-ea"/>
-                <a:cs typeface="+mn-cs"/>
-              </a:defRPr>
-            </a:lvl6pPr>
-            <a:lvl7pPr marL="2971800" indent="-228600" algn="l" defTabSz="457200" rtl="0" eaLnBrk="1" latinLnBrk="0" hangingPunct="1">
-              <a:spcBef>
-                <a:spcPct val="20000"/>
-              </a:spcBef>
-              <a:spcAft>
-                <a:spcPts val="600"/>
-              </a:spcAft>
-              <a:buClr>
-                <a:schemeClr val="accent1">
-                  <a:lumMod val="75000"/>
-                </a:schemeClr>
-              </a:buClr>
-              <a:buSzPct val="145000"/>
-              <a:buFont typeface="Arial"/>
-              <a:buChar char="•"/>
-              <a:defRPr sz="1400" kern="1200" cap="none">
-                <a:solidFill>
-                  <a:schemeClr val="tx1"/>
-                </a:solidFill>
-                <a:effectLst/>
-                <a:latin typeface="+mn-lt"/>
-                <a:ea typeface="+mn-ea"/>
-                <a:cs typeface="+mn-cs"/>
-              </a:defRPr>
-            </a:lvl7pPr>
-            <a:lvl8pPr marL="3429000" indent="-228600" algn="l" defTabSz="457200" rtl="0" eaLnBrk="1" latinLnBrk="0" hangingPunct="1">
-              <a:spcBef>
-                <a:spcPct val="20000"/>
-              </a:spcBef>
-              <a:spcAft>
-                <a:spcPts val="600"/>
-              </a:spcAft>
-              <a:buClr>
-                <a:schemeClr val="accent1">
-                  <a:lumMod val="75000"/>
-                </a:schemeClr>
-              </a:buClr>
-              <a:buSzPct val="145000"/>
-              <a:buFont typeface="Arial"/>
-              <a:buChar char="•"/>
-              <a:defRPr sz="1400" kern="1200" cap="none">
-                <a:solidFill>
-                  <a:schemeClr val="tx1"/>
-                </a:solidFill>
-                <a:effectLst/>
-                <a:latin typeface="+mn-lt"/>
-                <a:ea typeface="+mn-ea"/>
-                <a:cs typeface="+mn-cs"/>
-              </a:defRPr>
-            </a:lvl8pPr>
-            <a:lvl9pPr marL="3886200" indent="-228600" algn="l" defTabSz="457200" rtl="0" eaLnBrk="1" latinLnBrk="0" hangingPunct="1">
-              <a:spcBef>
-                <a:spcPct val="20000"/>
-              </a:spcBef>
-              <a:spcAft>
-                <a:spcPts val="600"/>
-              </a:spcAft>
-              <a:buClr>
-                <a:schemeClr val="accent1">
-                  <a:lumMod val="75000"/>
-                </a:schemeClr>
-              </a:buClr>
-              <a:buSzPct val="145000"/>
-              <a:buFont typeface="Arial"/>
-              <a:buChar char="•"/>
-              <a:defRPr sz="1400" kern="1200" cap="none">
-                <a:solidFill>
-                  <a:schemeClr val="tx1"/>
-                </a:solidFill>
-                <a:effectLst/>
-                <a:latin typeface="+mn-lt"/>
-                <a:ea typeface="+mn-ea"/>
-                <a:cs typeface="+mn-cs"/>
-              </a:defRPr>
-            </a:lvl9pPr>
-          </a:lstStyle>
-          <a:p>
-            <a:r>
-              <a:rPr lang="de-DE" dirty="0"/>
-              <a:t>Quelle: </a:t>
-            </a:r>
-            <a:r>
-              <a:rPr lang="de-DE" dirty="0">
-                <a:hlinkClick r:id="rId3"/>
-              </a:rPr>
-              <a:t>https://www.destatis.de/DE/Themen/Gesellschaft-Umwelt/Verkehrsunfaelle/Publikationen/Downloads-Verkehrsunfaelle/unfaelle-kinder-5462405187004.pdf?__blob=publicationFile</a:t>
-            </a:r>
-            <a:endParaRPr lang="de-DE" dirty="0"/>
-          </a:p>
-        </p:txBody>
-      </p:sp>
-    </p:spTree>
-    <p:extLst>
-      <p:ext uri="{BB962C8B-B14F-4D97-AF65-F5344CB8AC3E}">
-        <p14:creationId xmlns:p14="http://schemas.microsoft.com/office/powerpoint/2010/main" val="2097372535"/>
-      </p:ext>
-    </p:extLst>
-  </p:cSld>
-  <p:clrMapOvr>
-    <a:masterClrMapping/>
-  </p:clrMapOvr>
-</p:sld>
-</file>
-
-<file path=ppt/slides/slide2.xml><?xml version="1.0" encoding="utf-8"?>
-<p:sld xmlns:a="http://schemas.openxmlformats.org/drawingml/2006/main" xmlns:r="http://schemas.openxmlformats.org/officeDocument/2006/relationships" xmlns:p="http://schemas.openxmlformats.org/presentationml/2006/main">
-  <p:cSld>
-    <p:spTree>
-      <p:nvGrpSpPr>
-        <p:cNvPr id="1" name=""/>
-        <p:cNvGrpSpPr/>
-        <p:nvPr/>
-      </p:nvGrpSpPr>
-      <p:grpSpPr>
-        <a:xfrm>
-          <a:off x="0" y="0"/>
-          <a:ext cx="0" cy="0"/>
-          <a:chOff x="0" y="0"/>
-          <a:chExt cx="0" cy="0"/>
-        </a:xfrm>
-      </p:grpSpPr>
-      <p:sp>
-        <p:nvSpPr>
-          <p:cNvPr id="2" name="Titel 1">
-            <a:extLst>
-              <a:ext uri="{FF2B5EF4-FFF2-40B4-BE49-F238E27FC236}">
-                <a16:creationId xmlns:a16="http://schemas.microsoft.com/office/drawing/2014/main" id="{309D410C-BF5E-474B-B7B0-5E9A0244BB3F}"/>
-              </a:ext>
-            </a:extLst>
-          </p:cNvPr>
-          <p:cNvSpPr>
-            <a:spLocks noGrp="1"/>
-          </p:cNvSpPr>
-          <p:nvPr>
-            <p:ph type="title"/>
-          </p:nvPr>
-        </p:nvSpPr>
-        <p:spPr/>
-        <p:txBody>
-          <a:bodyPr/>
-          <a:lstStyle/>
-          <a:p>
-            <a:r>
-              <a:rPr lang="de-DE" dirty="0"/>
-              <a:t>Agenda</a:t>
-            </a:r>
-          </a:p>
-        </p:txBody>
-      </p:sp>
-      <p:sp>
-        <p:nvSpPr>
-          <p:cNvPr id="3" name="Inhaltsplatzhalter 2">
-            <a:extLst>
-              <a:ext uri="{FF2B5EF4-FFF2-40B4-BE49-F238E27FC236}">
-                <a16:creationId xmlns:a16="http://schemas.microsoft.com/office/drawing/2014/main" id="{2540DA5D-5324-4C9F-B39D-2C34BCC17F6A}"/>
-              </a:ext>
-            </a:extLst>
-          </p:cNvPr>
-          <p:cNvSpPr>
-            <a:spLocks noGrp="1"/>
-          </p:cNvSpPr>
-          <p:nvPr>
-            <p:ph idx="1"/>
-          </p:nvPr>
-        </p:nvSpPr>
-        <p:spPr/>
-        <p:txBody>
-          <a:bodyPr/>
-          <a:lstStyle/>
-          <a:p>
-            <a:r>
-              <a:rPr lang="de-DE" dirty="0"/>
-              <a:t>Problemstellung</a:t>
-            </a:r>
-          </a:p>
-          <a:p>
-            <a:r>
-              <a:rPr lang="de-DE" dirty="0"/>
-              <a:t>Idee und Aufgaben</a:t>
-            </a:r>
-          </a:p>
-          <a:p>
-            <a:r>
-              <a:rPr lang="de-DE" dirty="0"/>
-              <a:t>Deep Learning</a:t>
-            </a:r>
-          </a:p>
-          <a:p>
-            <a:r>
-              <a:rPr lang="de-DE" dirty="0"/>
-              <a:t>Verkehrszeichenerkennung </a:t>
-            </a:r>
-          </a:p>
-          <a:p>
-            <a:r>
-              <a:rPr lang="de-DE" dirty="0"/>
-              <a:t>Ergebnispräsentation</a:t>
-            </a:r>
-          </a:p>
-          <a:p>
-            <a:r>
-              <a:rPr lang="de-DE" dirty="0"/>
-              <a:t>Fazit und Ausblick</a:t>
-            </a:r>
-          </a:p>
-        </p:txBody>
-      </p:sp>
-    </p:spTree>
-    <p:extLst>
-      <p:ext uri="{BB962C8B-B14F-4D97-AF65-F5344CB8AC3E}">
-        <p14:creationId xmlns:p14="http://schemas.microsoft.com/office/powerpoint/2010/main" val="2426870590"/>
-      </p:ext>
-    </p:extLst>
-  </p:cSld>
-  <p:clrMapOvr>
-    <a:masterClrMapping/>
-  </p:clrMapOvr>
-</p:sld>
-</file>
-
-<file path=ppt/slides/slide20.xml><?xml version="1.0" encoding="utf-8"?>
-<p:sld xmlns:a="http://schemas.openxmlformats.org/drawingml/2006/main" xmlns:r="http://schemas.openxmlformats.org/officeDocument/2006/relationships" xmlns:p="http://schemas.openxmlformats.org/presentationml/2006/main">
-  <p:cSld>
-    <p:spTree>
-      <p:nvGrpSpPr>
-        <p:cNvPr id="1" name=""/>
-        <p:cNvGrpSpPr/>
-        <p:nvPr/>
-      </p:nvGrpSpPr>
-      <p:grpSpPr>
-        <a:xfrm>
-          <a:off x="0" y="0"/>
-          <a:ext cx="0" cy="0"/>
-          <a:chOff x="0" y="0"/>
-          <a:chExt cx="0" cy="0"/>
-        </a:xfrm>
-      </p:grpSpPr>
-      <p:sp>
-        <p:nvSpPr>
-          <p:cNvPr id="2" name="Titel 1">
-            <a:extLst>
-              <a:ext uri="{FF2B5EF4-FFF2-40B4-BE49-F238E27FC236}">
-                <a16:creationId xmlns:a16="http://schemas.microsoft.com/office/drawing/2014/main" id="{44E17254-ABF7-47F3-B05B-B132ACB29991}"/>
-              </a:ext>
-            </a:extLst>
-          </p:cNvPr>
-          <p:cNvSpPr>
-            <a:spLocks noGrp="1"/>
-          </p:cNvSpPr>
-          <p:nvPr>
-            <p:ph type="title"/>
-          </p:nvPr>
-        </p:nvSpPr>
-        <p:spPr/>
-        <p:txBody>
-          <a:bodyPr/>
-          <a:lstStyle/>
-          <a:p>
-            <a:r>
-              <a:rPr lang="de-DE" dirty="0"/>
-              <a:t>HSL-Farbraum</a:t>
-            </a:r>
-          </a:p>
-        </p:txBody>
-      </p:sp>
-      <p:pic>
-        <p:nvPicPr>
-          <p:cNvPr id="5" name="Inhaltsplatzhalter 4">
-            <a:extLst>
-              <a:ext uri="{FF2B5EF4-FFF2-40B4-BE49-F238E27FC236}">
-                <a16:creationId xmlns:a16="http://schemas.microsoft.com/office/drawing/2014/main" id="{A40DBB55-5B88-4BA6-9119-355A8549E515}"/>
-              </a:ext>
-            </a:extLst>
-          </p:cNvPr>
-          <p:cNvPicPr>
-            <a:picLocks noGrp="1" noChangeAspect="1"/>
-          </p:cNvPicPr>
-          <p:nvPr>
-            <p:ph idx="1"/>
-          </p:nvPr>
-        </p:nvPicPr>
-        <p:blipFill>
-          <a:blip r:embed="rId2">
-            <a:extLst>
-              <a:ext uri="{28A0092B-C50C-407E-A947-70E740481C1C}">
-                <a14:useLocalDpi xmlns:a14="http://schemas.microsoft.com/office/drawing/2010/main" val="0"/>
-              </a:ext>
-            </a:extLst>
-          </a:blip>
-          <a:stretch>
-            <a:fillRect/>
-          </a:stretch>
-        </p:blipFill>
-        <p:spPr>
-          <a:xfrm>
-            <a:off x="3850105" y="2570195"/>
-            <a:ext cx="4794560" cy="3602005"/>
-          </a:xfrm>
-        </p:spPr>
-      </p:pic>
-      <p:sp>
-        <p:nvSpPr>
-          <p:cNvPr id="6" name="Inhaltsplatzhalter 2">
-            <a:extLst>
-              <a:ext uri="{FF2B5EF4-FFF2-40B4-BE49-F238E27FC236}">
-                <a16:creationId xmlns:a16="http://schemas.microsoft.com/office/drawing/2014/main" id="{50EEE939-3F86-4B95-96CF-EE16A89165A9}"/>
-              </a:ext>
-            </a:extLst>
-          </p:cNvPr>
-          <p:cNvSpPr txBox="1">
-            <a:spLocks/>
-          </p:cNvSpPr>
-          <p:nvPr/>
-        </p:nvSpPr>
-        <p:spPr>
-          <a:xfrm>
-            <a:off x="1917017" y="6190097"/>
-            <a:ext cx="10018713" cy="227798"/>
-          </a:xfrm>
-          <a:prstGeom prst="rect">
-            <a:avLst/>
-          </a:prstGeom>
-        </p:spPr>
-        <p:txBody>
-          <a:bodyPr vert="horz" lIns="91440" tIns="45720" rIns="91440" bIns="45720" rtlCol="0" anchor="ctr">
-            <a:normAutofit fontScale="40000" lnSpcReduction="20000"/>
-          </a:bodyPr>
-          <a:lstStyle>
-            <a:lvl1pPr marL="285750" indent="-285750" algn="l" defTabSz="457200" rtl="0" eaLnBrk="1" latinLnBrk="0" hangingPunct="1">
-              <a:spcBef>
-                <a:spcPct val="20000"/>
-              </a:spcBef>
-              <a:spcAft>
-                <a:spcPts val="600"/>
-              </a:spcAft>
-              <a:buClr>
-                <a:schemeClr val="accent1">
-                  <a:lumMod val="75000"/>
-                </a:schemeClr>
-              </a:buClr>
-              <a:buSzPct val="145000"/>
-              <a:buFont typeface="Arial"/>
-              <a:buChar char="•"/>
-              <a:defRPr sz="2400" kern="1200" cap="none">
-                <a:solidFill>
-                  <a:schemeClr val="tx1"/>
-                </a:solidFill>
-                <a:effectLst/>
-                <a:latin typeface="+mn-lt"/>
-                <a:ea typeface="+mn-ea"/>
-                <a:cs typeface="+mn-cs"/>
-              </a:defRPr>
-            </a:lvl1pPr>
-            <a:lvl2pPr marL="742950" indent="-285750" algn="l" defTabSz="457200" rtl="0" eaLnBrk="1" latinLnBrk="0" hangingPunct="1">
-              <a:spcBef>
-                <a:spcPct val="20000"/>
-              </a:spcBef>
-              <a:spcAft>
-                <a:spcPts val="600"/>
-              </a:spcAft>
-              <a:buClr>
-                <a:schemeClr val="accent1">
-                  <a:lumMod val="75000"/>
-                </a:schemeClr>
-              </a:buClr>
-              <a:buSzPct val="145000"/>
-              <a:buFont typeface="Arial"/>
-              <a:buChar char="•"/>
-              <a:defRPr sz="2000" kern="1200" cap="none">
-                <a:solidFill>
-                  <a:schemeClr val="tx1"/>
-                </a:solidFill>
-                <a:effectLst/>
-                <a:latin typeface="+mn-lt"/>
-                <a:ea typeface="+mn-ea"/>
-                <a:cs typeface="+mn-cs"/>
-              </a:defRPr>
-            </a:lvl2pPr>
-            <a:lvl3pPr marL="1200150" indent="-285750" algn="l" defTabSz="457200" rtl="0" eaLnBrk="1" latinLnBrk="0" hangingPunct="1">
-              <a:spcBef>
-                <a:spcPct val="20000"/>
-              </a:spcBef>
-              <a:spcAft>
-                <a:spcPts val="600"/>
-              </a:spcAft>
-              <a:buClr>
-                <a:schemeClr val="accent1">
-                  <a:lumMod val="75000"/>
-                </a:schemeClr>
-              </a:buClr>
-              <a:buSzPct val="145000"/>
-              <a:buFont typeface="Arial"/>
-              <a:buChar char="•"/>
-              <a:defRPr sz="1800" kern="1200" cap="none">
-                <a:solidFill>
-                  <a:schemeClr val="tx1"/>
-                </a:solidFill>
-                <a:effectLst/>
-                <a:latin typeface="+mn-lt"/>
-                <a:ea typeface="+mn-ea"/>
-                <a:cs typeface="+mn-cs"/>
-              </a:defRPr>
-            </a:lvl3pPr>
-            <a:lvl4pPr marL="1543050" indent="-171450" algn="l" defTabSz="457200" rtl="0" eaLnBrk="1" latinLnBrk="0" hangingPunct="1">
-              <a:spcBef>
-                <a:spcPct val="20000"/>
-              </a:spcBef>
-              <a:spcAft>
-                <a:spcPts val="600"/>
-              </a:spcAft>
-              <a:buClr>
-                <a:schemeClr val="accent1">
-                  <a:lumMod val="75000"/>
-                </a:schemeClr>
-              </a:buClr>
-              <a:buSzPct val="145000"/>
-              <a:buFont typeface="Arial"/>
-              <a:buChar char="•"/>
-              <a:defRPr sz="1600" kern="1200" cap="none">
-                <a:solidFill>
-                  <a:schemeClr val="tx1"/>
-                </a:solidFill>
-                <a:effectLst/>
-                <a:latin typeface="+mn-lt"/>
-                <a:ea typeface="+mn-ea"/>
-                <a:cs typeface="+mn-cs"/>
-              </a:defRPr>
-            </a:lvl4pPr>
-            <a:lvl5pPr marL="2000250" indent="-171450" algn="l" defTabSz="457200" rtl="0" eaLnBrk="1" latinLnBrk="0" hangingPunct="1">
-              <a:spcBef>
-                <a:spcPct val="20000"/>
-              </a:spcBef>
-              <a:spcAft>
-                <a:spcPts val="600"/>
-              </a:spcAft>
-              <a:buClr>
-                <a:schemeClr val="accent1">
-                  <a:lumMod val="75000"/>
-                </a:schemeClr>
-              </a:buClr>
-              <a:buSzPct val="145000"/>
-              <a:buFont typeface="Arial"/>
-              <a:buChar char="•"/>
-              <a:defRPr sz="1400" kern="1200" cap="none">
-                <a:solidFill>
-                  <a:schemeClr val="tx1"/>
-                </a:solidFill>
-                <a:effectLst/>
-                <a:latin typeface="+mn-lt"/>
-                <a:ea typeface="+mn-ea"/>
-                <a:cs typeface="+mn-cs"/>
-              </a:defRPr>
-            </a:lvl5pPr>
-            <a:lvl6pPr marL="2514600" indent="-228600" algn="l" defTabSz="457200" rtl="0" eaLnBrk="1" latinLnBrk="0" hangingPunct="1">
-              <a:spcBef>
-                <a:spcPct val="20000"/>
-              </a:spcBef>
-              <a:spcAft>
-                <a:spcPts val="600"/>
-              </a:spcAft>
-              <a:buClr>
-                <a:schemeClr val="accent1">
-                  <a:lumMod val="75000"/>
-                </a:schemeClr>
-              </a:buClr>
-              <a:buSzPct val="145000"/>
-              <a:buFont typeface="Arial"/>
-              <a:buChar char="•"/>
-              <a:defRPr sz="1400" kern="1200" cap="none">
-                <a:solidFill>
-                  <a:schemeClr val="tx1"/>
-                </a:solidFill>
-                <a:effectLst/>
-                <a:latin typeface="+mn-lt"/>
-                <a:ea typeface="+mn-ea"/>
-                <a:cs typeface="+mn-cs"/>
-              </a:defRPr>
-            </a:lvl6pPr>
-            <a:lvl7pPr marL="2971800" indent="-228600" algn="l" defTabSz="457200" rtl="0" eaLnBrk="1" latinLnBrk="0" hangingPunct="1">
-              <a:spcBef>
-                <a:spcPct val="20000"/>
-              </a:spcBef>
-              <a:spcAft>
-                <a:spcPts val="600"/>
-              </a:spcAft>
-              <a:buClr>
-                <a:schemeClr val="accent1">
-                  <a:lumMod val="75000"/>
-                </a:schemeClr>
-              </a:buClr>
-              <a:buSzPct val="145000"/>
-              <a:buFont typeface="Arial"/>
-              <a:buChar char="•"/>
-              <a:defRPr sz="1400" kern="1200" cap="none">
-                <a:solidFill>
-                  <a:schemeClr val="tx1"/>
-                </a:solidFill>
-                <a:effectLst/>
-                <a:latin typeface="+mn-lt"/>
-                <a:ea typeface="+mn-ea"/>
-                <a:cs typeface="+mn-cs"/>
-              </a:defRPr>
-            </a:lvl7pPr>
-            <a:lvl8pPr marL="3429000" indent="-228600" algn="l" defTabSz="457200" rtl="0" eaLnBrk="1" latinLnBrk="0" hangingPunct="1">
-              <a:spcBef>
-                <a:spcPct val="20000"/>
-              </a:spcBef>
-              <a:spcAft>
-                <a:spcPts val="600"/>
-              </a:spcAft>
-              <a:buClr>
-                <a:schemeClr val="accent1">
-                  <a:lumMod val="75000"/>
-                </a:schemeClr>
-              </a:buClr>
-              <a:buSzPct val="145000"/>
-              <a:buFont typeface="Arial"/>
-              <a:buChar char="•"/>
-              <a:defRPr sz="1400" kern="1200" cap="none">
-                <a:solidFill>
-                  <a:schemeClr val="tx1"/>
-                </a:solidFill>
-                <a:effectLst/>
-                <a:latin typeface="+mn-lt"/>
-                <a:ea typeface="+mn-ea"/>
-                <a:cs typeface="+mn-cs"/>
-              </a:defRPr>
-            </a:lvl8pPr>
-            <a:lvl9pPr marL="3886200" indent="-228600" algn="l" defTabSz="457200" rtl="0" eaLnBrk="1" latinLnBrk="0" hangingPunct="1">
-              <a:spcBef>
-                <a:spcPct val="20000"/>
-              </a:spcBef>
-              <a:spcAft>
-                <a:spcPts val="600"/>
-              </a:spcAft>
-              <a:buClr>
-                <a:schemeClr val="accent1">
-                  <a:lumMod val="75000"/>
-                </a:schemeClr>
-              </a:buClr>
-              <a:buSzPct val="145000"/>
-              <a:buFont typeface="Arial"/>
-              <a:buChar char="•"/>
-              <a:defRPr sz="1400" kern="1200" cap="none">
-                <a:solidFill>
-                  <a:schemeClr val="tx1"/>
-                </a:solidFill>
-                <a:effectLst/>
-                <a:latin typeface="+mn-lt"/>
-                <a:ea typeface="+mn-ea"/>
-                <a:cs typeface="+mn-cs"/>
-              </a:defRPr>
-            </a:lvl9pPr>
-          </a:lstStyle>
-          <a:p>
-            <a:r>
-              <a:rPr lang="de-DE" dirty="0"/>
-              <a:t>Quelle: </a:t>
-            </a:r>
-            <a:r>
-              <a:rPr lang="de-DE" dirty="0">
-                <a:hlinkClick r:id="rId3"/>
-              </a:rPr>
-              <a:t>https://upload.wikimedia.org/wikipedia/commons/thumb/6/6b/HSL_color_solid_cylinder_saturation_gray.png/197px-HSL_color_solid_cylinder_saturation_gray.png</a:t>
-            </a:r>
-            <a:endParaRPr lang="de-DE" dirty="0"/>
-          </a:p>
-        </p:txBody>
-      </p:sp>
-    </p:spTree>
-    <p:extLst>
-      <p:ext uri="{BB962C8B-B14F-4D97-AF65-F5344CB8AC3E}">
-        <p14:creationId xmlns:p14="http://schemas.microsoft.com/office/powerpoint/2010/main" val="1866930944"/>
-      </p:ext>
-    </p:extLst>
-  </p:cSld>
-  <p:clrMapOvr>
-    <a:masterClrMapping/>
-  </p:clrMapOvr>
-</p:sld>
-</file>
-
-<file path=ppt/slides/slide3.xml><?xml version="1.0" encoding="utf-8"?>
-<p:sld xmlns:a="http://schemas.openxmlformats.org/drawingml/2006/main" xmlns:r="http://schemas.openxmlformats.org/officeDocument/2006/relationships" xmlns:p="http://schemas.openxmlformats.org/presentationml/2006/main">
-  <p:cSld>
-    <p:spTree>
-      <p:nvGrpSpPr>
-        <p:cNvPr id="1" name=""/>
-        <p:cNvGrpSpPr/>
-        <p:nvPr/>
-      </p:nvGrpSpPr>
-      <p:grpSpPr>
-        <a:xfrm>
-          <a:off x="0" y="0"/>
-          <a:ext cx="0" cy="0"/>
-          <a:chOff x="0" y="0"/>
-          <a:chExt cx="0" cy="0"/>
-        </a:xfrm>
-      </p:grpSpPr>
-      <p:sp>
-        <p:nvSpPr>
-          <p:cNvPr id="2" name="Titel 1">
-            <a:extLst>
-              <a:ext uri="{FF2B5EF4-FFF2-40B4-BE49-F238E27FC236}">
-                <a16:creationId xmlns:a16="http://schemas.microsoft.com/office/drawing/2014/main" id="{C0D45175-AE13-404A-97E2-FB1DB10636EA}"/>
-              </a:ext>
-            </a:extLst>
-          </p:cNvPr>
-          <p:cNvSpPr>
-            <a:spLocks noGrp="1"/>
-          </p:cNvSpPr>
-          <p:nvPr>
-            <p:ph type="title"/>
-          </p:nvPr>
-        </p:nvSpPr>
-        <p:spPr/>
-        <p:txBody>
-          <a:bodyPr/>
-          <a:lstStyle/>
-          <a:p>
-            <a:r>
-              <a:rPr lang="de-DE" dirty="0"/>
-              <a:t>Problemstellung</a:t>
-            </a:r>
-          </a:p>
-        </p:txBody>
-      </p:sp>
-      <p:sp>
-        <p:nvSpPr>
-          <p:cNvPr id="3" name="Inhaltsplatzhalter 2">
-            <a:extLst>
-              <a:ext uri="{FF2B5EF4-FFF2-40B4-BE49-F238E27FC236}">
-                <a16:creationId xmlns:a16="http://schemas.microsoft.com/office/drawing/2014/main" id="{40032195-C362-4800-8873-936BC695F799}"/>
-              </a:ext>
-            </a:extLst>
-          </p:cNvPr>
-          <p:cNvSpPr>
-            <a:spLocks noGrp="1"/>
-          </p:cNvSpPr>
-          <p:nvPr>
-            <p:ph idx="1"/>
-          </p:nvPr>
-        </p:nvSpPr>
-        <p:spPr>
-          <a:xfrm>
-            <a:off x="1484311" y="2666999"/>
-            <a:ext cx="4940240" cy="3124201"/>
-          </a:xfrm>
-        </p:spPr>
-        <p:txBody>
-          <a:bodyPr/>
-          <a:lstStyle/>
-          <a:p>
-            <a:r>
-              <a:rPr lang="de-DE" dirty="0"/>
-              <a:t>Verunglückte Kinder: </a:t>
-            </a:r>
-            <a:r>
-              <a:rPr lang="de-DE" dirty="0" err="1"/>
-              <a:t>ung</a:t>
-            </a:r>
-            <a:r>
-              <a:rPr lang="de-DE" dirty="0"/>
-              <a:t>. 10.200 Kinder im Jahr 2018</a:t>
-            </a:r>
-          </a:p>
-          <a:p>
-            <a:r>
-              <a:rPr lang="de-DE" dirty="0"/>
-              <a:t>11.3 % wegen Vorfahrt und Vorrang </a:t>
-            </a:r>
-          </a:p>
-          <a:p>
-            <a:r>
-              <a:rPr lang="de-DE" dirty="0"/>
-              <a:t>Unfälle ohne Verletzungen nicht inbegriffen</a:t>
-            </a:r>
-          </a:p>
-          <a:p>
-            <a:endParaRPr lang="de-DE" dirty="0"/>
-          </a:p>
-        </p:txBody>
-      </p:sp>
-      <p:sp>
-        <p:nvSpPr>
-          <p:cNvPr id="4" name="Inhaltsplatzhalter 2">
-            <a:extLst>
-              <a:ext uri="{FF2B5EF4-FFF2-40B4-BE49-F238E27FC236}">
-                <a16:creationId xmlns:a16="http://schemas.microsoft.com/office/drawing/2014/main" id="{4FAF3093-9E29-4E04-AF15-26781E848287}"/>
-              </a:ext>
-            </a:extLst>
-          </p:cNvPr>
-          <p:cNvSpPr txBox="1">
-            <a:spLocks/>
-          </p:cNvSpPr>
-          <p:nvPr/>
-        </p:nvSpPr>
-        <p:spPr>
-          <a:xfrm>
-            <a:off x="1885101" y="5905901"/>
-            <a:ext cx="10018713" cy="227798"/>
-          </a:xfrm>
-          <a:prstGeom prst="rect">
-            <a:avLst/>
-          </a:prstGeom>
-        </p:spPr>
-        <p:txBody>
-          <a:bodyPr vert="horz" lIns="91440" tIns="45720" rIns="91440" bIns="45720" rtlCol="0" anchor="ctr">
-            <a:noAutofit/>
-          </a:bodyPr>
-          <a:lstStyle>
-            <a:lvl1pPr marL="285750" indent="-285750" algn="l" defTabSz="457200" rtl="0" eaLnBrk="1" latinLnBrk="0" hangingPunct="1">
-              <a:spcBef>
-                <a:spcPct val="20000"/>
-              </a:spcBef>
-              <a:spcAft>
-                <a:spcPts val="600"/>
-              </a:spcAft>
-              <a:buClr>
-                <a:schemeClr val="accent1">
-                  <a:lumMod val="75000"/>
-                </a:schemeClr>
-              </a:buClr>
-              <a:buSzPct val="145000"/>
-              <a:buFont typeface="Arial"/>
-              <a:buChar char="•"/>
-              <a:defRPr sz="2400" kern="1200" cap="none">
-                <a:solidFill>
-                  <a:schemeClr val="tx1"/>
-                </a:solidFill>
-                <a:effectLst/>
-                <a:latin typeface="+mn-lt"/>
-                <a:ea typeface="+mn-ea"/>
-                <a:cs typeface="+mn-cs"/>
-              </a:defRPr>
-            </a:lvl1pPr>
-            <a:lvl2pPr marL="742950" indent="-285750" algn="l" defTabSz="457200" rtl="0" eaLnBrk="1" latinLnBrk="0" hangingPunct="1">
-              <a:spcBef>
-                <a:spcPct val="20000"/>
-              </a:spcBef>
-              <a:spcAft>
-                <a:spcPts val="600"/>
-              </a:spcAft>
-              <a:buClr>
-                <a:schemeClr val="accent1">
-                  <a:lumMod val="75000"/>
-                </a:schemeClr>
-              </a:buClr>
-              <a:buSzPct val="145000"/>
-              <a:buFont typeface="Arial"/>
-              <a:buChar char="•"/>
-              <a:defRPr sz="2000" kern="1200" cap="none">
-                <a:solidFill>
-                  <a:schemeClr val="tx1"/>
-                </a:solidFill>
-                <a:effectLst/>
-                <a:latin typeface="+mn-lt"/>
-                <a:ea typeface="+mn-ea"/>
-                <a:cs typeface="+mn-cs"/>
-              </a:defRPr>
-            </a:lvl2pPr>
-            <a:lvl3pPr marL="1200150" indent="-285750" algn="l" defTabSz="457200" rtl="0" eaLnBrk="1" latinLnBrk="0" hangingPunct="1">
-              <a:spcBef>
-                <a:spcPct val="20000"/>
-              </a:spcBef>
-              <a:spcAft>
-                <a:spcPts val="600"/>
-              </a:spcAft>
-              <a:buClr>
-                <a:schemeClr val="accent1">
-                  <a:lumMod val="75000"/>
-                </a:schemeClr>
-              </a:buClr>
-              <a:buSzPct val="145000"/>
-              <a:buFont typeface="Arial"/>
-              <a:buChar char="•"/>
-              <a:defRPr sz="1800" kern="1200" cap="none">
-                <a:solidFill>
-                  <a:schemeClr val="tx1"/>
-                </a:solidFill>
-                <a:effectLst/>
-                <a:latin typeface="+mn-lt"/>
-                <a:ea typeface="+mn-ea"/>
-                <a:cs typeface="+mn-cs"/>
-              </a:defRPr>
-            </a:lvl3pPr>
-            <a:lvl4pPr marL="1543050" indent="-171450" algn="l" defTabSz="457200" rtl="0" eaLnBrk="1" latinLnBrk="0" hangingPunct="1">
-              <a:spcBef>
-                <a:spcPct val="20000"/>
-              </a:spcBef>
-              <a:spcAft>
-                <a:spcPts val="600"/>
-              </a:spcAft>
-              <a:buClr>
-                <a:schemeClr val="accent1">
-                  <a:lumMod val="75000"/>
-                </a:schemeClr>
-              </a:buClr>
-              <a:buSzPct val="145000"/>
-              <a:buFont typeface="Arial"/>
-              <a:buChar char="•"/>
-              <a:defRPr sz="1600" kern="1200" cap="none">
-                <a:solidFill>
-                  <a:schemeClr val="tx1"/>
-                </a:solidFill>
-                <a:effectLst/>
-                <a:latin typeface="+mn-lt"/>
-                <a:ea typeface="+mn-ea"/>
-                <a:cs typeface="+mn-cs"/>
-              </a:defRPr>
-            </a:lvl4pPr>
-            <a:lvl5pPr marL="2000250" indent="-171450" algn="l" defTabSz="457200" rtl="0" eaLnBrk="1" latinLnBrk="0" hangingPunct="1">
-              <a:spcBef>
-                <a:spcPct val="20000"/>
-              </a:spcBef>
-              <a:spcAft>
-                <a:spcPts val="600"/>
-              </a:spcAft>
-              <a:buClr>
-                <a:schemeClr val="accent1">
-                  <a:lumMod val="75000"/>
-                </a:schemeClr>
-              </a:buClr>
-              <a:buSzPct val="145000"/>
-              <a:buFont typeface="Arial"/>
-              <a:buChar char="•"/>
-              <a:defRPr sz="1400" kern="1200" cap="none">
-                <a:solidFill>
-                  <a:schemeClr val="tx1"/>
-                </a:solidFill>
-                <a:effectLst/>
-                <a:latin typeface="+mn-lt"/>
-                <a:ea typeface="+mn-ea"/>
-                <a:cs typeface="+mn-cs"/>
-              </a:defRPr>
-            </a:lvl5pPr>
-            <a:lvl6pPr marL="2514600" indent="-228600" algn="l" defTabSz="457200" rtl="0" eaLnBrk="1" latinLnBrk="0" hangingPunct="1">
-              <a:spcBef>
-                <a:spcPct val="20000"/>
-              </a:spcBef>
-              <a:spcAft>
-                <a:spcPts val="600"/>
-              </a:spcAft>
-              <a:buClr>
-                <a:schemeClr val="accent1">
-                  <a:lumMod val="75000"/>
-                </a:schemeClr>
-              </a:buClr>
-              <a:buSzPct val="145000"/>
-              <a:buFont typeface="Arial"/>
-              <a:buChar char="•"/>
-              <a:defRPr sz="1400" kern="1200" cap="none">
-                <a:solidFill>
-                  <a:schemeClr val="tx1"/>
-                </a:solidFill>
-                <a:effectLst/>
-                <a:latin typeface="+mn-lt"/>
-                <a:ea typeface="+mn-ea"/>
-                <a:cs typeface="+mn-cs"/>
-              </a:defRPr>
-            </a:lvl6pPr>
-            <a:lvl7pPr marL="2971800" indent="-228600" algn="l" defTabSz="457200" rtl="0" eaLnBrk="1" latinLnBrk="0" hangingPunct="1">
-              <a:spcBef>
-                <a:spcPct val="20000"/>
-              </a:spcBef>
-              <a:spcAft>
-                <a:spcPts val="600"/>
-              </a:spcAft>
-              <a:buClr>
-                <a:schemeClr val="accent1">
-                  <a:lumMod val="75000"/>
-                </a:schemeClr>
-              </a:buClr>
-              <a:buSzPct val="145000"/>
-              <a:buFont typeface="Arial"/>
-              <a:buChar char="•"/>
-              <a:defRPr sz="1400" kern="1200" cap="none">
-                <a:solidFill>
-                  <a:schemeClr val="tx1"/>
-                </a:solidFill>
-                <a:effectLst/>
-                <a:latin typeface="+mn-lt"/>
-                <a:ea typeface="+mn-ea"/>
-                <a:cs typeface="+mn-cs"/>
-              </a:defRPr>
-            </a:lvl7pPr>
-            <a:lvl8pPr marL="3429000" indent="-228600" algn="l" defTabSz="457200" rtl="0" eaLnBrk="1" latinLnBrk="0" hangingPunct="1">
-              <a:spcBef>
-                <a:spcPct val="20000"/>
-              </a:spcBef>
-              <a:spcAft>
-                <a:spcPts val="600"/>
-              </a:spcAft>
-              <a:buClr>
-                <a:schemeClr val="accent1">
-                  <a:lumMod val="75000"/>
-                </a:schemeClr>
-              </a:buClr>
-              <a:buSzPct val="145000"/>
-              <a:buFont typeface="Arial"/>
-              <a:buChar char="•"/>
-              <a:defRPr sz="1400" kern="1200" cap="none">
-                <a:solidFill>
-                  <a:schemeClr val="tx1"/>
-                </a:solidFill>
-                <a:effectLst/>
-                <a:latin typeface="+mn-lt"/>
-                <a:ea typeface="+mn-ea"/>
-                <a:cs typeface="+mn-cs"/>
-              </a:defRPr>
-            </a:lvl8pPr>
-            <a:lvl9pPr marL="3886200" indent="-228600" algn="l" defTabSz="457200" rtl="0" eaLnBrk="1" latinLnBrk="0" hangingPunct="1">
-              <a:spcBef>
-                <a:spcPct val="20000"/>
-              </a:spcBef>
-              <a:spcAft>
-                <a:spcPts val="600"/>
-              </a:spcAft>
-              <a:buClr>
-                <a:schemeClr val="accent1">
-                  <a:lumMod val="75000"/>
-                </a:schemeClr>
-              </a:buClr>
-              <a:buSzPct val="145000"/>
-              <a:buFont typeface="Arial"/>
-              <a:buChar char="•"/>
-              <a:defRPr sz="1400" kern="1200" cap="none">
-                <a:solidFill>
-                  <a:schemeClr val="tx1"/>
-                </a:solidFill>
-                <a:effectLst/>
-                <a:latin typeface="+mn-lt"/>
-                <a:ea typeface="+mn-ea"/>
-                <a:cs typeface="+mn-cs"/>
-              </a:defRPr>
-            </a:lvl9pPr>
-          </a:lstStyle>
-          <a:p>
-            <a:r>
-              <a:rPr lang="de-DE" sz="1200" dirty="0"/>
-              <a:t>Quelle: </a:t>
-            </a:r>
-            <a:r>
-              <a:rPr lang="de-DE" sz="1200" dirty="0">
-                <a:hlinkClick r:id="rId2"/>
-              </a:rPr>
-              <a:t>https://www.destatis.de/DE/Themen/Gesellschaft-Umwelt/Verkehrsunfaelle/Publikationen/Downloads-Verkehrsunfaelle/unfaelle-kinder-5462405187004.pdf?__blob=publicationFile</a:t>
-            </a:r>
-            <a:endParaRPr lang="de-DE" sz="1200" dirty="0"/>
-          </a:p>
-        </p:txBody>
-      </p:sp>
-      <p:pic>
-        <p:nvPicPr>
-          <p:cNvPr id="7" name="Grafik 6">
-            <a:extLst>
-              <a:ext uri="{FF2B5EF4-FFF2-40B4-BE49-F238E27FC236}">
-                <a16:creationId xmlns:a16="http://schemas.microsoft.com/office/drawing/2014/main" id="{33EEC408-E78B-4118-A33A-35853EDE58B2}"/>
-              </a:ext>
-            </a:extLst>
-          </p:cNvPr>
-          <p:cNvPicPr>
-            <a:picLocks noChangeAspect="1"/>
-          </p:cNvPicPr>
-          <p:nvPr/>
-        </p:nvPicPr>
-        <p:blipFill>
-          <a:blip r:embed="rId3"/>
-          <a:stretch>
-            <a:fillRect/>
-          </a:stretch>
-        </p:blipFill>
-        <p:spPr>
-          <a:xfrm>
-            <a:off x="6438968" y="2438399"/>
-            <a:ext cx="5551430" cy="2985809"/>
-          </a:xfrm>
-          <a:prstGeom prst="rect">
-            <a:avLst/>
-          </a:prstGeom>
-        </p:spPr>
-      </p:pic>
-    </p:spTree>
-    <p:extLst>
-      <p:ext uri="{BB962C8B-B14F-4D97-AF65-F5344CB8AC3E}">
-        <p14:creationId xmlns:p14="http://schemas.microsoft.com/office/powerpoint/2010/main" val="297789838"/>
-      </p:ext>
-    </p:extLst>
-  </p:cSld>
-  <p:clrMapOvr>
-    <a:masterClrMapping/>
-  </p:clrMapOvr>
-</p:sld>
-</file>
-
-<file path=ppt/slides/slide4.xml><?xml version="1.0" encoding="utf-8"?>
-<p:sld xmlns:a="http://schemas.openxmlformats.org/drawingml/2006/main" xmlns:r="http://schemas.openxmlformats.org/officeDocument/2006/relationships" xmlns:p="http://schemas.openxmlformats.org/presentationml/2006/main">
-  <p:cSld>
-    <p:spTree>
-      <p:nvGrpSpPr>
-        <p:cNvPr id="1" name=""/>
-        <p:cNvGrpSpPr/>
-        <p:nvPr/>
-      </p:nvGrpSpPr>
-      <p:grpSpPr>
-        <a:xfrm>
-          <a:off x="0" y="0"/>
-          <a:ext cx="0" cy="0"/>
-          <a:chOff x="0" y="0"/>
-          <a:chExt cx="0" cy="0"/>
-        </a:xfrm>
-      </p:grpSpPr>
-      <p:sp>
-        <p:nvSpPr>
-          <p:cNvPr id="2" name="Titel 1">
-            <a:extLst>
-              <a:ext uri="{FF2B5EF4-FFF2-40B4-BE49-F238E27FC236}">
-                <a16:creationId xmlns:a16="http://schemas.microsoft.com/office/drawing/2014/main" id="{435EAE88-0E29-47FD-9F2D-2FA2D36B5D2B}"/>
-              </a:ext>
-            </a:extLst>
-          </p:cNvPr>
-          <p:cNvSpPr>
-            <a:spLocks noGrp="1"/>
-          </p:cNvSpPr>
-          <p:nvPr>
-            <p:ph type="title"/>
-          </p:nvPr>
-        </p:nvSpPr>
-        <p:spPr/>
-        <p:txBody>
-          <a:bodyPr/>
-          <a:lstStyle/>
-          <a:p>
-            <a:r>
-              <a:rPr lang="de-DE" dirty="0"/>
-              <a:t>Problemstellung</a:t>
-            </a:r>
-          </a:p>
-        </p:txBody>
-      </p:sp>
-      <p:graphicFrame>
-        <p:nvGraphicFramePr>
-          <p:cNvPr id="6" name="Diagramm 5">
-            <a:extLst>
-              <a:ext uri="{FF2B5EF4-FFF2-40B4-BE49-F238E27FC236}">
-                <a16:creationId xmlns:a16="http://schemas.microsoft.com/office/drawing/2014/main" id="{67217405-43F9-4E45-97D7-7953A4993CC4}"/>
-              </a:ext>
-            </a:extLst>
-          </p:cNvPr>
-          <p:cNvGraphicFramePr/>
-          <p:nvPr>
-            <p:extLst>
-              <p:ext uri="{D42A27DB-BD31-4B8C-83A1-F6EECF244321}">
-                <p14:modId xmlns:p14="http://schemas.microsoft.com/office/powerpoint/2010/main" val="2449103310"/>
-              </p:ext>
-            </p:extLst>
-          </p:nvPr>
-        </p:nvGraphicFramePr>
-        <p:xfrm>
-          <a:off x="2550361" y="1751798"/>
-          <a:ext cx="7886611" cy="4494997"/>
-        </p:xfrm>
-        <a:graphic>
-          <a:graphicData uri="http://schemas.openxmlformats.org/drawingml/2006/chart">
-            <c:chart xmlns:c="http://schemas.openxmlformats.org/drawingml/2006/chart" xmlns:r="http://schemas.openxmlformats.org/officeDocument/2006/relationships" r:id="rId2"/>
-          </a:graphicData>
-        </a:graphic>
-      </p:graphicFrame>
-      <p:sp>
-        <p:nvSpPr>
-          <p:cNvPr id="7" name="Inhaltsplatzhalter 2">
-            <a:extLst>
-              <a:ext uri="{FF2B5EF4-FFF2-40B4-BE49-F238E27FC236}">
-                <a16:creationId xmlns:a16="http://schemas.microsoft.com/office/drawing/2014/main" id="{C39A542C-313F-435C-A4CC-9B37EC5DC19A}"/>
-              </a:ext>
-            </a:extLst>
-          </p:cNvPr>
-          <p:cNvSpPr txBox="1">
-            <a:spLocks/>
-          </p:cNvSpPr>
-          <p:nvPr/>
-        </p:nvSpPr>
-        <p:spPr>
-          <a:xfrm>
-            <a:off x="2413919" y="6172200"/>
-            <a:ext cx="10018713" cy="227798"/>
-          </a:xfrm>
-          <a:prstGeom prst="rect">
-            <a:avLst/>
-          </a:prstGeom>
-        </p:spPr>
-        <p:txBody>
-          <a:bodyPr vert="horz" lIns="91440" tIns="45720" rIns="91440" bIns="45720" rtlCol="0" anchor="ctr">
-            <a:noAutofit/>
-          </a:bodyPr>
-          <a:lstStyle>
-            <a:lvl1pPr marL="285750" indent="-285750" algn="l" defTabSz="457200" rtl="0" eaLnBrk="1" latinLnBrk="0" hangingPunct="1">
-              <a:spcBef>
-                <a:spcPct val="20000"/>
-              </a:spcBef>
-              <a:spcAft>
-                <a:spcPts val="600"/>
-              </a:spcAft>
-              <a:buClr>
-                <a:schemeClr val="accent1">
-                  <a:lumMod val="75000"/>
-                </a:schemeClr>
-              </a:buClr>
-              <a:buSzPct val="145000"/>
-              <a:buFont typeface="Arial"/>
-              <a:buChar char="•"/>
-              <a:defRPr sz="2400" kern="1200" cap="none">
-                <a:solidFill>
-                  <a:schemeClr val="tx1"/>
-                </a:solidFill>
-                <a:effectLst/>
-                <a:latin typeface="+mn-lt"/>
-                <a:ea typeface="+mn-ea"/>
-                <a:cs typeface="+mn-cs"/>
-              </a:defRPr>
-            </a:lvl1pPr>
-            <a:lvl2pPr marL="742950" indent="-285750" algn="l" defTabSz="457200" rtl="0" eaLnBrk="1" latinLnBrk="0" hangingPunct="1">
-              <a:spcBef>
-                <a:spcPct val="20000"/>
-              </a:spcBef>
-              <a:spcAft>
-                <a:spcPts val="600"/>
-              </a:spcAft>
-              <a:buClr>
-                <a:schemeClr val="accent1">
-                  <a:lumMod val="75000"/>
-                </a:schemeClr>
-              </a:buClr>
-              <a:buSzPct val="145000"/>
-              <a:buFont typeface="Arial"/>
-              <a:buChar char="•"/>
-              <a:defRPr sz="2000" kern="1200" cap="none">
-                <a:solidFill>
-                  <a:schemeClr val="tx1"/>
-                </a:solidFill>
-                <a:effectLst/>
-                <a:latin typeface="+mn-lt"/>
-                <a:ea typeface="+mn-ea"/>
-                <a:cs typeface="+mn-cs"/>
-              </a:defRPr>
-            </a:lvl2pPr>
-            <a:lvl3pPr marL="1200150" indent="-285750" algn="l" defTabSz="457200" rtl="0" eaLnBrk="1" latinLnBrk="0" hangingPunct="1">
-              <a:spcBef>
-                <a:spcPct val="20000"/>
-              </a:spcBef>
-              <a:spcAft>
-                <a:spcPts val="600"/>
-              </a:spcAft>
-              <a:buClr>
-                <a:schemeClr val="accent1">
-                  <a:lumMod val="75000"/>
-                </a:schemeClr>
-              </a:buClr>
-              <a:buSzPct val="145000"/>
-              <a:buFont typeface="Arial"/>
-              <a:buChar char="•"/>
-              <a:defRPr sz="1800" kern="1200" cap="none">
-                <a:solidFill>
-                  <a:schemeClr val="tx1"/>
-                </a:solidFill>
-                <a:effectLst/>
-                <a:latin typeface="+mn-lt"/>
-                <a:ea typeface="+mn-ea"/>
-                <a:cs typeface="+mn-cs"/>
-              </a:defRPr>
-            </a:lvl3pPr>
-            <a:lvl4pPr marL="1543050" indent="-171450" algn="l" defTabSz="457200" rtl="0" eaLnBrk="1" latinLnBrk="0" hangingPunct="1">
-              <a:spcBef>
-                <a:spcPct val="20000"/>
-              </a:spcBef>
-              <a:spcAft>
-                <a:spcPts val="600"/>
-              </a:spcAft>
-              <a:buClr>
-                <a:schemeClr val="accent1">
-                  <a:lumMod val="75000"/>
-                </a:schemeClr>
-              </a:buClr>
-              <a:buSzPct val="145000"/>
-              <a:buFont typeface="Arial"/>
-              <a:buChar char="•"/>
-              <a:defRPr sz="1600" kern="1200" cap="none">
-                <a:solidFill>
-                  <a:schemeClr val="tx1"/>
-                </a:solidFill>
-                <a:effectLst/>
-                <a:latin typeface="+mn-lt"/>
-                <a:ea typeface="+mn-ea"/>
-                <a:cs typeface="+mn-cs"/>
-              </a:defRPr>
-            </a:lvl4pPr>
-            <a:lvl5pPr marL="2000250" indent="-171450" algn="l" defTabSz="457200" rtl="0" eaLnBrk="1" latinLnBrk="0" hangingPunct="1">
-              <a:spcBef>
-                <a:spcPct val="20000"/>
-              </a:spcBef>
-              <a:spcAft>
-                <a:spcPts val="600"/>
-              </a:spcAft>
-              <a:buClr>
-                <a:schemeClr val="accent1">
-                  <a:lumMod val="75000"/>
-                </a:schemeClr>
-              </a:buClr>
-              <a:buSzPct val="145000"/>
-              <a:buFont typeface="Arial"/>
-              <a:buChar char="•"/>
-              <a:defRPr sz="1400" kern="1200" cap="none">
-                <a:solidFill>
-                  <a:schemeClr val="tx1"/>
-                </a:solidFill>
-                <a:effectLst/>
-                <a:latin typeface="+mn-lt"/>
-                <a:ea typeface="+mn-ea"/>
-                <a:cs typeface="+mn-cs"/>
-              </a:defRPr>
-            </a:lvl5pPr>
-            <a:lvl6pPr marL="2514600" indent="-228600" algn="l" defTabSz="457200" rtl="0" eaLnBrk="1" latinLnBrk="0" hangingPunct="1">
-              <a:spcBef>
-                <a:spcPct val="20000"/>
-              </a:spcBef>
-              <a:spcAft>
-                <a:spcPts val="600"/>
-              </a:spcAft>
-              <a:buClr>
-                <a:schemeClr val="accent1">
-                  <a:lumMod val="75000"/>
-                </a:schemeClr>
-              </a:buClr>
-              <a:buSzPct val="145000"/>
-              <a:buFont typeface="Arial"/>
-              <a:buChar char="•"/>
-              <a:defRPr sz="1400" kern="1200" cap="none">
-                <a:solidFill>
-                  <a:schemeClr val="tx1"/>
-                </a:solidFill>
-                <a:effectLst/>
-                <a:latin typeface="+mn-lt"/>
-                <a:ea typeface="+mn-ea"/>
-                <a:cs typeface="+mn-cs"/>
-              </a:defRPr>
-            </a:lvl6pPr>
-            <a:lvl7pPr marL="2971800" indent="-228600" algn="l" defTabSz="457200" rtl="0" eaLnBrk="1" latinLnBrk="0" hangingPunct="1">
-              <a:spcBef>
-                <a:spcPct val="20000"/>
-              </a:spcBef>
-              <a:spcAft>
-                <a:spcPts val="600"/>
-              </a:spcAft>
-              <a:buClr>
-                <a:schemeClr val="accent1">
-                  <a:lumMod val="75000"/>
-                </a:schemeClr>
-              </a:buClr>
-              <a:buSzPct val="145000"/>
-              <a:buFont typeface="Arial"/>
-              <a:buChar char="•"/>
-              <a:defRPr sz="1400" kern="1200" cap="none">
-                <a:solidFill>
-                  <a:schemeClr val="tx1"/>
-                </a:solidFill>
-                <a:effectLst/>
-                <a:latin typeface="+mn-lt"/>
-                <a:ea typeface="+mn-ea"/>
-                <a:cs typeface="+mn-cs"/>
-              </a:defRPr>
-            </a:lvl7pPr>
-            <a:lvl8pPr marL="3429000" indent="-228600" algn="l" defTabSz="457200" rtl="0" eaLnBrk="1" latinLnBrk="0" hangingPunct="1">
-              <a:spcBef>
-                <a:spcPct val="20000"/>
-              </a:spcBef>
-              <a:spcAft>
-                <a:spcPts val="600"/>
-              </a:spcAft>
-              <a:buClr>
-                <a:schemeClr val="accent1">
-                  <a:lumMod val="75000"/>
-                </a:schemeClr>
-              </a:buClr>
-              <a:buSzPct val="145000"/>
-              <a:buFont typeface="Arial"/>
-              <a:buChar char="•"/>
-              <a:defRPr sz="1400" kern="1200" cap="none">
-                <a:solidFill>
-                  <a:schemeClr val="tx1"/>
-                </a:solidFill>
-                <a:effectLst/>
-                <a:latin typeface="+mn-lt"/>
-                <a:ea typeface="+mn-ea"/>
-                <a:cs typeface="+mn-cs"/>
-              </a:defRPr>
-            </a:lvl8pPr>
-            <a:lvl9pPr marL="3886200" indent="-228600" algn="l" defTabSz="457200" rtl="0" eaLnBrk="1" latinLnBrk="0" hangingPunct="1">
-              <a:spcBef>
-                <a:spcPct val="20000"/>
-              </a:spcBef>
-              <a:spcAft>
-                <a:spcPts val="600"/>
-              </a:spcAft>
-              <a:buClr>
-                <a:schemeClr val="accent1">
-                  <a:lumMod val="75000"/>
-                </a:schemeClr>
-              </a:buClr>
-              <a:buSzPct val="145000"/>
-              <a:buFont typeface="Arial"/>
-              <a:buChar char="•"/>
-              <a:defRPr sz="1400" kern="1200" cap="none">
-                <a:solidFill>
-                  <a:schemeClr val="tx1"/>
-                </a:solidFill>
-                <a:effectLst/>
-                <a:latin typeface="+mn-lt"/>
-                <a:ea typeface="+mn-ea"/>
-                <a:cs typeface="+mn-cs"/>
-              </a:defRPr>
-            </a:lvl9pPr>
-          </a:lstStyle>
-          <a:p>
-            <a:r>
-              <a:rPr lang="de-DE" sz="1200" dirty="0"/>
-              <a:t>Quelle i. A. an: </a:t>
-            </a:r>
-            <a:r>
-              <a:rPr lang="de-DE" sz="1200" dirty="0">
-                <a:hlinkClick r:id="rId3"/>
-              </a:rPr>
-              <a:t>https://de.statista.com/statistik/daten/studie/1106/umfrage/handybesitz-bei-jugendlichen-nach-altersgruppen/</a:t>
-            </a:r>
-            <a:endParaRPr lang="de-DE" sz="1200" dirty="0"/>
-          </a:p>
-        </p:txBody>
-      </p:sp>
-    </p:spTree>
-    <p:extLst>
-      <p:ext uri="{BB962C8B-B14F-4D97-AF65-F5344CB8AC3E}">
-        <p14:creationId xmlns:p14="http://schemas.microsoft.com/office/powerpoint/2010/main" val="1979379623"/>
-      </p:ext>
-    </p:extLst>
-  </p:cSld>
-  <p:clrMapOvr>
-    <a:masterClrMapping/>
-  </p:clrMapOvr>
-</p:sld>
-</file>
-
-<file path=ppt/slides/slide5.xml><?xml version="1.0" encoding="utf-8"?>
-<p:sld xmlns:a="http://schemas.openxmlformats.org/drawingml/2006/main" xmlns:r="http://schemas.openxmlformats.org/officeDocument/2006/relationships" xmlns:p="http://schemas.openxmlformats.org/presentationml/2006/main">
-  <p:cSld>
-    <p:spTree>
-      <p:nvGrpSpPr>
-        <p:cNvPr id="1" name=""/>
-        <p:cNvGrpSpPr/>
-        <p:nvPr/>
-      </p:nvGrpSpPr>
-      <p:grpSpPr>
-        <a:xfrm>
-          <a:off x="0" y="0"/>
-          <a:ext cx="0" cy="0"/>
-          <a:chOff x="0" y="0"/>
-          <a:chExt cx="0" cy="0"/>
-        </a:xfrm>
-      </p:grpSpPr>
-      <p:sp>
-        <p:nvSpPr>
-          <p:cNvPr id="2" name="Titel 1">
-            <a:extLst>
-              <a:ext uri="{FF2B5EF4-FFF2-40B4-BE49-F238E27FC236}">
-                <a16:creationId xmlns:a16="http://schemas.microsoft.com/office/drawing/2014/main" id="{0B11151B-29BA-47E3-AC6A-07230B370301}"/>
-              </a:ext>
-            </a:extLst>
-          </p:cNvPr>
-          <p:cNvSpPr>
-            <a:spLocks noGrp="1"/>
-          </p:cNvSpPr>
-          <p:nvPr>
-            <p:ph type="title"/>
-          </p:nvPr>
-        </p:nvSpPr>
-        <p:spPr/>
-        <p:txBody>
-          <a:bodyPr/>
-          <a:lstStyle/>
-          <a:p>
-            <a:r>
-              <a:rPr lang="de-DE" dirty="0"/>
-              <a:t>Idee</a:t>
-            </a:r>
-          </a:p>
-        </p:txBody>
-      </p:sp>
-      <p:sp>
-        <p:nvSpPr>
-          <p:cNvPr id="3" name="Inhaltsplatzhalter 2">
-            <a:extLst>
-              <a:ext uri="{FF2B5EF4-FFF2-40B4-BE49-F238E27FC236}">
-                <a16:creationId xmlns:a16="http://schemas.microsoft.com/office/drawing/2014/main" id="{EAFC5445-F56F-405B-8ADA-EF46AC7112CD}"/>
-              </a:ext>
-            </a:extLst>
-          </p:cNvPr>
-          <p:cNvSpPr>
-            <a:spLocks noGrp="1"/>
-          </p:cNvSpPr>
-          <p:nvPr>
-            <p:ph idx="1"/>
-          </p:nvPr>
-        </p:nvSpPr>
-        <p:spPr>
-          <a:xfrm>
-            <a:off x="972153" y="2666999"/>
-            <a:ext cx="11219848" cy="3124201"/>
-          </a:xfrm>
-        </p:spPr>
-        <p:txBody>
-          <a:bodyPr>
-            <a:normAutofit/>
-          </a:bodyPr>
-          <a:lstStyle/>
-          <a:p>
-            <a:pPr marL="0" indent="0">
-              <a:buNone/>
-            </a:pPr>
-            <a:r>
-              <a:rPr lang="de-DE" sz="3200" dirty="0"/>
-              <a:t>Automatische Erkennung und Klassifizierung von Verkehrszeichen und Wiedergabe der Verkehrsregel in einer verständlichen Weise.</a:t>
-            </a:r>
-          </a:p>
-        </p:txBody>
-      </p:sp>
-    </p:spTree>
-    <p:extLst>
-      <p:ext uri="{BB962C8B-B14F-4D97-AF65-F5344CB8AC3E}">
-        <p14:creationId xmlns:p14="http://schemas.microsoft.com/office/powerpoint/2010/main" val="3653188409"/>
-      </p:ext>
-    </p:extLst>
-  </p:cSld>
-  <p:clrMapOvr>
-    <a:masterClrMapping/>
-  </p:clrMapOvr>
-</p:sld>
-</file>
-
-<file path=ppt/slides/slide6.xml><?xml version="1.0" encoding="utf-8"?>
-<p:sld xmlns:a="http://schemas.openxmlformats.org/drawingml/2006/main" xmlns:r="http://schemas.openxmlformats.org/officeDocument/2006/relationships" xmlns:p="http://schemas.openxmlformats.org/presentationml/2006/main">
-  <p:cSld>
-    <p:bg>
-      <p:bgPr>
-        <a:gradFill rotWithShape="1">
-          <a:gsLst>
-            <a:gs pos="0">
-              <a:schemeClr val="bg2">
-                <a:tint val="90000"/>
-                <a:lumMod val="110000"/>
-              </a:schemeClr>
-            </a:gs>
-            <a:gs pos="100000">
-              <a:schemeClr val="bg2">
-                <a:shade val="64000"/>
-                <a:lumMod val="98000"/>
-              </a:schemeClr>
-            </a:gs>
-          </a:gsLst>
-          <a:lin ang="5400000" scaled="0"/>
-        </a:gradFill>
-        <a:effectLst/>
-      </p:bgPr>
-    </p:bg>
-    <p:spTree>
-      <p:nvGrpSpPr>
-        <p:cNvPr id="1" name=""/>
-        <p:cNvGrpSpPr/>
-        <p:nvPr/>
-      </p:nvGrpSpPr>
-      <p:grpSpPr>
-        <a:xfrm>
-          <a:off x="0" y="0"/>
-          <a:ext cx="0" cy="0"/>
-          <a:chOff x="0" y="0"/>
-          <a:chExt cx="0" cy="0"/>
-        </a:xfrm>
-      </p:grpSpPr>
-      <p:sp>
-        <p:nvSpPr>
-          <p:cNvPr id="2" name="Titel 1">
-            <a:extLst>
-              <a:ext uri="{FF2B5EF4-FFF2-40B4-BE49-F238E27FC236}">
-                <a16:creationId xmlns:a16="http://schemas.microsoft.com/office/drawing/2014/main" id="{EA7F8CB1-618D-4F72-946E-326631DA8589}"/>
-              </a:ext>
-            </a:extLst>
-          </p:cNvPr>
-          <p:cNvSpPr>
-            <a:spLocks noGrp="1"/>
-          </p:cNvSpPr>
-          <p:nvPr>
-            <p:ph type="title"/>
-          </p:nvPr>
-        </p:nvSpPr>
-        <p:spPr>
-          <a:xfrm>
-            <a:off x="1760706" y="685800"/>
-            <a:ext cx="9742318" cy="1752599"/>
-          </a:xfrm>
-        </p:spPr>
-        <p:txBody>
-          <a:bodyPr>
-            <a:normAutofit/>
-          </a:bodyPr>
-          <a:lstStyle/>
-          <a:p>
-            <a:r>
-              <a:rPr lang="de-DE" dirty="0"/>
-              <a:t>Aufgaben</a:t>
-            </a:r>
-          </a:p>
-        </p:txBody>
-      </p:sp>
-      <p:graphicFrame>
-        <p:nvGraphicFramePr>
-          <p:cNvPr id="5" name="Inhaltsplatzhalter 2">
-            <a:extLst>
-              <a:ext uri="{FF2B5EF4-FFF2-40B4-BE49-F238E27FC236}">
-                <a16:creationId xmlns:a16="http://schemas.microsoft.com/office/drawing/2014/main" id="{9BF36403-899A-4E12-A5C5-E3124CE175E7}"/>
-              </a:ext>
-            </a:extLst>
-          </p:cNvPr>
-          <p:cNvGraphicFramePr>
-            <a:graphicFrameLocks noGrp="1"/>
-          </p:cNvGraphicFramePr>
-          <p:nvPr>
-            <p:ph idx="1"/>
-            <p:extLst>
-              <p:ext uri="{D42A27DB-BD31-4B8C-83A1-F6EECF244321}">
-                <p14:modId xmlns:p14="http://schemas.microsoft.com/office/powerpoint/2010/main" val="271199606"/>
-              </p:ext>
-            </p:extLst>
-          </p:nvPr>
-        </p:nvGraphicFramePr>
-        <p:xfrm>
-          <a:off x="1760705" y="2694562"/>
-          <a:ext cx="9742319" cy="3096638"/>
-        </p:xfrm>
-        <a:graphic>
-          <a:graphicData uri="http://schemas.openxmlformats.org/drawingml/2006/diagram">
-            <dgm:relIds xmlns:dgm="http://schemas.openxmlformats.org/drawingml/2006/diagram" xmlns:r="http://schemas.openxmlformats.org/officeDocument/2006/relationships" r:dm="rId2" r:lo="rId3" r:qs="rId4" r:cs="rId5"/>
-          </a:graphicData>
-        </a:graphic>
-      </p:graphicFrame>
-    </p:spTree>
-    <p:extLst>
-      <p:ext uri="{BB962C8B-B14F-4D97-AF65-F5344CB8AC3E}">
-        <p14:creationId xmlns:p14="http://schemas.microsoft.com/office/powerpoint/2010/main" val="3049103386"/>
-      </p:ext>
-    </p:extLst>
-  </p:cSld>
-  <p:clrMapOvr>
-    <a:masterClrMapping/>
-  </p:clrMapOvr>
-</p:sld>
-</file>
-
-<file path=ppt/slides/slide7.xml><?xml version="1.0" encoding="utf-8"?>
-<p:sld xmlns:a="http://schemas.openxmlformats.org/drawingml/2006/main" xmlns:r="http://schemas.openxmlformats.org/officeDocument/2006/relationships" xmlns:p="http://schemas.openxmlformats.org/presentationml/2006/main">
-  <p:cSld>
-    <p:spTree>
-      <p:nvGrpSpPr>
-        <p:cNvPr id="1" name=""/>
-        <p:cNvGrpSpPr/>
-        <p:nvPr/>
-      </p:nvGrpSpPr>
-      <p:grpSpPr>
-        <a:xfrm>
-          <a:off x="0" y="0"/>
-          <a:ext cx="0" cy="0"/>
-          <a:chOff x="0" y="0"/>
-          <a:chExt cx="0" cy="0"/>
-        </a:xfrm>
-      </p:grpSpPr>
-      <p:sp>
-        <p:nvSpPr>
-          <p:cNvPr id="2" name="Titel 1">
-            <a:extLst>
-              <a:ext uri="{FF2B5EF4-FFF2-40B4-BE49-F238E27FC236}">
-                <a16:creationId xmlns:a16="http://schemas.microsoft.com/office/drawing/2014/main" id="{106A606F-ACEC-42F9-93CE-172FD716AC6A}"/>
-              </a:ext>
-            </a:extLst>
-          </p:cNvPr>
-          <p:cNvSpPr>
-            <a:spLocks noGrp="1"/>
-          </p:cNvSpPr>
-          <p:nvPr>
-            <p:ph type="title"/>
-          </p:nvPr>
-        </p:nvSpPr>
-        <p:spPr/>
-        <p:txBody>
-          <a:bodyPr/>
-          <a:lstStyle/>
-          <a:p>
-            <a:r>
-              <a:rPr lang="de-DE" dirty="0"/>
-              <a:t>Deep Learning - Datennutzung </a:t>
-            </a:r>
-          </a:p>
-        </p:txBody>
-      </p:sp>
-      <p:sp>
-        <p:nvSpPr>
-          <p:cNvPr id="3" name="Inhaltsplatzhalter 2">
-            <a:extLst>
-              <a:ext uri="{FF2B5EF4-FFF2-40B4-BE49-F238E27FC236}">
-                <a16:creationId xmlns:a16="http://schemas.microsoft.com/office/drawing/2014/main" id="{12034560-7215-4955-B66C-D6052324B9A5}"/>
-              </a:ext>
-            </a:extLst>
-          </p:cNvPr>
-          <p:cNvSpPr>
-            <a:spLocks noGrp="1"/>
-          </p:cNvSpPr>
-          <p:nvPr>
-            <p:ph idx="1"/>
-          </p:nvPr>
-        </p:nvSpPr>
-        <p:spPr/>
-        <p:txBody>
-          <a:bodyPr/>
-          <a:lstStyle/>
-          <a:p>
-            <a:r>
-              <a:rPr lang="de-DE" dirty="0"/>
-              <a:t>Nutzen des GTSRB Datasets</a:t>
-            </a:r>
-          </a:p>
-          <a:p>
-            <a:r>
-              <a:rPr lang="de-DE" dirty="0"/>
-              <a:t>Selektieren der Verkehrszeichen</a:t>
-            </a:r>
-          </a:p>
-          <a:p>
-            <a:r>
-              <a:rPr lang="de-DE" dirty="0"/>
-              <a:t>Aussortieren von Daten</a:t>
-            </a:r>
-          </a:p>
-          <a:p>
-            <a:r>
-              <a:rPr lang="de-DE" dirty="0"/>
-              <a:t>Data Augmentation</a:t>
-            </a:r>
-          </a:p>
-          <a:p>
-            <a:r>
-              <a:rPr lang="de-DE" dirty="0"/>
-              <a:t>Angleichen</a:t>
-            </a:r>
-          </a:p>
-        </p:txBody>
-      </p:sp>
-      <p:sp>
-        <p:nvSpPr>
-          <p:cNvPr id="4" name="Rechteck 3" descr="Lupe">
-            <a:extLst>
-              <a:ext uri="{FF2B5EF4-FFF2-40B4-BE49-F238E27FC236}">
-                <a16:creationId xmlns:a16="http://schemas.microsoft.com/office/drawing/2014/main" id="{4387D663-38DB-4135-973F-FE4FA9E72E35}"/>
-              </a:ext>
-            </a:extLst>
-          </p:cNvPr>
-          <p:cNvSpPr/>
-          <p:nvPr/>
-        </p:nvSpPr>
-        <p:spPr>
-          <a:xfrm>
-            <a:off x="1484310" y="1378092"/>
-            <a:ext cx="438473" cy="433930"/>
-          </a:xfrm>
-          <a:prstGeom prst="rect">
-            <a:avLst/>
-          </a:prstGeom>
-          <a:blipFill>
-            <a:blip r:embed="rId2">
-              <a:extLst>
-                <a:ext uri="{96DAC541-7B7A-43D3-8B79-37D633B846F1}">
-                  <asvg:svgBlip xmlns:asvg="http://schemas.microsoft.com/office/drawing/2016/SVG/main" r:embed="rId3"/>
-                </a:ext>
-              </a:extLst>
-            </a:blip>
-            <a:srcRect/>
-            <a:stretch>
-              <a:fillRect/>
-            </a:stretch>
-          </a:blipFill>
-        </p:spPr>
-        <p:style>
-          <a:lnRef idx="2">
-            <a:schemeClr val="lt1">
-              <a:alpha val="0"/>
-              <a:hueOff val="0"/>
-              <a:satOff val="0"/>
-              <a:lumOff val="0"/>
-              <a:alphaOff val="0"/>
-            </a:schemeClr>
-          </a:lnRef>
-          <a:fillRef idx="1">
-            <a:scrgbClr r="0" g="0" b="0"/>
-          </a:fillRef>
-          <a:effectRef idx="0">
-            <a:schemeClr val="accent1">
-              <a:hueOff val="0"/>
-              <a:satOff val="0"/>
-              <a:lumOff val="0"/>
-              <a:alphaOff val="0"/>
-            </a:schemeClr>
-          </a:effectRef>
-          <a:fontRef idx="minor">
-            <a:schemeClr val="lt1"/>
-          </a:fontRef>
-        </p:style>
-      </p:sp>
-    </p:spTree>
-    <p:extLst>
-      <p:ext uri="{BB962C8B-B14F-4D97-AF65-F5344CB8AC3E}">
-        <p14:creationId xmlns:p14="http://schemas.microsoft.com/office/powerpoint/2010/main" val="2973639705"/>
-      </p:ext>
-    </p:extLst>
-  </p:cSld>
-  <p:clrMapOvr>
-    <a:masterClrMapping/>
-  </p:clrMapOvr>
-</p:sld>
-</file>
-
-<file path=ppt/slides/slide8.xml><?xml version="1.0" encoding="utf-8"?>
-<p:sld xmlns:a="http://schemas.openxmlformats.org/drawingml/2006/main" xmlns:r="http://schemas.openxmlformats.org/officeDocument/2006/relationships" xmlns:p="http://schemas.openxmlformats.org/presentationml/2006/main">
-  <p:cSld>
-    <p:spTree>
-      <p:nvGrpSpPr>
-        <p:cNvPr id="1" name=""/>
-        <p:cNvGrpSpPr/>
-        <p:nvPr/>
-      </p:nvGrpSpPr>
-      <p:grpSpPr>
-        <a:xfrm>
-          <a:off x="0" y="0"/>
-          <a:ext cx="0" cy="0"/>
-          <a:chOff x="0" y="0"/>
-          <a:chExt cx="0" cy="0"/>
-        </a:xfrm>
-      </p:grpSpPr>
-      <p:sp>
-        <p:nvSpPr>
-          <p:cNvPr id="2" name="Titel 1">
-            <a:extLst>
-              <a:ext uri="{FF2B5EF4-FFF2-40B4-BE49-F238E27FC236}">
                 <a16:creationId xmlns:a16="http://schemas.microsoft.com/office/drawing/2014/main" id="{F4E36561-2BF5-4897-B35C-1050A72A950E}"/>
               </a:ext>
             </a:extLst>
@@ -14765,7 +10816,7 @@
 </p:sld>
 </file>
 
-<file path=ppt/slides/slide9.xml><?xml version="1.0" encoding="utf-8"?>
+<file path=ppt/slides/slide11.xml><?xml version="1.0" encoding="utf-8"?>
 <p:sld xmlns:a="http://schemas.openxmlformats.org/drawingml/2006/main" xmlns:r="http://schemas.openxmlformats.org/officeDocument/2006/relationships" xmlns:p="http://schemas.openxmlformats.org/presentationml/2006/main">
   <p:cSld>
     <p:spTree>
@@ -14787,7 +10838,7 @@
           <p:cNvPr id="2" name="Titel 1">
             <a:extLst>
               <a:ext uri="{FF2B5EF4-FFF2-40B4-BE49-F238E27FC236}">
-                <a16:creationId xmlns:a16="http://schemas.microsoft.com/office/drawing/2014/main" id="{0A6590B8-CB15-40BD-8527-4CE9FDFCAE07}"/>
+                <a16:creationId xmlns:a16="http://schemas.microsoft.com/office/drawing/2014/main" id="{A146AC41-61A8-4F24-81F7-9EC71CC16C85}"/>
               </a:ext>
             </a:extLst>
           </p:cNvPr>
@@ -14815,7 +10866,7 @@
           <p:cNvPr id="3" name="Inhaltsplatzhalter 2">
             <a:extLst>
               <a:ext uri="{FF2B5EF4-FFF2-40B4-BE49-F238E27FC236}">
-                <a16:creationId xmlns:a16="http://schemas.microsoft.com/office/drawing/2014/main" id="{031E4C5A-4DB4-4D93-A9A9-7951693ABB73}"/>
+                <a16:creationId xmlns:a16="http://schemas.microsoft.com/office/drawing/2014/main" id="{07A0440C-1332-4AD0-AAB0-FB109286FF5F}"/>
               </a:ext>
             </a:extLst>
           </p:cNvPr>
@@ -14828,8 +10879,8 @@
         </p:nvSpPr>
         <p:spPr>
           <a:xfrm>
-            <a:off x="1484310" y="2666999"/>
-            <a:ext cx="5628759" cy="3124201"/>
+            <a:off x="1484311" y="2666999"/>
+            <a:ext cx="9151606" cy="3124201"/>
           </a:xfrm>
         </p:spPr>
         <p:txBody>
@@ -14838,36 +10889,29 @@
           <a:p>
             <a:r>
               <a:rPr lang="de-DE" dirty="0"/>
-              <a:t>Umwandlung in den HSL-Farbraum</a:t>
+              <a:t>Überprüfen der Größe</a:t>
             </a:r>
           </a:p>
           <a:p>
             <a:r>
               <a:rPr lang="de-DE" dirty="0"/>
-              <a:t>Auswahl des Farbspektrums </a:t>
-            </a:r>
-            <a:br>
+              <a:t>Schild aus dem Ausschnitt mit Deep Learning Model erkennen</a:t>
+            </a:r>
+          </a:p>
+          <a:p>
+            <a:r>
               <a:rPr lang="de-DE" dirty="0"/>
-            </a:br>
-            <a:r>
-              <a:rPr lang="de-DE" dirty="0"/>
-              <a:t>(für rot, blau und gelb)</a:t>
-            </a:r>
-          </a:p>
-          <a:p>
-            <a:r>
-              <a:rPr lang="de-DE" dirty="0"/>
-              <a:t>Ausschneiden von relevanten Bereichen </a:t>
+              <a:t>Wiedergabe der Verhaltensempfehlung</a:t>
             </a:r>
           </a:p>
         </p:txBody>
       </p:sp>
       <p:sp>
         <p:nvSpPr>
-          <p:cNvPr id="5" name="Rechteck 4" descr="Auge">
+          <p:cNvPr id="4" name="Rechteck 3" descr="&quot;Daumen hoch&quot;-Zeichen">
             <a:extLst>
               <a:ext uri="{FF2B5EF4-FFF2-40B4-BE49-F238E27FC236}">
-                <a16:creationId xmlns:a16="http://schemas.microsoft.com/office/drawing/2014/main" id="{1A8E1FEE-319D-4C47-84B4-DA0910212ECD}"/>
+                <a16:creationId xmlns:a16="http://schemas.microsoft.com/office/drawing/2014/main" id="{7656D1F3-02BB-4FA0-A058-997DA9FA519C}"/>
               </a:ext>
             </a:extLst>
           </p:cNvPr>
@@ -14924,6 +10968,3793 @@
           </a:fontRef>
         </p:style>
       </p:sp>
+    </p:spTree>
+    <p:extLst>
+      <p:ext uri="{BB962C8B-B14F-4D97-AF65-F5344CB8AC3E}">
+        <p14:creationId xmlns:p14="http://schemas.microsoft.com/office/powerpoint/2010/main" val="348915237"/>
+      </p:ext>
+    </p:extLst>
+  </p:cSld>
+  <p:clrMapOvr>
+    <a:masterClrMapping/>
+  </p:clrMapOvr>
+</p:sld>
+</file>
+
+<file path=ppt/slides/slide12.xml><?xml version="1.0" encoding="utf-8"?>
+<p:sld xmlns:a="http://schemas.openxmlformats.org/drawingml/2006/main" xmlns:r="http://schemas.openxmlformats.org/officeDocument/2006/relationships" xmlns:p="http://schemas.openxmlformats.org/presentationml/2006/main">
+  <p:cSld>
+    <p:spTree>
+      <p:nvGrpSpPr>
+        <p:cNvPr id="1" name=""/>
+        <p:cNvGrpSpPr/>
+        <p:nvPr/>
+      </p:nvGrpSpPr>
+      <p:grpSpPr>
+        <a:xfrm>
+          <a:off x="0" y="0"/>
+          <a:ext cx="0" cy="0"/>
+          <a:chOff x="0" y="0"/>
+          <a:chExt cx="0" cy="0"/>
+        </a:xfrm>
+      </p:grpSpPr>
+      <p:sp>
+        <p:nvSpPr>
+          <p:cNvPr id="2" name="Titel 1">
+            <a:extLst>
+              <a:ext uri="{FF2B5EF4-FFF2-40B4-BE49-F238E27FC236}">
+                <a16:creationId xmlns:a16="http://schemas.microsoft.com/office/drawing/2014/main" id="{7FE90F2E-F964-480E-8F41-D669EC92B9FE}"/>
+              </a:ext>
+            </a:extLst>
+          </p:cNvPr>
+          <p:cNvSpPr>
+            <a:spLocks noGrp="1"/>
+          </p:cNvSpPr>
+          <p:nvPr>
+            <p:ph type="title"/>
+          </p:nvPr>
+        </p:nvSpPr>
+        <p:spPr/>
+        <p:txBody>
+          <a:bodyPr/>
+          <a:lstStyle/>
+          <a:p>
+            <a:r>
+              <a:rPr lang="de-DE" dirty="0"/>
+              <a:t>Ergebnispräsentation</a:t>
+            </a:r>
+          </a:p>
+        </p:txBody>
+      </p:sp>
+      <p:sp>
+        <p:nvSpPr>
+          <p:cNvPr id="3" name="Inhaltsplatzhalter 2">
+            <a:extLst>
+              <a:ext uri="{FF2B5EF4-FFF2-40B4-BE49-F238E27FC236}">
+                <a16:creationId xmlns:a16="http://schemas.microsoft.com/office/drawing/2014/main" id="{2D7CC4CA-FBAC-4240-A605-6D6DFE62CC89}"/>
+              </a:ext>
+            </a:extLst>
+          </p:cNvPr>
+          <p:cNvSpPr>
+            <a:spLocks noGrp="1"/>
+          </p:cNvSpPr>
+          <p:nvPr>
+            <p:ph idx="1"/>
+          </p:nvPr>
+        </p:nvSpPr>
+        <p:spPr/>
+        <p:txBody>
+          <a:bodyPr/>
+          <a:lstStyle/>
+          <a:p>
+            <a:r>
+              <a:rPr lang="de-DE" dirty="0"/>
+              <a:t>Ihnen wird jetzt die Demo präsentiert.</a:t>
+            </a:r>
+          </a:p>
+        </p:txBody>
+      </p:sp>
+      <p:sp>
+        <p:nvSpPr>
+          <p:cNvPr id="4" name="Rechteck 3" descr="Benutzer">
+            <a:extLst>
+              <a:ext uri="{FF2B5EF4-FFF2-40B4-BE49-F238E27FC236}">
+                <a16:creationId xmlns:a16="http://schemas.microsoft.com/office/drawing/2014/main" id="{BAE6F380-5B0B-427A-B9C7-72786A7F5C3C}"/>
+              </a:ext>
+            </a:extLst>
+          </p:cNvPr>
+          <p:cNvSpPr/>
+          <p:nvPr/>
+        </p:nvSpPr>
+        <p:spPr>
+          <a:xfrm>
+            <a:off x="1484310" y="1378092"/>
+            <a:ext cx="438473" cy="433930"/>
+          </a:xfrm>
+          <a:prstGeom prst="rect">
+            <a:avLst/>
+          </a:prstGeom>
+          <a:blipFill>
+            <a:blip r:embed="rId2">
+              <a:extLst>
+                <a:ext uri="{28A0092B-C50C-407E-A947-70E740481C1C}">
+                  <a14:useLocalDpi xmlns:a14="http://schemas.microsoft.com/office/drawing/2010/main" val="0"/>
+                </a:ext>
+                <a:ext uri="{96DAC541-7B7A-43D3-8B79-37D633B846F1}">
+                  <asvg:svgBlip xmlns:asvg="http://schemas.microsoft.com/office/drawing/2016/SVG/main" r:embed="rId3"/>
+                </a:ext>
+              </a:extLst>
+            </a:blip>
+            <a:stretch>
+              <a:fillRect/>
+            </a:stretch>
+          </a:blipFill>
+        </p:spPr>
+        <p:style>
+          <a:lnRef idx="2">
+            <a:schemeClr val="lt1">
+              <a:alpha val="0"/>
+              <a:hueOff val="0"/>
+              <a:satOff val="0"/>
+              <a:lumOff val="0"/>
+              <a:alphaOff val="0"/>
+            </a:schemeClr>
+          </a:lnRef>
+          <a:fillRef idx="1">
+            <a:scrgbClr r="0" g="0" b="0"/>
+          </a:fillRef>
+          <a:effectRef idx="0">
+            <a:schemeClr val="accent1">
+              <a:hueOff val="0"/>
+              <a:satOff val="0"/>
+              <a:lumOff val="0"/>
+              <a:alphaOff val="0"/>
+            </a:schemeClr>
+          </a:effectRef>
+          <a:fontRef idx="minor">
+            <a:schemeClr val="lt1"/>
+          </a:fontRef>
+        </p:style>
+      </p:sp>
+    </p:spTree>
+    <p:extLst>
+      <p:ext uri="{BB962C8B-B14F-4D97-AF65-F5344CB8AC3E}">
+        <p14:creationId xmlns:p14="http://schemas.microsoft.com/office/powerpoint/2010/main" val="4036137505"/>
+      </p:ext>
+    </p:extLst>
+  </p:cSld>
+  <p:clrMapOvr>
+    <a:masterClrMapping/>
+  </p:clrMapOvr>
+</p:sld>
+</file>
+
+<file path=ppt/slides/slide13.xml><?xml version="1.0" encoding="utf-8"?>
+<p:sld xmlns:a="http://schemas.openxmlformats.org/drawingml/2006/main" xmlns:r="http://schemas.openxmlformats.org/officeDocument/2006/relationships" xmlns:p="http://schemas.openxmlformats.org/presentationml/2006/main">
+  <p:cSld>
+    <p:spTree>
+      <p:nvGrpSpPr>
+        <p:cNvPr id="1" name=""/>
+        <p:cNvGrpSpPr/>
+        <p:nvPr/>
+      </p:nvGrpSpPr>
+      <p:grpSpPr>
+        <a:xfrm>
+          <a:off x="0" y="0"/>
+          <a:ext cx="0" cy="0"/>
+          <a:chOff x="0" y="0"/>
+          <a:chExt cx="0" cy="0"/>
+        </a:xfrm>
+      </p:grpSpPr>
+      <p:sp>
+        <p:nvSpPr>
+          <p:cNvPr id="2" name="Titel 1">
+            <a:extLst>
+              <a:ext uri="{FF2B5EF4-FFF2-40B4-BE49-F238E27FC236}">
+                <a16:creationId xmlns:a16="http://schemas.microsoft.com/office/drawing/2014/main" id="{168BD265-B5FC-4B19-8C9C-C082365DC2B8}"/>
+              </a:ext>
+            </a:extLst>
+          </p:cNvPr>
+          <p:cNvSpPr>
+            <a:spLocks noGrp="1"/>
+          </p:cNvSpPr>
+          <p:nvPr>
+            <p:ph type="title"/>
+          </p:nvPr>
+        </p:nvSpPr>
+        <p:spPr/>
+        <p:txBody>
+          <a:bodyPr/>
+          <a:lstStyle/>
+          <a:p>
+            <a:r>
+              <a:rPr lang="de-DE" dirty="0"/>
+              <a:t>Fazit</a:t>
+            </a:r>
+          </a:p>
+        </p:txBody>
+      </p:sp>
+      <p:sp>
+        <p:nvSpPr>
+          <p:cNvPr id="3" name="Inhaltsplatzhalter 2">
+            <a:extLst>
+              <a:ext uri="{FF2B5EF4-FFF2-40B4-BE49-F238E27FC236}">
+                <a16:creationId xmlns:a16="http://schemas.microsoft.com/office/drawing/2014/main" id="{DB4CD382-9918-46D0-8053-FA2132838475}"/>
+              </a:ext>
+            </a:extLst>
+          </p:cNvPr>
+          <p:cNvSpPr>
+            <a:spLocks noGrp="1"/>
+          </p:cNvSpPr>
+          <p:nvPr>
+            <p:ph idx="1"/>
+          </p:nvPr>
+        </p:nvSpPr>
+        <p:spPr/>
+        <p:txBody>
+          <a:bodyPr/>
+          <a:lstStyle/>
+          <a:p>
+            <a:r>
+              <a:rPr lang="de-DE" dirty="0"/>
+              <a:t>Erkennung von Bildern unter erschwerten Bedingungen fehleranfällig</a:t>
+            </a:r>
+          </a:p>
+          <a:p>
+            <a:r>
+              <a:rPr lang="de-DE" dirty="0"/>
+              <a:t>Hintergründe manchmal schwierig zu unterscheiden</a:t>
+            </a:r>
+          </a:p>
+          <a:p>
+            <a:r>
+              <a:rPr lang="de-DE" dirty="0"/>
+              <a:t>Grundlegende Bilder werden richtig erkannt</a:t>
+            </a:r>
+          </a:p>
+        </p:txBody>
+      </p:sp>
+    </p:spTree>
+    <p:extLst>
+      <p:ext uri="{BB962C8B-B14F-4D97-AF65-F5344CB8AC3E}">
+        <p14:creationId xmlns:p14="http://schemas.microsoft.com/office/powerpoint/2010/main" val="2229311365"/>
+      </p:ext>
+    </p:extLst>
+  </p:cSld>
+  <p:clrMapOvr>
+    <a:masterClrMapping/>
+  </p:clrMapOvr>
+</p:sld>
+</file>
+
+<file path=ppt/slides/slide14.xml><?xml version="1.0" encoding="utf-8"?>
+<p:sld xmlns:a="http://schemas.openxmlformats.org/drawingml/2006/main" xmlns:r="http://schemas.openxmlformats.org/officeDocument/2006/relationships" xmlns:p="http://schemas.openxmlformats.org/presentationml/2006/main">
+  <p:cSld>
+    <p:spTree>
+      <p:nvGrpSpPr>
+        <p:cNvPr id="1" name=""/>
+        <p:cNvGrpSpPr/>
+        <p:nvPr/>
+      </p:nvGrpSpPr>
+      <p:grpSpPr>
+        <a:xfrm>
+          <a:off x="0" y="0"/>
+          <a:ext cx="0" cy="0"/>
+          <a:chOff x="0" y="0"/>
+          <a:chExt cx="0" cy="0"/>
+        </a:xfrm>
+      </p:grpSpPr>
+      <p:sp>
+        <p:nvSpPr>
+          <p:cNvPr id="2" name="Titel 1">
+            <a:extLst>
+              <a:ext uri="{FF2B5EF4-FFF2-40B4-BE49-F238E27FC236}">
+                <a16:creationId xmlns:a16="http://schemas.microsoft.com/office/drawing/2014/main" id="{5E32EC49-243F-4B6A-8E43-5BAF850FD636}"/>
+              </a:ext>
+            </a:extLst>
+          </p:cNvPr>
+          <p:cNvSpPr>
+            <a:spLocks noGrp="1"/>
+          </p:cNvSpPr>
+          <p:nvPr>
+            <p:ph type="title"/>
+          </p:nvPr>
+        </p:nvSpPr>
+        <p:spPr/>
+        <p:txBody>
+          <a:bodyPr/>
+          <a:lstStyle/>
+          <a:p>
+            <a:r>
+              <a:rPr lang="de-DE" dirty="0"/>
+              <a:t>Ausblick</a:t>
+            </a:r>
+          </a:p>
+        </p:txBody>
+      </p:sp>
+      <p:sp>
+        <p:nvSpPr>
+          <p:cNvPr id="3" name="Inhaltsplatzhalter 2">
+            <a:extLst>
+              <a:ext uri="{FF2B5EF4-FFF2-40B4-BE49-F238E27FC236}">
+                <a16:creationId xmlns:a16="http://schemas.microsoft.com/office/drawing/2014/main" id="{E81BEE73-2FEC-4AEA-85E7-8F7785AF48B5}"/>
+              </a:ext>
+            </a:extLst>
+          </p:cNvPr>
+          <p:cNvSpPr>
+            <a:spLocks noGrp="1"/>
+          </p:cNvSpPr>
+          <p:nvPr>
+            <p:ph idx="1"/>
+          </p:nvPr>
+        </p:nvSpPr>
+        <p:spPr/>
+        <p:txBody>
+          <a:bodyPr/>
+          <a:lstStyle/>
+          <a:p>
+            <a:r>
+              <a:rPr lang="de-DE" dirty="0"/>
+              <a:t>Applikation mit direkter Analyse (In Arbeit)</a:t>
+            </a:r>
+          </a:p>
+          <a:p>
+            <a:r>
+              <a:rPr lang="de-DE" dirty="0"/>
+              <a:t>Verbesserung der Schilderkennung</a:t>
+            </a:r>
+          </a:p>
+          <a:p>
+            <a:r>
+              <a:rPr lang="de-DE" dirty="0"/>
+              <a:t>Einbeziehen aussortierter Schilder</a:t>
+            </a:r>
+          </a:p>
+          <a:p>
+            <a:r>
+              <a:rPr lang="de-DE" dirty="0"/>
+              <a:t>Erhöhung/Verbesserung der Datenbasis </a:t>
+            </a:r>
+          </a:p>
+        </p:txBody>
+      </p:sp>
+    </p:spTree>
+    <p:extLst>
+      <p:ext uri="{BB962C8B-B14F-4D97-AF65-F5344CB8AC3E}">
+        <p14:creationId xmlns:p14="http://schemas.microsoft.com/office/powerpoint/2010/main" val="3297564891"/>
+      </p:ext>
+    </p:extLst>
+  </p:cSld>
+  <p:clrMapOvr>
+    <a:masterClrMapping/>
+  </p:clrMapOvr>
+</p:sld>
+</file>
+
+<file path=ppt/slides/slide15.xml><?xml version="1.0" encoding="utf-8"?>
+<p:sld xmlns:a="http://schemas.openxmlformats.org/drawingml/2006/main" xmlns:r="http://schemas.openxmlformats.org/officeDocument/2006/relationships" xmlns:p="http://schemas.openxmlformats.org/presentationml/2006/main">
+  <p:cSld>
+    <p:spTree>
+      <p:nvGrpSpPr>
+        <p:cNvPr id="1" name=""/>
+        <p:cNvGrpSpPr/>
+        <p:nvPr/>
+      </p:nvGrpSpPr>
+      <p:grpSpPr>
+        <a:xfrm>
+          <a:off x="0" y="0"/>
+          <a:ext cx="0" cy="0"/>
+          <a:chOff x="0" y="0"/>
+          <a:chExt cx="0" cy="0"/>
+        </a:xfrm>
+      </p:grpSpPr>
+      <p:sp>
+        <p:nvSpPr>
+          <p:cNvPr id="2" name="Titel 1">
+            <a:extLst>
+              <a:ext uri="{FF2B5EF4-FFF2-40B4-BE49-F238E27FC236}">
+                <a16:creationId xmlns:a16="http://schemas.microsoft.com/office/drawing/2014/main" id="{95C39E3E-666C-4BBE-8E97-CC9B0F62C487}"/>
+              </a:ext>
+            </a:extLst>
+          </p:cNvPr>
+          <p:cNvSpPr>
+            <a:spLocks noGrp="1"/>
+          </p:cNvSpPr>
+          <p:nvPr>
+            <p:ph type="title"/>
+          </p:nvPr>
+        </p:nvSpPr>
+        <p:spPr/>
+        <p:txBody>
+          <a:bodyPr/>
+          <a:lstStyle/>
+          <a:p>
+            <a:r>
+              <a:rPr lang="de-DE" dirty="0"/>
+              <a:t>Quellen</a:t>
+            </a:r>
+          </a:p>
+        </p:txBody>
+      </p:sp>
+      <p:sp>
+        <p:nvSpPr>
+          <p:cNvPr id="3" name="Inhaltsplatzhalter 2">
+            <a:extLst>
+              <a:ext uri="{FF2B5EF4-FFF2-40B4-BE49-F238E27FC236}">
+                <a16:creationId xmlns:a16="http://schemas.microsoft.com/office/drawing/2014/main" id="{5D9C4051-44B0-42C9-9355-C452355E9622}"/>
+              </a:ext>
+            </a:extLst>
+          </p:cNvPr>
+          <p:cNvSpPr>
+            <a:spLocks noGrp="1"/>
+          </p:cNvSpPr>
+          <p:nvPr>
+            <p:ph idx="1"/>
+          </p:nvPr>
+        </p:nvSpPr>
+        <p:spPr/>
+        <p:txBody>
+          <a:bodyPr/>
+          <a:lstStyle/>
+          <a:p>
+            <a:r>
+              <a:rPr lang="de-DE" dirty="0"/>
+              <a:t>Statistisches Bundesamt: </a:t>
+            </a:r>
+            <a:r>
+              <a:rPr lang="de-DE" dirty="0">
+                <a:hlinkClick r:id="rId2"/>
+              </a:rPr>
+              <a:t>https://www.destatis.de/DE/Themen/Gesellschaft-Umwelt/Verkehrsunfaelle/Publikationen/Downloads-Verkehrsunfaelle/unfaelle-kinder-5462405187004.pdf?__blob=publicationFile</a:t>
+            </a:r>
+            <a:endParaRPr lang="de-DE" dirty="0"/>
+          </a:p>
+        </p:txBody>
+      </p:sp>
+    </p:spTree>
+    <p:extLst>
+      <p:ext uri="{BB962C8B-B14F-4D97-AF65-F5344CB8AC3E}">
+        <p14:creationId xmlns:p14="http://schemas.microsoft.com/office/powerpoint/2010/main" val="2140367994"/>
+      </p:ext>
+    </p:extLst>
+  </p:cSld>
+  <p:clrMapOvr>
+    <a:masterClrMapping/>
+  </p:clrMapOvr>
+</p:sld>
+</file>
+
+<file path=ppt/slides/slide16.xml><?xml version="1.0" encoding="utf-8"?>
+<p:sld xmlns:a="http://schemas.openxmlformats.org/drawingml/2006/main" xmlns:r="http://schemas.openxmlformats.org/officeDocument/2006/relationships" xmlns:p="http://schemas.openxmlformats.org/presentationml/2006/main">
+  <p:cSld>
+    <p:bg>
+      <p:bgPr>
+        <a:blipFill rotWithShape="1">
+          <a:blip r:embed="rId2">
+            <a:duotone>
+              <a:schemeClr val="bg2">
+                <a:shade val="76000"/>
+                <a:satMod val="180000"/>
+              </a:schemeClr>
+              <a:schemeClr val="bg2">
+                <a:tint val="80000"/>
+                <a:satMod val="120000"/>
+                <a:lumMod val="180000"/>
+              </a:schemeClr>
+            </a:duotone>
+          </a:blip>
+          <a:stretch/>
+        </a:blipFill>
+        <a:effectLst/>
+      </p:bgPr>
+    </p:bg>
+    <p:spTree>
+      <p:nvGrpSpPr>
+        <p:cNvPr id="1" name=""/>
+        <p:cNvGrpSpPr/>
+        <p:nvPr/>
+      </p:nvGrpSpPr>
+      <p:grpSpPr>
+        <a:xfrm>
+          <a:off x="0" y="0"/>
+          <a:ext cx="0" cy="0"/>
+          <a:chOff x="0" y="0"/>
+          <a:chExt cx="0" cy="0"/>
+        </a:xfrm>
+      </p:grpSpPr>
+      <p:sp useBgFill="1">
+        <p:nvSpPr>
+          <p:cNvPr id="10" name="Rectangle 9">
+            <a:extLst>
+              <a:ext uri="{FF2B5EF4-FFF2-40B4-BE49-F238E27FC236}">
+                <a16:creationId xmlns:a16="http://schemas.microsoft.com/office/drawing/2014/main" id="{15655827-B42D-4180-88D3-D83F25E4BD1C}"/>
+              </a:ext>
+              <a:ext uri="{C183D7F6-B498-43B3-948B-1728B52AA6E4}">
+                <adec:decorative xmlns:adec="http://schemas.microsoft.com/office/drawing/2017/decorative" val="1"/>
+              </a:ext>
+            </a:extLst>
+          </p:cNvPr>
+          <p:cNvSpPr>
+            <a:spLocks noGrp="1" noRot="1" noChangeAspect="1" noMove="1" noResize="1" noEditPoints="1" noAdjustHandles="1" noChangeArrowheads="1" noChangeShapeType="1" noTextEdit="1"/>
+          </p:cNvSpPr>
+          <p:nvPr>
+            <p:extLst>
+              <p:ext uri="{386F3935-93C4-4BCD-93E2-E3B085C9AB24}">
+                <p16:designElem xmlns:p16="http://schemas.microsoft.com/office/powerpoint/2015/main" val="1"/>
+              </p:ext>
+            </p:extLst>
+          </p:nvPr>
+        </p:nvSpPr>
+        <p:spPr>
+          <a:xfrm>
+            <a:off x="0" y="0"/>
+            <a:ext cx="12192000" cy="6858000"/>
+          </a:xfrm>
+          <a:prstGeom prst="rect">
+            <a:avLst/>
+          </a:prstGeom>
+          <a:ln>
+            <a:noFill/>
+          </a:ln>
+          <a:effectLst/>
+        </p:spPr>
+        <p:txBody>
+          <a:bodyPr rtlCol="0" anchor="ctr"/>
+          <a:lstStyle/>
+          <a:p>
+            <a:pPr algn="ctr"/>
+            <a:endParaRPr lang="en-US"/>
+          </a:p>
+        </p:txBody>
+      </p:sp>
+      <p:sp>
+        <p:nvSpPr>
+          <p:cNvPr id="12" name="Freeform: Shape 11">
+            <a:extLst>
+              <a:ext uri="{FF2B5EF4-FFF2-40B4-BE49-F238E27FC236}">
+                <a16:creationId xmlns:a16="http://schemas.microsoft.com/office/drawing/2014/main" id="{24ACCB06-563C-4ADE-B4D6-1FE9F723C7D9}"/>
+              </a:ext>
+              <a:ext uri="{C183D7F6-B498-43B3-948B-1728B52AA6E4}">
+                <adec:decorative xmlns:adec="http://schemas.microsoft.com/office/drawing/2017/decorative" val="1"/>
+              </a:ext>
+            </a:extLst>
+          </p:cNvPr>
+          <p:cNvSpPr>
+            <a:spLocks noGrp="1" noRot="1" noChangeAspect="1" noMove="1" noResize="1" noEditPoints="1" noAdjustHandles="1" noChangeArrowheads="1" noChangeShapeType="1" noTextEdit="1"/>
+          </p:cNvSpPr>
+          <p:nvPr>
+            <p:extLst>
+              <p:ext uri="{386F3935-93C4-4BCD-93E2-E3B085C9AB24}">
+                <p16:designElem xmlns:p16="http://schemas.microsoft.com/office/powerpoint/2015/main" val="1"/>
+              </p:ext>
+            </p:extLst>
+          </p:nvPr>
+        </p:nvSpPr>
+        <p:spPr bwMode="auto">
+          <a:xfrm>
+            <a:off x="0" y="3955594"/>
+            <a:ext cx="1828958" cy="2902407"/>
+          </a:xfrm>
+          <a:custGeom>
+            <a:avLst/>
+            <a:gdLst>
+              <a:gd name="connsiteX0" fmla="*/ 0 w 1828958"/>
+              <a:gd name="connsiteY0" fmla="*/ 0 h 2902407"/>
+              <a:gd name="connsiteX1" fmla="*/ 1828958 w 1828958"/>
+              <a:gd name="connsiteY1" fmla="*/ 2902407 h 2902407"/>
+              <a:gd name="connsiteX2" fmla="*/ 1709896 w 1828958"/>
+              <a:gd name="connsiteY2" fmla="*/ 2902407 h 2902407"/>
+              <a:gd name="connsiteX3" fmla="*/ 0 w 1828958"/>
+              <a:gd name="connsiteY3" fmla="*/ 63474 h 2902407"/>
+            </a:gdLst>
+            <a:ahLst/>
+            <a:cxnLst>
+              <a:cxn ang="0">
+                <a:pos x="connsiteX0" y="connsiteY0"/>
+              </a:cxn>
+              <a:cxn ang="0">
+                <a:pos x="connsiteX1" y="connsiteY1"/>
+              </a:cxn>
+              <a:cxn ang="0">
+                <a:pos x="connsiteX2" y="connsiteY2"/>
+              </a:cxn>
+              <a:cxn ang="0">
+                <a:pos x="connsiteX3" y="connsiteY3"/>
+              </a:cxn>
+            </a:cxnLst>
+            <a:rect l="l" t="t" r="r" b="b"/>
+            <a:pathLst>
+              <a:path w="1828958" h="2902407">
+                <a:moveTo>
+                  <a:pt x="0" y="0"/>
+                </a:moveTo>
+                <a:lnTo>
+                  <a:pt x="1828958" y="2902407"/>
+                </a:lnTo>
+                <a:lnTo>
+                  <a:pt x="1709896" y="2902407"/>
+                </a:lnTo>
+                <a:lnTo>
+                  <a:pt x="0" y="63474"/>
+                </a:lnTo>
+                <a:close/>
+              </a:path>
+            </a:pathLst>
+          </a:custGeom>
+          <a:solidFill>
+            <a:srgbClr val="262626"/>
+          </a:solidFill>
+          <a:ln>
+            <a:noFill/>
+          </a:ln>
+        </p:spPr>
+      </p:sp>
+      <p:sp>
+        <p:nvSpPr>
+          <p:cNvPr id="14" name="Freeform: Shape 13">
+            <a:extLst>
+              <a:ext uri="{FF2B5EF4-FFF2-40B4-BE49-F238E27FC236}">
+                <a16:creationId xmlns:a16="http://schemas.microsoft.com/office/drawing/2014/main" id="{40761ECD-D92B-46AE-82CA-640023D282F9}"/>
+              </a:ext>
+              <a:ext uri="{C183D7F6-B498-43B3-948B-1728B52AA6E4}">
+                <adec:decorative xmlns:adec="http://schemas.microsoft.com/office/drawing/2017/decorative" val="1"/>
+              </a:ext>
+            </a:extLst>
+          </p:cNvPr>
+          <p:cNvSpPr>
+            <a:spLocks noGrp="1" noRot="1" noChangeAspect="1" noMove="1" noResize="1" noEditPoints="1" noAdjustHandles="1" noChangeArrowheads="1" noChangeShapeType="1" noTextEdit="1"/>
+          </p:cNvSpPr>
+          <p:nvPr>
+            <p:extLst>
+              <p:ext uri="{386F3935-93C4-4BCD-93E2-E3B085C9AB24}">
+                <p16:designElem xmlns:p16="http://schemas.microsoft.com/office/powerpoint/2015/main" val="1"/>
+              </p:ext>
+            </p:extLst>
+          </p:nvPr>
+        </p:nvSpPr>
+        <p:spPr bwMode="auto">
+          <a:xfrm>
+            <a:off x="1" y="3220098"/>
+            <a:ext cx="2910045" cy="3637903"/>
+          </a:xfrm>
+          <a:custGeom>
+            <a:avLst/>
+            <a:gdLst>
+              <a:gd name="connsiteX0" fmla="*/ 0 w 2910045"/>
+              <a:gd name="connsiteY0" fmla="*/ 0 h 3637903"/>
+              <a:gd name="connsiteX1" fmla="*/ 2910045 w 2910045"/>
+              <a:gd name="connsiteY1" fmla="*/ 3637903 h 3637903"/>
+              <a:gd name="connsiteX2" fmla="*/ 2786220 w 2910045"/>
+              <a:gd name="connsiteY2" fmla="*/ 3637903 h 3637903"/>
+              <a:gd name="connsiteX3" fmla="*/ 0 w 2910045"/>
+              <a:gd name="connsiteY3" fmla="*/ 20366 h 3637903"/>
+            </a:gdLst>
+            <a:ahLst/>
+            <a:cxnLst>
+              <a:cxn ang="0">
+                <a:pos x="connsiteX0" y="connsiteY0"/>
+              </a:cxn>
+              <a:cxn ang="0">
+                <a:pos x="connsiteX1" y="connsiteY1"/>
+              </a:cxn>
+              <a:cxn ang="0">
+                <a:pos x="connsiteX2" y="connsiteY2"/>
+              </a:cxn>
+              <a:cxn ang="0">
+                <a:pos x="connsiteX3" y="connsiteY3"/>
+              </a:cxn>
+            </a:cxnLst>
+            <a:rect l="l" t="t" r="r" b="b"/>
+            <a:pathLst>
+              <a:path w="2910045" h="3637903">
+                <a:moveTo>
+                  <a:pt x="0" y="0"/>
+                </a:moveTo>
+                <a:lnTo>
+                  <a:pt x="2910045" y="3637903"/>
+                </a:lnTo>
+                <a:lnTo>
+                  <a:pt x="2786220" y="3637903"/>
+                </a:lnTo>
+                <a:lnTo>
+                  <a:pt x="0" y="20366"/>
+                </a:lnTo>
+                <a:close/>
+              </a:path>
+            </a:pathLst>
+          </a:custGeom>
+          <a:solidFill>
+            <a:schemeClr val="accent1">
+              <a:lumMod val="50000"/>
+            </a:schemeClr>
+          </a:solidFill>
+          <a:ln>
+            <a:noFill/>
+          </a:ln>
+        </p:spPr>
+      </p:sp>
+      <p:sp>
+        <p:nvSpPr>
+          <p:cNvPr id="16" name="Freeform: Shape 15">
+            <a:extLst>
+              <a:ext uri="{FF2B5EF4-FFF2-40B4-BE49-F238E27FC236}">
+                <a16:creationId xmlns:a16="http://schemas.microsoft.com/office/drawing/2014/main" id="{9A928607-C55C-40FD-B2DF-6CD6A7226A71}"/>
+              </a:ext>
+              <a:ext uri="{C183D7F6-B498-43B3-948B-1728B52AA6E4}">
+                <adec:decorative xmlns:adec="http://schemas.microsoft.com/office/drawing/2017/decorative" val="1"/>
+              </a:ext>
+            </a:extLst>
+          </p:cNvPr>
+          <p:cNvSpPr>
+            <a:spLocks noGrp="1" noRot="1" noChangeAspect="1" noMove="1" noResize="1" noEditPoints="1" noAdjustHandles="1" noChangeArrowheads="1" noChangeShapeType="1" noTextEdit="1"/>
+          </p:cNvSpPr>
+          <p:nvPr>
+            <p:extLst>
+              <p:ext uri="{386F3935-93C4-4BCD-93E2-E3B085C9AB24}">
+                <p16:designElem xmlns:p16="http://schemas.microsoft.com/office/powerpoint/2015/main" val="1"/>
+              </p:ext>
+            </p:extLst>
+          </p:nvPr>
+        </p:nvSpPr>
+        <p:spPr bwMode="auto">
+          <a:xfrm>
+            <a:off x="1" y="2845509"/>
+            <a:ext cx="4149883" cy="4012491"/>
+          </a:xfrm>
+          <a:custGeom>
+            <a:avLst/>
+            <a:gdLst>
+              <a:gd name="connsiteX0" fmla="*/ 0 w 4149883"/>
+              <a:gd name="connsiteY0" fmla="*/ 0 h 4012491"/>
+              <a:gd name="connsiteX1" fmla="*/ 4149883 w 4149883"/>
+              <a:gd name="connsiteY1" fmla="*/ 4012491 h 4012491"/>
+              <a:gd name="connsiteX2" fmla="*/ 2910046 w 4149883"/>
+              <a:gd name="connsiteY2" fmla="*/ 4012491 h 4012491"/>
+              <a:gd name="connsiteX3" fmla="*/ 0 w 4149883"/>
+              <a:gd name="connsiteY3" fmla="*/ 374587 h 4012491"/>
+            </a:gdLst>
+            <a:ahLst/>
+            <a:cxnLst>
+              <a:cxn ang="0">
+                <a:pos x="connsiteX0" y="connsiteY0"/>
+              </a:cxn>
+              <a:cxn ang="0">
+                <a:pos x="connsiteX1" y="connsiteY1"/>
+              </a:cxn>
+              <a:cxn ang="0">
+                <a:pos x="connsiteX2" y="connsiteY2"/>
+              </a:cxn>
+              <a:cxn ang="0">
+                <a:pos x="connsiteX3" y="connsiteY3"/>
+              </a:cxn>
+            </a:cxnLst>
+            <a:rect l="l" t="t" r="r" b="b"/>
+            <a:pathLst>
+              <a:path w="4149883" h="4012491">
+                <a:moveTo>
+                  <a:pt x="0" y="0"/>
+                </a:moveTo>
+                <a:lnTo>
+                  <a:pt x="4149883" y="4012491"/>
+                </a:lnTo>
+                <a:lnTo>
+                  <a:pt x="2910046" y="4012491"/>
+                </a:lnTo>
+                <a:lnTo>
+                  <a:pt x="0" y="374587"/>
+                </a:lnTo>
+                <a:close/>
+              </a:path>
+            </a:pathLst>
+          </a:custGeom>
+          <a:solidFill>
+            <a:schemeClr val="accent1">
+              <a:lumMod val="75000"/>
+            </a:schemeClr>
+          </a:solidFill>
+          <a:ln>
+            <a:noFill/>
+          </a:ln>
+        </p:spPr>
+      </p:sp>
+      <p:sp>
+        <p:nvSpPr>
+          <p:cNvPr id="18" name="Freeform: Shape 17">
+            <a:extLst>
+              <a:ext uri="{FF2B5EF4-FFF2-40B4-BE49-F238E27FC236}">
+                <a16:creationId xmlns:a16="http://schemas.microsoft.com/office/drawing/2014/main" id="{400A20C1-29A4-43E0-AB15-7931F76F8C2D}"/>
+              </a:ext>
+              <a:ext uri="{C183D7F6-B498-43B3-948B-1728B52AA6E4}">
+                <adec:decorative xmlns:adec="http://schemas.microsoft.com/office/drawing/2017/decorative" val="1"/>
+              </a:ext>
+            </a:extLst>
+          </p:cNvPr>
+          <p:cNvSpPr>
+            <a:spLocks noGrp="1" noRot="1" noChangeAspect="1" noMove="1" noResize="1" noEditPoints="1" noAdjustHandles="1" noChangeArrowheads="1" noChangeShapeType="1" noTextEdit="1"/>
+          </p:cNvSpPr>
+          <p:nvPr>
+            <p:extLst>
+              <p:ext uri="{386F3935-93C4-4BCD-93E2-E3B085C9AB24}">
+                <p16:designElem xmlns:p16="http://schemas.microsoft.com/office/powerpoint/2015/main" val="1"/>
+              </p:ext>
+            </p:extLst>
+          </p:nvPr>
+        </p:nvSpPr>
+        <p:spPr bwMode="auto">
+          <a:xfrm>
+            <a:off x="0" y="3332410"/>
+            <a:ext cx="2719546" cy="3525590"/>
+          </a:xfrm>
+          <a:custGeom>
+            <a:avLst/>
+            <a:gdLst>
+              <a:gd name="connsiteX0" fmla="*/ 0 w 2719546"/>
+              <a:gd name="connsiteY0" fmla="*/ 0 h 3525590"/>
+              <a:gd name="connsiteX1" fmla="*/ 2719546 w 2719546"/>
+              <a:gd name="connsiteY1" fmla="*/ 3525590 h 3525590"/>
+              <a:gd name="connsiteX2" fmla="*/ 1828959 w 2719546"/>
+              <a:gd name="connsiteY2" fmla="*/ 3525590 h 3525590"/>
+              <a:gd name="connsiteX3" fmla="*/ 0 w 2719546"/>
+              <a:gd name="connsiteY3" fmla="*/ 623183 h 3525590"/>
+            </a:gdLst>
+            <a:ahLst/>
+            <a:cxnLst>
+              <a:cxn ang="0">
+                <a:pos x="connsiteX0" y="connsiteY0"/>
+              </a:cxn>
+              <a:cxn ang="0">
+                <a:pos x="connsiteX1" y="connsiteY1"/>
+              </a:cxn>
+              <a:cxn ang="0">
+                <a:pos x="connsiteX2" y="connsiteY2"/>
+              </a:cxn>
+              <a:cxn ang="0">
+                <a:pos x="connsiteX3" y="connsiteY3"/>
+              </a:cxn>
+            </a:cxnLst>
+            <a:rect l="l" t="t" r="r" b="b"/>
+            <a:pathLst>
+              <a:path w="2719546" h="3525590">
+                <a:moveTo>
+                  <a:pt x="0" y="0"/>
+                </a:moveTo>
+                <a:lnTo>
+                  <a:pt x="2719546" y="3525590"/>
+                </a:lnTo>
+                <a:lnTo>
+                  <a:pt x="1828959" y="3525590"/>
+                </a:lnTo>
+                <a:lnTo>
+                  <a:pt x="0" y="623183"/>
+                </a:lnTo>
+                <a:close/>
+              </a:path>
+            </a:pathLst>
+          </a:custGeom>
+          <a:solidFill>
+            <a:srgbClr val="404040"/>
+          </a:solidFill>
+          <a:ln>
+            <a:noFill/>
+          </a:ln>
+        </p:spPr>
+      </p:sp>
+      <p:sp>
+        <p:nvSpPr>
+          <p:cNvPr id="4" name="Titel 3">
+            <a:extLst>
+              <a:ext uri="{FF2B5EF4-FFF2-40B4-BE49-F238E27FC236}">
+                <a16:creationId xmlns:a16="http://schemas.microsoft.com/office/drawing/2014/main" id="{BBC46C10-C8CA-4200-90E2-DD54266780C7}"/>
+              </a:ext>
+            </a:extLst>
+          </p:cNvPr>
+          <p:cNvSpPr>
+            <a:spLocks noGrp="1"/>
+          </p:cNvSpPr>
+          <p:nvPr>
+            <p:ph type="ctrTitle"/>
+          </p:nvPr>
+        </p:nvSpPr>
+        <p:spPr>
+          <a:xfrm>
+            <a:off x="1524000" y="643468"/>
+            <a:ext cx="9144000" cy="3618898"/>
+          </a:xfrm>
+        </p:spPr>
+        <p:txBody>
+          <a:bodyPr anchor="b">
+            <a:normAutofit/>
+          </a:bodyPr>
+          <a:lstStyle/>
+          <a:p>
+            <a:pPr algn="ctr"/>
+            <a:r>
+              <a:rPr lang="de-DE" sz="7200" dirty="0"/>
+              <a:t>Zusatzmaterial</a:t>
+            </a:r>
+          </a:p>
+        </p:txBody>
+      </p:sp>
+      <p:sp>
+        <p:nvSpPr>
+          <p:cNvPr id="5" name="Untertitel 4">
+            <a:extLst>
+              <a:ext uri="{FF2B5EF4-FFF2-40B4-BE49-F238E27FC236}">
+                <a16:creationId xmlns:a16="http://schemas.microsoft.com/office/drawing/2014/main" id="{A9F1D756-1B26-4B41-8192-F7AF9803D341}"/>
+              </a:ext>
+            </a:extLst>
+          </p:cNvPr>
+          <p:cNvSpPr>
+            <a:spLocks noGrp="1"/>
+          </p:cNvSpPr>
+          <p:nvPr>
+            <p:ph type="subTitle" idx="1"/>
+          </p:nvPr>
+        </p:nvSpPr>
+        <p:spPr>
+          <a:xfrm>
+            <a:off x="2719546" y="4552335"/>
+            <a:ext cx="6752908" cy="1091381"/>
+          </a:xfrm>
+        </p:spPr>
+        <p:txBody>
+          <a:bodyPr>
+            <a:normAutofit/>
+          </a:bodyPr>
+          <a:lstStyle/>
+          <a:p>
+            <a:pPr algn="ctr"/>
+            <a:endParaRPr lang="de-DE" sz="2400"/>
+          </a:p>
+        </p:txBody>
+      </p:sp>
+    </p:spTree>
+    <p:extLst>
+      <p:ext uri="{BB962C8B-B14F-4D97-AF65-F5344CB8AC3E}">
+        <p14:creationId xmlns:p14="http://schemas.microsoft.com/office/powerpoint/2010/main" val="2486657761"/>
+      </p:ext>
+    </p:extLst>
+  </p:cSld>
+  <p:clrMapOvr>
+    <a:masterClrMapping/>
+  </p:clrMapOvr>
+</p:sld>
+</file>
+
+<file path=ppt/slides/slide17.xml><?xml version="1.0" encoding="utf-8"?>
+<p:sld xmlns:a="http://schemas.openxmlformats.org/drawingml/2006/main" xmlns:r="http://schemas.openxmlformats.org/officeDocument/2006/relationships" xmlns:p="http://schemas.openxmlformats.org/presentationml/2006/main">
+  <p:cSld>
+    <p:spTree>
+      <p:nvGrpSpPr>
+        <p:cNvPr id="1" name=""/>
+        <p:cNvGrpSpPr/>
+        <p:nvPr/>
+      </p:nvGrpSpPr>
+      <p:grpSpPr>
+        <a:xfrm>
+          <a:off x="0" y="0"/>
+          <a:ext cx="0" cy="0"/>
+          <a:chOff x="0" y="0"/>
+          <a:chExt cx="0" cy="0"/>
+        </a:xfrm>
+      </p:grpSpPr>
+      <p:sp>
+        <p:nvSpPr>
+          <p:cNvPr id="2" name="Titel 1">
+            <a:extLst>
+              <a:ext uri="{FF2B5EF4-FFF2-40B4-BE49-F238E27FC236}">
+                <a16:creationId xmlns:a16="http://schemas.microsoft.com/office/drawing/2014/main" id="{5A0E7DFB-980B-426D-99B8-2CA3D918AB1F}"/>
+              </a:ext>
+            </a:extLst>
+          </p:cNvPr>
+          <p:cNvSpPr>
+            <a:spLocks noGrp="1"/>
+          </p:cNvSpPr>
+          <p:nvPr>
+            <p:ph type="title"/>
+          </p:nvPr>
+        </p:nvSpPr>
+        <p:spPr/>
+        <p:txBody>
+          <a:bodyPr/>
+          <a:lstStyle/>
+          <a:p>
+            <a:r>
+              <a:rPr lang="de-DE" dirty="0"/>
+              <a:t>Verunglückte Kinder im </a:t>
+            </a:r>
+            <a:r>
+              <a:rPr lang="de-DE" dirty="0" err="1"/>
+              <a:t>Starßenverkehr</a:t>
+            </a:r>
+            <a:r>
+              <a:rPr lang="de-DE" dirty="0"/>
+              <a:t> unter 15 in Jahren</a:t>
+            </a:r>
+          </a:p>
+        </p:txBody>
+      </p:sp>
+      <p:sp>
+        <p:nvSpPr>
+          <p:cNvPr id="3" name="Inhaltsplatzhalter 2">
+            <a:extLst>
+              <a:ext uri="{FF2B5EF4-FFF2-40B4-BE49-F238E27FC236}">
+                <a16:creationId xmlns:a16="http://schemas.microsoft.com/office/drawing/2014/main" id="{12717869-1E1F-4BE1-A3BB-B3C6F375F950}"/>
+              </a:ext>
+            </a:extLst>
+          </p:cNvPr>
+          <p:cNvSpPr>
+            <a:spLocks noGrp="1"/>
+          </p:cNvSpPr>
+          <p:nvPr>
+            <p:ph idx="1"/>
+          </p:nvPr>
+        </p:nvSpPr>
+        <p:spPr>
+          <a:xfrm>
+            <a:off x="1484310" y="5738927"/>
+            <a:ext cx="10018713" cy="227798"/>
+          </a:xfrm>
+        </p:spPr>
+        <p:txBody>
+          <a:bodyPr>
+            <a:normAutofit fontScale="32500" lnSpcReduction="20000"/>
+          </a:bodyPr>
+          <a:lstStyle/>
+          <a:p>
+            <a:r>
+              <a:rPr lang="de-DE" dirty="0"/>
+              <a:t>Quelle: </a:t>
+            </a:r>
+            <a:r>
+              <a:rPr lang="de-DE" dirty="0">
+                <a:hlinkClick r:id="rId2"/>
+              </a:rPr>
+              <a:t>https://www.destatis.de/DE/Themen/Gesellschaft-Umwelt/Verkehrsunfaelle/Publikationen/Downloads-Verkehrsunfaelle/unfaelle-kinder-5462405187004.pdf?__blob=publicationFile</a:t>
+            </a:r>
+            <a:endParaRPr lang="de-DE" dirty="0"/>
+          </a:p>
+        </p:txBody>
+      </p:sp>
+      <p:pic>
+        <p:nvPicPr>
+          <p:cNvPr id="4" name="Grafik 3">
+            <a:extLst>
+              <a:ext uri="{FF2B5EF4-FFF2-40B4-BE49-F238E27FC236}">
+                <a16:creationId xmlns:a16="http://schemas.microsoft.com/office/drawing/2014/main" id="{5CF679FF-2D2B-45FF-8D94-90B8FE2457B0}"/>
+              </a:ext>
+            </a:extLst>
+          </p:cNvPr>
+          <p:cNvPicPr>
+            <a:picLocks noChangeAspect="1"/>
+          </p:cNvPicPr>
+          <p:nvPr/>
+        </p:nvPicPr>
+        <p:blipFill>
+          <a:blip r:embed="rId3"/>
+          <a:stretch>
+            <a:fillRect/>
+          </a:stretch>
+        </p:blipFill>
+        <p:spPr>
+          <a:xfrm>
+            <a:off x="1593380" y="2666999"/>
+            <a:ext cx="9114310" cy="3071126"/>
+          </a:xfrm>
+          <a:prstGeom prst="rect">
+            <a:avLst/>
+          </a:prstGeom>
+        </p:spPr>
+      </p:pic>
+    </p:spTree>
+    <p:extLst>
+      <p:ext uri="{BB962C8B-B14F-4D97-AF65-F5344CB8AC3E}">
+        <p14:creationId xmlns:p14="http://schemas.microsoft.com/office/powerpoint/2010/main" val="1242163208"/>
+      </p:ext>
+    </p:extLst>
+  </p:cSld>
+  <p:clrMapOvr>
+    <a:masterClrMapping/>
+  </p:clrMapOvr>
+</p:sld>
+</file>
+
+<file path=ppt/slides/slide18.xml><?xml version="1.0" encoding="utf-8"?>
+<p:sld xmlns:a="http://schemas.openxmlformats.org/drawingml/2006/main" xmlns:r="http://schemas.openxmlformats.org/officeDocument/2006/relationships" xmlns:p="http://schemas.openxmlformats.org/presentationml/2006/main">
+  <p:cSld>
+    <p:spTree>
+      <p:nvGrpSpPr>
+        <p:cNvPr id="1" name=""/>
+        <p:cNvGrpSpPr/>
+        <p:nvPr/>
+      </p:nvGrpSpPr>
+      <p:grpSpPr>
+        <a:xfrm>
+          <a:off x="0" y="0"/>
+          <a:ext cx="0" cy="0"/>
+          <a:chOff x="0" y="0"/>
+          <a:chExt cx="0" cy="0"/>
+        </a:xfrm>
+      </p:grpSpPr>
+      <p:sp>
+        <p:nvSpPr>
+          <p:cNvPr id="2" name="Titel 1">
+            <a:extLst>
+              <a:ext uri="{FF2B5EF4-FFF2-40B4-BE49-F238E27FC236}">
+                <a16:creationId xmlns:a16="http://schemas.microsoft.com/office/drawing/2014/main" id="{567E8E7D-DE07-4344-B1CD-6E05086BB443}"/>
+              </a:ext>
+            </a:extLst>
+          </p:cNvPr>
+          <p:cNvSpPr>
+            <a:spLocks noGrp="1"/>
+          </p:cNvSpPr>
+          <p:nvPr>
+            <p:ph type="title"/>
+          </p:nvPr>
+        </p:nvSpPr>
+        <p:spPr/>
+        <p:txBody>
+          <a:bodyPr/>
+          <a:lstStyle/>
+          <a:p>
+            <a:r>
+              <a:rPr lang="de-DE" dirty="0"/>
+              <a:t>Getötete Kinder unter 15</a:t>
+            </a:r>
+          </a:p>
+        </p:txBody>
+      </p:sp>
+      <p:pic>
+        <p:nvPicPr>
+          <p:cNvPr id="4" name="Inhaltsplatzhalter 3">
+            <a:extLst>
+              <a:ext uri="{FF2B5EF4-FFF2-40B4-BE49-F238E27FC236}">
+                <a16:creationId xmlns:a16="http://schemas.microsoft.com/office/drawing/2014/main" id="{79D12B0E-523F-47F1-86A5-5B8BC31210E4}"/>
+              </a:ext>
+            </a:extLst>
+          </p:cNvPr>
+          <p:cNvPicPr>
+            <a:picLocks noGrp="1" noChangeAspect="1"/>
+          </p:cNvPicPr>
+          <p:nvPr>
+            <p:ph idx="1"/>
+          </p:nvPr>
+        </p:nvPicPr>
+        <p:blipFill>
+          <a:blip r:embed="rId2"/>
+          <a:stretch>
+            <a:fillRect/>
+          </a:stretch>
+        </p:blipFill>
+        <p:spPr>
+          <a:xfrm>
+            <a:off x="2000212" y="2857381"/>
+            <a:ext cx="8725656" cy="2743438"/>
+          </a:xfrm>
+          <a:prstGeom prst="rect">
+            <a:avLst/>
+          </a:prstGeom>
+        </p:spPr>
+      </p:pic>
+      <p:sp>
+        <p:nvSpPr>
+          <p:cNvPr id="5" name="Inhaltsplatzhalter 2">
+            <a:extLst>
+              <a:ext uri="{FF2B5EF4-FFF2-40B4-BE49-F238E27FC236}">
+                <a16:creationId xmlns:a16="http://schemas.microsoft.com/office/drawing/2014/main" id="{3DF73459-6CD7-4180-AC96-A003EEE6B149}"/>
+              </a:ext>
+            </a:extLst>
+          </p:cNvPr>
+          <p:cNvSpPr txBox="1">
+            <a:spLocks/>
+          </p:cNvSpPr>
+          <p:nvPr/>
+        </p:nvSpPr>
+        <p:spPr>
+          <a:xfrm>
+            <a:off x="1778224" y="5600819"/>
+            <a:ext cx="10018713" cy="227798"/>
+          </a:xfrm>
+          <a:prstGeom prst="rect">
+            <a:avLst/>
+          </a:prstGeom>
+        </p:spPr>
+        <p:txBody>
+          <a:bodyPr vert="horz" lIns="91440" tIns="45720" rIns="91440" bIns="45720" rtlCol="0" anchor="ctr">
+            <a:normAutofit fontScale="32500" lnSpcReduction="20000"/>
+          </a:bodyPr>
+          <a:lstStyle>
+            <a:lvl1pPr marL="285750" indent="-285750" algn="l" defTabSz="457200" rtl="0" eaLnBrk="1" latinLnBrk="0" hangingPunct="1">
+              <a:spcBef>
+                <a:spcPct val="20000"/>
+              </a:spcBef>
+              <a:spcAft>
+                <a:spcPts val="600"/>
+              </a:spcAft>
+              <a:buClr>
+                <a:schemeClr val="accent1">
+                  <a:lumMod val="75000"/>
+                </a:schemeClr>
+              </a:buClr>
+              <a:buSzPct val="145000"/>
+              <a:buFont typeface="Arial"/>
+              <a:buChar char="•"/>
+              <a:defRPr sz="2400" kern="1200" cap="none">
+                <a:solidFill>
+                  <a:schemeClr val="tx1"/>
+                </a:solidFill>
+                <a:effectLst/>
+                <a:latin typeface="+mn-lt"/>
+                <a:ea typeface="+mn-ea"/>
+                <a:cs typeface="+mn-cs"/>
+              </a:defRPr>
+            </a:lvl1pPr>
+            <a:lvl2pPr marL="742950" indent="-285750" algn="l" defTabSz="457200" rtl="0" eaLnBrk="1" latinLnBrk="0" hangingPunct="1">
+              <a:spcBef>
+                <a:spcPct val="20000"/>
+              </a:spcBef>
+              <a:spcAft>
+                <a:spcPts val="600"/>
+              </a:spcAft>
+              <a:buClr>
+                <a:schemeClr val="accent1">
+                  <a:lumMod val="75000"/>
+                </a:schemeClr>
+              </a:buClr>
+              <a:buSzPct val="145000"/>
+              <a:buFont typeface="Arial"/>
+              <a:buChar char="•"/>
+              <a:defRPr sz="2000" kern="1200" cap="none">
+                <a:solidFill>
+                  <a:schemeClr val="tx1"/>
+                </a:solidFill>
+                <a:effectLst/>
+                <a:latin typeface="+mn-lt"/>
+                <a:ea typeface="+mn-ea"/>
+                <a:cs typeface="+mn-cs"/>
+              </a:defRPr>
+            </a:lvl2pPr>
+            <a:lvl3pPr marL="1200150" indent="-285750" algn="l" defTabSz="457200" rtl="0" eaLnBrk="1" latinLnBrk="0" hangingPunct="1">
+              <a:spcBef>
+                <a:spcPct val="20000"/>
+              </a:spcBef>
+              <a:spcAft>
+                <a:spcPts val="600"/>
+              </a:spcAft>
+              <a:buClr>
+                <a:schemeClr val="accent1">
+                  <a:lumMod val="75000"/>
+                </a:schemeClr>
+              </a:buClr>
+              <a:buSzPct val="145000"/>
+              <a:buFont typeface="Arial"/>
+              <a:buChar char="•"/>
+              <a:defRPr sz="1800" kern="1200" cap="none">
+                <a:solidFill>
+                  <a:schemeClr val="tx1"/>
+                </a:solidFill>
+                <a:effectLst/>
+                <a:latin typeface="+mn-lt"/>
+                <a:ea typeface="+mn-ea"/>
+                <a:cs typeface="+mn-cs"/>
+              </a:defRPr>
+            </a:lvl3pPr>
+            <a:lvl4pPr marL="1543050" indent="-171450" algn="l" defTabSz="457200" rtl="0" eaLnBrk="1" latinLnBrk="0" hangingPunct="1">
+              <a:spcBef>
+                <a:spcPct val="20000"/>
+              </a:spcBef>
+              <a:spcAft>
+                <a:spcPts val="600"/>
+              </a:spcAft>
+              <a:buClr>
+                <a:schemeClr val="accent1">
+                  <a:lumMod val="75000"/>
+                </a:schemeClr>
+              </a:buClr>
+              <a:buSzPct val="145000"/>
+              <a:buFont typeface="Arial"/>
+              <a:buChar char="•"/>
+              <a:defRPr sz="1600" kern="1200" cap="none">
+                <a:solidFill>
+                  <a:schemeClr val="tx1"/>
+                </a:solidFill>
+                <a:effectLst/>
+                <a:latin typeface="+mn-lt"/>
+                <a:ea typeface="+mn-ea"/>
+                <a:cs typeface="+mn-cs"/>
+              </a:defRPr>
+            </a:lvl4pPr>
+            <a:lvl5pPr marL="2000250" indent="-171450" algn="l" defTabSz="457200" rtl="0" eaLnBrk="1" latinLnBrk="0" hangingPunct="1">
+              <a:spcBef>
+                <a:spcPct val="20000"/>
+              </a:spcBef>
+              <a:spcAft>
+                <a:spcPts val="600"/>
+              </a:spcAft>
+              <a:buClr>
+                <a:schemeClr val="accent1">
+                  <a:lumMod val="75000"/>
+                </a:schemeClr>
+              </a:buClr>
+              <a:buSzPct val="145000"/>
+              <a:buFont typeface="Arial"/>
+              <a:buChar char="•"/>
+              <a:defRPr sz="1400" kern="1200" cap="none">
+                <a:solidFill>
+                  <a:schemeClr val="tx1"/>
+                </a:solidFill>
+                <a:effectLst/>
+                <a:latin typeface="+mn-lt"/>
+                <a:ea typeface="+mn-ea"/>
+                <a:cs typeface="+mn-cs"/>
+              </a:defRPr>
+            </a:lvl5pPr>
+            <a:lvl6pPr marL="2514600" indent="-228600" algn="l" defTabSz="457200" rtl="0" eaLnBrk="1" latinLnBrk="0" hangingPunct="1">
+              <a:spcBef>
+                <a:spcPct val="20000"/>
+              </a:spcBef>
+              <a:spcAft>
+                <a:spcPts val="600"/>
+              </a:spcAft>
+              <a:buClr>
+                <a:schemeClr val="accent1">
+                  <a:lumMod val="75000"/>
+                </a:schemeClr>
+              </a:buClr>
+              <a:buSzPct val="145000"/>
+              <a:buFont typeface="Arial"/>
+              <a:buChar char="•"/>
+              <a:defRPr sz="1400" kern="1200" cap="none">
+                <a:solidFill>
+                  <a:schemeClr val="tx1"/>
+                </a:solidFill>
+                <a:effectLst/>
+                <a:latin typeface="+mn-lt"/>
+                <a:ea typeface="+mn-ea"/>
+                <a:cs typeface="+mn-cs"/>
+              </a:defRPr>
+            </a:lvl6pPr>
+            <a:lvl7pPr marL="2971800" indent="-228600" algn="l" defTabSz="457200" rtl="0" eaLnBrk="1" latinLnBrk="0" hangingPunct="1">
+              <a:spcBef>
+                <a:spcPct val="20000"/>
+              </a:spcBef>
+              <a:spcAft>
+                <a:spcPts val="600"/>
+              </a:spcAft>
+              <a:buClr>
+                <a:schemeClr val="accent1">
+                  <a:lumMod val="75000"/>
+                </a:schemeClr>
+              </a:buClr>
+              <a:buSzPct val="145000"/>
+              <a:buFont typeface="Arial"/>
+              <a:buChar char="•"/>
+              <a:defRPr sz="1400" kern="1200" cap="none">
+                <a:solidFill>
+                  <a:schemeClr val="tx1"/>
+                </a:solidFill>
+                <a:effectLst/>
+                <a:latin typeface="+mn-lt"/>
+                <a:ea typeface="+mn-ea"/>
+                <a:cs typeface="+mn-cs"/>
+              </a:defRPr>
+            </a:lvl7pPr>
+            <a:lvl8pPr marL="3429000" indent="-228600" algn="l" defTabSz="457200" rtl="0" eaLnBrk="1" latinLnBrk="0" hangingPunct="1">
+              <a:spcBef>
+                <a:spcPct val="20000"/>
+              </a:spcBef>
+              <a:spcAft>
+                <a:spcPts val="600"/>
+              </a:spcAft>
+              <a:buClr>
+                <a:schemeClr val="accent1">
+                  <a:lumMod val="75000"/>
+                </a:schemeClr>
+              </a:buClr>
+              <a:buSzPct val="145000"/>
+              <a:buFont typeface="Arial"/>
+              <a:buChar char="•"/>
+              <a:defRPr sz="1400" kern="1200" cap="none">
+                <a:solidFill>
+                  <a:schemeClr val="tx1"/>
+                </a:solidFill>
+                <a:effectLst/>
+                <a:latin typeface="+mn-lt"/>
+                <a:ea typeface="+mn-ea"/>
+                <a:cs typeface="+mn-cs"/>
+              </a:defRPr>
+            </a:lvl8pPr>
+            <a:lvl9pPr marL="3886200" indent="-228600" algn="l" defTabSz="457200" rtl="0" eaLnBrk="1" latinLnBrk="0" hangingPunct="1">
+              <a:spcBef>
+                <a:spcPct val="20000"/>
+              </a:spcBef>
+              <a:spcAft>
+                <a:spcPts val="600"/>
+              </a:spcAft>
+              <a:buClr>
+                <a:schemeClr val="accent1">
+                  <a:lumMod val="75000"/>
+                </a:schemeClr>
+              </a:buClr>
+              <a:buSzPct val="145000"/>
+              <a:buFont typeface="Arial"/>
+              <a:buChar char="•"/>
+              <a:defRPr sz="1400" kern="1200" cap="none">
+                <a:solidFill>
+                  <a:schemeClr val="tx1"/>
+                </a:solidFill>
+                <a:effectLst/>
+                <a:latin typeface="+mn-lt"/>
+                <a:ea typeface="+mn-ea"/>
+                <a:cs typeface="+mn-cs"/>
+              </a:defRPr>
+            </a:lvl9pPr>
+          </a:lstStyle>
+          <a:p>
+            <a:r>
+              <a:rPr lang="de-DE" dirty="0"/>
+              <a:t>Quelle: </a:t>
+            </a:r>
+            <a:r>
+              <a:rPr lang="de-DE" dirty="0">
+                <a:hlinkClick r:id="rId3"/>
+              </a:rPr>
+              <a:t>https://www.destatis.de/DE/Themen/Gesellschaft-Umwelt/Verkehrsunfaelle/Publikationen/Downloads-Verkehrsunfaelle/unfaelle-kinder-5462405187004.pdf?__blob=publicationFile</a:t>
+            </a:r>
+            <a:endParaRPr lang="de-DE" dirty="0"/>
+          </a:p>
+        </p:txBody>
+      </p:sp>
+    </p:spTree>
+    <p:extLst>
+      <p:ext uri="{BB962C8B-B14F-4D97-AF65-F5344CB8AC3E}">
+        <p14:creationId xmlns:p14="http://schemas.microsoft.com/office/powerpoint/2010/main" val="4123892110"/>
+      </p:ext>
+    </p:extLst>
+  </p:cSld>
+  <p:clrMapOvr>
+    <a:masterClrMapping/>
+  </p:clrMapOvr>
+</p:sld>
+</file>
+
+<file path=ppt/slides/slide19.xml><?xml version="1.0" encoding="utf-8"?>
+<p:sld xmlns:a="http://schemas.openxmlformats.org/drawingml/2006/main" xmlns:r="http://schemas.openxmlformats.org/officeDocument/2006/relationships" xmlns:p="http://schemas.openxmlformats.org/presentationml/2006/main">
+  <p:cSld>
+    <p:spTree>
+      <p:nvGrpSpPr>
+        <p:cNvPr id="1" name=""/>
+        <p:cNvGrpSpPr/>
+        <p:nvPr/>
+      </p:nvGrpSpPr>
+      <p:grpSpPr>
+        <a:xfrm>
+          <a:off x="0" y="0"/>
+          <a:ext cx="0" cy="0"/>
+          <a:chOff x="0" y="0"/>
+          <a:chExt cx="0" cy="0"/>
+        </a:xfrm>
+      </p:grpSpPr>
+      <p:sp>
+        <p:nvSpPr>
+          <p:cNvPr id="2" name="Titel 1">
+            <a:extLst>
+              <a:ext uri="{FF2B5EF4-FFF2-40B4-BE49-F238E27FC236}">
+                <a16:creationId xmlns:a16="http://schemas.microsoft.com/office/drawing/2014/main" id="{0BFB58F0-E4AE-4337-8B1B-1A68161A90C3}"/>
+              </a:ext>
+            </a:extLst>
+          </p:cNvPr>
+          <p:cNvSpPr>
+            <a:spLocks noGrp="1"/>
+          </p:cNvSpPr>
+          <p:nvPr>
+            <p:ph type="title"/>
+          </p:nvPr>
+        </p:nvSpPr>
+        <p:spPr/>
+        <p:txBody>
+          <a:bodyPr/>
+          <a:lstStyle/>
+          <a:p>
+            <a:r>
+              <a:rPr lang="de-DE" dirty="0"/>
+              <a:t>Verunglückte Kinder nach Uhrzeiten</a:t>
+            </a:r>
+          </a:p>
+        </p:txBody>
+      </p:sp>
+      <p:pic>
+        <p:nvPicPr>
+          <p:cNvPr id="4" name="Inhaltsplatzhalter 3">
+            <a:extLst>
+              <a:ext uri="{FF2B5EF4-FFF2-40B4-BE49-F238E27FC236}">
+                <a16:creationId xmlns:a16="http://schemas.microsoft.com/office/drawing/2014/main" id="{56F5C33A-9230-4A3F-A717-AA719E185442}"/>
+              </a:ext>
+            </a:extLst>
+          </p:cNvPr>
+          <p:cNvPicPr>
+            <a:picLocks noGrp="1" noChangeAspect="1"/>
+          </p:cNvPicPr>
+          <p:nvPr>
+            <p:ph idx="1"/>
+          </p:nvPr>
+        </p:nvPicPr>
+        <p:blipFill>
+          <a:blip r:embed="rId2"/>
+          <a:stretch>
+            <a:fillRect/>
+          </a:stretch>
+        </p:blipFill>
+        <p:spPr>
+          <a:xfrm>
+            <a:off x="4024993" y="2373074"/>
+            <a:ext cx="4849586" cy="3159159"/>
+          </a:xfrm>
+          <a:prstGeom prst="rect">
+            <a:avLst/>
+          </a:prstGeom>
+        </p:spPr>
+      </p:pic>
+      <p:sp>
+        <p:nvSpPr>
+          <p:cNvPr id="5" name="Inhaltsplatzhalter 2">
+            <a:extLst>
+              <a:ext uri="{FF2B5EF4-FFF2-40B4-BE49-F238E27FC236}">
+                <a16:creationId xmlns:a16="http://schemas.microsoft.com/office/drawing/2014/main" id="{9653CFC7-6B53-433B-BEB3-F20EDE3F7D5B}"/>
+              </a:ext>
+            </a:extLst>
+          </p:cNvPr>
+          <p:cNvSpPr txBox="1">
+            <a:spLocks/>
+          </p:cNvSpPr>
+          <p:nvPr/>
+        </p:nvSpPr>
+        <p:spPr>
+          <a:xfrm>
+            <a:off x="1778224" y="5600819"/>
+            <a:ext cx="10018713" cy="227798"/>
+          </a:xfrm>
+          <a:prstGeom prst="rect">
+            <a:avLst/>
+          </a:prstGeom>
+        </p:spPr>
+        <p:txBody>
+          <a:bodyPr vert="horz" lIns="91440" tIns="45720" rIns="91440" bIns="45720" rtlCol="0" anchor="ctr">
+            <a:normAutofit fontScale="32500" lnSpcReduction="20000"/>
+          </a:bodyPr>
+          <a:lstStyle>
+            <a:lvl1pPr marL="285750" indent="-285750" algn="l" defTabSz="457200" rtl="0" eaLnBrk="1" latinLnBrk="0" hangingPunct="1">
+              <a:spcBef>
+                <a:spcPct val="20000"/>
+              </a:spcBef>
+              <a:spcAft>
+                <a:spcPts val="600"/>
+              </a:spcAft>
+              <a:buClr>
+                <a:schemeClr val="accent1">
+                  <a:lumMod val="75000"/>
+                </a:schemeClr>
+              </a:buClr>
+              <a:buSzPct val="145000"/>
+              <a:buFont typeface="Arial"/>
+              <a:buChar char="•"/>
+              <a:defRPr sz="2400" kern="1200" cap="none">
+                <a:solidFill>
+                  <a:schemeClr val="tx1"/>
+                </a:solidFill>
+                <a:effectLst/>
+                <a:latin typeface="+mn-lt"/>
+                <a:ea typeface="+mn-ea"/>
+                <a:cs typeface="+mn-cs"/>
+              </a:defRPr>
+            </a:lvl1pPr>
+            <a:lvl2pPr marL="742950" indent="-285750" algn="l" defTabSz="457200" rtl="0" eaLnBrk="1" latinLnBrk="0" hangingPunct="1">
+              <a:spcBef>
+                <a:spcPct val="20000"/>
+              </a:spcBef>
+              <a:spcAft>
+                <a:spcPts val="600"/>
+              </a:spcAft>
+              <a:buClr>
+                <a:schemeClr val="accent1">
+                  <a:lumMod val="75000"/>
+                </a:schemeClr>
+              </a:buClr>
+              <a:buSzPct val="145000"/>
+              <a:buFont typeface="Arial"/>
+              <a:buChar char="•"/>
+              <a:defRPr sz="2000" kern="1200" cap="none">
+                <a:solidFill>
+                  <a:schemeClr val="tx1"/>
+                </a:solidFill>
+                <a:effectLst/>
+                <a:latin typeface="+mn-lt"/>
+                <a:ea typeface="+mn-ea"/>
+                <a:cs typeface="+mn-cs"/>
+              </a:defRPr>
+            </a:lvl2pPr>
+            <a:lvl3pPr marL="1200150" indent="-285750" algn="l" defTabSz="457200" rtl="0" eaLnBrk="1" latinLnBrk="0" hangingPunct="1">
+              <a:spcBef>
+                <a:spcPct val="20000"/>
+              </a:spcBef>
+              <a:spcAft>
+                <a:spcPts val="600"/>
+              </a:spcAft>
+              <a:buClr>
+                <a:schemeClr val="accent1">
+                  <a:lumMod val="75000"/>
+                </a:schemeClr>
+              </a:buClr>
+              <a:buSzPct val="145000"/>
+              <a:buFont typeface="Arial"/>
+              <a:buChar char="•"/>
+              <a:defRPr sz="1800" kern="1200" cap="none">
+                <a:solidFill>
+                  <a:schemeClr val="tx1"/>
+                </a:solidFill>
+                <a:effectLst/>
+                <a:latin typeface="+mn-lt"/>
+                <a:ea typeface="+mn-ea"/>
+                <a:cs typeface="+mn-cs"/>
+              </a:defRPr>
+            </a:lvl3pPr>
+            <a:lvl4pPr marL="1543050" indent="-171450" algn="l" defTabSz="457200" rtl="0" eaLnBrk="1" latinLnBrk="0" hangingPunct="1">
+              <a:spcBef>
+                <a:spcPct val="20000"/>
+              </a:spcBef>
+              <a:spcAft>
+                <a:spcPts val="600"/>
+              </a:spcAft>
+              <a:buClr>
+                <a:schemeClr val="accent1">
+                  <a:lumMod val="75000"/>
+                </a:schemeClr>
+              </a:buClr>
+              <a:buSzPct val="145000"/>
+              <a:buFont typeface="Arial"/>
+              <a:buChar char="•"/>
+              <a:defRPr sz="1600" kern="1200" cap="none">
+                <a:solidFill>
+                  <a:schemeClr val="tx1"/>
+                </a:solidFill>
+                <a:effectLst/>
+                <a:latin typeface="+mn-lt"/>
+                <a:ea typeface="+mn-ea"/>
+                <a:cs typeface="+mn-cs"/>
+              </a:defRPr>
+            </a:lvl4pPr>
+            <a:lvl5pPr marL="2000250" indent="-171450" algn="l" defTabSz="457200" rtl="0" eaLnBrk="1" latinLnBrk="0" hangingPunct="1">
+              <a:spcBef>
+                <a:spcPct val="20000"/>
+              </a:spcBef>
+              <a:spcAft>
+                <a:spcPts val="600"/>
+              </a:spcAft>
+              <a:buClr>
+                <a:schemeClr val="accent1">
+                  <a:lumMod val="75000"/>
+                </a:schemeClr>
+              </a:buClr>
+              <a:buSzPct val="145000"/>
+              <a:buFont typeface="Arial"/>
+              <a:buChar char="•"/>
+              <a:defRPr sz="1400" kern="1200" cap="none">
+                <a:solidFill>
+                  <a:schemeClr val="tx1"/>
+                </a:solidFill>
+                <a:effectLst/>
+                <a:latin typeface="+mn-lt"/>
+                <a:ea typeface="+mn-ea"/>
+                <a:cs typeface="+mn-cs"/>
+              </a:defRPr>
+            </a:lvl5pPr>
+            <a:lvl6pPr marL="2514600" indent="-228600" algn="l" defTabSz="457200" rtl="0" eaLnBrk="1" latinLnBrk="0" hangingPunct="1">
+              <a:spcBef>
+                <a:spcPct val="20000"/>
+              </a:spcBef>
+              <a:spcAft>
+                <a:spcPts val="600"/>
+              </a:spcAft>
+              <a:buClr>
+                <a:schemeClr val="accent1">
+                  <a:lumMod val="75000"/>
+                </a:schemeClr>
+              </a:buClr>
+              <a:buSzPct val="145000"/>
+              <a:buFont typeface="Arial"/>
+              <a:buChar char="•"/>
+              <a:defRPr sz="1400" kern="1200" cap="none">
+                <a:solidFill>
+                  <a:schemeClr val="tx1"/>
+                </a:solidFill>
+                <a:effectLst/>
+                <a:latin typeface="+mn-lt"/>
+                <a:ea typeface="+mn-ea"/>
+                <a:cs typeface="+mn-cs"/>
+              </a:defRPr>
+            </a:lvl6pPr>
+            <a:lvl7pPr marL="2971800" indent="-228600" algn="l" defTabSz="457200" rtl="0" eaLnBrk="1" latinLnBrk="0" hangingPunct="1">
+              <a:spcBef>
+                <a:spcPct val="20000"/>
+              </a:spcBef>
+              <a:spcAft>
+                <a:spcPts val="600"/>
+              </a:spcAft>
+              <a:buClr>
+                <a:schemeClr val="accent1">
+                  <a:lumMod val="75000"/>
+                </a:schemeClr>
+              </a:buClr>
+              <a:buSzPct val="145000"/>
+              <a:buFont typeface="Arial"/>
+              <a:buChar char="•"/>
+              <a:defRPr sz="1400" kern="1200" cap="none">
+                <a:solidFill>
+                  <a:schemeClr val="tx1"/>
+                </a:solidFill>
+                <a:effectLst/>
+                <a:latin typeface="+mn-lt"/>
+                <a:ea typeface="+mn-ea"/>
+                <a:cs typeface="+mn-cs"/>
+              </a:defRPr>
+            </a:lvl7pPr>
+            <a:lvl8pPr marL="3429000" indent="-228600" algn="l" defTabSz="457200" rtl="0" eaLnBrk="1" latinLnBrk="0" hangingPunct="1">
+              <a:spcBef>
+                <a:spcPct val="20000"/>
+              </a:spcBef>
+              <a:spcAft>
+                <a:spcPts val="600"/>
+              </a:spcAft>
+              <a:buClr>
+                <a:schemeClr val="accent1">
+                  <a:lumMod val="75000"/>
+                </a:schemeClr>
+              </a:buClr>
+              <a:buSzPct val="145000"/>
+              <a:buFont typeface="Arial"/>
+              <a:buChar char="•"/>
+              <a:defRPr sz="1400" kern="1200" cap="none">
+                <a:solidFill>
+                  <a:schemeClr val="tx1"/>
+                </a:solidFill>
+                <a:effectLst/>
+                <a:latin typeface="+mn-lt"/>
+                <a:ea typeface="+mn-ea"/>
+                <a:cs typeface="+mn-cs"/>
+              </a:defRPr>
+            </a:lvl8pPr>
+            <a:lvl9pPr marL="3886200" indent="-228600" algn="l" defTabSz="457200" rtl="0" eaLnBrk="1" latinLnBrk="0" hangingPunct="1">
+              <a:spcBef>
+                <a:spcPct val="20000"/>
+              </a:spcBef>
+              <a:spcAft>
+                <a:spcPts val="600"/>
+              </a:spcAft>
+              <a:buClr>
+                <a:schemeClr val="accent1">
+                  <a:lumMod val="75000"/>
+                </a:schemeClr>
+              </a:buClr>
+              <a:buSzPct val="145000"/>
+              <a:buFont typeface="Arial"/>
+              <a:buChar char="•"/>
+              <a:defRPr sz="1400" kern="1200" cap="none">
+                <a:solidFill>
+                  <a:schemeClr val="tx1"/>
+                </a:solidFill>
+                <a:effectLst/>
+                <a:latin typeface="+mn-lt"/>
+                <a:ea typeface="+mn-ea"/>
+                <a:cs typeface="+mn-cs"/>
+              </a:defRPr>
+            </a:lvl9pPr>
+          </a:lstStyle>
+          <a:p>
+            <a:r>
+              <a:rPr lang="de-DE" dirty="0"/>
+              <a:t>Quelle: </a:t>
+            </a:r>
+            <a:r>
+              <a:rPr lang="de-DE" dirty="0">
+                <a:hlinkClick r:id="rId3"/>
+              </a:rPr>
+              <a:t>https://www.destatis.de/DE/Themen/Gesellschaft-Umwelt/Verkehrsunfaelle/Publikationen/Downloads-Verkehrsunfaelle/unfaelle-kinder-5462405187004.pdf?__blob=publicationFile</a:t>
+            </a:r>
+            <a:endParaRPr lang="de-DE" dirty="0"/>
+          </a:p>
+        </p:txBody>
+      </p:sp>
+    </p:spTree>
+    <p:extLst>
+      <p:ext uri="{BB962C8B-B14F-4D97-AF65-F5344CB8AC3E}">
+        <p14:creationId xmlns:p14="http://schemas.microsoft.com/office/powerpoint/2010/main" val="534716377"/>
+      </p:ext>
+    </p:extLst>
+  </p:cSld>
+  <p:clrMapOvr>
+    <a:masterClrMapping/>
+  </p:clrMapOvr>
+</p:sld>
+</file>
+
+<file path=ppt/slides/slide2.xml><?xml version="1.0" encoding="utf-8"?>
+<p:sld xmlns:a="http://schemas.openxmlformats.org/drawingml/2006/main" xmlns:r="http://schemas.openxmlformats.org/officeDocument/2006/relationships" xmlns:p="http://schemas.openxmlformats.org/presentationml/2006/main">
+  <p:cSld>
+    <p:spTree>
+      <p:nvGrpSpPr>
+        <p:cNvPr id="1" name=""/>
+        <p:cNvGrpSpPr/>
+        <p:nvPr/>
+      </p:nvGrpSpPr>
+      <p:grpSpPr>
+        <a:xfrm>
+          <a:off x="0" y="0"/>
+          <a:ext cx="0" cy="0"/>
+          <a:chOff x="0" y="0"/>
+          <a:chExt cx="0" cy="0"/>
+        </a:xfrm>
+      </p:grpSpPr>
+      <p:sp>
+        <p:nvSpPr>
+          <p:cNvPr id="2" name="Titel 1">
+            <a:extLst>
+              <a:ext uri="{FF2B5EF4-FFF2-40B4-BE49-F238E27FC236}">
+                <a16:creationId xmlns:a16="http://schemas.microsoft.com/office/drawing/2014/main" id="{309D410C-BF5E-474B-B7B0-5E9A0244BB3F}"/>
+              </a:ext>
+            </a:extLst>
+          </p:cNvPr>
+          <p:cNvSpPr>
+            <a:spLocks noGrp="1"/>
+          </p:cNvSpPr>
+          <p:nvPr>
+            <p:ph type="title"/>
+          </p:nvPr>
+        </p:nvSpPr>
+        <p:spPr/>
+        <p:txBody>
+          <a:bodyPr/>
+          <a:lstStyle/>
+          <a:p>
+            <a:r>
+              <a:rPr lang="de-DE" dirty="0"/>
+              <a:t>Agenda</a:t>
+            </a:r>
+          </a:p>
+        </p:txBody>
+      </p:sp>
+      <p:sp>
+        <p:nvSpPr>
+          <p:cNvPr id="3" name="Inhaltsplatzhalter 2">
+            <a:extLst>
+              <a:ext uri="{FF2B5EF4-FFF2-40B4-BE49-F238E27FC236}">
+                <a16:creationId xmlns:a16="http://schemas.microsoft.com/office/drawing/2014/main" id="{2540DA5D-5324-4C9F-B39D-2C34BCC17F6A}"/>
+              </a:ext>
+            </a:extLst>
+          </p:cNvPr>
+          <p:cNvSpPr>
+            <a:spLocks noGrp="1"/>
+          </p:cNvSpPr>
+          <p:nvPr>
+            <p:ph idx="1"/>
+          </p:nvPr>
+        </p:nvSpPr>
+        <p:spPr/>
+        <p:txBody>
+          <a:bodyPr/>
+          <a:lstStyle/>
+          <a:p>
+            <a:r>
+              <a:rPr lang="de-DE" dirty="0"/>
+              <a:t>Problemstellung</a:t>
+            </a:r>
+          </a:p>
+          <a:p>
+            <a:r>
+              <a:rPr lang="de-DE" dirty="0"/>
+              <a:t>Idee und Aufgaben</a:t>
+            </a:r>
+          </a:p>
+          <a:p>
+            <a:r>
+              <a:rPr lang="de-DE" dirty="0"/>
+              <a:t>Verkehrszeichenerkennung </a:t>
+            </a:r>
+          </a:p>
+          <a:p>
+            <a:r>
+              <a:rPr lang="de-DE" dirty="0"/>
+              <a:t>Klassifikation</a:t>
+            </a:r>
+          </a:p>
+          <a:p>
+            <a:r>
+              <a:rPr lang="de-DE" dirty="0"/>
+              <a:t>Ergebnispräsentation</a:t>
+            </a:r>
+          </a:p>
+          <a:p>
+            <a:r>
+              <a:rPr lang="de-DE" dirty="0"/>
+              <a:t>Fazit und Ausblick</a:t>
+            </a:r>
+          </a:p>
+        </p:txBody>
+      </p:sp>
+    </p:spTree>
+    <p:extLst>
+      <p:ext uri="{BB962C8B-B14F-4D97-AF65-F5344CB8AC3E}">
+        <p14:creationId xmlns:p14="http://schemas.microsoft.com/office/powerpoint/2010/main" val="2426870590"/>
+      </p:ext>
+    </p:extLst>
+  </p:cSld>
+  <p:clrMapOvr>
+    <a:masterClrMapping/>
+  </p:clrMapOvr>
+</p:sld>
+</file>
+
+<file path=ppt/slides/slide20.xml><?xml version="1.0" encoding="utf-8"?>
+<p:sld xmlns:a="http://schemas.openxmlformats.org/drawingml/2006/main" xmlns:r="http://schemas.openxmlformats.org/officeDocument/2006/relationships" xmlns:p="http://schemas.openxmlformats.org/presentationml/2006/main">
+  <p:cSld>
+    <p:spTree>
+      <p:nvGrpSpPr>
+        <p:cNvPr id="1" name=""/>
+        <p:cNvGrpSpPr/>
+        <p:nvPr/>
+      </p:nvGrpSpPr>
+      <p:grpSpPr>
+        <a:xfrm>
+          <a:off x="0" y="0"/>
+          <a:ext cx="0" cy="0"/>
+          <a:chOff x="0" y="0"/>
+          <a:chExt cx="0" cy="0"/>
+        </a:xfrm>
+      </p:grpSpPr>
+      <p:sp>
+        <p:nvSpPr>
+          <p:cNvPr id="2" name="Titel 1">
+            <a:extLst>
+              <a:ext uri="{FF2B5EF4-FFF2-40B4-BE49-F238E27FC236}">
+                <a16:creationId xmlns:a16="http://schemas.microsoft.com/office/drawing/2014/main" id="{CED23BF2-31A4-4D42-ADD2-626405389A04}"/>
+              </a:ext>
+            </a:extLst>
+          </p:cNvPr>
+          <p:cNvSpPr>
+            <a:spLocks noGrp="1"/>
+          </p:cNvSpPr>
+          <p:nvPr>
+            <p:ph type="title"/>
+          </p:nvPr>
+        </p:nvSpPr>
+        <p:spPr/>
+        <p:txBody>
+          <a:bodyPr/>
+          <a:lstStyle/>
+          <a:p>
+            <a:r>
+              <a:rPr lang="de-DE" dirty="0"/>
+              <a:t>Gründe für Verkehrsunfälle bei Kindern unter 15 Jahren</a:t>
+            </a:r>
+          </a:p>
+        </p:txBody>
+      </p:sp>
+      <p:pic>
+        <p:nvPicPr>
+          <p:cNvPr id="4" name="Inhaltsplatzhalter 3">
+            <a:extLst>
+              <a:ext uri="{FF2B5EF4-FFF2-40B4-BE49-F238E27FC236}">
+                <a16:creationId xmlns:a16="http://schemas.microsoft.com/office/drawing/2014/main" id="{C392371C-69FF-4B7A-A611-AD8B6BE383BE}"/>
+              </a:ext>
+            </a:extLst>
+          </p:cNvPr>
+          <p:cNvPicPr>
+            <a:picLocks noGrp="1" noChangeAspect="1"/>
+          </p:cNvPicPr>
+          <p:nvPr>
+            <p:ph idx="1"/>
+          </p:nvPr>
+        </p:nvPicPr>
+        <p:blipFill>
+          <a:blip r:embed="rId2"/>
+          <a:stretch>
+            <a:fillRect/>
+          </a:stretch>
+        </p:blipFill>
+        <p:spPr>
+          <a:xfrm>
+            <a:off x="4144237" y="2667000"/>
+            <a:ext cx="4698863" cy="3124200"/>
+          </a:xfrm>
+          <a:prstGeom prst="rect">
+            <a:avLst/>
+          </a:prstGeom>
+        </p:spPr>
+      </p:pic>
+      <p:sp>
+        <p:nvSpPr>
+          <p:cNvPr id="5" name="Inhaltsplatzhalter 2">
+            <a:extLst>
+              <a:ext uri="{FF2B5EF4-FFF2-40B4-BE49-F238E27FC236}">
+                <a16:creationId xmlns:a16="http://schemas.microsoft.com/office/drawing/2014/main" id="{A326F2FE-EC46-4C13-8388-CA284EE847DC}"/>
+              </a:ext>
+            </a:extLst>
+          </p:cNvPr>
+          <p:cNvSpPr txBox="1">
+            <a:spLocks/>
+          </p:cNvSpPr>
+          <p:nvPr/>
+        </p:nvSpPr>
+        <p:spPr>
+          <a:xfrm>
+            <a:off x="1778224" y="5792003"/>
+            <a:ext cx="10018713" cy="227798"/>
+          </a:xfrm>
+          <a:prstGeom prst="rect">
+            <a:avLst/>
+          </a:prstGeom>
+        </p:spPr>
+        <p:txBody>
+          <a:bodyPr vert="horz" lIns="91440" tIns="45720" rIns="91440" bIns="45720" rtlCol="0" anchor="ctr">
+            <a:normAutofit fontScale="32500" lnSpcReduction="20000"/>
+          </a:bodyPr>
+          <a:lstStyle>
+            <a:lvl1pPr marL="285750" indent="-285750" algn="l" defTabSz="457200" rtl="0" eaLnBrk="1" latinLnBrk="0" hangingPunct="1">
+              <a:spcBef>
+                <a:spcPct val="20000"/>
+              </a:spcBef>
+              <a:spcAft>
+                <a:spcPts val="600"/>
+              </a:spcAft>
+              <a:buClr>
+                <a:schemeClr val="accent1">
+                  <a:lumMod val="75000"/>
+                </a:schemeClr>
+              </a:buClr>
+              <a:buSzPct val="145000"/>
+              <a:buFont typeface="Arial"/>
+              <a:buChar char="•"/>
+              <a:defRPr sz="2400" kern="1200" cap="none">
+                <a:solidFill>
+                  <a:schemeClr val="tx1"/>
+                </a:solidFill>
+                <a:effectLst/>
+                <a:latin typeface="+mn-lt"/>
+                <a:ea typeface="+mn-ea"/>
+                <a:cs typeface="+mn-cs"/>
+              </a:defRPr>
+            </a:lvl1pPr>
+            <a:lvl2pPr marL="742950" indent="-285750" algn="l" defTabSz="457200" rtl="0" eaLnBrk="1" latinLnBrk="0" hangingPunct="1">
+              <a:spcBef>
+                <a:spcPct val="20000"/>
+              </a:spcBef>
+              <a:spcAft>
+                <a:spcPts val="600"/>
+              </a:spcAft>
+              <a:buClr>
+                <a:schemeClr val="accent1">
+                  <a:lumMod val="75000"/>
+                </a:schemeClr>
+              </a:buClr>
+              <a:buSzPct val="145000"/>
+              <a:buFont typeface="Arial"/>
+              <a:buChar char="•"/>
+              <a:defRPr sz="2000" kern="1200" cap="none">
+                <a:solidFill>
+                  <a:schemeClr val="tx1"/>
+                </a:solidFill>
+                <a:effectLst/>
+                <a:latin typeface="+mn-lt"/>
+                <a:ea typeface="+mn-ea"/>
+                <a:cs typeface="+mn-cs"/>
+              </a:defRPr>
+            </a:lvl2pPr>
+            <a:lvl3pPr marL="1200150" indent="-285750" algn="l" defTabSz="457200" rtl="0" eaLnBrk="1" latinLnBrk="0" hangingPunct="1">
+              <a:spcBef>
+                <a:spcPct val="20000"/>
+              </a:spcBef>
+              <a:spcAft>
+                <a:spcPts val="600"/>
+              </a:spcAft>
+              <a:buClr>
+                <a:schemeClr val="accent1">
+                  <a:lumMod val="75000"/>
+                </a:schemeClr>
+              </a:buClr>
+              <a:buSzPct val="145000"/>
+              <a:buFont typeface="Arial"/>
+              <a:buChar char="•"/>
+              <a:defRPr sz="1800" kern="1200" cap="none">
+                <a:solidFill>
+                  <a:schemeClr val="tx1"/>
+                </a:solidFill>
+                <a:effectLst/>
+                <a:latin typeface="+mn-lt"/>
+                <a:ea typeface="+mn-ea"/>
+                <a:cs typeface="+mn-cs"/>
+              </a:defRPr>
+            </a:lvl3pPr>
+            <a:lvl4pPr marL="1543050" indent="-171450" algn="l" defTabSz="457200" rtl="0" eaLnBrk="1" latinLnBrk="0" hangingPunct="1">
+              <a:spcBef>
+                <a:spcPct val="20000"/>
+              </a:spcBef>
+              <a:spcAft>
+                <a:spcPts val="600"/>
+              </a:spcAft>
+              <a:buClr>
+                <a:schemeClr val="accent1">
+                  <a:lumMod val="75000"/>
+                </a:schemeClr>
+              </a:buClr>
+              <a:buSzPct val="145000"/>
+              <a:buFont typeface="Arial"/>
+              <a:buChar char="•"/>
+              <a:defRPr sz="1600" kern="1200" cap="none">
+                <a:solidFill>
+                  <a:schemeClr val="tx1"/>
+                </a:solidFill>
+                <a:effectLst/>
+                <a:latin typeface="+mn-lt"/>
+                <a:ea typeface="+mn-ea"/>
+                <a:cs typeface="+mn-cs"/>
+              </a:defRPr>
+            </a:lvl4pPr>
+            <a:lvl5pPr marL="2000250" indent="-171450" algn="l" defTabSz="457200" rtl="0" eaLnBrk="1" latinLnBrk="0" hangingPunct="1">
+              <a:spcBef>
+                <a:spcPct val="20000"/>
+              </a:spcBef>
+              <a:spcAft>
+                <a:spcPts val="600"/>
+              </a:spcAft>
+              <a:buClr>
+                <a:schemeClr val="accent1">
+                  <a:lumMod val="75000"/>
+                </a:schemeClr>
+              </a:buClr>
+              <a:buSzPct val="145000"/>
+              <a:buFont typeface="Arial"/>
+              <a:buChar char="•"/>
+              <a:defRPr sz="1400" kern="1200" cap="none">
+                <a:solidFill>
+                  <a:schemeClr val="tx1"/>
+                </a:solidFill>
+                <a:effectLst/>
+                <a:latin typeface="+mn-lt"/>
+                <a:ea typeface="+mn-ea"/>
+                <a:cs typeface="+mn-cs"/>
+              </a:defRPr>
+            </a:lvl5pPr>
+            <a:lvl6pPr marL="2514600" indent="-228600" algn="l" defTabSz="457200" rtl="0" eaLnBrk="1" latinLnBrk="0" hangingPunct="1">
+              <a:spcBef>
+                <a:spcPct val="20000"/>
+              </a:spcBef>
+              <a:spcAft>
+                <a:spcPts val="600"/>
+              </a:spcAft>
+              <a:buClr>
+                <a:schemeClr val="accent1">
+                  <a:lumMod val="75000"/>
+                </a:schemeClr>
+              </a:buClr>
+              <a:buSzPct val="145000"/>
+              <a:buFont typeface="Arial"/>
+              <a:buChar char="•"/>
+              <a:defRPr sz="1400" kern="1200" cap="none">
+                <a:solidFill>
+                  <a:schemeClr val="tx1"/>
+                </a:solidFill>
+                <a:effectLst/>
+                <a:latin typeface="+mn-lt"/>
+                <a:ea typeface="+mn-ea"/>
+                <a:cs typeface="+mn-cs"/>
+              </a:defRPr>
+            </a:lvl6pPr>
+            <a:lvl7pPr marL="2971800" indent="-228600" algn="l" defTabSz="457200" rtl="0" eaLnBrk="1" latinLnBrk="0" hangingPunct="1">
+              <a:spcBef>
+                <a:spcPct val="20000"/>
+              </a:spcBef>
+              <a:spcAft>
+                <a:spcPts val="600"/>
+              </a:spcAft>
+              <a:buClr>
+                <a:schemeClr val="accent1">
+                  <a:lumMod val="75000"/>
+                </a:schemeClr>
+              </a:buClr>
+              <a:buSzPct val="145000"/>
+              <a:buFont typeface="Arial"/>
+              <a:buChar char="•"/>
+              <a:defRPr sz="1400" kern="1200" cap="none">
+                <a:solidFill>
+                  <a:schemeClr val="tx1"/>
+                </a:solidFill>
+                <a:effectLst/>
+                <a:latin typeface="+mn-lt"/>
+                <a:ea typeface="+mn-ea"/>
+                <a:cs typeface="+mn-cs"/>
+              </a:defRPr>
+            </a:lvl7pPr>
+            <a:lvl8pPr marL="3429000" indent="-228600" algn="l" defTabSz="457200" rtl="0" eaLnBrk="1" latinLnBrk="0" hangingPunct="1">
+              <a:spcBef>
+                <a:spcPct val="20000"/>
+              </a:spcBef>
+              <a:spcAft>
+                <a:spcPts val="600"/>
+              </a:spcAft>
+              <a:buClr>
+                <a:schemeClr val="accent1">
+                  <a:lumMod val="75000"/>
+                </a:schemeClr>
+              </a:buClr>
+              <a:buSzPct val="145000"/>
+              <a:buFont typeface="Arial"/>
+              <a:buChar char="•"/>
+              <a:defRPr sz="1400" kern="1200" cap="none">
+                <a:solidFill>
+                  <a:schemeClr val="tx1"/>
+                </a:solidFill>
+                <a:effectLst/>
+                <a:latin typeface="+mn-lt"/>
+                <a:ea typeface="+mn-ea"/>
+                <a:cs typeface="+mn-cs"/>
+              </a:defRPr>
+            </a:lvl8pPr>
+            <a:lvl9pPr marL="3886200" indent="-228600" algn="l" defTabSz="457200" rtl="0" eaLnBrk="1" latinLnBrk="0" hangingPunct="1">
+              <a:spcBef>
+                <a:spcPct val="20000"/>
+              </a:spcBef>
+              <a:spcAft>
+                <a:spcPts val="600"/>
+              </a:spcAft>
+              <a:buClr>
+                <a:schemeClr val="accent1">
+                  <a:lumMod val="75000"/>
+                </a:schemeClr>
+              </a:buClr>
+              <a:buSzPct val="145000"/>
+              <a:buFont typeface="Arial"/>
+              <a:buChar char="•"/>
+              <a:defRPr sz="1400" kern="1200" cap="none">
+                <a:solidFill>
+                  <a:schemeClr val="tx1"/>
+                </a:solidFill>
+                <a:effectLst/>
+                <a:latin typeface="+mn-lt"/>
+                <a:ea typeface="+mn-ea"/>
+                <a:cs typeface="+mn-cs"/>
+              </a:defRPr>
+            </a:lvl9pPr>
+          </a:lstStyle>
+          <a:p>
+            <a:r>
+              <a:rPr lang="de-DE" dirty="0"/>
+              <a:t>Quelle: </a:t>
+            </a:r>
+            <a:r>
+              <a:rPr lang="de-DE" dirty="0">
+                <a:hlinkClick r:id="rId3"/>
+              </a:rPr>
+              <a:t>https://www.destatis.de/DE/Themen/Gesellschaft-Umwelt/Verkehrsunfaelle/Publikationen/Downloads-Verkehrsunfaelle/unfaelle-kinder-5462405187004.pdf?__blob=publicationFile</a:t>
+            </a:r>
+            <a:endParaRPr lang="de-DE" dirty="0"/>
+          </a:p>
+        </p:txBody>
+      </p:sp>
+    </p:spTree>
+    <p:extLst>
+      <p:ext uri="{BB962C8B-B14F-4D97-AF65-F5344CB8AC3E}">
+        <p14:creationId xmlns:p14="http://schemas.microsoft.com/office/powerpoint/2010/main" val="2097372535"/>
+      </p:ext>
+    </p:extLst>
+  </p:cSld>
+  <p:clrMapOvr>
+    <a:masterClrMapping/>
+  </p:clrMapOvr>
+</p:sld>
+</file>
+
+<file path=ppt/slides/slide21.xml><?xml version="1.0" encoding="utf-8"?>
+<p:sld xmlns:a="http://schemas.openxmlformats.org/drawingml/2006/main" xmlns:r="http://schemas.openxmlformats.org/officeDocument/2006/relationships" xmlns:p="http://schemas.openxmlformats.org/presentationml/2006/main">
+  <p:cSld>
+    <p:spTree>
+      <p:nvGrpSpPr>
+        <p:cNvPr id="1" name=""/>
+        <p:cNvGrpSpPr/>
+        <p:nvPr/>
+      </p:nvGrpSpPr>
+      <p:grpSpPr>
+        <a:xfrm>
+          <a:off x="0" y="0"/>
+          <a:ext cx="0" cy="0"/>
+          <a:chOff x="0" y="0"/>
+          <a:chExt cx="0" cy="0"/>
+        </a:xfrm>
+      </p:grpSpPr>
+      <p:sp>
+        <p:nvSpPr>
+          <p:cNvPr id="2" name="Titel 1">
+            <a:extLst>
+              <a:ext uri="{FF2B5EF4-FFF2-40B4-BE49-F238E27FC236}">
+                <a16:creationId xmlns:a16="http://schemas.microsoft.com/office/drawing/2014/main" id="{44E17254-ABF7-47F3-B05B-B132ACB29991}"/>
+              </a:ext>
+            </a:extLst>
+          </p:cNvPr>
+          <p:cNvSpPr>
+            <a:spLocks noGrp="1"/>
+          </p:cNvSpPr>
+          <p:nvPr>
+            <p:ph type="title"/>
+          </p:nvPr>
+        </p:nvSpPr>
+        <p:spPr/>
+        <p:txBody>
+          <a:bodyPr/>
+          <a:lstStyle/>
+          <a:p>
+            <a:r>
+              <a:rPr lang="de-DE" dirty="0"/>
+              <a:t>HSL-Farbraum</a:t>
+            </a:r>
+          </a:p>
+        </p:txBody>
+      </p:sp>
+      <p:pic>
+        <p:nvPicPr>
+          <p:cNvPr id="5" name="Inhaltsplatzhalter 4">
+            <a:extLst>
+              <a:ext uri="{FF2B5EF4-FFF2-40B4-BE49-F238E27FC236}">
+                <a16:creationId xmlns:a16="http://schemas.microsoft.com/office/drawing/2014/main" id="{A40DBB55-5B88-4BA6-9119-355A8549E515}"/>
+              </a:ext>
+            </a:extLst>
+          </p:cNvPr>
+          <p:cNvPicPr>
+            <a:picLocks noGrp="1" noChangeAspect="1"/>
+          </p:cNvPicPr>
+          <p:nvPr>
+            <p:ph idx="1"/>
+          </p:nvPr>
+        </p:nvPicPr>
+        <p:blipFill>
+          <a:blip r:embed="rId2">
+            <a:extLst>
+              <a:ext uri="{28A0092B-C50C-407E-A947-70E740481C1C}">
+                <a14:useLocalDpi xmlns:a14="http://schemas.microsoft.com/office/drawing/2010/main" val="0"/>
+              </a:ext>
+            </a:extLst>
+          </a:blip>
+          <a:stretch>
+            <a:fillRect/>
+          </a:stretch>
+        </p:blipFill>
+        <p:spPr>
+          <a:xfrm>
+            <a:off x="3850105" y="2570195"/>
+            <a:ext cx="4794560" cy="3602005"/>
+          </a:xfrm>
+        </p:spPr>
+      </p:pic>
+      <p:sp>
+        <p:nvSpPr>
+          <p:cNvPr id="6" name="Inhaltsplatzhalter 2">
+            <a:extLst>
+              <a:ext uri="{FF2B5EF4-FFF2-40B4-BE49-F238E27FC236}">
+                <a16:creationId xmlns:a16="http://schemas.microsoft.com/office/drawing/2014/main" id="{50EEE939-3F86-4B95-96CF-EE16A89165A9}"/>
+              </a:ext>
+            </a:extLst>
+          </p:cNvPr>
+          <p:cNvSpPr txBox="1">
+            <a:spLocks/>
+          </p:cNvSpPr>
+          <p:nvPr/>
+        </p:nvSpPr>
+        <p:spPr>
+          <a:xfrm>
+            <a:off x="1917017" y="6190097"/>
+            <a:ext cx="10018713" cy="227798"/>
+          </a:xfrm>
+          <a:prstGeom prst="rect">
+            <a:avLst/>
+          </a:prstGeom>
+        </p:spPr>
+        <p:txBody>
+          <a:bodyPr vert="horz" lIns="91440" tIns="45720" rIns="91440" bIns="45720" rtlCol="0" anchor="ctr">
+            <a:normAutofit fontScale="40000" lnSpcReduction="20000"/>
+          </a:bodyPr>
+          <a:lstStyle>
+            <a:lvl1pPr marL="285750" indent="-285750" algn="l" defTabSz="457200" rtl="0" eaLnBrk="1" latinLnBrk="0" hangingPunct="1">
+              <a:spcBef>
+                <a:spcPct val="20000"/>
+              </a:spcBef>
+              <a:spcAft>
+                <a:spcPts val="600"/>
+              </a:spcAft>
+              <a:buClr>
+                <a:schemeClr val="accent1">
+                  <a:lumMod val="75000"/>
+                </a:schemeClr>
+              </a:buClr>
+              <a:buSzPct val="145000"/>
+              <a:buFont typeface="Arial"/>
+              <a:buChar char="•"/>
+              <a:defRPr sz="2400" kern="1200" cap="none">
+                <a:solidFill>
+                  <a:schemeClr val="tx1"/>
+                </a:solidFill>
+                <a:effectLst/>
+                <a:latin typeface="+mn-lt"/>
+                <a:ea typeface="+mn-ea"/>
+                <a:cs typeface="+mn-cs"/>
+              </a:defRPr>
+            </a:lvl1pPr>
+            <a:lvl2pPr marL="742950" indent="-285750" algn="l" defTabSz="457200" rtl="0" eaLnBrk="1" latinLnBrk="0" hangingPunct="1">
+              <a:spcBef>
+                <a:spcPct val="20000"/>
+              </a:spcBef>
+              <a:spcAft>
+                <a:spcPts val="600"/>
+              </a:spcAft>
+              <a:buClr>
+                <a:schemeClr val="accent1">
+                  <a:lumMod val="75000"/>
+                </a:schemeClr>
+              </a:buClr>
+              <a:buSzPct val="145000"/>
+              <a:buFont typeface="Arial"/>
+              <a:buChar char="•"/>
+              <a:defRPr sz="2000" kern="1200" cap="none">
+                <a:solidFill>
+                  <a:schemeClr val="tx1"/>
+                </a:solidFill>
+                <a:effectLst/>
+                <a:latin typeface="+mn-lt"/>
+                <a:ea typeface="+mn-ea"/>
+                <a:cs typeface="+mn-cs"/>
+              </a:defRPr>
+            </a:lvl2pPr>
+            <a:lvl3pPr marL="1200150" indent="-285750" algn="l" defTabSz="457200" rtl="0" eaLnBrk="1" latinLnBrk="0" hangingPunct="1">
+              <a:spcBef>
+                <a:spcPct val="20000"/>
+              </a:spcBef>
+              <a:spcAft>
+                <a:spcPts val="600"/>
+              </a:spcAft>
+              <a:buClr>
+                <a:schemeClr val="accent1">
+                  <a:lumMod val="75000"/>
+                </a:schemeClr>
+              </a:buClr>
+              <a:buSzPct val="145000"/>
+              <a:buFont typeface="Arial"/>
+              <a:buChar char="•"/>
+              <a:defRPr sz="1800" kern="1200" cap="none">
+                <a:solidFill>
+                  <a:schemeClr val="tx1"/>
+                </a:solidFill>
+                <a:effectLst/>
+                <a:latin typeface="+mn-lt"/>
+                <a:ea typeface="+mn-ea"/>
+                <a:cs typeface="+mn-cs"/>
+              </a:defRPr>
+            </a:lvl3pPr>
+            <a:lvl4pPr marL="1543050" indent="-171450" algn="l" defTabSz="457200" rtl="0" eaLnBrk="1" latinLnBrk="0" hangingPunct="1">
+              <a:spcBef>
+                <a:spcPct val="20000"/>
+              </a:spcBef>
+              <a:spcAft>
+                <a:spcPts val="600"/>
+              </a:spcAft>
+              <a:buClr>
+                <a:schemeClr val="accent1">
+                  <a:lumMod val="75000"/>
+                </a:schemeClr>
+              </a:buClr>
+              <a:buSzPct val="145000"/>
+              <a:buFont typeface="Arial"/>
+              <a:buChar char="•"/>
+              <a:defRPr sz="1600" kern="1200" cap="none">
+                <a:solidFill>
+                  <a:schemeClr val="tx1"/>
+                </a:solidFill>
+                <a:effectLst/>
+                <a:latin typeface="+mn-lt"/>
+                <a:ea typeface="+mn-ea"/>
+                <a:cs typeface="+mn-cs"/>
+              </a:defRPr>
+            </a:lvl4pPr>
+            <a:lvl5pPr marL="2000250" indent="-171450" algn="l" defTabSz="457200" rtl="0" eaLnBrk="1" latinLnBrk="0" hangingPunct="1">
+              <a:spcBef>
+                <a:spcPct val="20000"/>
+              </a:spcBef>
+              <a:spcAft>
+                <a:spcPts val="600"/>
+              </a:spcAft>
+              <a:buClr>
+                <a:schemeClr val="accent1">
+                  <a:lumMod val="75000"/>
+                </a:schemeClr>
+              </a:buClr>
+              <a:buSzPct val="145000"/>
+              <a:buFont typeface="Arial"/>
+              <a:buChar char="•"/>
+              <a:defRPr sz="1400" kern="1200" cap="none">
+                <a:solidFill>
+                  <a:schemeClr val="tx1"/>
+                </a:solidFill>
+                <a:effectLst/>
+                <a:latin typeface="+mn-lt"/>
+                <a:ea typeface="+mn-ea"/>
+                <a:cs typeface="+mn-cs"/>
+              </a:defRPr>
+            </a:lvl5pPr>
+            <a:lvl6pPr marL="2514600" indent="-228600" algn="l" defTabSz="457200" rtl="0" eaLnBrk="1" latinLnBrk="0" hangingPunct="1">
+              <a:spcBef>
+                <a:spcPct val="20000"/>
+              </a:spcBef>
+              <a:spcAft>
+                <a:spcPts val="600"/>
+              </a:spcAft>
+              <a:buClr>
+                <a:schemeClr val="accent1">
+                  <a:lumMod val="75000"/>
+                </a:schemeClr>
+              </a:buClr>
+              <a:buSzPct val="145000"/>
+              <a:buFont typeface="Arial"/>
+              <a:buChar char="•"/>
+              <a:defRPr sz="1400" kern="1200" cap="none">
+                <a:solidFill>
+                  <a:schemeClr val="tx1"/>
+                </a:solidFill>
+                <a:effectLst/>
+                <a:latin typeface="+mn-lt"/>
+                <a:ea typeface="+mn-ea"/>
+                <a:cs typeface="+mn-cs"/>
+              </a:defRPr>
+            </a:lvl6pPr>
+            <a:lvl7pPr marL="2971800" indent="-228600" algn="l" defTabSz="457200" rtl="0" eaLnBrk="1" latinLnBrk="0" hangingPunct="1">
+              <a:spcBef>
+                <a:spcPct val="20000"/>
+              </a:spcBef>
+              <a:spcAft>
+                <a:spcPts val="600"/>
+              </a:spcAft>
+              <a:buClr>
+                <a:schemeClr val="accent1">
+                  <a:lumMod val="75000"/>
+                </a:schemeClr>
+              </a:buClr>
+              <a:buSzPct val="145000"/>
+              <a:buFont typeface="Arial"/>
+              <a:buChar char="•"/>
+              <a:defRPr sz="1400" kern="1200" cap="none">
+                <a:solidFill>
+                  <a:schemeClr val="tx1"/>
+                </a:solidFill>
+                <a:effectLst/>
+                <a:latin typeface="+mn-lt"/>
+                <a:ea typeface="+mn-ea"/>
+                <a:cs typeface="+mn-cs"/>
+              </a:defRPr>
+            </a:lvl7pPr>
+            <a:lvl8pPr marL="3429000" indent="-228600" algn="l" defTabSz="457200" rtl="0" eaLnBrk="1" latinLnBrk="0" hangingPunct="1">
+              <a:spcBef>
+                <a:spcPct val="20000"/>
+              </a:spcBef>
+              <a:spcAft>
+                <a:spcPts val="600"/>
+              </a:spcAft>
+              <a:buClr>
+                <a:schemeClr val="accent1">
+                  <a:lumMod val="75000"/>
+                </a:schemeClr>
+              </a:buClr>
+              <a:buSzPct val="145000"/>
+              <a:buFont typeface="Arial"/>
+              <a:buChar char="•"/>
+              <a:defRPr sz="1400" kern="1200" cap="none">
+                <a:solidFill>
+                  <a:schemeClr val="tx1"/>
+                </a:solidFill>
+                <a:effectLst/>
+                <a:latin typeface="+mn-lt"/>
+                <a:ea typeface="+mn-ea"/>
+                <a:cs typeface="+mn-cs"/>
+              </a:defRPr>
+            </a:lvl8pPr>
+            <a:lvl9pPr marL="3886200" indent="-228600" algn="l" defTabSz="457200" rtl="0" eaLnBrk="1" latinLnBrk="0" hangingPunct="1">
+              <a:spcBef>
+                <a:spcPct val="20000"/>
+              </a:spcBef>
+              <a:spcAft>
+                <a:spcPts val="600"/>
+              </a:spcAft>
+              <a:buClr>
+                <a:schemeClr val="accent1">
+                  <a:lumMod val="75000"/>
+                </a:schemeClr>
+              </a:buClr>
+              <a:buSzPct val="145000"/>
+              <a:buFont typeface="Arial"/>
+              <a:buChar char="•"/>
+              <a:defRPr sz="1400" kern="1200" cap="none">
+                <a:solidFill>
+                  <a:schemeClr val="tx1"/>
+                </a:solidFill>
+                <a:effectLst/>
+                <a:latin typeface="+mn-lt"/>
+                <a:ea typeface="+mn-ea"/>
+                <a:cs typeface="+mn-cs"/>
+              </a:defRPr>
+            </a:lvl9pPr>
+          </a:lstStyle>
+          <a:p>
+            <a:r>
+              <a:rPr lang="de-DE" dirty="0"/>
+              <a:t>Quelle: </a:t>
+            </a:r>
+            <a:r>
+              <a:rPr lang="de-DE" dirty="0">
+                <a:hlinkClick r:id="rId3"/>
+              </a:rPr>
+              <a:t>https://upload.wikimedia.org/wikipedia/commons/thumb/6/6b/HSL_color_solid_cylinder_saturation_gray.png/197px-HSL_color_solid_cylinder_saturation_gray.png</a:t>
+            </a:r>
+            <a:endParaRPr lang="de-DE" dirty="0"/>
+          </a:p>
+        </p:txBody>
+      </p:sp>
+    </p:spTree>
+    <p:extLst>
+      <p:ext uri="{BB962C8B-B14F-4D97-AF65-F5344CB8AC3E}">
+        <p14:creationId xmlns:p14="http://schemas.microsoft.com/office/powerpoint/2010/main" val="1866930944"/>
+      </p:ext>
+    </p:extLst>
+  </p:cSld>
+  <p:clrMapOvr>
+    <a:masterClrMapping/>
+  </p:clrMapOvr>
+</p:sld>
+</file>
+
+<file path=ppt/slides/slide3.xml><?xml version="1.0" encoding="utf-8"?>
+<p:sld xmlns:a="http://schemas.openxmlformats.org/drawingml/2006/main" xmlns:r="http://schemas.openxmlformats.org/officeDocument/2006/relationships" xmlns:p="http://schemas.openxmlformats.org/presentationml/2006/main">
+  <p:cSld>
+    <p:spTree>
+      <p:nvGrpSpPr>
+        <p:cNvPr id="1" name=""/>
+        <p:cNvGrpSpPr/>
+        <p:nvPr/>
+      </p:nvGrpSpPr>
+      <p:grpSpPr>
+        <a:xfrm>
+          <a:off x="0" y="0"/>
+          <a:ext cx="0" cy="0"/>
+          <a:chOff x="0" y="0"/>
+          <a:chExt cx="0" cy="0"/>
+        </a:xfrm>
+      </p:grpSpPr>
+      <p:sp>
+        <p:nvSpPr>
+          <p:cNvPr id="2" name="Titel 1">
+            <a:extLst>
+              <a:ext uri="{FF2B5EF4-FFF2-40B4-BE49-F238E27FC236}">
+                <a16:creationId xmlns:a16="http://schemas.microsoft.com/office/drawing/2014/main" id="{C0D45175-AE13-404A-97E2-FB1DB10636EA}"/>
+              </a:ext>
+            </a:extLst>
+          </p:cNvPr>
+          <p:cNvSpPr>
+            <a:spLocks noGrp="1"/>
+          </p:cNvSpPr>
+          <p:nvPr>
+            <p:ph type="title"/>
+          </p:nvPr>
+        </p:nvSpPr>
+        <p:spPr/>
+        <p:txBody>
+          <a:bodyPr/>
+          <a:lstStyle/>
+          <a:p>
+            <a:r>
+              <a:rPr lang="de-DE" dirty="0"/>
+              <a:t>Problemstellung</a:t>
+            </a:r>
+          </a:p>
+        </p:txBody>
+      </p:sp>
+      <p:sp>
+        <p:nvSpPr>
+          <p:cNvPr id="3" name="Inhaltsplatzhalter 2">
+            <a:extLst>
+              <a:ext uri="{FF2B5EF4-FFF2-40B4-BE49-F238E27FC236}">
+                <a16:creationId xmlns:a16="http://schemas.microsoft.com/office/drawing/2014/main" id="{40032195-C362-4800-8873-936BC695F799}"/>
+              </a:ext>
+            </a:extLst>
+          </p:cNvPr>
+          <p:cNvSpPr>
+            <a:spLocks noGrp="1"/>
+          </p:cNvSpPr>
+          <p:nvPr>
+            <p:ph idx="1"/>
+          </p:nvPr>
+        </p:nvSpPr>
+        <p:spPr>
+          <a:xfrm>
+            <a:off x="1484311" y="2666999"/>
+            <a:ext cx="4940240" cy="3124201"/>
+          </a:xfrm>
+        </p:spPr>
+        <p:txBody>
+          <a:bodyPr/>
+          <a:lstStyle/>
+          <a:p>
+            <a:r>
+              <a:rPr lang="de-DE" dirty="0"/>
+              <a:t>Verunglückte Kinder: </a:t>
+            </a:r>
+            <a:r>
+              <a:rPr lang="de-DE" dirty="0" err="1"/>
+              <a:t>ung</a:t>
+            </a:r>
+            <a:r>
+              <a:rPr lang="de-DE" dirty="0"/>
+              <a:t>. 10.200 Kinder im Jahr 2018</a:t>
+            </a:r>
+          </a:p>
+          <a:p>
+            <a:r>
+              <a:rPr lang="de-DE" dirty="0"/>
+              <a:t>11.3 % wegen Vorfahrt und Vorrang </a:t>
+            </a:r>
+          </a:p>
+          <a:p>
+            <a:r>
+              <a:rPr lang="de-DE" dirty="0"/>
+              <a:t>Unfälle ohne Verletzungen nicht inbegriffen</a:t>
+            </a:r>
+          </a:p>
+          <a:p>
+            <a:endParaRPr lang="de-DE" dirty="0"/>
+          </a:p>
+        </p:txBody>
+      </p:sp>
+      <p:sp>
+        <p:nvSpPr>
+          <p:cNvPr id="4" name="Inhaltsplatzhalter 2">
+            <a:extLst>
+              <a:ext uri="{FF2B5EF4-FFF2-40B4-BE49-F238E27FC236}">
+                <a16:creationId xmlns:a16="http://schemas.microsoft.com/office/drawing/2014/main" id="{4FAF3093-9E29-4E04-AF15-26781E848287}"/>
+              </a:ext>
+            </a:extLst>
+          </p:cNvPr>
+          <p:cNvSpPr txBox="1">
+            <a:spLocks/>
+          </p:cNvSpPr>
+          <p:nvPr/>
+        </p:nvSpPr>
+        <p:spPr>
+          <a:xfrm>
+            <a:off x="1885101" y="5905901"/>
+            <a:ext cx="10018713" cy="227798"/>
+          </a:xfrm>
+          <a:prstGeom prst="rect">
+            <a:avLst/>
+          </a:prstGeom>
+        </p:spPr>
+        <p:txBody>
+          <a:bodyPr vert="horz" lIns="91440" tIns="45720" rIns="91440" bIns="45720" rtlCol="0" anchor="ctr">
+            <a:noAutofit/>
+          </a:bodyPr>
+          <a:lstStyle>
+            <a:lvl1pPr marL="285750" indent="-285750" algn="l" defTabSz="457200" rtl="0" eaLnBrk="1" latinLnBrk="0" hangingPunct="1">
+              <a:spcBef>
+                <a:spcPct val="20000"/>
+              </a:spcBef>
+              <a:spcAft>
+                <a:spcPts val="600"/>
+              </a:spcAft>
+              <a:buClr>
+                <a:schemeClr val="accent1">
+                  <a:lumMod val="75000"/>
+                </a:schemeClr>
+              </a:buClr>
+              <a:buSzPct val="145000"/>
+              <a:buFont typeface="Arial"/>
+              <a:buChar char="•"/>
+              <a:defRPr sz="2400" kern="1200" cap="none">
+                <a:solidFill>
+                  <a:schemeClr val="tx1"/>
+                </a:solidFill>
+                <a:effectLst/>
+                <a:latin typeface="+mn-lt"/>
+                <a:ea typeface="+mn-ea"/>
+                <a:cs typeface="+mn-cs"/>
+              </a:defRPr>
+            </a:lvl1pPr>
+            <a:lvl2pPr marL="742950" indent="-285750" algn="l" defTabSz="457200" rtl="0" eaLnBrk="1" latinLnBrk="0" hangingPunct="1">
+              <a:spcBef>
+                <a:spcPct val="20000"/>
+              </a:spcBef>
+              <a:spcAft>
+                <a:spcPts val="600"/>
+              </a:spcAft>
+              <a:buClr>
+                <a:schemeClr val="accent1">
+                  <a:lumMod val="75000"/>
+                </a:schemeClr>
+              </a:buClr>
+              <a:buSzPct val="145000"/>
+              <a:buFont typeface="Arial"/>
+              <a:buChar char="•"/>
+              <a:defRPr sz="2000" kern="1200" cap="none">
+                <a:solidFill>
+                  <a:schemeClr val="tx1"/>
+                </a:solidFill>
+                <a:effectLst/>
+                <a:latin typeface="+mn-lt"/>
+                <a:ea typeface="+mn-ea"/>
+                <a:cs typeface="+mn-cs"/>
+              </a:defRPr>
+            </a:lvl2pPr>
+            <a:lvl3pPr marL="1200150" indent="-285750" algn="l" defTabSz="457200" rtl="0" eaLnBrk="1" latinLnBrk="0" hangingPunct="1">
+              <a:spcBef>
+                <a:spcPct val="20000"/>
+              </a:spcBef>
+              <a:spcAft>
+                <a:spcPts val="600"/>
+              </a:spcAft>
+              <a:buClr>
+                <a:schemeClr val="accent1">
+                  <a:lumMod val="75000"/>
+                </a:schemeClr>
+              </a:buClr>
+              <a:buSzPct val="145000"/>
+              <a:buFont typeface="Arial"/>
+              <a:buChar char="•"/>
+              <a:defRPr sz="1800" kern="1200" cap="none">
+                <a:solidFill>
+                  <a:schemeClr val="tx1"/>
+                </a:solidFill>
+                <a:effectLst/>
+                <a:latin typeface="+mn-lt"/>
+                <a:ea typeface="+mn-ea"/>
+                <a:cs typeface="+mn-cs"/>
+              </a:defRPr>
+            </a:lvl3pPr>
+            <a:lvl4pPr marL="1543050" indent="-171450" algn="l" defTabSz="457200" rtl="0" eaLnBrk="1" latinLnBrk="0" hangingPunct="1">
+              <a:spcBef>
+                <a:spcPct val="20000"/>
+              </a:spcBef>
+              <a:spcAft>
+                <a:spcPts val="600"/>
+              </a:spcAft>
+              <a:buClr>
+                <a:schemeClr val="accent1">
+                  <a:lumMod val="75000"/>
+                </a:schemeClr>
+              </a:buClr>
+              <a:buSzPct val="145000"/>
+              <a:buFont typeface="Arial"/>
+              <a:buChar char="•"/>
+              <a:defRPr sz="1600" kern="1200" cap="none">
+                <a:solidFill>
+                  <a:schemeClr val="tx1"/>
+                </a:solidFill>
+                <a:effectLst/>
+                <a:latin typeface="+mn-lt"/>
+                <a:ea typeface="+mn-ea"/>
+                <a:cs typeface="+mn-cs"/>
+              </a:defRPr>
+            </a:lvl4pPr>
+            <a:lvl5pPr marL="2000250" indent="-171450" algn="l" defTabSz="457200" rtl="0" eaLnBrk="1" latinLnBrk="0" hangingPunct="1">
+              <a:spcBef>
+                <a:spcPct val="20000"/>
+              </a:spcBef>
+              <a:spcAft>
+                <a:spcPts val="600"/>
+              </a:spcAft>
+              <a:buClr>
+                <a:schemeClr val="accent1">
+                  <a:lumMod val="75000"/>
+                </a:schemeClr>
+              </a:buClr>
+              <a:buSzPct val="145000"/>
+              <a:buFont typeface="Arial"/>
+              <a:buChar char="•"/>
+              <a:defRPr sz="1400" kern="1200" cap="none">
+                <a:solidFill>
+                  <a:schemeClr val="tx1"/>
+                </a:solidFill>
+                <a:effectLst/>
+                <a:latin typeface="+mn-lt"/>
+                <a:ea typeface="+mn-ea"/>
+                <a:cs typeface="+mn-cs"/>
+              </a:defRPr>
+            </a:lvl5pPr>
+            <a:lvl6pPr marL="2514600" indent="-228600" algn="l" defTabSz="457200" rtl="0" eaLnBrk="1" latinLnBrk="0" hangingPunct="1">
+              <a:spcBef>
+                <a:spcPct val="20000"/>
+              </a:spcBef>
+              <a:spcAft>
+                <a:spcPts val="600"/>
+              </a:spcAft>
+              <a:buClr>
+                <a:schemeClr val="accent1">
+                  <a:lumMod val="75000"/>
+                </a:schemeClr>
+              </a:buClr>
+              <a:buSzPct val="145000"/>
+              <a:buFont typeface="Arial"/>
+              <a:buChar char="•"/>
+              <a:defRPr sz="1400" kern="1200" cap="none">
+                <a:solidFill>
+                  <a:schemeClr val="tx1"/>
+                </a:solidFill>
+                <a:effectLst/>
+                <a:latin typeface="+mn-lt"/>
+                <a:ea typeface="+mn-ea"/>
+                <a:cs typeface="+mn-cs"/>
+              </a:defRPr>
+            </a:lvl6pPr>
+            <a:lvl7pPr marL="2971800" indent="-228600" algn="l" defTabSz="457200" rtl="0" eaLnBrk="1" latinLnBrk="0" hangingPunct="1">
+              <a:spcBef>
+                <a:spcPct val="20000"/>
+              </a:spcBef>
+              <a:spcAft>
+                <a:spcPts val="600"/>
+              </a:spcAft>
+              <a:buClr>
+                <a:schemeClr val="accent1">
+                  <a:lumMod val="75000"/>
+                </a:schemeClr>
+              </a:buClr>
+              <a:buSzPct val="145000"/>
+              <a:buFont typeface="Arial"/>
+              <a:buChar char="•"/>
+              <a:defRPr sz="1400" kern="1200" cap="none">
+                <a:solidFill>
+                  <a:schemeClr val="tx1"/>
+                </a:solidFill>
+                <a:effectLst/>
+                <a:latin typeface="+mn-lt"/>
+                <a:ea typeface="+mn-ea"/>
+                <a:cs typeface="+mn-cs"/>
+              </a:defRPr>
+            </a:lvl7pPr>
+            <a:lvl8pPr marL="3429000" indent="-228600" algn="l" defTabSz="457200" rtl="0" eaLnBrk="1" latinLnBrk="0" hangingPunct="1">
+              <a:spcBef>
+                <a:spcPct val="20000"/>
+              </a:spcBef>
+              <a:spcAft>
+                <a:spcPts val="600"/>
+              </a:spcAft>
+              <a:buClr>
+                <a:schemeClr val="accent1">
+                  <a:lumMod val="75000"/>
+                </a:schemeClr>
+              </a:buClr>
+              <a:buSzPct val="145000"/>
+              <a:buFont typeface="Arial"/>
+              <a:buChar char="•"/>
+              <a:defRPr sz="1400" kern="1200" cap="none">
+                <a:solidFill>
+                  <a:schemeClr val="tx1"/>
+                </a:solidFill>
+                <a:effectLst/>
+                <a:latin typeface="+mn-lt"/>
+                <a:ea typeface="+mn-ea"/>
+                <a:cs typeface="+mn-cs"/>
+              </a:defRPr>
+            </a:lvl8pPr>
+            <a:lvl9pPr marL="3886200" indent="-228600" algn="l" defTabSz="457200" rtl="0" eaLnBrk="1" latinLnBrk="0" hangingPunct="1">
+              <a:spcBef>
+                <a:spcPct val="20000"/>
+              </a:spcBef>
+              <a:spcAft>
+                <a:spcPts val="600"/>
+              </a:spcAft>
+              <a:buClr>
+                <a:schemeClr val="accent1">
+                  <a:lumMod val="75000"/>
+                </a:schemeClr>
+              </a:buClr>
+              <a:buSzPct val="145000"/>
+              <a:buFont typeface="Arial"/>
+              <a:buChar char="•"/>
+              <a:defRPr sz="1400" kern="1200" cap="none">
+                <a:solidFill>
+                  <a:schemeClr val="tx1"/>
+                </a:solidFill>
+                <a:effectLst/>
+                <a:latin typeface="+mn-lt"/>
+                <a:ea typeface="+mn-ea"/>
+                <a:cs typeface="+mn-cs"/>
+              </a:defRPr>
+            </a:lvl9pPr>
+          </a:lstStyle>
+          <a:p>
+            <a:r>
+              <a:rPr lang="de-DE" sz="1200" dirty="0"/>
+              <a:t>Quelle: </a:t>
+            </a:r>
+            <a:r>
+              <a:rPr lang="de-DE" sz="1200" dirty="0">
+                <a:hlinkClick r:id="rId2"/>
+              </a:rPr>
+              <a:t>https://www.destatis.de/DE/Themen/Gesellschaft-Umwelt/Verkehrsunfaelle/Publikationen/Downloads-Verkehrsunfaelle/unfaelle-kinder-5462405187004.pdf?__blob=publicationFile</a:t>
+            </a:r>
+            <a:endParaRPr lang="de-DE" sz="1200" dirty="0"/>
+          </a:p>
+        </p:txBody>
+      </p:sp>
+      <p:pic>
+        <p:nvPicPr>
+          <p:cNvPr id="7" name="Grafik 6">
+            <a:extLst>
+              <a:ext uri="{FF2B5EF4-FFF2-40B4-BE49-F238E27FC236}">
+                <a16:creationId xmlns:a16="http://schemas.microsoft.com/office/drawing/2014/main" id="{33EEC408-E78B-4118-A33A-35853EDE58B2}"/>
+              </a:ext>
+            </a:extLst>
+          </p:cNvPr>
+          <p:cNvPicPr>
+            <a:picLocks noChangeAspect="1"/>
+          </p:cNvPicPr>
+          <p:nvPr/>
+        </p:nvPicPr>
+        <p:blipFill>
+          <a:blip r:embed="rId3"/>
+          <a:stretch>
+            <a:fillRect/>
+          </a:stretch>
+        </p:blipFill>
+        <p:spPr>
+          <a:xfrm>
+            <a:off x="6438968" y="2438399"/>
+            <a:ext cx="5551430" cy="2985809"/>
+          </a:xfrm>
+          <a:prstGeom prst="rect">
+            <a:avLst/>
+          </a:prstGeom>
+        </p:spPr>
+      </p:pic>
+    </p:spTree>
+    <p:extLst>
+      <p:ext uri="{BB962C8B-B14F-4D97-AF65-F5344CB8AC3E}">
+        <p14:creationId xmlns:p14="http://schemas.microsoft.com/office/powerpoint/2010/main" val="297789838"/>
+      </p:ext>
+    </p:extLst>
+  </p:cSld>
+  <p:clrMapOvr>
+    <a:masterClrMapping/>
+  </p:clrMapOvr>
+</p:sld>
+</file>
+
+<file path=ppt/slides/slide4.xml><?xml version="1.0" encoding="utf-8"?>
+<p:sld xmlns:a="http://schemas.openxmlformats.org/drawingml/2006/main" xmlns:r="http://schemas.openxmlformats.org/officeDocument/2006/relationships" xmlns:p="http://schemas.openxmlformats.org/presentationml/2006/main">
+  <p:cSld>
+    <p:spTree>
+      <p:nvGrpSpPr>
+        <p:cNvPr id="1" name=""/>
+        <p:cNvGrpSpPr/>
+        <p:nvPr/>
+      </p:nvGrpSpPr>
+      <p:grpSpPr>
+        <a:xfrm>
+          <a:off x="0" y="0"/>
+          <a:ext cx="0" cy="0"/>
+          <a:chOff x="0" y="0"/>
+          <a:chExt cx="0" cy="0"/>
+        </a:xfrm>
+      </p:grpSpPr>
+      <p:sp>
+        <p:nvSpPr>
+          <p:cNvPr id="2" name="Titel 1">
+            <a:extLst>
+              <a:ext uri="{FF2B5EF4-FFF2-40B4-BE49-F238E27FC236}">
+                <a16:creationId xmlns:a16="http://schemas.microsoft.com/office/drawing/2014/main" id="{435EAE88-0E29-47FD-9F2D-2FA2D36B5D2B}"/>
+              </a:ext>
+            </a:extLst>
+          </p:cNvPr>
+          <p:cNvSpPr>
+            <a:spLocks noGrp="1"/>
+          </p:cNvSpPr>
+          <p:nvPr>
+            <p:ph type="title"/>
+          </p:nvPr>
+        </p:nvSpPr>
+        <p:spPr/>
+        <p:txBody>
+          <a:bodyPr/>
+          <a:lstStyle/>
+          <a:p>
+            <a:r>
+              <a:rPr lang="de-DE" dirty="0"/>
+              <a:t>Problemstellung</a:t>
+            </a:r>
+          </a:p>
+        </p:txBody>
+      </p:sp>
+      <p:graphicFrame>
+        <p:nvGraphicFramePr>
+          <p:cNvPr id="6" name="Diagramm 5">
+            <a:extLst>
+              <a:ext uri="{FF2B5EF4-FFF2-40B4-BE49-F238E27FC236}">
+                <a16:creationId xmlns:a16="http://schemas.microsoft.com/office/drawing/2014/main" id="{67217405-43F9-4E45-97D7-7953A4993CC4}"/>
+              </a:ext>
+            </a:extLst>
+          </p:cNvPr>
+          <p:cNvGraphicFramePr/>
+          <p:nvPr>
+            <p:extLst>
+              <p:ext uri="{D42A27DB-BD31-4B8C-83A1-F6EECF244321}">
+                <p14:modId xmlns:p14="http://schemas.microsoft.com/office/powerpoint/2010/main" val="2449103310"/>
+              </p:ext>
+            </p:extLst>
+          </p:nvPr>
+        </p:nvGraphicFramePr>
+        <p:xfrm>
+          <a:off x="2550361" y="1751798"/>
+          <a:ext cx="7886611" cy="4494997"/>
+        </p:xfrm>
+        <a:graphic>
+          <a:graphicData uri="http://schemas.openxmlformats.org/drawingml/2006/chart">
+            <c:chart xmlns:c="http://schemas.openxmlformats.org/drawingml/2006/chart" xmlns:r="http://schemas.openxmlformats.org/officeDocument/2006/relationships" r:id="rId2"/>
+          </a:graphicData>
+        </a:graphic>
+      </p:graphicFrame>
+      <p:sp>
+        <p:nvSpPr>
+          <p:cNvPr id="7" name="Inhaltsplatzhalter 2">
+            <a:extLst>
+              <a:ext uri="{FF2B5EF4-FFF2-40B4-BE49-F238E27FC236}">
+                <a16:creationId xmlns:a16="http://schemas.microsoft.com/office/drawing/2014/main" id="{C39A542C-313F-435C-A4CC-9B37EC5DC19A}"/>
+              </a:ext>
+            </a:extLst>
+          </p:cNvPr>
+          <p:cNvSpPr txBox="1">
+            <a:spLocks/>
+          </p:cNvSpPr>
+          <p:nvPr/>
+        </p:nvSpPr>
+        <p:spPr>
+          <a:xfrm>
+            <a:off x="2413919" y="6172200"/>
+            <a:ext cx="10018713" cy="227798"/>
+          </a:xfrm>
+          <a:prstGeom prst="rect">
+            <a:avLst/>
+          </a:prstGeom>
+        </p:spPr>
+        <p:txBody>
+          <a:bodyPr vert="horz" lIns="91440" tIns="45720" rIns="91440" bIns="45720" rtlCol="0" anchor="ctr">
+            <a:noAutofit/>
+          </a:bodyPr>
+          <a:lstStyle>
+            <a:lvl1pPr marL="285750" indent="-285750" algn="l" defTabSz="457200" rtl="0" eaLnBrk="1" latinLnBrk="0" hangingPunct="1">
+              <a:spcBef>
+                <a:spcPct val="20000"/>
+              </a:spcBef>
+              <a:spcAft>
+                <a:spcPts val="600"/>
+              </a:spcAft>
+              <a:buClr>
+                <a:schemeClr val="accent1">
+                  <a:lumMod val="75000"/>
+                </a:schemeClr>
+              </a:buClr>
+              <a:buSzPct val="145000"/>
+              <a:buFont typeface="Arial"/>
+              <a:buChar char="•"/>
+              <a:defRPr sz="2400" kern="1200" cap="none">
+                <a:solidFill>
+                  <a:schemeClr val="tx1"/>
+                </a:solidFill>
+                <a:effectLst/>
+                <a:latin typeface="+mn-lt"/>
+                <a:ea typeface="+mn-ea"/>
+                <a:cs typeface="+mn-cs"/>
+              </a:defRPr>
+            </a:lvl1pPr>
+            <a:lvl2pPr marL="742950" indent="-285750" algn="l" defTabSz="457200" rtl="0" eaLnBrk="1" latinLnBrk="0" hangingPunct="1">
+              <a:spcBef>
+                <a:spcPct val="20000"/>
+              </a:spcBef>
+              <a:spcAft>
+                <a:spcPts val="600"/>
+              </a:spcAft>
+              <a:buClr>
+                <a:schemeClr val="accent1">
+                  <a:lumMod val="75000"/>
+                </a:schemeClr>
+              </a:buClr>
+              <a:buSzPct val="145000"/>
+              <a:buFont typeface="Arial"/>
+              <a:buChar char="•"/>
+              <a:defRPr sz="2000" kern="1200" cap="none">
+                <a:solidFill>
+                  <a:schemeClr val="tx1"/>
+                </a:solidFill>
+                <a:effectLst/>
+                <a:latin typeface="+mn-lt"/>
+                <a:ea typeface="+mn-ea"/>
+                <a:cs typeface="+mn-cs"/>
+              </a:defRPr>
+            </a:lvl2pPr>
+            <a:lvl3pPr marL="1200150" indent="-285750" algn="l" defTabSz="457200" rtl="0" eaLnBrk="1" latinLnBrk="0" hangingPunct="1">
+              <a:spcBef>
+                <a:spcPct val="20000"/>
+              </a:spcBef>
+              <a:spcAft>
+                <a:spcPts val="600"/>
+              </a:spcAft>
+              <a:buClr>
+                <a:schemeClr val="accent1">
+                  <a:lumMod val="75000"/>
+                </a:schemeClr>
+              </a:buClr>
+              <a:buSzPct val="145000"/>
+              <a:buFont typeface="Arial"/>
+              <a:buChar char="•"/>
+              <a:defRPr sz="1800" kern="1200" cap="none">
+                <a:solidFill>
+                  <a:schemeClr val="tx1"/>
+                </a:solidFill>
+                <a:effectLst/>
+                <a:latin typeface="+mn-lt"/>
+                <a:ea typeface="+mn-ea"/>
+                <a:cs typeface="+mn-cs"/>
+              </a:defRPr>
+            </a:lvl3pPr>
+            <a:lvl4pPr marL="1543050" indent="-171450" algn="l" defTabSz="457200" rtl="0" eaLnBrk="1" latinLnBrk="0" hangingPunct="1">
+              <a:spcBef>
+                <a:spcPct val="20000"/>
+              </a:spcBef>
+              <a:spcAft>
+                <a:spcPts val="600"/>
+              </a:spcAft>
+              <a:buClr>
+                <a:schemeClr val="accent1">
+                  <a:lumMod val="75000"/>
+                </a:schemeClr>
+              </a:buClr>
+              <a:buSzPct val="145000"/>
+              <a:buFont typeface="Arial"/>
+              <a:buChar char="•"/>
+              <a:defRPr sz="1600" kern="1200" cap="none">
+                <a:solidFill>
+                  <a:schemeClr val="tx1"/>
+                </a:solidFill>
+                <a:effectLst/>
+                <a:latin typeface="+mn-lt"/>
+                <a:ea typeface="+mn-ea"/>
+                <a:cs typeface="+mn-cs"/>
+              </a:defRPr>
+            </a:lvl4pPr>
+            <a:lvl5pPr marL="2000250" indent="-171450" algn="l" defTabSz="457200" rtl="0" eaLnBrk="1" latinLnBrk="0" hangingPunct="1">
+              <a:spcBef>
+                <a:spcPct val="20000"/>
+              </a:spcBef>
+              <a:spcAft>
+                <a:spcPts val="600"/>
+              </a:spcAft>
+              <a:buClr>
+                <a:schemeClr val="accent1">
+                  <a:lumMod val="75000"/>
+                </a:schemeClr>
+              </a:buClr>
+              <a:buSzPct val="145000"/>
+              <a:buFont typeface="Arial"/>
+              <a:buChar char="•"/>
+              <a:defRPr sz="1400" kern="1200" cap="none">
+                <a:solidFill>
+                  <a:schemeClr val="tx1"/>
+                </a:solidFill>
+                <a:effectLst/>
+                <a:latin typeface="+mn-lt"/>
+                <a:ea typeface="+mn-ea"/>
+                <a:cs typeface="+mn-cs"/>
+              </a:defRPr>
+            </a:lvl5pPr>
+            <a:lvl6pPr marL="2514600" indent="-228600" algn="l" defTabSz="457200" rtl="0" eaLnBrk="1" latinLnBrk="0" hangingPunct="1">
+              <a:spcBef>
+                <a:spcPct val="20000"/>
+              </a:spcBef>
+              <a:spcAft>
+                <a:spcPts val="600"/>
+              </a:spcAft>
+              <a:buClr>
+                <a:schemeClr val="accent1">
+                  <a:lumMod val="75000"/>
+                </a:schemeClr>
+              </a:buClr>
+              <a:buSzPct val="145000"/>
+              <a:buFont typeface="Arial"/>
+              <a:buChar char="•"/>
+              <a:defRPr sz="1400" kern="1200" cap="none">
+                <a:solidFill>
+                  <a:schemeClr val="tx1"/>
+                </a:solidFill>
+                <a:effectLst/>
+                <a:latin typeface="+mn-lt"/>
+                <a:ea typeface="+mn-ea"/>
+                <a:cs typeface="+mn-cs"/>
+              </a:defRPr>
+            </a:lvl6pPr>
+            <a:lvl7pPr marL="2971800" indent="-228600" algn="l" defTabSz="457200" rtl="0" eaLnBrk="1" latinLnBrk="0" hangingPunct="1">
+              <a:spcBef>
+                <a:spcPct val="20000"/>
+              </a:spcBef>
+              <a:spcAft>
+                <a:spcPts val="600"/>
+              </a:spcAft>
+              <a:buClr>
+                <a:schemeClr val="accent1">
+                  <a:lumMod val="75000"/>
+                </a:schemeClr>
+              </a:buClr>
+              <a:buSzPct val="145000"/>
+              <a:buFont typeface="Arial"/>
+              <a:buChar char="•"/>
+              <a:defRPr sz="1400" kern="1200" cap="none">
+                <a:solidFill>
+                  <a:schemeClr val="tx1"/>
+                </a:solidFill>
+                <a:effectLst/>
+                <a:latin typeface="+mn-lt"/>
+                <a:ea typeface="+mn-ea"/>
+                <a:cs typeface="+mn-cs"/>
+              </a:defRPr>
+            </a:lvl7pPr>
+            <a:lvl8pPr marL="3429000" indent="-228600" algn="l" defTabSz="457200" rtl="0" eaLnBrk="1" latinLnBrk="0" hangingPunct="1">
+              <a:spcBef>
+                <a:spcPct val="20000"/>
+              </a:spcBef>
+              <a:spcAft>
+                <a:spcPts val="600"/>
+              </a:spcAft>
+              <a:buClr>
+                <a:schemeClr val="accent1">
+                  <a:lumMod val="75000"/>
+                </a:schemeClr>
+              </a:buClr>
+              <a:buSzPct val="145000"/>
+              <a:buFont typeface="Arial"/>
+              <a:buChar char="•"/>
+              <a:defRPr sz="1400" kern="1200" cap="none">
+                <a:solidFill>
+                  <a:schemeClr val="tx1"/>
+                </a:solidFill>
+                <a:effectLst/>
+                <a:latin typeface="+mn-lt"/>
+                <a:ea typeface="+mn-ea"/>
+                <a:cs typeface="+mn-cs"/>
+              </a:defRPr>
+            </a:lvl8pPr>
+            <a:lvl9pPr marL="3886200" indent="-228600" algn="l" defTabSz="457200" rtl="0" eaLnBrk="1" latinLnBrk="0" hangingPunct="1">
+              <a:spcBef>
+                <a:spcPct val="20000"/>
+              </a:spcBef>
+              <a:spcAft>
+                <a:spcPts val="600"/>
+              </a:spcAft>
+              <a:buClr>
+                <a:schemeClr val="accent1">
+                  <a:lumMod val="75000"/>
+                </a:schemeClr>
+              </a:buClr>
+              <a:buSzPct val="145000"/>
+              <a:buFont typeface="Arial"/>
+              <a:buChar char="•"/>
+              <a:defRPr sz="1400" kern="1200" cap="none">
+                <a:solidFill>
+                  <a:schemeClr val="tx1"/>
+                </a:solidFill>
+                <a:effectLst/>
+                <a:latin typeface="+mn-lt"/>
+                <a:ea typeface="+mn-ea"/>
+                <a:cs typeface="+mn-cs"/>
+              </a:defRPr>
+            </a:lvl9pPr>
+          </a:lstStyle>
+          <a:p>
+            <a:r>
+              <a:rPr lang="de-DE" sz="1200" dirty="0"/>
+              <a:t>Quelle i. A. an: </a:t>
+            </a:r>
+            <a:r>
+              <a:rPr lang="de-DE" sz="1200" dirty="0">
+                <a:hlinkClick r:id="rId3"/>
+              </a:rPr>
+              <a:t>https://de.statista.com/statistik/daten/studie/1106/umfrage/handybesitz-bei-jugendlichen-nach-altersgruppen/</a:t>
+            </a:r>
+            <a:endParaRPr lang="de-DE" sz="1200" dirty="0"/>
+          </a:p>
+        </p:txBody>
+      </p:sp>
+    </p:spTree>
+    <p:extLst>
+      <p:ext uri="{BB962C8B-B14F-4D97-AF65-F5344CB8AC3E}">
+        <p14:creationId xmlns:p14="http://schemas.microsoft.com/office/powerpoint/2010/main" val="1979379623"/>
+      </p:ext>
+    </p:extLst>
+  </p:cSld>
+  <p:clrMapOvr>
+    <a:masterClrMapping/>
+  </p:clrMapOvr>
+</p:sld>
+</file>
+
+<file path=ppt/slides/slide5.xml><?xml version="1.0" encoding="utf-8"?>
+<p:sld xmlns:a="http://schemas.openxmlformats.org/drawingml/2006/main" xmlns:r="http://schemas.openxmlformats.org/officeDocument/2006/relationships" xmlns:p="http://schemas.openxmlformats.org/presentationml/2006/main">
+  <p:cSld>
+    <p:spTree>
+      <p:nvGrpSpPr>
+        <p:cNvPr id="1" name=""/>
+        <p:cNvGrpSpPr/>
+        <p:nvPr/>
+      </p:nvGrpSpPr>
+      <p:grpSpPr>
+        <a:xfrm>
+          <a:off x="0" y="0"/>
+          <a:ext cx="0" cy="0"/>
+          <a:chOff x="0" y="0"/>
+          <a:chExt cx="0" cy="0"/>
+        </a:xfrm>
+      </p:grpSpPr>
+      <p:sp>
+        <p:nvSpPr>
+          <p:cNvPr id="2" name="Titel 1">
+            <a:extLst>
+              <a:ext uri="{FF2B5EF4-FFF2-40B4-BE49-F238E27FC236}">
+                <a16:creationId xmlns:a16="http://schemas.microsoft.com/office/drawing/2014/main" id="{0B11151B-29BA-47E3-AC6A-07230B370301}"/>
+              </a:ext>
+            </a:extLst>
+          </p:cNvPr>
+          <p:cNvSpPr>
+            <a:spLocks noGrp="1"/>
+          </p:cNvSpPr>
+          <p:nvPr>
+            <p:ph type="title"/>
+          </p:nvPr>
+        </p:nvSpPr>
+        <p:spPr/>
+        <p:txBody>
+          <a:bodyPr/>
+          <a:lstStyle/>
+          <a:p>
+            <a:r>
+              <a:rPr lang="de-DE" dirty="0"/>
+              <a:t>Idee</a:t>
+            </a:r>
+          </a:p>
+        </p:txBody>
+      </p:sp>
+      <p:sp>
+        <p:nvSpPr>
+          <p:cNvPr id="3" name="Inhaltsplatzhalter 2">
+            <a:extLst>
+              <a:ext uri="{FF2B5EF4-FFF2-40B4-BE49-F238E27FC236}">
+                <a16:creationId xmlns:a16="http://schemas.microsoft.com/office/drawing/2014/main" id="{EAFC5445-F56F-405B-8ADA-EF46AC7112CD}"/>
+              </a:ext>
+            </a:extLst>
+          </p:cNvPr>
+          <p:cNvSpPr>
+            <a:spLocks noGrp="1"/>
+          </p:cNvSpPr>
+          <p:nvPr>
+            <p:ph idx="1"/>
+          </p:nvPr>
+        </p:nvSpPr>
+        <p:spPr>
+          <a:xfrm>
+            <a:off x="972153" y="2666999"/>
+            <a:ext cx="11219848" cy="3124201"/>
+          </a:xfrm>
+        </p:spPr>
+        <p:txBody>
+          <a:bodyPr>
+            <a:normAutofit/>
+          </a:bodyPr>
+          <a:lstStyle/>
+          <a:p>
+            <a:pPr marL="0" indent="0">
+              <a:buNone/>
+            </a:pPr>
+            <a:r>
+              <a:rPr lang="de-DE" sz="3200" dirty="0"/>
+              <a:t>Automatische Erkennung und Klassifizierung von Verkehrszeichen und Wiedergabe der Verkehrsregel in einer verständlichen Weise.</a:t>
+            </a:r>
+          </a:p>
+        </p:txBody>
+      </p:sp>
+    </p:spTree>
+    <p:extLst>
+      <p:ext uri="{BB962C8B-B14F-4D97-AF65-F5344CB8AC3E}">
+        <p14:creationId xmlns:p14="http://schemas.microsoft.com/office/powerpoint/2010/main" val="3653188409"/>
+      </p:ext>
+    </p:extLst>
+  </p:cSld>
+  <p:clrMapOvr>
+    <a:masterClrMapping/>
+  </p:clrMapOvr>
+</p:sld>
+</file>
+
+<file path=ppt/slides/slide6.xml><?xml version="1.0" encoding="utf-8"?>
+<p:sld xmlns:a="http://schemas.openxmlformats.org/drawingml/2006/main" xmlns:r="http://schemas.openxmlformats.org/officeDocument/2006/relationships" xmlns:p="http://schemas.openxmlformats.org/presentationml/2006/main">
+  <p:cSld>
+    <p:bg>
+      <p:bgPr>
+        <a:gradFill rotWithShape="1">
+          <a:gsLst>
+            <a:gs pos="0">
+              <a:schemeClr val="bg2">
+                <a:tint val="90000"/>
+                <a:lumMod val="110000"/>
+              </a:schemeClr>
+            </a:gs>
+            <a:gs pos="100000">
+              <a:schemeClr val="bg2">
+                <a:shade val="64000"/>
+                <a:lumMod val="98000"/>
+              </a:schemeClr>
+            </a:gs>
+          </a:gsLst>
+          <a:lin ang="5400000" scaled="0"/>
+        </a:gradFill>
+        <a:effectLst/>
+      </p:bgPr>
+    </p:bg>
+    <p:spTree>
+      <p:nvGrpSpPr>
+        <p:cNvPr id="1" name=""/>
+        <p:cNvGrpSpPr/>
+        <p:nvPr/>
+      </p:nvGrpSpPr>
+      <p:grpSpPr>
+        <a:xfrm>
+          <a:off x="0" y="0"/>
+          <a:ext cx="0" cy="0"/>
+          <a:chOff x="0" y="0"/>
+          <a:chExt cx="0" cy="0"/>
+        </a:xfrm>
+      </p:grpSpPr>
+      <p:sp>
+        <p:nvSpPr>
+          <p:cNvPr id="2" name="Titel 1">
+            <a:extLst>
+              <a:ext uri="{FF2B5EF4-FFF2-40B4-BE49-F238E27FC236}">
+                <a16:creationId xmlns:a16="http://schemas.microsoft.com/office/drawing/2014/main" id="{EA7F8CB1-618D-4F72-946E-326631DA8589}"/>
+              </a:ext>
+            </a:extLst>
+          </p:cNvPr>
+          <p:cNvSpPr>
+            <a:spLocks noGrp="1"/>
+          </p:cNvSpPr>
+          <p:nvPr>
+            <p:ph type="title"/>
+          </p:nvPr>
+        </p:nvSpPr>
+        <p:spPr>
+          <a:xfrm>
+            <a:off x="1760706" y="685800"/>
+            <a:ext cx="9742318" cy="1752599"/>
+          </a:xfrm>
+        </p:spPr>
+        <p:txBody>
+          <a:bodyPr>
+            <a:normAutofit/>
+          </a:bodyPr>
+          <a:lstStyle/>
+          <a:p>
+            <a:r>
+              <a:rPr lang="de-DE" dirty="0"/>
+              <a:t>Aufgaben</a:t>
+            </a:r>
+          </a:p>
+        </p:txBody>
+      </p:sp>
+      <p:graphicFrame>
+        <p:nvGraphicFramePr>
+          <p:cNvPr id="5" name="Inhaltsplatzhalter 2">
+            <a:extLst>
+              <a:ext uri="{FF2B5EF4-FFF2-40B4-BE49-F238E27FC236}">
+                <a16:creationId xmlns:a16="http://schemas.microsoft.com/office/drawing/2014/main" id="{9BF36403-899A-4E12-A5C5-E3124CE175E7}"/>
+              </a:ext>
+            </a:extLst>
+          </p:cNvPr>
+          <p:cNvGraphicFramePr>
+            <a:graphicFrameLocks noGrp="1"/>
+          </p:cNvGraphicFramePr>
+          <p:nvPr>
+            <p:ph idx="1"/>
+            <p:extLst>
+              <p:ext uri="{D42A27DB-BD31-4B8C-83A1-F6EECF244321}">
+                <p14:modId xmlns:p14="http://schemas.microsoft.com/office/powerpoint/2010/main" val="271199606"/>
+              </p:ext>
+            </p:extLst>
+          </p:nvPr>
+        </p:nvGraphicFramePr>
+        <p:xfrm>
+          <a:off x="1760705" y="2694562"/>
+          <a:ext cx="9742319" cy="3096638"/>
+        </p:xfrm>
+        <a:graphic>
+          <a:graphicData uri="http://schemas.openxmlformats.org/drawingml/2006/diagram">
+            <dgm:relIds xmlns:dgm="http://schemas.openxmlformats.org/drawingml/2006/diagram" xmlns:r="http://schemas.openxmlformats.org/officeDocument/2006/relationships" r:dm="rId2" r:lo="rId3" r:qs="rId4" r:cs="rId5"/>
+          </a:graphicData>
+        </a:graphic>
+      </p:graphicFrame>
+    </p:spTree>
+    <p:extLst>
+      <p:ext uri="{BB962C8B-B14F-4D97-AF65-F5344CB8AC3E}">
+        <p14:creationId xmlns:p14="http://schemas.microsoft.com/office/powerpoint/2010/main" val="3049103386"/>
+      </p:ext>
+    </p:extLst>
+  </p:cSld>
+  <p:clrMapOvr>
+    <a:masterClrMapping/>
+  </p:clrMapOvr>
+</p:sld>
+</file>
+
+<file path=ppt/slides/slide7.xml><?xml version="1.0" encoding="utf-8"?>
+<p:sld xmlns:a="http://schemas.openxmlformats.org/drawingml/2006/main" xmlns:r="http://schemas.openxmlformats.org/officeDocument/2006/relationships" xmlns:p="http://schemas.openxmlformats.org/presentationml/2006/main">
+  <p:cSld>
+    <p:spTree>
+      <p:nvGrpSpPr>
+        <p:cNvPr id="1" name=""/>
+        <p:cNvGrpSpPr/>
+        <p:nvPr/>
+      </p:nvGrpSpPr>
+      <p:grpSpPr>
+        <a:xfrm>
+          <a:off x="0" y="0"/>
+          <a:ext cx="0" cy="0"/>
+          <a:chOff x="0" y="0"/>
+          <a:chExt cx="0" cy="0"/>
+        </a:xfrm>
+      </p:grpSpPr>
+      <p:sp>
+        <p:nvSpPr>
+          <p:cNvPr id="2" name="Titel 1">
+            <a:extLst>
+              <a:ext uri="{FF2B5EF4-FFF2-40B4-BE49-F238E27FC236}">
+                <a16:creationId xmlns:a16="http://schemas.microsoft.com/office/drawing/2014/main" id="{0A6590B8-CB15-40BD-8527-4CE9FDFCAE07}"/>
+              </a:ext>
+            </a:extLst>
+          </p:cNvPr>
+          <p:cNvSpPr>
+            <a:spLocks noGrp="1"/>
+          </p:cNvSpPr>
+          <p:nvPr>
+            <p:ph type="title"/>
+          </p:nvPr>
+        </p:nvSpPr>
+        <p:spPr/>
+        <p:txBody>
+          <a:bodyPr/>
+          <a:lstStyle/>
+          <a:p>
+            <a:r>
+              <a:rPr lang="de-DE" dirty="0"/>
+              <a:t>Verkehrszeichenerkennung</a:t>
+            </a:r>
+          </a:p>
+        </p:txBody>
+      </p:sp>
+      <p:sp>
+        <p:nvSpPr>
+          <p:cNvPr id="3" name="Inhaltsplatzhalter 2">
+            <a:extLst>
+              <a:ext uri="{FF2B5EF4-FFF2-40B4-BE49-F238E27FC236}">
+                <a16:creationId xmlns:a16="http://schemas.microsoft.com/office/drawing/2014/main" id="{031E4C5A-4DB4-4D93-A9A9-7951693ABB73}"/>
+              </a:ext>
+            </a:extLst>
+          </p:cNvPr>
+          <p:cNvSpPr>
+            <a:spLocks noGrp="1"/>
+          </p:cNvSpPr>
+          <p:nvPr>
+            <p:ph idx="1"/>
+          </p:nvPr>
+        </p:nvSpPr>
+        <p:spPr>
+          <a:xfrm>
+            <a:off x="1484310" y="2666999"/>
+            <a:ext cx="5628759" cy="3124201"/>
+          </a:xfrm>
+        </p:spPr>
+        <p:txBody>
+          <a:bodyPr/>
+          <a:lstStyle/>
+          <a:p>
+            <a:r>
+              <a:rPr lang="de-DE" dirty="0"/>
+              <a:t>Umwandlung in den HSL-Farbraum</a:t>
+            </a:r>
+          </a:p>
+          <a:p>
+            <a:r>
+              <a:rPr lang="de-DE" dirty="0"/>
+              <a:t>Auswahl des Farbspektrums </a:t>
+            </a:r>
+            <a:br>
+              <a:rPr lang="de-DE" dirty="0"/>
+            </a:br>
+            <a:r>
+              <a:rPr lang="de-DE" dirty="0"/>
+              <a:t>(für rot, blau und gelb)</a:t>
+            </a:r>
+          </a:p>
+          <a:p>
+            <a:r>
+              <a:rPr lang="de-DE" dirty="0"/>
+              <a:t>Ausschneiden von relevanten Bereichen </a:t>
+            </a:r>
+          </a:p>
+        </p:txBody>
+      </p:sp>
+      <p:sp>
+        <p:nvSpPr>
+          <p:cNvPr id="5" name="Rechteck 4" descr="Auge">
+            <a:extLst>
+              <a:ext uri="{FF2B5EF4-FFF2-40B4-BE49-F238E27FC236}">
+                <a16:creationId xmlns:a16="http://schemas.microsoft.com/office/drawing/2014/main" id="{1A8E1FEE-319D-4C47-84B4-DA0910212ECD}"/>
+              </a:ext>
+            </a:extLst>
+          </p:cNvPr>
+          <p:cNvSpPr/>
+          <p:nvPr/>
+        </p:nvSpPr>
+        <p:spPr>
+          <a:xfrm>
+            <a:off x="1484310" y="1378092"/>
+            <a:ext cx="438473" cy="433930"/>
+          </a:xfrm>
+          <a:prstGeom prst="rect">
+            <a:avLst/>
+          </a:prstGeom>
+          <a:blipFill>
+            <a:blip r:embed="rId2">
+              <a:extLst>
+                <a:ext uri="{28A0092B-C50C-407E-A947-70E740481C1C}">
+                  <a14:useLocalDpi xmlns:a14="http://schemas.microsoft.com/office/drawing/2010/main" val="0"/>
+                </a:ext>
+                <a:ext uri="{96DAC541-7B7A-43D3-8B79-37D633B846F1}">
+                  <asvg:svgBlip xmlns:asvg="http://schemas.microsoft.com/office/drawing/2016/SVG/main" r:embed="rId3"/>
+                </a:ext>
+              </a:extLst>
+            </a:blip>
+            <a:stretch>
+              <a:fillRect/>
+            </a:stretch>
+          </a:blipFill>
+        </p:spPr>
+        <p:style>
+          <a:lnRef idx="2">
+            <a:schemeClr val="lt1">
+              <a:alpha val="0"/>
+              <a:hueOff val="0"/>
+              <a:satOff val="0"/>
+              <a:lumOff val="0"/>
+              <a:alphaOff val="0"/>
+            </a:schemeClr>
+          </a:lnRef>
+          <a:fillRef idx="1">
+            <a:scrgbClr r="0" g="0" b="0"/>
+          </a:fillRef>
+          <a:effectRef idx="0">
+            <a:schemeClr val="accent1">
+              <a:hueOff val="0"/>
+              <a:satOff val="0"/>
+              <a:lumOff val="0"/>
+              <a:alphaOff val="0"/>
+            </a:schemeClr>
+          </a:effectRef>
+          <a:fontRef idx="minor">
+            <a:schemeClr val="lt1"/>
+          </a:fontRef>
+        </p:style>
+      </p:sp>
       <p:pic>
         <p:nvPicPr>
           <p:cNvPr id="7" name="Grafik 6" descr="Ein Bild, das draußen, Haus, Gebäude, Straße enthält.&#10;&#10;Automatisch generierte Beschreibung">
@@ -14964,6 +14795,267 @@
     <p:extLst>
       <p:ext uri="{BB962C8B-B14F-4D97-AF65-F5344CB8AC3E}">
         <p14:creationId xmlns:p14="http://schemas.microsoft.com/office/powerpoint/2010/main" val="3535662410"/>
+      </p:ext>
+    </p:extLst>
+  </p:cSld>
+  <p:clrMapOvr>
+    <a:masterClrMapping/>
+  </p:clrMapOvr>
+</p:sld>
+</file>
+
+<file path=ppt/slides/slide8.xml><?xml version="1.0" encoding="utf-8"?>
+<p:sld xmlns:a="http://schemas.openxmlformats.org/drawingml/2006/main" xmlns:r="http://schemas.openxmlformats.org/officeDocument/2006/relationships" xmlns:p="http://schemas.openxmlformats.org/presentationml/2006/main">
+  <p:cSld>
+    <p:spTree>
+      <p:nvGrpSpPr>
+        <p:cNvPr id="1" name=""/>
+        <p:cNvGrpSpPr/>
+        <p:nvPr/>
+      </p:nvGrpSpPr>
+      <p:grpSpPr>
+        <a:xfrm>
+          <a:off x="0" y="0"/>
+          <a:ext cx="0" cy="0"/>
+          <a:chOff x="0" y="0"/>
+          <a:chExt cx="0" cy="0"/>
+        </a:xfrm>
+      </p:grpSpPr>
+      <p:sp>
+        <p:nvSpPr>
+          <p:cNvPr id="2" name="Titel 1">
+            <a:extLst>
+              <a:ext uri="{FF2B5EF4-FFF2-40B4-BE49-F238E27FC236}">
+                <a16:creationId xmlns:a16="http://schemas.microsoft.com/office/drawing/2014/main" id="{026556F8-89CD-48D7-99BA-A94EEB8B3818}"/>
+              </a:ext>
+            </a:extLst>
+          </p:cNvPr>
+          <p:cNvSpPr>
+            <a:spLocks noGrp="1"/>
+          </p:cNvSpPr>
+          <p:nvPr>
+            <p:ph type="title"/>
+          </p:nvPr>
+        </p:nvSpPr>
+        <p:spPr/>
+        <p:txBody>
+          <a:bodyPr/>
+          <a:lstStyle/>
+          <a:p>
+            <a:r>
+              <a:rPr lang="de-DE" dirty="0"/>
+              <a:t>Klassifikation durch </a:t>
+            </a:r>
+            <a:r>
+              <a:rPr lang="de-DE" dirty="0" err="1"/>
+              <a:t>Countouren</a:t>
+            </a:r>
+            <a:r>
+              <a:rPr lang="de-DE" dirty="0"/>
+              <a:t>-Erkennung</a:t>
+            </a:r>
+          </a:p>
+        </p:txBody>
+      </p:sp>
+      <p:sp>
+        <p:nvSpPr>
+          <p:cNvPr id="3" name="Inhaltsplatzhalter 2">
+            <a:extLst>
+              <a:ext uri="{FF2B5EF4-FFF2-40B4-BE49-F238E27FC236}">
+                <a16:creationId xmlns:a16="http://schemas.microsoft.com/office/drawing/2014/main" id="{94BE050F-E7A4-43EB-BBE2-A543147ADA76}"/>
+              </a:ext>
+            </a:extLst>
+          </p:cNvPr>
+          <p:cNvSpPr>
+            <a:spLocks noGrp="1"/>
+          </p:cNvSpPr>
+          <p:nvPr>
+            <p:ph idx="1"/>
+          </p:nvPr>
+        </p:nvSpPr>
+        <p:spPr/>
+        <p:txBody>
+          <a:bodyPr/>
+          <a:lstStyle/>
+          <a:p>
+            <a:endParaRPr lang="de-DE"/>
+          </a:p>
+        </p:txBody>
+      </p:sp>
+    </p:spTree>
+    <p:extLst>
+      <p:ext uri="{BB962C8B-B14F-4D97-AF65-F5344CB8AC3E}">
+        <p14:creationId xmlns:p14="http://schemas.microsoft.com/office/powerpoint/2010/main" val="3376059909"/>
+      </p:ext>
+    </p:extLst>
+  </p:cSld>
+  <p:clrMapOvr>
+    <a:masterClrMapping/>
+  </p:clrMapOvr>
+</p:sld>
+</file>
+
+<file path=ppt/slides/slide9.xml><?xml version="1.0" encoding="utf-8"?>
+<p:sld xmlns:a="http://schemas.openxmlformats.org/drawingml/2006/main" xmlns:r="http://schemas.openxmlformats.org/officeDocument/2006/relationships" xmlns:p="http://schemas.openxmlformats.org/presentationml/2006/main">
+  <p:cSld>
+    <p:spTree>
+      <p:nvGrpSpPr>
+        <p:cNvPr id="1" name=""/>
+        <p:cNvGrpSpPr/>
+        <p:nvPr/>
+      </p:nvGrpSpPr>
+      <p:grpSpPr>
+        <a:xfrm>
+          <a:off x="0" y="0"/>
+          <a:ext cx="0" cy="0"/>
+          <a:chOff x="0" y="0"/>
+          <a:chExt cx="0" cy="0"/>
+        </a:xfrm>
+      </p:grpSpPr>
+      <p:sp>
+        <p:nvSpPr>
+          <p:cNvPr id="2" name="Titel 1">
+            <a:extLst>
+              <a:ext uri="{FF2B5EF4-FFF2-40B4-BE49-F238E27FC236}">
+                <a16:creationId xmlns:a16="http://schemas.microsoft.com/office/drawing/2014/main" id="{106A606F-ACEC-42F9-93CE-172FD716AC6A}"/>
+              </a:ext>
+            </a:extLst>
+          </p:cNvPr>
+          <p:cNvSpPr>
+            <a:spLocks noGrp="1"/>
+          </p:cNvSpPr>
+          <p:nvPr>
+            <p:ph type="title"/>
+          </p:nvPr>
+        </p:nvSpPr>
+        <p:spPr/>
+        <p:txBody>
+          <a:bodyPr/>
+          <a:lstStyle/>
+          <a:p>
+            <a:r>
+              <a:rPr lang="de-DE" dirty="0"/>
+              <a:t>Deep Learning - Datennutzung </a:t>
+            </a:r>
+          </a:p>
+        </p:txBody>
+      </p:sp>
+      <p:sp>
+        <p:nvSpPr>
+          <p:cNvPr id="3" name="Inhaltsplatzhalter 2">
+            <a:extLst>
+              <a:ext uri="{FF2B5EF4-FFF2-40B4-BE49-F238E27FC236}">
+                <a16:creationId xmlns:a16="http://schemas.microsoft.com/office/drawing/2014/main" id="{12034560-7215-4955-B66C-D6052324B9A5}"/>
+              </a:ext>
+            </a:extLst>
+          </p:cNvPr>
+          <p:cNvSpPr>
+            <a:spLocks noGrp="1"/>
+          </p:cNvSpPr>
+          <p:nvPr>
+            <p:ph idx="1"/>
+          </p:nvPr>
+        </p:nvSpPr>
+        <p:spPr/>
+        <p:txBody>
+          <a:bodyPr/>
+          <a:lstStyle/>
+          <a:p>
+            <a:r>
+              <a:rPr lang="de-DE" dirty="0"/>
+              <a:t>Nutzen des GTSRB Datasets</a:t>
+            </a:r>
+          </a:p>
+          <a:p>
+            <a:r>
+              <a:rPr lang="de-DE" dirty="0"/>
+              <a:t>Selektieren der Verkehrszeichen</a:t>
+            </a:r>
+          </a:p>
+          <a:p>
+            <a:r>
+              <a:rPr lang="de-DE" dirty="0"/>
+              <a:t>Aussortieren von Daten</a:t>
+            </a:r>
+          </a:p>
+          <a:p>
+            <a:r>
+              <a:rPr lang="de-DE" dirty="0"/>
+              <a:t>Data Augmentation</a:t>
+            </a:r>
+          </a:p>
+          <a:p>
+            <a:r>
+              <a:rPr lang="de-DE" dirty="0"/>
+              <a:t>Angleichen</a:t>
+            </a:r>
+          </a:p>
+        </p:txBody>
+      </p:sp>
+      <p:sp>
+        <p:nvSpPr>
+          <p:cNvPr id="4" name="Rechteck 3" descr="Lupe">
+            <a:extLst>
+              <a:ext uri="{FF2B5EF4-FFF2-40B4-BE49-F238E27FC236}">
+                <a16:creationId xmlns:a16="http://schemas.microsoft.com/office/drawing/2014/main" id="{4387D663-38DB-4135-973F-FE4FA9E72E35}"/>
+              </a:ext>
+            </a:extLst>
+          </p:cNvPr>
+          <p:cNvSpPr/>
+          <p:nvPr/>
+        </p:nvSpPr>
+        <p:spPr>
+          <a:xfrm>
+            <a:off x="1484310" y="1378092"/>
+            <a:ext cx="438473" cy="433930"/>
+          </a:xfrm>
+          <a:prstGeom prst="rect">
+            <a:avLst/>
+          </a:prstGeom>
+          <a:blipFill>
+            <a:blip r:embed="rId2">
+              <a:extLst>
+                <a:ext uri="{96DAC541-7B7A-43D3-8B79-37D633B846F1}">
+                  <asvg:svgBlip xmlns:asvg="http://schemas.microsoft.com/office/drawing/2016/SVG/main" r:embed="rId3"/>
+                </a:ext>
+              </a:extLst>
+            </a:blip>
+            <a:srcRect/>
+            <a:stretch>
+              <a:fillRect/>
+            </a:stretch>
+          </a:blipFill>
+        </p:spPr>
+        <p:style>
+          <a:lnRef idx="2">
+            <a:schemeClr val="lt1">
+              <a:alpha val="0"/>
+              <a:hueOff val="0"/>
+              <a:satOff val="0"/>
+              <a:lumOff val="0"/>
+              <a:alphaOff val="0"/>
+            </a:schemeClr>
+          </a:lnRef>
+          <a:fillRef idx="1">
+            <a:scrgbClr r="0" g="0" b="0"/>
+          </a:fillRef>
+          <a:effectRef idx="0">
+            <a:schemeClr val="accent1">
+              <a:hueOff val="0"/>
+              <a:satOff val="0"/>
+              <a:lumOff val="0"/>
+              <a:alphaOff val="0"/>
+            </a:schemeClr>
+          </a:effectRef>
+          <a:fontRef idx="minor">
+            <a:schemeClr val="lt1"/>
+          </a:fontRef>
+        </p:style>
+      </p:sp>
+    </p:spTree>
+    <p:extLst>
+      <p:ext uri="{BB962C8B-B14F-4D97-AF65-F5344CB8AC3E}">
+        <p14:creationId xmlns:p14="http://schemas.microsoft.com/office/powerpoint/2010/main" val="2973639705"/>
       </p:ext>
     </p:extLst>
   </p:cSld>
